--- a/rec/bilder a4.pptx
+++ b/rec/bilder a4.pptx
@@ -1,21 +1,117 @@
 
 <file path=ppt/presentation.xml><?xml version="1.0" encoding="utf-8"?>
-<p:presentation xmlns:a="http://schemas.openxmlformats.org/drawingml/2006/main" xmlns:p="http://schemas.openxmlformats.org/presentationml/2006/main" xmlns:r="http://schemas.openxmlformats.org/officeDocument/2006/relationships" xmlns:p14="http://schemas.microsoft.com/office/powerpoint/2010/main" xmlns:p15="http://schemas.microsoft.com/office/powerpoint/2012/main" xmlns:mc="http://schemas.openxmlformats.org/markup-compatibility/2006">
+<p:presentation xmlns:a="http://schemas.openxmlformats.org/drawingml/2006/main" xmlns:r="http://schemas.openxmlformats.org/officeDocument/2006/relationships" xmlns:p="http://schemas.openxmlformats.org/presentationml/2006/main">
   <p:sldMasterIdLst>
-    <p:sldMasterId id="2147483648" r:id="rId2"/>
-    <p:sldMasterId id="2147483661" r:id="rId3"/>
+    <p:sldMasterId id="2147483648" r:id="rId1"/>
+    <p:sldMasterId id="2147483661" r:id="rId2"/>
   </p:sldMasterIdLst>
   <p:sldIdLst>
-    <p:sldId id="256" r:id="rId4"/>
-    <p:sldId id="257" r:id="rId5"/>
+    <p:sldId id="256" r:id="rId3"/>
+    <p:sldId id="257" r:id="rId4"/>
+    <p:sldId id="258" r:id="rId5"/>
   </p:sldIdLst>
-  <p:sldSz cx="6858000" cy="9906000"/>
-  <p:notesSz cx="7559675" cy="10691812"/>
+  <p:sldSz cx="6858000" cy="9906000" type="A4"/>
+  <p:notesSz cx="7559675" cy="10691813"/>
+  <p:defaultTextStyle>
+    <a:defPPr>
+      <a:defRPr lang="de-DE"/>
+    </a:defPPr>
+    <a:lvl1pPr marL="0" algn="l" defTabSz="914400" rtl="0" eaLnBrk="1" latinLnBrk="0" hangingPunct="1">
+      <a:defRPr sz="1800" kern="1200">
+        <a:solidFill>
+          <a:schemeClr val="tx1"/>
+        </a:solidFill>
+        <a:latin typeface="+mn-lt"/>
+        <a:ea typeface="+mn-ea"/>
+        <a:cs typeface="+mn-cs"/>
+      </a:defRPr>
+    </a:lvl1pPr>
+    <a:lvl2pPr marL="457200" algn="l" defTabSz="914400" rtl="0" eaLnBrk="1" latinLnBrk="0" hangingPunct="1">
+      <a:defRPr sz="1800" kern="1200">
+        <a:solidFill>
+          <a:schemeClr val="tx1"/>
+        </a:solidFill>
+        <a:latin typeface="+mn-lt"/>
+        <a:ea typeface="+mn-ea"/>
+        <a:cs typeface="+mn-cs"/>
+      </a:defRPr>
+    </a:lvl2pPr>
+    <a:lvl3pPr marL="914400" algn="l" defTabSz="914400" rtl="0" eaLnBrk="1" latinLnBrk="0" hangingPunct="1">
+      <a:defRPr sz="1800" kern="1200">
+        <a:solidFill>
+          <a:schemeClr val="tx1"/>
+        </a:solidFill>
+        <a:latin typeface="+mn-lt"/>
+        <a:ea typeface="+mn-ea"/>
+        <a:cs typeface="+mn-cs"/>
+      </a:defRPr>
+    </a:lvl3pPr>
+    <a:lvl4pPr marL="1371600" algn="l" defTabSz="914400" rtl="0" eaLnBrk="1" latinLnBrk="0" hangingPunct="1">
+      <a:defRPr sz="1800" kern="1200">
+        <a:solidFill>
+          <a:schemeClr val="tx1"/>
+        </a:solidFill>
+        <a:latin typeface="+mn-lt"/>
+        <a:ea typeface="+mn-ea"/>
+        <a:cs typeface="+mn-cs"/>
+      </a:defRPr>
+    </a:lvl4pPr>
+    <a:lvl5pPr marL="1828800" algn="l" defTabSz="914400" rtl="0" eaLnBrk="1" latinLnBrk="0" hangingPunct="1">
+      <a:defRPr sz="1800" kern="1200">
+        <a:solidFill>
+          <a:schemeClr val="tx1"/>
+        </a:solidFill>
+        <a:latin typeface="+mn-lt"/>
+        <a:ea typeface="+mn-ea"/>
+        <a:cs typeface="+mn-cs"/>
+      </a:defRPr>
+    </a:lvl5pPr>
+    <a:lvl6pPr marL="2286000" algn="l" defTabSz="914400" rtl="0" eaLnBrk="1" latinLnBrk="0" hangingPunct="1">
+      <a:defRPr sz="1800" kern="1200">
+        <a:solidFill>
+          <a:schemeClr val="tx1"/>
+        </a:solidFill>
+        <a:latin typeface="+mn-lt"/>
+        <a:ea typeface="+mn-ea"/>
+        <a:cs typeface="+mn-cs"/>
+      </a:defRPr>
+    </a:lvl6pPr>
+    <a:lvl7pPr marL="2743200" algn="l" defTabSz="914400" rtl="0" eaLnBrk="1" latinLnBrk="0" hangingPunct="1">
+      <a:defRPr sz="1800" kern="1200">
+        <a:solidFill>
+          <a:schemeClr val="tx1"/>
+        </a:solidFill>
+        <a:latin typeface="+mn-lt"/>
+        <a:ea typeface="+mn-ea"/>
+        <a:cs typeface="+mn-cs"/>
+      </a:defRPr>
+    </a:lvl7pPr>
+    <a:lvl8pPr marL="3200400" algn="l" defTabSz="914400" rtl="0" eaLnBrk="1" latinLnBrk="0" hangingPunct="1">
+      <a:defRPr sz="1800" kern="1200">
+        <a:solidFill>
+          <a:schemeClr val="tx1"/>
+        </a:solidFill>
+        <a:latin typeface="+mn-lt"/>
+        <a:ea typeface="+mn-ea"/>
+        <a:cs typeface="+mn-cs"/>
+      </a:defRPr>
+    </a:lvl8pPr>
+    <a:lvl9pPr marL="3657600" algn="l" defTabSz="914400" rtl="0" eaLnBrk="1" latinLnBrk="0" hangingPunct="1">
+      <a:defRPr sz="1800" kern="1200">
+        <a:solidFill>
+          <a:schemeClr val="tx1"/>
+        </a:solidFill>
+        <a:latin typeface="+mn-lt"/>
+        <a:ea typeface="+mn-ea"/>
+        <a:cs typeface="+mn-cs"/>
+      </a:defRPr>
+    </a:lvl9pPr>
+  </p:defaultTextStyle>
 </p:presentation>
 </file>
 
 <file path=ppt/slideLayouts/slideLayout1.xml><?xml version="1.0" encoding="utf-8"?>
-<p:sldLayout xmlns:a="http://schemas.openxmlformats.org/drawingml/2006/main" xmlns:p="http://schemas.openxmlformats.org/presentationml/2006/main" xmlns:r="http://schemas.openxmlformats.org/officeDocument/2006/relationships" xmlns:p14="http://schemas.microsoft.com/office/powerpoint/2010/main" xmlns:p15="http://schemas.microsoft.com/office/powerpoint/2012/main" xmlns:mc="http://schemas.openxmlformats.org/markup-compatibility/2006" type="blank" preserve="1">
+<p:sldLayout xmlns:a="http://schemas.openxmlformats.org/drawingml/2006/main" xmlns:r="http://schemas.openxmlformats.org/officeDocument/2006/relationships" xmlns:p="http://schemas.openxmlformats.org/presentationml/2006/main" type="blank" preserve="1">
   <p:cSld name="Blank Slide">
     <p:spTree>
       <p:nvGrpSpPr>
@@ -33,11 +129,14 @@
       </p:grpSpPr>
     </p:spTree>
   </p:cSld>
+  <p:clrMapOvr>
+    <a:masterClrMapping/>
+  </p:clrMapOvr>
 </p:sldLayout>
 </file>
 
 <file path=ppt/slideLayouts/slideLayout10.xml><?xml version="1.0" encoding="utf-8"?>
-<p:sldLayout xmlns:a="http://schemas.openxmlformats.org/drawingml/2006/main" xmlns:p="http://schemas.openxmlformats.org/presentationml/2006/main" xmlns:r="http://schemas.openxmlformats.org/officeDocument/2006/relationships" xmlns:p14="http://schemas.microsoft.com/office/powerpoint/2010/main" xmlns:p15="http://schemas.microsoft.com/office/powerpoint/2012/main" xmlns:mc="http://schemas.openxmlformats.org/markup-compatibility/2006" type="objOverTx" preserve="1">
+<p:sldLayout xmlns:a="http://schemas.openxmlformats.org/drawingml/2006/main" xmlns:r="http://schemas.openxmlformats.org/officeDocument/2006/relationships" xmlns:p="http://schemas.openxmlformats.org/presentationml/2006/main" type="objOverTx" preserve="1">
   <p:cSld name="Title, Content over Content">
     <p:spTree>
       <p:nvGrpSpPr>
@@ -73,15 +172,16 @@
           </a:prstGeom>
         </p:spPr>
         <p:txBody>
-          <a:bodyPr lIns="0" rIns="0" tIns="0" bIns="0" anchor="ctr"/>
-          <a:p>
-            <a:endParaRPr b="0" lang="en-US" sz="1800" spc="-1" strike="noStrike">
+          <a:bodyPr lIns="0" tIns="0" rIns="0" bIns="0" anchor="ctr"/>
+          <a:lstStyle/>
+          <a:p>
+            <a:endParaRPr lang="en-US" sz="1800" b="0" strike="noStrike" spc="-1">
               <a:solidFill>
                 <a:srgbClr val="000000"/>
               </a:solidFill>
               <a:uFill>
                 <a:solidFill>
-                  <a:srgbClr val="ffffff"/>
+                  <a:srgbClr val="FFFFFF"/>
                 </a:solidFill>
               </a:uFill>
               <a:latin typeface="Calibri"/>
@@ -109,15 +209,16 @@
           </a:prstGeom>
         </p:spPr>
         <p:txBody>
-          <a:bodyPr lIns="0" rIns="0" tIns="0" bIns="0"/>
-          <a:p>
-            <a:endParaRPr b="0" lang="en-US" sz="2100" spc="-1" strike="noStrike">
+          <a:bodyPr lIns="0" tIns="0" rIns="0" bIns="0"/>
+          <a:lstStyle/>
+          <a:p>
+            <a:endParaRPr lang="en-US" sz="2100" b="0" strike="noStrike" spc="-1">
               <a:solidFill>
                 <a:srgbClr val="000000"/>
               </a:solidFill>
               <a:uFill>
                 <a:solidFill>
-                  <a:srgbClr val="ffffff"/>
+                  <a:srgbClr val="FFFFFF"/>
                 </a:solidFill>
               </a:uFill>
               <a:latin typeface="Calibri"/>
@@ -145,15 +246,16 @@
           </a:prstGeom>
         </p:spPr>
         <p:txBody>
-          <a:bodyPr lIns="0" rIns="0" tIns="0" bIns="0"/>
-          <a:p>
-            <a:endParaRPr b="0" lang="en-US" sz="2100" spc="-1" strike="noStrike">
+          <a:bodyPr lIns="0" tIns="0" rIns="0" bIns="0"/>
+          <a:lstStyle/>
+          <a:p>
+            <a:endParaRPr lang="en-US" sz="2100" b="0" strike="noStrike" spc="-1">
               <a:solidFill>
                 <a:srgbClr val="000000"/>
               </a:solidFill>
               <a:uFill>
                 <a:solidFill>
-                  <a:srgbClr val="ffffff"/>
+                  <a:srgbClr val="FFFFFF"/>
                 </a:solidFill>
               </a:uFill>
               <a:latin typeface="Calibri"/>
@@ -163,11 +265,14 @@
       </p:sp>
     </p:spTree>
   </p:cSld>
+  <p:clrMapOvr>
+    <a:masterClrMapping/>
+  </p:clrMapOvr>
 </p:sldLayout>
 </file>
 
 <file path=ppt/slideLayouts/slideLayout11.xml><?xml version="1.0" encoding="utf-8"?>
-<p:sldLayout xmlns:a="http://schemas.openxmlformats.org/drawingml/2006/main" xmlns:p="http://schemas.openxmlformats.org/presentationml/2006/main" xmlns:r="http://schemas.openxmlformats.org/officeDocument/2006/relationships" xmlns:p14="http://schemas.microsoft.com/office/powerpoint/2010/main" xmlns:p15="http://schemas.microsoft.com/office/powerpoint/2012/main" xmlns:mc="http://schemas.openxmlformats.org/markup-compatibility/2006" type="fourObj" preserve="1">
+<p:sldLayout xmlns:a="http://schemas.openxmlformats.org/drawingml/2006/main" xmlns:r="http://schemas.openxmlformats.org/officeDocument/2006/relationships" xmlns:p="http://schemas.openxmlformats.org/presentationml/2006/main" type="fourObj" preserve="1">
   <p:cSld name="Title, 4 Content">
     <p:spTree>
       <p:nvGrpSpPr>
@@ -203,15 +308,16 @@
           </a:prstGeom>
         </p:spPr>
         <p:txBody>
-          <a:bodyPr lIns="0" rIns="0" tIns="0" bIns="0" anchor="ctr"/>
-          <a:p>
-            <a:endParaRPr b="0" lang="en-US" sz="1800" spc="-1" strike="noStrike">
+          <a:bodyPr lIns="0" tIns="0" rIns="0" bIns="0" anchor="ctr"/>
+          <a:lstStyle/>
+          <a:p>
+            <a:endParaRPr lang="en-US" sz="1800" b="0" strike="noStrike" spc="-1">
               <a:solidFill>
                 <a:srgbClr val="000000"/>
               </a:solidFill>
               <a:uFill>
                 <a:solidFill>
-                  <a:srgbClr val="ffffff"/>
+                  <a:srgbClr val="FFFFFF"/>
                 </a:solidFill>
               </a:uFill>
               <a:latin typeface="Calibri"/>
@@ -239,15 +345,16 @@
           </a:prstGeom>
         </p:spPr>
         <p:txBody>
-          <a:bodyPr lIns="0" rIns="0" tIns="0" bIns="0"/>
-          <a:p>
-            <a:endParaRPr b="0" lang="en-US" sz="2100" spc="-1" strike="noStrike">
+          <a:bodyPr lIns="0" tIns="0" rIns="0" bIns="0"/>
+          <a:lstStyle/>
+          <a:p>
+            <a:endParaRPr lang="en-US" sz="2100" b="0" strike="noStrike" spc="-1">
               <a:solidFill>
                 <a:srgbClr val="000000"/>
               </a:solidFill>
               <a:uFill>
                 <a:solidFill>
-                  <a:srgbClr val="ffffff"/>
+                  <a:srgbClr val="FFFFFF"/>
                 </a:solidFill>
               </a:uFill>
               <a:latin typeface="Calibri"/>
@@ -275,15 +382,16 @@
           </a:prstGeom>
         </p:spPr>
         <p:txBody>
-          <a:bodyPr lIns="0" rIns="0" tIns="0" bIns="0"/>
-          <a:p>
-            <a:endParaRPr b="0" lang="en-US" sz="2100" spc="-1" strike="noStrike">
+          <a:bodyPr lIns="0" tIns="0" rIns="0" bIns="0"/>
+          <a:lstStyle/>
+          <a:p>
+            <a:endParaRPr lang="en-US" sz="2100" b="0" strike="noStrike" spc="-1">
               <a:solidFill>
                 <a:srgbClr val="000000"/>
               </a:solidFill>
               <a:uFill>
                 <a:solidFill>
-                  <a:srgbClr val="ffffff"/>
+                  <a:srgbClr val="FFFFFF"/>
                 </a:solidFill>
               </a:uFill>
               <a:latin typeface="Calibri"/>
@@ -311,15 +419,16 @@
           </a:prstGeom>
         </p:spPr>
         <p:txBody>
-          <a:bodyPr lIns="0" rIns="0" tIns="0" bIns="0"/>
-          <a:p>
-            <a:endParaRPr b="0" lang="en-US" sz="2100" spc="-1" strike="noStrike">
+          <a:bodyPr lIns="0" tIns="0" rIns="0" bIns="0"/>
+          <a:lstStyle/>
+          <a:p>
+            <a:endParaRPr lang="en-US" sz="2100" b="0" strike="noStrike" spc="-1">
               <a:solidFill>
                 <a:srgbClr val="000000"/>
               </a:solidFill>
               <a:uFill>
                 <a:solidFill>
-                  <a:srgbClr val="ffffff"/>
+                  <a:srgbClr val="FFFFFF"/>
                 </a:solidFill>
               </a:uFill>
               <a:latin typeface="Calibri"/>
@@ -347,15 +456,16 @@
           </a:prstGeom>
         </p:spPr>
         <p:txBody>
-          <a:bodyPr lIns="0" rIns="0" tIns="0" bIns="0"/>
-          <a:p>
-            <a:endParaRPr b="0" lang="en-US" sz="2100" spc="-1" strike="noStrike">
+          <a:bodyPr lIns="0" tIns="0" rIns="0" bIns="0"/>
+          <a:lstStyle/>
+          <a:p>
+            <a:endParaRPr lang="en-US" sz="2100" b="0" strike="noStrike" spc="-1">
               <a:solidFill>
                 <a:srgbClr val="000000"/>
               </a:solidFill>
               <a:uFill>
                 <a:solidFill>
-                  <a:srgbClr val="ffffff"/>
+                  <a:srgbClr val="FFFFFF"/>
                 </a:solidFill>
               </a:uFill>
               <a:latin typeface="Calibri"/>
@@ -365,11 +475,14 @@
       </p:sp>
     </p:spTree>
   </p:cSld>
+  <p:clrMapOvr>
+    <a:masterClrMapping/>
+  </p:clrMapOvr>
 </p:sldLayout>
 </file>
 
 <file path=ppt/slideLayouts/slideLayout12.xml><?xml version="1.0" encoding="utf-8"?>
-<p:sldLayout xmlns:a="http://schemas.openxmlformats.org/drawingml/2006/main" xmlns:p="http://schemas.openxmlformats.org/presentationml/2006/main" xmlns:r="http://schemas.openxmlformats.org/officeDocument/2006/relationships" xmlns:p14="http://schemas.microsoft.com/office/powerpoint/2010/main" xmlns:p15="http://schemas.microsoft.com/office/powerpoint/2012/main" xmlns:mc="http://schemas.openxmlformats.org/markup-compatibility/2006" type="blank" preserve="1">
+<p:sldLayout xmlns:a="http://schemas.openxmlformats.org/drawingml/2006/main" xmlns:r="http://schemas.openxmlformats.org/officeDocument/2006/relationships" xmlns:p="http://schemas.openxmlformats.org/presentationml/2006/main" type="blank" preserve="1">
   <p:cSld name="Title, 6 Content">
     <p:spTree>
       <p:nvGrpSpPr>
@@ -405,15 +518,16 @@
           </a:prstGeom>
         </p:spPr>
         <p:txBody>
-          <a:bodyPr lIns="0" rIns="0" tIns="0" bIns="0" anchor="ctr"/>
-          <a:p>
-            <a:endParaRPr b="0" lang="en-US" sz="1800" spc="-1" strike="noStrike">
+          <a:bodyPr lIns="0" tIns="0" rIns="0" bIns="0" anchor="ctr"/>
+          <a:lstStyle/>
+          <a:p>
+            <a:endParaRPr lang="en-US" sz="1800" b="0" strike="noStrike" spc="-1">
               <a:solidFill>
                 <a:srgbClr val="000000"/>
               </a:solidFill>
               <a:uFill>
                 <a:solidFill>
-                  <a:srgbClr val="ffffff"/>
+                  <a:srgbClr val="FFFFFF"/>
                 </a:solidFill>
               </a:uFill>
               <a:latin typeface="Calibri"/>
@@ -441,15 +555,16 @@
           </a:prstGeom>
         </p:spPr>
         <p:txBody>
-          <a:bodyPr lIns="0" rIns="0" tIns="0" bIns="0"/>
-          <a:p>
-            <a:endParaRPr b="0" lang="en-US" sz="2100" spc="-1" strike="noStrike">
+          <a:bodyPr lIns="0" tIns="0" rIns="0" bIns="0"/>
+          <a:lstStyle/>
+          <a:p>
+            <a:endParaRPr lang="en-US" sz="2100" b="0" strike="noStrike" spc="-1">
               <a:solidFill>
                 <a:srgbClr val="000000"/>
               </a:solidFill>
               <a:uFill>
                 <a:solidFill>
-                  <a:srgbClr val="ffffff"/>
+                  <a:srgbClr val="FFFFFF"/>
                 </a:solidFill>
               </a:uFill>
               <a:latin typeface="Calibri"/>
@@ -477,15 +592,16 @@
           </a:prstGeom>
         </p:spPr>
         <p:txBody>
-          <a:bodyPr lIns="0" rIns="0" tIns="0" bIns="0"/>
-          <a:p>
-            <a:endParaRPr b="0" lang="en-US" sz="2100" spc="-1" strike="noStrike">
+          <a:bodyPr lIns="0" tIns="0" rIns="0" bIns="0"/>
+          <a:lstStyle/>
+          <a:p>
+            <a:endParaRPr lang="en-US" sz="2100" b="0" strike="noStrike" spc="-1">
               <a:solidFill>
                 <a:srgbClr val="000000"/>
               </a:solidFill>
               <a:uFill>
                 <a:solidFill>
-                  <a:srgbClr val="ffffff"/>
+                  <a:srgbClr val="FFFFFF"/>
                 </a:solidFill>
               </a:uFill>
               <a:latin typeface="Calibri"/>
@@ -495,7 +611,7 @@
       </p:sp>
       <p:pic>
         <p:nvPicPr>
-          <p:cNvPr id="34" name="" descr=""/>
+          <p:cNvPr id="34" name="Grafik 33"/>
           <p:cNvPicPr/>
           <p:nvPr/>
         </p:nvPicPr>
@@ -518,12 +634,12 @@
       </p:pic>
       <p:pic>
         <p:nvPicPr>
-          <p:cNvPr id="35" name="" descr=""/>
+          <p:cNvPr id="35" name="Grafik 34"/>
           <p:cNvPicPr/>
           <p:nvPr/>
         </p:nvPicPr>
         <p:blipFill>
-          <a:blip r:embed="rId3"/>
+          <a:blip r:embed="rId2"/>
           <a:stretch/>
         </p:blipFill>
         <p:spPr>
@@ -541,11 +657,14 @@
       </p:pic>
     </p:spTree>
   </p:cSld>
+  <p:clrMapOvr>
+    <a:masterClrMapping/>
+  </p:clrMapOvr>
 </p:sldLayout>
 </file>
 
 <file path=ppt/slideLayouts/slideLayout13.xml><?xml version="1.0" encoding="utf-8"?>
-<p:sldLayout xmlns:a="http://schemas.openxmlformats.org/drawingml/2006/main" xmlns:p="http://schemas.openxmlformats.org/presentationml/2006/main" xmlns:r="http://schemas.openxmlformats.org/officeDocument/2006/relationships" xmlns:p14="http://schemas.microsoft.com/office/powerpoint/2010/main" xmlns:p15="http://schemas.microsoft.com/office/powerpoint/2012/main" xmlns:mc="http://schemas.openxmlformats.org/markup-compatibility/2006" type="blank" preserve="1">
+<p:sldLayout xmlns:a="http://schemas.openxmlformats.org/drawingml/2006/main" xmlns:r="http://schemas.openxmlformats.org/officeDocument/2006/relationships" xmlns:p="http://schemas.openxmlformats.org/presentationml/2006/main" type="blank" preserve="1">
   <p:cSld name="Blank Slide">
     <p:spTree>
       <p:nvGrpSpPr>
@@ -563,11 +682,14 @@
       </p:grpSpPr>
     </p:spTree>
   </p:cSld>
+  <p:clrMapOvr>
+    <a:masterClrMapping/>
+  </p:clrMapOvr>
 </p:sldLayout>
 </file>
 
 <file path=ppt/slideLayouts/slideLayout14.xml><?xml version="1.0" encoding="utf-8"?>
-<p:sldLayout xmlns:a="http://schemas.openxmlformats.org/drawingml/2006/main" xmlns:p="http://schemas.openxmlformats.org/presentationml/2006/main" xmlns:r="http://schemas.openxmlformats.org/officeDocument/2006/relationships" xmlns:p14="http://schemas.microsoft.com/office/powerpoint/2010/main" xmlns:p15="http://schemas.microsoft.com/office/powerpoint/2012/main" xmlns:mc="http://schemas.openxmlformats.org/markup-compatibility/2006" type="tx" preserve="1">
+<p:sldLayout xmlns:a="http://schemas.openxmlformats.org/drawingml/2006/main" xmlns:r="http://schemas.openxmlformats.org/officeDocument/2006/relationships" xmlns:p="http://schemas.openxmlformats.org/presentationml/2006/main" type="tx" preserve="1">
   <p:cSld name="Title Slide">
     <p:spTree>
       <p:nvGrpSpPr>
@@ -603,15 +725,16 @@
           </a:prstGeom>
         </p:spPr>
         <p:txBody>
-          <a:bodyPr lIns="0" rIns="0" tIns="0" bIns="0" anchor="ctr"/>
-          <a:p>
-            <a:endParaRPr b="0" lang="en-US" sz="1800" spc="-1" strike="noStrike">
+          <a:bodyPr lIns="0" tIns="0" rIns="0" bIns="0" anchor="ctr"/>
+          <a:lstStyle/>
+          <a:p>
+            <a:endParaRPr lang="en-US" sz="1800" b="0" strike="noStrike" spc="-1">
               <a:solidFill>
                 <a:srgbClr val="000000"/>
               </a:solidFill>
               <a:uFill>
                 <a:solidFill>
-                  <a:srgbClr val="ffffff"/>
+                  <a:srgbClr val="FFFFFF"/>
                 </a:solidFill>
               </a:uFill>
               <a:latin typeface="Calibri"/>
@@ -639,16 +762,17 @@
           </a:prstGeom>
         </p:spPr>
         <p:txBody>
-          <a:bodyPr lIns="0" rIns="0" tIns="0" bIns="0" anchor="ctr"/>
+          <a:bodyPr lIns="0" tIns="0" rIns="0" bIns="0" anchor="ctr"/>
+          <a:lstStyle/>
           <a:p>
             <a:pPr algn="ctr"/>
-            <a:endParaRPr b="0" lang="de-DE" sz="3200" spc="-1" strike="noStrike">
+            <a:endParaRPr lang="de-DE" sz="3200" b="0" strike="noStrike" spc="-1">
               <a:solidFill>
                 <a:srgbClr val="000000"/>
               </a:solidFill>
               <a:uFill>
                 <a:solidFill>
-                  <a:srgbClr val="ffffff"/>
+                  <a:srgbClr val="FFFFFF"/>
                 </a:solidFill>
               </a:uFill>
               <a:latin typeface="Arial"/>
@@ -658,11 +782,14 @@
       </p:sp>
     </p:spTree>
   </p:cSld>
+  <p:clrMapOvr>
+    <a:masterClrMapping/>
+  </p:clrMapOvr>
 </p:sldLayout>
 </file>
 
 <file path=ppt/slideLayouts/slideLayout15.xml><?xml version="1.0" encoding="utf-8"?>
-<p:sldLayout xmlns:a="http://schemas.openxmlformats.org/drawingml/2006/main" xmlns:p="http://schemas.openxmlformats.org/presentationml/2006/main" xmlns:r="http://schemas.openxmlformats.org/officeDocument/2006/relationships" xmlns:p14="http://schemas.microsoft.com/office/powerpoint/2010/main" xmlns:p15="http://schemas.microsoft.com/office/powerpoint/2012/main" xmlns:mc="http://schemas.openxmlformats.org/markup-compatibility/2006" type="obj" preserve="1">
+<p:sldLayout xmlns:a="http://schemas.openxmlformats.org/drawingml/2006/main" xmlns:r="http://schemas.openxmlformats.org/officeDocument/2006/relationships" xmlns:p="http://schemas.openxmlformats.org/presentationml/2006/main" type="obj" preserve="1">
   <p:cSld name="Title, Content">
     <p:spTree>
       <p:nvGrpSpPr>
@@ -698,15 +825,16 @@
           </a:prstGeom>
         </p:spPr>
         <p:txBody>
-          <a:bodyPr lIns="0" rIns="0" tIns="0" bIns="0" anchor="ctr"/>
-          <a:p>
-            <a:endParaRPr b="0" lang="en-US" sz="1800" spc="-1" strike="noStrike">
+          <a:bodyPr lIns="0" tIns="0" rIns="0" bIns="0" anchor="ctr"/>
+          <a:lstStyle/>
+          <a:p>
+            <a:endParaRPr lang="en-US" sz="1800" b="0" strike="noStrike" spc="-1">
               <a:solidFill>
                 <a:srgbClr val="000000"/>
               </a:solidFill>
               <a:uFill>
                 <a:solidFill>
-                  <a:srgbClr val="ffffff"/>
+                  <a:srgbClr val="FFFFFF"/>
                 </a:solidFill>
               </a:uFill>
               <a:latin typeface="Calibri"/>
@@ -734,15 +862,16 @@
           </a:prstGeom>
         </p:spPr>
         <p:txBody>
-          <a:bodyPr lIns="0" rIns="0" tIns="0" bIns="0"/>
-          <a:p>
-            <a:endParaRPr b="0" lang="en-US" sz="2100" spc="-1" strike="noStrike">
+          <a:bodyPr lIns="0" tIns="0" rIns="0" bIns="0"/>
+          <a:lstStyle/>
+          <a:p>
+            <a:endParaRPr lang="en-US" sz="2100" b="0" strike="noStrike" spc="-1">
               <a:solidFill>
                 <a:srgbClr val="000000"/>
               </a:solidFill>
               <a:uFill>
                 <a:solidFill>
-                  <a:srgbClr val="ffffff"/>
+                  <a:srgbClr val="FFFFFF"/>
                 </a:solidFill>
               </a:uFill>
               <a:latin typeface="Calibri"/>
@@ -752,11 +881,14 @@
       </p:sp>
     </p:spTree>
   </p:cSld>
+  <p:clrMapOvr>
+    <a:masterClrMapping/>
+  </p:clrMapOvr>
 </p:sldLayout>
 </file>
 
 <file path=ppt/slideLayouts/slideLayout16.xml><?xml version="1.0" encoding="utf-8"?>
-<p:sldLayout xmlns:a="http://schemas.openxmlformats.org/drawingml/2006/main" xmlns:p="http://schemas.openxmlformats.org/presentationml/2006/main" xmlns:r="http://schemas.openxmlformats.org/officeDocument/2006/relationships" xmlns:p14="http://schemas.microsoft.com/office/powerpoint/2010/main" xmlns:p15="http://schemas.microsoft.com/office/powerpoint/2012/main" xmlns:mc="http://schemas.openxmlformats.org/markup-compatibility/2006" type="twoObj" preserve="1">
+<p:sldLayout xmlns:a="http://schemas.openxmlformats.org/drawingml/2006/main" xmlns:r="http://schemas.openxmlformats.org/officeDocument/2006/relationships" xmlns:p="http://schemas.openxmlformats.org/presentationml/2006/main" type="twoObj" preserve="1">
   <p:cSld name="Title, 2 Content">
     <p:spTree>
       <p:nvGrpSpPr>
@@ -792,15 +924,16 @@
           </a:prstGeom>
         </p:spPr>
         <p:txBody>
-          <a:bodyPr lIns="0" rIns="0" tIns="0" bIns="0" anchor="ctr"/>
-          <a:p>
-            <a:endParaRPr b="0" lang="en-US" sz="1800" spc="-1" strike="noStrike">
+          <a:bodyPr lIns="0" tIns="0" rIns="0" bIns="0" anchor="ctr"/>
+          <a:lstStyle/>
+          <a:p>
+            <a:endParaRPr lang="en-US" sz="1800" b="0" strike="noStrike" spc="-1">
               <a:solidFill>
                 <a:srgbClr val="000000"/>
               </a:solidFill>
               <a:uFill>
                 <a:solidFill>
-                  <a:srgbClr val="ffffff"/>
+                  <a:srgbClr val="FFFFFF"/>
                 </a:solidFill>
               </a:uFill>
               <a:latin typeface="Calibri"/>
@@ -828,15 +961,16 @@
           </a:prstGeom>
         </p:spPr>
         <p:txBody>
-          <a:bodyPr lIns="0" rIns="0" tIns="0" bIns="0"/>
-          <a:p>
-            <a:endParaRPr b="0" lang="en-US" sz="2100" spc="-1" strike="noStrike">
+          <a:bodyPr lIns="0" tIns="0" rIns="0" bIns="0"/>
+          <a:lstStyle/>
+          <a:p>
+            <a:endParaRPr lang="en-US" sz="2100" b="0" strike="noStrike" spc="-1">
               <a:solidFill>
                 <a:srgbClr val="000000"/>
               </a:solidFill>
               <a:uFill>
                 <a:solidFill>
-                  <a:srgbClr val="ffffff"/>
+                  <a:srgbClr val="FFFFFF"/>
                 </a:solidFill>
               </a:uFill>
               <a:latin typeface="Calibri"/>
@@ -864,15 +998,16 @@
           </a:prstGeom>
         </p:spPr>
         <p:txBody>
-          <a:bodyPr lIns="0" rIns="0" tIns="0" bIns="0"/>
-          <a:p>
-            <a:endParaRPr b="0" lang="en-US" sz="2100" spc="-1" strike="noStrike">
+          <a:bodyPr lIns="0" tIns="0" rIns="0" bIns="0"/>
+          <a:lstStyle/>
+          <a:p>
+            <a:endParaRPr lang="en-US" sz="2100" b="0" strike="noStrike" spc="-1">
               <a:solidFill>
                 <a:srgbClr val="000000"/>
               </a:solidFill>
               <a:uFill>
                 <a:solidFill>
-                  <a:srgbClr val="ffffff"/>
+                  <a:srgbClr val="FFFFFF"/>
                 </a:solidFill>
               </a:uFill>
               <a:latin typeface="Calibri"/>
@@ -882,11 +1017,14 @@
       </p:sp>
     </p:spTree>
   </p:cSld>
+  <p:clrMapOvr>
+    <a:masterClrMapping/>
+  </p:clrMapOvr>
 </p:sldLayout>
 </file>
 
 <file path=ppt/slideLayouts/slideLayout17.xml><?xml version="1.0" encoding="utf-8"?>
-<p:sldLayout xmlns:a="http://schemas.openxmlformats.org/drawingml/2006/main" xmlns:p="http://schemas.openxmlformats.org/presentationml/2006/main" xmlns:r="http://schemas.openxmlformats.org/officeDocument/2006/relationships" xmlns:p14="http://schemas.microsoft.com/office/powerpoint/2010/main" xmlns:p15="http://schemas.microsoft.com/office/powerpoint/2012/main" xmlns:mc="http://schemas.openxmlformats.org/markup-compatibility/2006" type="titleOnly" preserve="1">
+<p:sldLayout xmlns:a="http://schemas.openxmlformats.org/drawingml/2006/main" xmlns:r="http://schemas.openxmlformats.org/officeDocument/2006/relationships" xmlns:p="http://schemas.openxmlformats.org/presentationml/2006/main" type="titleOnly" preserve="1">
   <p:cSld name="Title Only">
     <p:spTree>
       <p:nvGrpSpPr>
@@ -922,15 +1060,16 @@
           </a:prstGeom>
         </p:spPr>
         <p:txBody>
-          <a:bodyPr lIns="0" rIns="0" tIns="0" bIns="0" anchor="ctr"/>
-          <a:p>
-            <a:endParaRPr b="0" lang="en-US" sz="1800" spc="-1" strike="noStrike">
+          <a:bodyPr lIns="0" tIns="0" rIns="0" bIns="0" anchor="ctr"/>
+          <a:lstStyle/>
+          <a:p>
+            <a:endParaRPr lang="en-US" sz="1800" b="0" strike="noStrike" spc="-1">
               <a:solidFill>
                 <a:srgbClr val="000000"/>
               </a:solidFill>
               <a:uFill>
                 <a:solidFill>
-                  <a:srgbClr val="ffffff"/>
+                  <a:srgbClr val="FFFFFF"/>
                 </a:solidFill>
               </a:uFill>
               <a:latin typeface="Calibri"/>
@@ -940,11 +1079,14 @@
       </p:sp>
     </p:spTree>
   </p:cSld>
+  <p:clrMapOvr>
+    <a:masterClrMapping/>
+  </p:clrMapOvr>
 </p:sldLayout>
 </file>
 
 <file path=ppt/slideLayouts/slideLayout18.xml><?xml version="1.0" encoding="utf-8"?>
-<p:sldLayout xmlns:a="http://schemas.openxmlformats.org/drawingml/2006/main" xmlns:p="http://schemas.openxmlformats.org/presentationml/2006/main" xmlns:r="http://schemas.openxmlformats.org/officeDocument/2006/relationships" xmlns:p14="http://schemas.microsoft.com/office/powerpoint/2010/main" xmlns:p15="http://schemas.microsoft.com/office/powerpoint/2012/main" xmlns:mc="http://schemas.openxmlformats.org/markup-compatibility/2006" type="objOnly" preserve="1">
+<p:sldLayout xmlns:a="http://schemas.openxmlformats.org/drawingml/2006/main" xmlns:r="http://schemas.openxmlformats.org/officeDocument/2006/relationships" xmlns:p="http://schemas.openxmlformats.org/presentationml/2006/main" type="objOnly" preserve="1">
   <p:cSld name="Centered Text">
     <p:spTree>
       <p:nvGrpSpPr>
@@ -980,16 +1122,17 @@
           </a:prstGeom>
         </p:spPr>
         <p:txBody>
-          <a:bodyPr lIns="0" rIns="0" tIns="0" bIns="0" anchor="ctr"/>
+          <a:bodyPr lIns="0" tIns="0" rIns="0" bIns="0" anchor="ctr"/>
+          <a:lstStyle/>
           <a:p>
             <a:pPr algn="ctr"/>
-            <a:endParaRPr b="0" lang="de-DE" sz="3200" spc="-1" strike="noStrike">
+            <a:endParaRPr lang="de-DE" sz="3200" b="0" strike="noStrike" spc="-1">
               <a:solidFill>
                 <a:srgbClr val="000000"/>
               </a:solidFill>
               <a:uFill>
                 <a:solidFill>
-                  <a:srgbClr val="ffffff"/>
+                  <a:srgbClr val="FFFFFF"/>
                 </a:solidFill>
               </a:uFill>
               <a:latin typeface="Arial"/>
@@ -999,11 +1142,14 @@
       </p:sp>
     </p:spTree>
   </p:cSld>
+  <p:clrMapOvr>
+    <a:masterClrMapping/>
+  </p:clrMapOvr>
 </p:sldLayout>
 </file>
 
 <file path=ppt/slideLayouts/slideLayout19.xml><?xml version="1.0" encoding="utf-8"?>
-<p:sldLayout xmlns:a="http://schemas.openxmlformats.org/drawingml/2006/main" xmlns:p="http://schemas.openxmlformats.org/presentationml/2006/main" xmlns:r="http://schemas.openxmlformats.org/officeDocument/2006/relationships" xmlns:p14="http://schemas.microsoft.com/office/powerpoint/2010/main" xmlns:p15="http://schemas.microsoft.com/office/powerpoint/2012/main" xmlns:mc="http://schemas.openxmlformats.org/markup-compatibility/2006" type="twoObjAndObj" preserve="1">
+<p:sldLayout xmlns:a="http://schemas.openxmlformats.org/drawingml/2006/main" xmlns:r="http://schemas.openxmlformats.org/officeDocument/2006/relationships" xmlns:p="http://schemas.openxmlformats.org/presentationml/2006/main" type="twoObjAndObj" preserve="1">
   <p:cSld name="Title, 2 Content and Content">
     <p:spTree>
       <p:nvGrpSpPr>
@@ -1039,15 +1185,16 @@
           </a:prstGeom>
         </p:spPr>
         <p:txBody>
-          <a:bodyPr lIns="0" rIns="0" tIns="0" bIns="0" anchor="ctr"/>
-          <a:p>
-            <a:endParaRPr b="0" lang="en-US" sz="1800" spc="-1" strike="noStrike">
+          <a:bodyPr lIns="0" tIns="0" rIns="0" bIns="0" anchor="ctr"/>
+          <a:lstStyle/>
+          <a:p>
+            <a:endParaRPr lang="en-US" sz="1800" b="0" strike="noStrike" spc="-1">
               <a:solidFill>
                 <a:srgbClr val="000000"/>
               </a:solidFill>
               <a:uFill>
                 <a:solidFill>
-                  <a:srgbClr val="ffffff"/>
+                  <a:srgbClr val="FFFFFF"/>
                 </a:solidFill>
               </a:uFill>
               <a:latin typeface="Calibri"/>
@@ -1075,15 +1222,16 @@
           </a:prstGeom>
         </p:spPr>
         <p:txBody>
-          <a:bodyPr lIns="0" rIns="0" tIns="0" bIns="0"/>
-          <a:p>
-            <a:endParaRPr b="0" lang="en-US" sz="2100" spc="-1" strike="noStrike">
+          <a:bodyPr lIns="0" tIns="0" rIns="0" bIns="0"/>
+          <a:lstStyle/>
+          <a:p>
+            <a:endParaRPr lang="en-US" sz="2100" b="0" strike="noStrike" spc="-1">
               <a:solidFill>
                 <a:srgbClr val="000000"/>
               </a:solidFill>
               <a:uFill>
                 <a:solidFill>
-                  <a:srgbClr val="ffffff"/>
+                  <a:srgbClr val="FFFFFF"/>
                 </a:solidFill>
               </a:uFill>
               <a:latin typeface="Calibri"/>
@@ -1111,15 +1259,16 @@
           </a:prstGeom>
         </p:spPr>
         <p:txBody>
-          <a:bodyPr lIns="0" rIns="0" tIns="0" bIns="0"/>
-          <a:p>
-            <a:endParaRPr b="0" lang="en-US" sz="2100" spc="-1" strike="noStrike">
+          <a:bodyPr lIns="0" tIns="0" rIns="0" bIns="0"/>
+          <a:lstStyle/>
+          <a:p>
+            <a:endParaRPr lang="en-US" sz="2100" b="0" strike="noStrike" spc="-1">
               <a:solidFill>
                 <a:srgbClr val="000000"/>
               </a:solidFill>
               <a:uFill>
                 <a:solidFill>
-                  <a:srgbClr val="ffffff"/>
+                  <a:srgbClr val="FFFFFF"/>
                 </a:solidFill>
               </a:uFill>
               <a:latin typeface="Calibri"/>
@@ -1147,15 +1296,16 @@
           </a:prstGeom>
         </p:spPr>
         <p:txBody>
-          <a:bodyPr lIns="0" rIns="0" tIns="0" bIns="0"/>
-          <a:p>
-            <a:endParaRPr b="0" lang="en-US" sz="2100" spc="-1" strike="noStrike">
+          <a:bodyPr lIns="0" tIns="0" rIns="0" bIns="0"/>
+          <a:lstStyle/>
+          <a:p>
+            <a:endParaRPr lang="en-US" sz="2100" b="0" strike="noStrike" spc="-1">
               <a:solidFill>
                 <a:srgbClr val="000000"/>
               </a:solidFill>
               <a:uFill>
                 <a:solidFill>
-                  <a:srgbClr val="ffffff"/>
+                  <a:srgbClr val="FFFFFF"/>
                 </a:solidFill>
               </a:uFill>
               <a:latin typeface="Calibri"/>
@@ -1165,11 +1315,14 @@
       </p:sp>
     </p:spTree>
   </p:cSld>
+  <p:clrMapOvr>
+    <a:masterClrMapping/>
+  </p:clrMapOvr>
 </p:sldLayout>
 </file>
 
 <file path=ppt/slideLayouts/slideLayout2.xml><?xml version="1.0" encoding="utf-8"?>
-<p:sldLayout xmlns:a="http://schemas.openxmlformats.org/drawingml/2006/main" xmlns:p="http://schemas.openxmlformats.org/presentationml/2006/main" xmlns:r="http://schemas.openxmlformats.org/officeDocument/2006/relationships" xmlns:p14="http://schemas.microsoft.com/office/powerpoint/2010/main" xmlns:p15="http://schemas.microsoft.com/office/powerpoint/2012/main" xmlns:mc="http://schemas.openxmlformats.org/markup-compatibility/2006" type="tx" preserve="1">
+<p:sldLayout xmlns:a="http://schemas.openxmlformats.org/drawingml/2006/main" xmlns:r="http://schemas.openxmlformats.org/officeDocument/2006/relationships" xmlns:p="http://schemas.openxmlformats.org/presentationml/2006/main" type="tx" preserve="1">
   <p:cSld name="Title Slide">
     <p:spTree>
       <p:nvGrpSpPr>
@@ -1205,15 +1358,16 @@
           </a:prstGeom>
         </p:spPr>
         <p:txBody>
-          <a:bodyPr lIns="0" rIns="0" tIns="0" bIns="0" anchor="ctr"/>
-          <a:p>
-            <a:endParaRPr b="0" lang="en-US" sz="1800" spc="-1" strike="noStrike">
+          <a:bodyPr lIns="0" tIns="0" rIns="0" bIns="0" anchor="ctr"/>
+          <a:lstStyle/>
+          <a:p>
+            <a:endParaRPr lang="en-US" sz="1800" b="0" strike="noStrike" spc="-1">
               <a:solidFill>
                 <a:srgbClr val="000000"/>
               </a:solidFill>
               <a:uFill>
                 <a:solidFill>
-                  <a:srgbClr val="ffffff"/>
+                  <a:srgbClr val="FFFFFF"/>
                 </a:solidFill>
               </a:uFill>
               <a:latin typeface="Calibri"/>
@@ -1241,16 +1395,17 @@
           </a:prstGeom>
         </p:spPr>
         <p:txBody>
-          <a:bodyPr lIns="0" rIns="0" tIns="0" bIns="0" anchor="ctr"/>
+          <a:bodyPr lIns="0" tIns="0" rIns="0" bIns="0" anchor="ctr"/>
+          <a:lstStyle/>
           <a:p>
             <a:pPr algn="ctr"/>
-            <a:endParaRPr b="0" lang="de-DE" sz="3200" spc="-1" strike="noStrike">
+            <a:endParaRPr lang="de-DE" sz="3200" b="0" strike="noStrike" spc="-1">
               <a:solidFill>
                 <a:srgbClr val="000000"/>
               </a:solidFill>
               <a:uFill>
                 <a:solidFill>
-                  <a:srgbClr val="ffffff"/>
+                  <a:srgbClr val="FFFFFF"/>
                 </a:solidFill>
               </a:uFill>
               <a:latin typeface="Arial"/>
@@ -1260,11 +1415,14 @@
       </p:sp>
     </p:spTree>
   </p:cSld>
+  <p:clrMapOvr>
+    <a:masterClrMapping/>
+  </p:clrMapOvr>
 </p:sldLayout>
 </file>
 
 <file path=ppt/slideLayouts/slideLayout20.xml><?xml version="1.0" encoding="utf-8"?>
-<p:sldLayout xmlns:a="http://schemas.openxmlformats.org/drawingml/2006/main" xmlns:p="http://schemas.openxmlformats.org/presentationml/2006/main" xmlns:r="http://schemas.openxmlformats.org/officeDocument/2006/relationships" xmlns:p14="http://schemas.microsoft.com/office/powerpoint/2010/main" xmlns:p15="http://schemas.microsoft.com/office/powerpoint/2012/main" xmlns:mc="http://schemas.openxmlformats.org/markup-compatibility/2006" type="objAndTwoObj" preserve="1">
+<p:sldLayout xmlns:a="http://schemas.openxmlformats.org/drawingml/2006/main" xmlns:r="http://schemas.openxmlformats.org/officeDocument/2006/relationships" xmlns:p="http://schemas.openxmlformats.org/presentationml/2006/main" type="objAndTwoObj" preserve="1">
   <p:cSld name="Title Content and 2 Content">
     <p:spTree>
       <p:nvGrpSpPr>
@@ -1300,15 +1458,16 @@
           </a:prstGeom>
         </p:spPr>
         <p:txBody>
-          <a:bodyPr lIns="0" rIns="0" tIns="0" bIns="0" anchor="ctr"/>
-          <a:p>
-            <a:endParaRPr b="0" lang="en-US" sz="1800" spc="-1" strike="noStrike">
+          <a:bodyPr lIns="0" tIns="0" rIns="0" bIns="0" anchor="ctr"/>
+          <a:lstStyle/>
+          <a:p>
+            <a:endParaRPr lang="en-US" sz="1800" b="0" strike="noStrike" spc="-1">
               <a:solidFill>
                 <a:srgbClr val="000000"/>
               </a:solidFill>
               <a:uFill>
                 <a:solidFill>
-                  <a:srgbClr val="ffffff"/>
+                  <a:srgbClr val="FFFFFF"/>
                 </a:solidFill>
               </a:uFill>
               <a:latin typeface="Calibri"/>
@@ -1336,15 +1495,16 @@
           </a:prstGeom>
         </p:spPr>
         <p:txBody>
-          <a:bodyPr lIns="0" rIns="0" tIns="0" bIns="0"/>
-          <a:p>
-            <a:endParaRPr b="0" lang="en-US" sz="2100" spc="-1" strike="noStrike">
+          <a:bodyPr lIns="0" tIns="0" rIns="0" bIns="0"/>
+          <a:lstStyle/>
+          <a:p>
+            <a:endParaRPr lang="en-US" sz="2100" b="0" strike="noStrike" spc="-1">
               <a:solidFill>
                 <a:srgbClr val="000000"/>
               </a:solidFill>
               <a:uFill>
                 <a:solidFill>
-                  <a:srgbClr val="ffffff"/>
+                  <a:srgbClr val="FFFFFF"/>
                 </a:solidFill>
               </a:uFill>
               <a:latin typeface="Calibri"/>
@@ -1372,15 +1532,16 @@
           </a:prstGeom>
         </p:spPr>
         <p:txBody>
-          <a:bodyPr lIns="0" rIns="0" tIns="0" bIns="0"/>
-          <a:p>
-            <a:endParaRPr b="0" lang="en-US" sz="2100" spc="-1" strike="noStrike">
+          <a:bodyPr lIns="0" tIns="0" rIns="0" bIns="0"/>
+          <a:lstStyle/>
+          <a:p>
+            <a:endParaRPr lang="en-US" sz="2100" b="0" strike="noStrike" spc="-1">
               <a:solidFill>
                 <a:srgbClr val="000000"/>
               </a:solidFill>
               <a:uFill>
                 <a:solidFill>
-                  <a:srgbClr val="ffffff"/>
+                  <a:srgbClr val="FFFFFF"/>
                 </a:solidFill>
               </a:uFill>
               <a:latin typeface="Calibri"/>
@@ -1408,15 +1569,16 @@
           </a:prstGeom>
         </p:spPr>
         <p:txBody>
-          <a:bodyPr lIns="0" rIns="0" tIns="0" bIns="0"/>
-          <a:p>
-            <a:endParaRPr b="0" lang="en-US" sz="2100" spc="-1" strike="noStrike">
+          <a:bodyPr lIns="0" tIns="0" rIns="0" bIns="0"/>
+          <a:lstStyle/>
+          <a:p>
+            <a:endParaRPr lang="en-US" sz="2100" b="0" strike="noStrike" spc="-1">
               <a:solidFill>
                 <a:srgbClr val="000000"/>
               </a:solidFill>
               <a:uFill>
                 <a:solidFill>
-                  <a:srgbClr val="ffffff"/>
+                  <a:srgbClr val="FFFFFF"/>
                 </a:solidFill>
               </a:uFill>
               <a:latin typeface="Calibri"/>
@@ -1426,11 +1588,14 @@
       </p:sp>
     </p:spTree>
   </p:cSld>
+  <p:clrMapOvr>
+    <a:masterClrMapping/>
+  </p:clrMapOvr>
 </p:sldLayout>
 </file>
 
 <file path=ppt/slideLayouts/slideLayout21.xml><?xml version="1.0" encoding="utf-8"?>
-<p:sldLayout xmlns:a="http://schemas.openxmlformats.org/drawingml/2006/main" xmlns:p="http://schemas.openxmlformats.org/presentationml/2006/main" xmlns:r="http://schemas.openxmlformats.org/officeDocument/2006/relationships" xmlns:p14="http://schemas.microsoft.com/office/powerpoint/2010/main" xmlns:p15="http://schemas.microsoft.com/office/powerpoint/2012/main" xmlns:mc="http://schemas.openxmlformats.org/markup-compatibility/2006" type="twoObjOverTx" preserve="1">
+<p:sldLayout xmlns:a="http://schemas.openxmlformats.org/drawingml/2006/main" xmlns:r="http://schemas.openxmlformats.org/officeDocument/2006/relationships" xmlns:p="http://schemas.openxmlformats.org/presentationml/2006/main" type="twoObjOverTx" preserve="1">
   <p:cSld name="Title, 2 Content over Content">
     <p:spTree>
       <p:nvGrpSpPr>
@@ -1466,15 +1631,16 @@
           </a:prstGeom>
         </p:spPr>
         <p:txBody>
-          <a:bodyPr lIns="0" rIns="0" tIns="0" bIns="0" anchor="ctr"/>
-          <a:p>
-            <a:endParaRPr b="0" lang="en-US" sz="1800" spc="-1" strike="noStrike">
+          <a:bodyPr lIns="0" tIns="0" rIns="0" bIns="0" anchor="ctr"/>
+          <a:lstStyle/>
+          <a:p>
+            <a:endParaRPr lang="en-US" sz="1800" b="0" strike="noStrike" spc="-1">
               <a:solidFill>
                 <a:srgbClr val="000000"/>
               </a:solidFill>
               <a:uFill>
                 <a:solidFill>
-                  <a:srgbClr val="ffffff"/>
+                  <a:srgbClr val="FFFFFF"/>
                 </a:solidFill>
               </a:uFill>
               <a:latin typeface="Calibri"/>
@@ -1502,15 +1668,16 @@
           </a:prstGeom>
         </p:spPr>
         <p:txBody>
-          <a:bodyPr lIns="0" rIns="0" tIns="0" bIns="0"/>
-          <a:p>
-            <a:endParaRPr b="0" lang="en-US" sz="2100" spc="-1" strike="noStrike">
+          <a:bodyPr lIns="0" tIns="0" rIns="0" bIns="0"/>
+          <a:lstStyle/>
+          <a:p>
+            <a:endParaRPr lang="en-US" sz="2100" b="0" strike="noStrike" spc="-1">
               <a:solidFill>
                 <a:srgbClr val="000000"/>
               </a:solidFill>
               <a:uFill>
                 <a:solidFill>
-                  <a:srgbClr val="ffffff"/>
+                  <a:srgbClr val="FFFFFF"/>
                 </a:solidFill>
               </a:uFill>
               <a:latin typeface="Calibri"/>
@@ -1538,15 +1705,16 @@
           </a:prstGeom>
         </p:spPr>
         <p:txBody>
-          <a:bodyPr lIns="0" rIns="0" tIns="0" bIns="0"/>
-          <a:p>
-            <a:endParaRPr b="0" lang="en-US" sz="2100" spc="-1" strike="noStrike">
+          <a:bodyPr lIns="0" tIns="0" rIns="0" bIns="0"/>
+          <a:lstStyle/>
+          <a:p>
+            <a:endParaRPr lang="en-US" sz="2100" b="0" strike="noStrike" spc="-1">
               <a:solidFill>
                 <a:srgbClr val="000000"/>
               </a:solidFill>
               <a:uFill>
                 <a:solidFill>
-                  <a:srgbClr val="ffffff"/>
+                  <a:srgbClr val="FFFFFF"/>
                 </a:solidFill>
               </a:uFill>
               <a:latin typeface="Calibri"/>
@@ -1574,15 +1742,16 @@
           </a:prstGeom>
         </p:spPr>
         <p:txBody>
-          <a:bodyPr lIns="0" rIns="0" tIns="0" bIns="0"/>
-          <a:p>
-            <a:endParaRPr b="0" lang="en-US" sz="2100" spc="-1" strike="noStrike">
+          <a:bodyPr lIns="0" tIns="0" rIns="0" bIns="0"/>
+          <a:lstStyle/>
+          <a:p>
+            <a:endParaRPr lang="en-US" sz="2100" b="0" strike="noStrike" spc="-1">
               <a:solidFill>
                 <a:srgbClr val="000000"/>
               </a:solidFill>
               <a:uFill>
                 <a:solidFill>
-                  <a:srgbClr val="ffffff"/>
+                  <a:srgbClr val="FFFFFF"/>
                 </a:solidFill>
               </a:uFill>
               <a:latin typeface="Calibri"/>
@@ -1592,11 +1761,14 @@
       </p:sp>
     </p:spTree>
   </p:cSld>
+  <p:clrMapOvr>
+    <a:masterClrMapping/>
+  </p:clrMapOvr>
 </p:sldLayout>
 </file>
 
 <file path=ppt/slideLayouts/slideLayout22.xml><?xml version="1.0" encoding="utf-8"?>
-<p:sldLayout xmlns:a="http://schemas.openxmlformats.org/drawingml/2006/main" xmlns:p="http://schemas.openxmlformats.org/presentationml/2006/main" xmlns:r="http://schemas.openxmlformats.org/officeDocument/2006/relationships" xmlns:p14="http://schemas.microsoft.com/office/powerpoint/2010/main" xmlns:p15="http://schemas.microsoft.com/office/powerpoint/2012/main" xmlns:mc="http://schemas.openxmlformats.org/markup-compatibility/2006" type="objOverTx" preserve="1">
+<p:sldLayout xmlns:a="http://schemas.openxmlformats.org/drawingml/2006/main" xmlns:r="http://schemas.openxmlformats.org/officeDocument/2006/relationships" xmlns:p="http://schemas.openxmlformats.org/presentationml/2006/main" type="objOverTx" preserve="1">
   <p:cSld name="Title, Content over Content">
     <p:spTree>
       <p:nvGrpSpPr>
@@ -1632,15 +1804,16 @@
           </a:prstGeom>
         </p:spPr>
         <p:txBody>
-          <a:bodyPr lIns="0" rIns="0" tIns="0" bIns="0" anchor="ctr"/>
-          <a:p>
-            <a:endParaRPr b="0" lang="en-US" sz="1800" spc="-1" strike="noStrike">
+          <a:bodyPr lIns="0" tIns="0" rIns="0" bIns="0" anchor="ctr"/>
+          <a:lstStyle/>
+          <a:p>
+            <a:endParaRPr lang="en-US" sz="1800" b="0" strike="noStrike" spc="-1">
               <a:solidFill>
                 <a:srgbClr val="000000"/>
               </a:solidFill>
               <a:uFill>
                 <a:solidFill>
-                  <a:srgbClr val="ffffff"/>
+                  <a:srgbClr val="FFFFFF"/>
                 </a:solidFill>
               </a:uFill>
               <a:latin typeface="Calibri"/>
@@ -1668,15 +1841,16 @@
           </a:prstGeom>
         </p:spPr>
         <p:txBody>
-          <a:bodyPr lIns="0" rIns="0" tIns="0" bIns="0"/>
-          <a:p>
-            <a:endParaRPr b="0" lang="en-US" sz="2100" spc="-1" strike="noStrike">
+          <a:bodyPr lIns="0" tIns="0" rIns="0" bIns="0"/>
+          <a:lstStyle/>
+          <a:p>
+            <a:endParaRPr lang="en-US" sz="2100" b="0" strike="noStrike" spc="-1">
               <a:solidFill>
                 <a:srgbClr val="000000"/>
               </a:solidFill>
               <a:uFill>
                 <a:solidFill>
-                  <a:srgbClr val="ffffff"/>
+                  <a:srgbClr val="FFFFFF"/>
                 </a:solidFill>
               </a:uFill>
               <a:latin typeface="Calibri"/>
@@ -1704,15 +1878,16 @@
           </a:prstGeom>
         </p:spPr>
         <p:txBody>
-          <a:bodyPr lIns="0" rIns="0" tIns="0" bIns="0"/>
-          <a:p>
-            <a:endParaRPr b="0" lang="en-US" sz="2100" spc="-1" strike="noStrike">
+          <a:bodyPr lIns="0" tIns="0" rIns="0" bIns="0"/>
+          <a:lstStyle/>
+          <a:p>
+            <a:endParaRPr lang="en-US" sz="2100" b="0" strike="noStrike" spc="-1">
               <a:solidFill>
                 <a:srgbClr val="000000"/>
               </a:solidFill>
               <a:uFill>
                 <a:solidFill>
-                  <a:srgbClr val="ffffff"/>
+                  <a:srgbClr val="FFFFFF"/>
                 </a:solidFill>
               </a:uFill>
               <a:latin typeface="Calibri"/>
@@ -1722,11 +1897,14 @@
       </p:sp>
     </p:spTree>
   </p:cSld>
+  <p:clrMapOvr>
+    <a:masterClrMapping/>
+  </p:clrMapOvr>
 </p:sldLayout>
 </file>
 
 <file path=ppt/slideLayouts/slideLayout23.xml><?xml version="1.0" encoding="utf-8"?>
-<p:sldLayout xmlns:a="http://schemas.openxmlformats.org/drawingml/2006/main" xmlns:p="http://schemas.openxmlformats.org/presentationml/2006/main" xmlns:r="http://schemas.openxmlformats.org/officeDocument/2006/relationships" xmlns:p14="http://schemas.microsoft.com/office/powerpoint/2010/main" xmlns:p15="http://schemas.microsoft.com/office/powerpoint/2012/main" xmlns:mc="http://schemas.openxmlformats.org/markup-compatibility/2006" type="fourObj" preserve="1">
+<p:sldLayout xmlns:a="http://schemas.openxmlformats.org/drawingml/2006/main" xmlns:r="http://schemas.openxmlformats.org/officeDocument/2006/relationships" xmlns:p="http://schemas.openxmlformats.org/presentationml/2006/main" type="fourObj" preserve="1">
   <p:cSld name="Title, 4 Content">
     <p:spTree>
       <p:nvGrpSpPr>
@@ -1762,15 +1940,16 @@
           </a:prstGeom>
         </p:spPr>
         <p:txBody>
-          <a:bodyPr lIns="0" rIns="0" tIns="0" bIns="0" anchor="ctr"/>
-          <a:p>
-            <a:endParaRPr b="0" lang="en-US" sz="1800" spc="-1" strike="noStrike">
+          <a:bodyPr lIns="0" tIns="0" rIns="0" bIns="0" anchor="ctr"/>
+          <a:lstStyle/>
+          <a:p>
+            <a:endParaRPr lang="en-US" sz="1800" b="0" strike="noStrike" spc="-1">
               <a:solidFill>
                 <a:srgbClr val="000000"/>
               </a:solidFill>
               <a:uFill>
                 <a:solidFill>
-                  <a:srgbClr val="ffffff"/>
+                  <a:srgbClr val="FFFFFF"/>
                 </a:solidFill>
               </a:uFill>
               <a:latin typeface="Calibri"/>
@@ -1798,15 +1977,16 @@
           </a:prstGeom>
         </p:spPr>
         <p:txBody>
-          <a:bodyPr lIns="0" rIns="0" tIns="0" bIns="0"/>
-          <a:p>
-            <a:endParaRPr b="0" lang="en-US" sz="2100" spc="-1" strike="noStrike">
+          <a:bodyPr lIns="0" tIns="0" rIns="0" bIns="0"/>
+          <a:lstStyle/>
+          <a:p>
+            <a:endParaRPr lang="en-US" sz="2100" b="0" strike="noStrike" spc="-1">
               <a:solidFill>
                 <a:srgbClr val="000000"/>
               </a:solidFill>
               <a:uFill>
                 <a:solidFill>
-                  <a:srgbClr val="ffffff"/>
+                  <a:srgbClr val="FFFFFF"/>
                 </a:solidFill>
               </a:uFill>
               <a:latin typeface="Calibri"/>
@@ -1834,15 +2014,16 @@
           </a:prstGeom>
         </p:spPr>
         <p:txBody>
-          <a:bodyPr lIns="0" rIns="0" tIns="0" bIns="0"/>
-          <a:p>
-            <a:endParaRPr b="0" lang="en-US" sz="2100" spc="-1" strike="noStrike">
+          <a:bodyPr lIns="0" tIns="0" rIns="0" bIns="0"/>
+          <a:lstStyle/>
+          <a:p>
+            <a:endParaRPr lang="en-US" sz="2100" b="0" strike="noStrike" spc="-1">
               <a:solidFill>
                 <a:srgbClr val="000000"/>
               </a:solidFill>
               <a:uFill>
                 <a:solidFill>
-                  <a:srgbClr val="ffffff"/>
+                  <a:srgbClr val="FFFFFF"/>
                 </a:solidFill>
               </a:uFill>
               <a:latin typeface="Calibri"/>
@@ -1870,15 +2051,16 @@
           </a:prstGeom>
         </p:spPr>
         <p:txBody>
-          <a:bodyPr lIns="0" rIns="0" tIns="0" bIns="0"/>
-          <a:p>
-            <a:endParaRPr b="0" lang="en-US" sz="2100" spc="-1" strike="noStrike">
+          <a:bodyPr lIns="0" tIns="0" rIns="0" bIns="0"/>
+          <a:lstStyle/>
+          <a:p>
+            <a:endParaRPr lang="en-US" sz="2100" b="0" strike="noStrike" spc="-1">
               <a:solidFill>
                 <a:srgbClr val="000000"/>
               </a:solidFill>
               <a:uFill>
                 <a:solidFill>
-                  <a:srgbClr val="ffffff"/>
+                  <a:srgbClr val="FFFFFF"/>
                 </a:solidFill>
               </a:uFill>
               <a:latin typeface="Calibri"/>
@@ -1906,15 +2088,16 @@
           </a:prstGeom>
         </p:spPr>
         <p:txBody>
-          <a:bodyPr lIns="0" rIns="0" tIns="0" bIns="0"/>
-          <a:p>
-            <a:endParaRPr b="0" lang="en-US" sz="2100" spc="-1" strike="noStrike">
+          <a:bodyPr lIns="0" tIns="0" rIns="0" bIns="0"/>
+          <a:lstStyle/>
+          <a:p>
+            <a:endParaRPr lang="en-US" sz="2100" b="0" strike="noStrike" spc="-1">
               <a:solidFill>
                 <a:srgbClr val="000000"/>
               </a:solidFill>
               <a:uFill>
                 <a:solidFill>
-                  <a:srgbClr val="ffffff"/>
+                  <a:srgbClr val="FFFFFF"/>
                 </a:solidFill>
               </a:uFill>
               <a:latin typeface="Calibri"/>
@@ -1924,11 +2107,14 @@
       </p:sp>
     </p:spTree>
   </p:cSld>
+  <p:clrMapOvr>
+    <a:masterClrMapping/>
+  </p:clrMapOvr>
 </p:sldLayout>
 </file>
 
 <file path=ppt/slideLayouts/slideLayout24.xml><?xml version="1.0" encoding="utf-8"?>
-<p:sldLayout xmlns:a="http://schemas.openxmlformats.org/drawingml/2006/main" xmlns:p="http://schemas.openxmlformats.org/presentationml/2006/main" xmlns:r="http://schemas.openxmlformats.org/officeDocument/2006/relationships" xmlns:p14="http://schemas.microsoft.com/office/powerpoint/2010/main" xmlns:p15="http://schemas.microsoft.com/office/powerpoint/2012/main" xmlns:mc="http://schemas.openxmlformats.org/markup-compatibility/2006" type="blank" preserve="1">
+<p:sldLayout xmlns:a="http://schemas.openxmlformats.org/drawingml/2006/main" xmlns:r="http://schemas.openxmlformats.org/officeDocument/2006/relationships" xmlns:p="http://schemas.openxmlformats.org/presentationml/2006/main" type="blank" preserve="1">
   <p:cSld name="Title, 6 Content">
     <p:spTree>
       <p:nvGrpSpPr>
@@ -1964,15 +2150,16 @@
           </a:prstGeom>
         </p:spPr>
         <p:txBody>
-          <a:bodyPr lIns="0" rIns="0" tIns="0" bIns="0" anchor="ctr"/>
-          <a:p>
-            <a:endParaRPr b="0" lang="en-US" sz="1800" spc="-1" strike="noStrike">
+          <a:bodyPr lIns="0" tIns="0" rIns="0" bIns="0" anchor="ctr"/>
+          <a:lstStyle/>
+          <a:p>
+            <a:endParaRPr lang="en-US" sz="1800" b="0" strike="noStrike" spc="-1">
               <a:solidFill>
                 <a:srgbClr val="000000"/>
               </a:solidFill>
               <a:uFill>
                 <a:solidFill>
-                  <a:srgbClr val="ffffff"/>
+                  <a:srgbClr val="FFFFFF"/>
                 </a:solidFill>
               </a:uFill>
               <a:latin typeface="Calibri"/>
@@ -2000,15 +2187,16 @@
           </a:prstGeom>
         </p:spPr>
         <p:txBody>
-          <a:bodyPr lIns="0" rIns="0" tIns="0" bIns="0"/>
-          <a:p>
-            <a:endParaRPr b="0" lang="en-US" sz="2100" spc="-1" strike="noStrike">
+          <a:bodyPr lIns="0" tIns="0" rIns="0" bIns="0"/>
+          <a:lstStyle/>
+          <a:p>
+            <a:endParaRPr lang="en-US" sz="2100" b="0" strike="noStrike" spc="-1">
               <a:solidFill>
                 <a:srgbClr val="000000"/>
               </a:solidFill>
               <a:uFill>
                 <a:solidFill>
-                  <a:srgbClr val="ffffff"/>
+                  <a:srgbClr val="FFFFFF"/>
                 </a:solidFill>
               </a:uFill>
               <a:latin typeface="Calibri"/>
@@ -2036,15 +2224,16 @@
           </a:prstGeom>
         </p:spPr>
         <p:txBody>
-          <a:bodyPr lIns="0" rIns="0" tIns="0" bIns="0"/>
-          <a:p>
-            <a:endParaRPr b="0" lang="en-US" sz="2100" spc="-1" strike="noStrike">
+          <a:bodyPr lIns="0" tIns="0" rIns="0" bIns="0"/>
+          <a:lstStyle/>
+          <a:p>
+            <a:endParaRPr lang="en-US" sz="2100" b="0" strike="noStrike" spc="-1">
               <a:solidFill>
                 <a:srgbClr val="000000"/>
               </a:solidFill>
               <a:uFill>
                 <a:solidFill>
-                  <a:srgbClr val="ffffff"/>
+                  <a:srgbClr val="FFFFFF"/>
                 </a:solidFill>
               </a:uFill>
               <a:latin typeface="Calibri"/>
@@ -2054,7 +2243,7 @@
       </p:sp>
       <p:pic>
         <p:nvPicPr>
-          <p:cNvPr id="70" name="" descr=""/>
+          <p:cNvPr id="70" name="Grafik 69"/>
           <p:cNvPicPr/>
           <p:nvPr/>
         </p:nvPicPr>
@@ -2077,12 +2266,12 @@
       </p:pic>
       <p:pic>
         <p:nvPicPr>
-          <p:cNvPr id="71" name="" descr=""/>
+          <p:cNvPr id="71" name="Grafik 70"/>
           <p:cNvPicPr/>
           <p:nvPr/>
         </p:nvPicPr>
         <p:blipFill>
-          <a:blip r:embed="rId3"/>
+          <a:blip r:embed="rId2"/>
           <a:stretch/>
         </p:blipFill>
         <p:spPr>
@@ -2100,11 +2289,14 @@
       </p:pic>
     </p:spTree>
   </p:cSld>
+  <p:clrMapOvr>
+    <a:masterClrMapping/>
+  </p:clrMapOvr>
 </p:sldLayout>
 </file>
 
 <file path=ppt/slideLayouts/slideLayout3.xml><?xml version="1.0" encoding="utf-8"?>
-<p:sldLayout xmlns:a="http://schemas.openxmlformats.org/drawingml/2006/main" xmlns:p="http://schemas.openxmlformats.org/presentationml/2006/main" xmlns:r="http://schemas.openxmlformats.org/officeDocument/2006/relationships" xmlns:p14="http://schemas.microsoft.com/office/powerpoint/2010/main" xmlns:p15="http://schemas.microsoft.com/office/powerpoint/2012/main" xmlns:mc="http://schemas.openxmlformats.org/markup-compatibility/2006" type="obj" preserve="1">
+<p:sldLayout xmlns:a="http://schemas.openxmlformats.org/drawingml/2006/main" xmlns:r="http://schemas.openxmlformats.org/officeDocument/2006/relationships" xmlns:p="http://schemas.openxmlformats.org/presentationml/2006/main" type="obj" preserve="1">
   <p:cSld name="Title, Content">
     <p:spTree>
       <p:nvGrpSpPr>
@@ -2140,15 +2332,16 @@
           </a:prstGeom>
         </p:spPr>
         <p:txBody>
-          <a:bodyPr lIns="0" rIns="0" tIns="0" bIns="0" anchor="ctr"/>
-          <a:p>
-            <a:endParaRPr b="0" lang="en-US" sz="1800" spc="-1" strike="noStrike">
+          <a:bodyPr lIns="0" tIns="0" rIns="0" bIns="0" anchor="ctr"/>
+          <a:lstStyle/>
+          <a:p>
+            <a:endParaRPr lang="en-US" sz="1800" b="0" strike="noStrike" spc="-1">
               <a:solidFill>
                 <a:srgbClr val="000000"/>
               </a:solidFill>
               <a:uFill>
                 <a:solidFill>
-                  <a:srgbClr val="ffffff"/>
+                  <a:srgbClr val="FFFFFF"/>
                 </a:solidFill>
               </a:uFill>
               <a:latin typeface="Calibri"/>
@@ -2176,15 +2369,16 @@
           </a:prstGeom>
         </p:spPr>
         <p:txBody>
-          <a:bodyPr lIns="0" rIns="0" tIns="0" bIns="0"/>
-          <a:p>
-            <a:endParaRPr b="0" lang="en-US" sz="2100" spc="-1" strike="noStrike">
+          <a:bodyPr lIns="0" tIns="0" rIns="0" bIns="0"/>
+          <a:lstStyle/>
+          <a:p>
+            <a:endParaRPr lang="en-US" sz="2100" b="0" strike="noStrike" spc="-1">
               <a:solidFill>
                 <a:srgbClr val="000000"/>
               </a:solidFill>
               <a:uFill>
                 <a:solidFill>
-                  <a:srgbClr val="ffffff"/>
+                  <a:srgbClr val="FFFFFF"/>
                 </a:solidFill>
               </a:uFill>
               <a:latin typeface="Calibri"/>
@@ -2194,11 +2388,14 @@
       </p:sp>
     </p:spTree>
   </p:cSld>
+  <p:clrMapOvr>
+    <a:masterClrMapping/>
+  </p:clrMapOvr>
 </p:sldLayout>
 </file>
 
 <file path=ppt/slideLayouts/slideLayout4.xml><?xml version="1.0" encoding="utf-8"?>
-<p:sldLayout xmlns:a="http://schemas.openxmlformats.org/drawingml/2006/main" xmlns:p="http://schemas.openxmlformats.org/presentationml/2006/main" xmlns:r="http://schemas.openxmlformats.org/officeDocument/2006/relationships" xmlns:p14="http://schemas.microsoft.com/office/powerpoint/2010/main" xmlns:p15="http://schemas.microsoft.com/office/powerpoint/2012/main" xmlns:mc="http://schemas.openxmlformats.org/markup-compatibility/2006" type="twoObj" preserve="1">
+<p:sldLayout xmlns:a="http://schemas.openxmlformats.org/drawingml/2006/main" xmlns:r="http://schemas.openxmlformats.org/officeDocument/2006/relationships" xmlns:p="http://schemas.openxmlformats.org/presentationml/2006/main" type="twoObj" preserve="1">
   <p:cSld name="Title, 2 Content">
     <p:spTree>
       <p:nvGrpSpPr>
@@ -2234,15 +2431,16 @@
           </a:prstGeom>
         </p:spPr>
         <p:txBody>
-          <a:bodyPr lIns="0" rIns="0" tIns="0" bIns="0" anchor="ctr"/>
-          <a:p>
-            <a:endParaRPr b="0" lang="en-US" sz="1800" spc="-1" strike="noStrike">
+          <a:bodyPr lIns="0" tIns="0" rIns="0" bIns="0" anchor="ctr"/>
+          <a:lstStyle/>
+          <a:p>
+            <a:endParaRPr lang="en-US" sz="1800" b="0" strike="noStrike" spc="-1">
               <a:solidFill>
                 <a:srgbClr val="000000"/>
               </a:solidFill>
               <a:uFill>
                 <a:solidFill>
-                  <a:srgbClr val="ffffff"/>
+                  <a:srgbClr val="FFFFFF"/>
                 </a:solidFill>
               </a:uFill>
               <a:latin typeface="Calibri"/>
@@ -2270,15 +2468,16 @@
           </a:prstGeom>
         </p:spPr>
         <p:txBody>
-          <a:bodyPr lIns="0" rIns="0" tIns="0" bIns="0"/>
-          <a:p>
-            <a:endParaRPr b="0" lang="en-US" sz="2100" spc="-1" strike="noStrike">
+          <a:bodyPr lIns="0" tIns="0" rIns="0" bIns="0"/>
+          <a:lstStyle/>
+          <a:p>
+            <a:endParaRPr lang="en-US" sz="2100" b="0" strike="noStrike" spc="-1">
               <a:solidFill>
                 <a:srgbClr val="000000"/>
               </a:solidFill>
               <a:uFill>
                 <a:solidFill>
-                  <a:srgbClr val="ffffff"/>
+                  <a:srgbClr val="FFFFFF"/>
                 </a:solidFill>
               </a:uFill>
               <a:latin typeface="Calibri"/>
@@ -2306,15 +2505,16 @@
           </a:prstGeom>
         </p:spPr>
         <p:txBody>
-          <a:bodyPr lIns="0" rIns="0" tIns="0" bIns="0"/>
-          <a:p>
-            <a:endParaRPr b="0" lang="en-US" sz="2100" spc="-1" strike="noStrike">
+          <a:bodyPr lIns="0" tIns="0" rIns="0" bIns="0"/>
+          <a:lstStyle/>
+          <a:p>
+            <a:endParaRPr lang="en-US" sz="2100" b="0" strike="noStrike" spc="-1">
               <a:solidFill>
                 <a:srgbClr val="000000"/>
               </a:solidFill>
               <a:uFill>
                 <a:solidFill>
-                  <a:srgbClr val="ffffff"/>
+                  <a:srgbClr val="FFFFFF"/>
                 </a:solidFill>
               </a:uFill>
               <a:latin typeface="Calibri"/>
@@ -2324,11 +2524,14 @@
       </p:sp>
     </p:spTree>
   </p:cSld>
+  <p:clrMapOvr>
+    <a:masterClrMapping/>
+  </p:clrMapOvr>
 </p:sldLayout>
 </file>
 
 <file path=ppt/slideLayouts/slideLayout5.xml><?xml version="1.0" encoding="utf-8"?>
-<p:sldLayout xmlns:a="http://schemas.openxmlformats.org/drawingml/2006/main" xmlns:p="http://schemas.openxmlformats.org/presentationml/2006/main" xmlns:r="http://schemas.openxmlformats.org/officeDocument/2006/relationships" xmlns:p14="http://schemas.microsoft.com/office/powerpoint/2010/main" xmlns:p15="http://schemas.microsoft.com/office/powerpoint/2012/main" xmlns:mc="http://schemas.openxmlformats.org/markup-compatibility/2006" type="titleOnly" preserve="1">
+<p:sldLayout xmlns:a="http://schemas.openxmlformats.org/drawingml/2006/main" xmlns:r="http://schemas.openxmlformats.org/officeDocument/2006/relationships" xmlns:p="http://schemas.openxmlformats.org/presentationml/2006/main" type="titleOnly" preserve="1">
   <p:cSld name="Title Only">
     <p:spTree>
       <p:nvGrpSpPr>
@@ -2364,15 +2567,16 @@
           </a:prstGeom>
         </p:spPr>
         <p:txBody>
-          <a:bodyPr lIns="0" rIns="0" tIns="0" bIns="0" anchor="ctr"/>
-          <a:p>
-            <a:endParaRPr b="0" lang="en-US" sz="1800" spc="-1" strike="noStrike">
+          <a:bodyPr lIns="0" tIns="0" rIns="0" bIns="0" anchor="ctr"/>
+          <a:lstStyle/>
+          <a:p>
+            <a:endParaRPr lang="en-US" sz="1800" b="0" strike="noStrike" spc="-1">
               <a:solidFill>
                 <a:srgbClr val="000000"/>
               </a:solidFill>
               <a:uFill>
                 <a:solidFill>
-                  <a:srgbClr val="ffffff"/>
+                  <a:srgbClr val="FFFFFF"/>
                 </a:solidFill>
               </a:uFill>
               <a:latin typeface="Calibri"/>
@@ -2382,11 +2586,14 @@
       </p:sp>
     </p:spTree>
   </p:cSld>
+  <p:clrMapOvr>
+    <a:masterClrMapping/>
+  </p:clrMapOvr>
 </p:sldLayout>
 </file>
 
 <file path=ppt/slideLayouts/slideLayout6.xml><?xml version="1.0" encoding="utf-8"?>
-<p:sldLayout xmlns:a="http://schemas.openxmlformats.org/drawingml/2006/main" xmlns:p="http://schemas.openxmlformats.org/presentationml/2006/main" xmlns:r="http://schemas.openxmlformats.org/officeDocument/2006/relationships" xmlns:p14="http://schemas.microsoft.com/office/powerpoint/2010/main" xmlns:p15="http://schemas.microsoft.com/office/powerpoint/2012/main" xmlns:mc="http://schemas.openxmlformats.org/markup-compatibility/2006" type="objOnly" preserve="1">
+<p:sldLayout xmlns:a="http://schemas.openxmlformats.org/drawingml/2006/main" xmlns:r="http://schemas.openxmlformats.org/officeDocument/2006/relationships" xmlns:p="http://schemas.openxmlformats.org/presentationml/2006/main" type="objOnly" preserve="1">
   <p:cSld name="Centered Text">
     <p:spTree>
       <p:nvGrpSpPr>
@@ -2422,16 +2629,17 @@
           </a:prstGeom>
         </p:spPr>
         <p:txBody>
-          <a:bodyPr lIns="0" rIns="0" tIns="0" bIns="0" anchor="ctr"/>
+          <a:bodyPr lIns="0" tIns="0" rIns="0" bIns="0" anchor="ctr"/>
+          <a:lstStyle/>
           <a:p>
             <a:pPr algn="ctr"/>
-            <a:endParaRPr b="0" lang="de-DE" sz="3200" spc="-1" strike="noStrike">
+            <a:endParaRPr lang="de-DE" sz="3200" b="0" strike="noStrike" spc="-1">
               <a:solidFill>
                 <a:srgbClr val="000000"/>
               </a:solidFill>
               <a:uFill>
                 <a:solidFill>
-                  <a:srgbClr val="ffffff"/>
+                  <a:srgbClr val="FFFFFF"/>
                 </a:solidFill>
               </a:uFill>
               <a:latin typeface="Arial"/>
@@ -2441,11 +2649,14 @@
       </p:sp>
     </p:spTree>
   </p:cSld>
+  <p:clrMapOvr>
+    <a:masterClrMapping/>
+  </p:clrMapOvr>
 </p:sldLayout>
 </file>
 
 <file path=ppt/slideLayouts/slideLayout7.xml><?xml version="1.0" encoding="utf-8"?>
-<p:sldLayout xmlns:a="http://schemas.openxmlformats.org/drawingml/2006/main" xmlns:p="http://schemas.openxmlformats.org/presentationml/2006/main" xmlns:r="http://schemas.openxmlformats.org/officeDocument/2006/relationships" xmlns:p14="http://schemas.microsoft.com/office/powerpoint/2010/main" xmlns:p15="http://schemas.microsoft.com/office/powerpoint/2012/main" xmlns:mc="http://schemas.openxmlformats.org/markup-compatibility/2006" type="twoObjAndObj" preserve="1">
+<p:sldLayout xmlns:a="http://schemas.openxmlformats.org/drawingml/2006/main" xmlns:r="http://schemas.openxmlformats.org/officeDocument/2006/relationships" xmlns:p="http://schemas.openxmlformats.org/presentationml/2006/main" type="twoObjAndObj" preserve="1">
   <p:cSld name="Title, 2 Content and Content">
     <p:spTree>
       <p:nvGrpSpPr>
@@ -2481,15 +2692,16 @@
           </a:prstGeom>
         </p:spPr>
         <p:txBody>
-          <a:bodyPr lIns="0" rIns="0" tIns="0" bIns="0" anchor="ctr"/>
-          <a:p>
-            <a:endParaRPr b="0" lang="en-US" sz="1800" spc="-1" strike="noStrike">
+          <a:bodyPr lIns="0" tIns="0" rIns="0" bIns="0" anchor="ctr"/>
+          <a:lstStyle/>
+          <a:p>
+            <a:endParaRPr lang="en-US" sz="1800" b="0" strike="noStrike" spc="-1">
               <a:solidFill>
                 <a:srgbClr val="000000"/>
               </a:solidFill>
               <a:uFill>
                 <a:solidFill>
-                  <a:srgbClr val="ffffff"/>
+                  <a:srgbClr val="FFFFFF"/>
                 </a:solidFill>
               </a:uFill>
               <a:latin typeface="Calibri"/>
@@ -2517,15 +2729,16 @@
           </a:prstGeom>
         </p:spPr>
         <p:txBody>
-          <a:bodyPr lIns="0" rIns="0" tIns="0" bIns="0"/>
-          <a:p>
-            <a:endParaRPr b="0" lang="en-US" sz="2100" spc="-1" strike="noStrike">
+          <a:bodyPr lIns="0" tIns="0" rIns="0" bIns="0"/>
+          <a:lstStyle/>
+          <a:p>
+            <a:endParaRPr lang="en-US" sz="2100" b="0" strike="noStrike" spc="-1">
               <a:solidFill>
                 <a:srgbClr val="000000"/>
               </a:solidFill>
               <a:uFill>
                 <a:solidFill>
-                  <a:srgbClr val="ffffff"/>
+                  <a:srgbClr val="FFFFFF"/>
                 </a:solidFill>
               </a:uFill>
               <a:latin typeface="Calibri"/>
@@ -2553,15 +2766,16 @@
           </a:prstGeom>
         </p:spPr>
         <p:txBody>
-          <a:bodyPr lIns="0" rIns="0" tIns="0" bIns="0"/>
-          <a:p>
-            <a:endParaRPr b="0" lang="en-US" sz="2100" spc="-1" strike="noStrike">
+          <a:bodyPr lIns="0" tIns="0" rIns="0" bIns="0"/>
+          <a:lstStyle/>
+          <a:p>
+            <a:endParaRPr lang="en-US" sz="2100" b="0" strike="noStrike" spc="-1">
               <a:solidFill>
                 <a:srgbClr val="000000"/>
               </a:solidFill>
               <a:uFill>
                 <a:solidFill>
-                  <a:srgbClr val="ffffff"/>
+                  <a:srgbClr val="FFFFFF"/>
                 </a:solidFill>
               </a:uFill>
               <a:latin typeface="Calibri"/>
@@ -2589,15 +2803,16 @@
           </a:prstGeom>
         </p:spPr>
         <p:txBody>
-          <a:bodyPr lIns="0" rIns="0" tIns="0" bIns="0"/>
-          <a:p>
-            <a:endParaRPr b="0" lang="en-US" sz="2100" spc="-1" strike="noStrike">
+          <a:bodyPr lIns="0" tIns="0" rIns="0" bIns="0"/>
+          <a:lstStyle/>
+          <a:p>
+            <a:endParaRPr lang="en-US" sz="2100" b="0" strike="noStrike" spc="-1">
               <a:solidFill>
                 <a:srgbClr val="000000"/>
               </a:solidFill>
               <a:uFill>
                 <a:solidFill>
-                  <a:srgbClr val="ffffff"/>
+                  <a:srgbClr val="FFFFFF"/>
                 </a:solidFill>
               </a:uFill>
               <a:latin typeface="Calibri"/>
@@ -2607,11 +2822,14 @@
       </p:sp>
     </p:spTree>
   </p:cSld>
+  <p:clrMapOvr>
+    <a:masterClrMapping/>
+  </p:clrMapOvr>
 </p:sldLayout>
 </file>
 
 <file path=ppt/slideLayouts/slideLayout8.xml><?xml version="1.0" encoding="utf-8"?>
-<p:sldLayout xmlns:a="http://schemas.openxmlformats.org/drawingml/2006/main" xmlns:p="http://schemas.openxmlformats.org/presentationml/2006/main" xmlns:r="http://schemas.openxmlformats.org/officeDocument/2006/relationships" xmlns:p14="http://schemas.microsoft.com/office/powerpoint/2010/main" xmlns:p15="http://schemas.microsoft.com/office/powerpoint/2012/main" xmlns:mc="http://schemas.openxmlformats.org/markup-compatibility/2006" type="objAndTwoObj" preserve="1">
+<p:sldLayout xmlns:a="http://schemas.openxmlformats.org/drawingml/2006/main" xmlns:r="http://schemas.openxmlformats.org/officeDocument/2006/relationships" xmlns:p="http://schemas.openxmlformats.org/presentationml/2006/main" type="objAndTwoObj" preserve="1">
   <p:cSld name="Title Content and 2 Content">
     <p:spTree>
       <p:nvGrpSpPr>
@@ -2647,15 +2865,16 @@
           </a:prstGeom>
         </p:spPr>
         <p:txBody>
-          <a:bodyPr lIns="0" rIns="0" tIns="0" bIns="0" anchor="ctr"/>
-          <a:p>
-            <a:endParaRPr b="0" lang="en-US" sz="1800" spc="-1" strike="noStrike">
+          <a:bodyPr lIns="0" tIns="0" rIns="0" bIns="0" anchor="ctr"/>
+          <a:lstStyle/>
+          <a:p>
+            <a:endParaRPr lang="en-US" sz="1800" b="0" strike="noStrike" spc="-1">
               <a:solidFill>
                 <a:srgbClr val="000000"/>
               </a:solidFill>
               <a:uFill>
                 <a:solidFill>
-                  <a:srgbClr val="ffffff"/>
+                  <a:srgbClr val="FFFFFF"/>
                 </a:solidFill>
               </a:uFill>
               <a:latin typeface="Calibri"/>
@@ -2683,15 +2902,16 @@
           </a:prstGeom>
         </p:spPr>
         <p:txBody>
-          <a:bodyPr lIns="0" rIns="0" tIns="0" bIns="0"/>
-          <a:p>
-            <a:endParaRPr b="0" lang="en-US" sz="2100" spc="-1" strike="noStrike">
+          <a:bodyPr lIns="0" tIns="0" rIns="0" bIns="0"/>
+          <a:lstStyle/>
+          <a:p>
+            <a:endParaRPr lang="en-US" sz="2100" b="0" strike="noStrike" spc="-1">
               <a:solidFill>
                 <a:srgbClr val="000000"/>
               </a:solidFill>
               <a:uFill>
                 <a:solidFill>
-                  <a:srgbClr val="ffffff"/>
+                  <a:srgbClr val="FFFFFF"/>
                 </a:solidFill>
               </a:uFill>
               <a:latin typeface="Calibri"/>
@@ -2719,15 +2939,16 @@
           </a:prstGeom>
         </p:spPr>
         <p:txBody>
-          <a:bodyPr lIns="0" rIns="0" tIns="0" bIns="0"/>
-          <a:p>
-            <a:endParaRPr b="0" lang="en-US" sz="2100" spc="-1" strike="noStrike">
+          <a:bodyPr lIns="0" tIns="0" rIns="0" bIns="0"/>
+          <a:lstStyle/>
+          <a:p>
+            <a:endParaRPr lang="en-US" sz="2100" b="0" strike="noStrike" spc="-1">
               <a:solidFill>
                 <a:srgbClr val="000000"/>
               </a:solidFill>
               <a:uFill>
                 <a:solidFill>
-                  <a:srgbClr val="ffffff"/>
+                  <a:srgbClr val="FFFFFF"/>
                 </a:solidFill>
               </a:uFill>
               <a:latin typeface="Calibri"/>
@@ -2755,15 +2976,16 @@
           </a:prstGeom>
         </p:spPr>
         <p:txBody>
-          <a:bodyPr lIns="0" rIns="0" tIns="0" bIns="0"/>
-          <a:p>
-            <a:endParaRPr b="0" lang="en-US" sz="2100" spc="-1" strike="noStrike">
+          <a:bodyPr lIns="0" tIns="0" rIns="0" bIns="0"/>
+          <a:lstStyle/>
+          <a:p>
+            <a:endParaRPr lang="en-US" sz="2100" b="0" strike="noStrike" spc="-1">
               <a:solidFill>
                 <a:srgbClr val="000000"/>
               </a:solidFill>
               <a:uFill>
                 <a:solidFill>
-                  <a:srgbClr val="ffffff"/>
+                  <a:srgbClr val="FFFFFF"/>
                 </a:solidFill>
               </a:uFill>
               <a:latin typeface="Calibri"/>
@@ -2773,11 +2995,14 @@
       </p:sp>
     </p:spTree>
   </p:cSld>
+  <p:clrMapOvr>
+    <a:masterClrMapping/>
+  </p:clrMapOvr>
 </p:sldLayout>
 </file>
 
 <file path=ppt/slideLayouts/slideLayout9.xml><?xml version="1.0" encoding="utf-8"?>
-<p:sldLayout xmlns:a="http://schemas.openxmlformats.org/drawingml/2006/main" xmlns:p="http://schemas.openxmlformats.org/presentationml/2006/main" xmlns:r="http://schemas.openxmlformats.org/officeDocument/2006/relationships" xmlns:p14="http://schemas.microsoft.com/office/powerpoint/2010/main" xmlns:p15="http://schemas.microsoft.com/office/powerpoint/2012/main" xmlns:mc="http://schemas.openxmlformats.org/markup-compatibility/2006" type="twoObjOverTx" preserve="1">
+<p:sldLayout xmlns:a="http://schemas.openxmlformats.org/drawingml/2006/main" xmlns:r="http://schemas.openxmlformats.org/officeDocument/2006/relationships" xmlns:p="http://schemas.openxmlformats.org/presentationml/2006/main" type="twoObjOverTx" preserve="1">
   <p:cSld name="Title, 2 Content over Content">
     <p:spTree>
       <p:nvGrpSpPr>
@@ -2813,15 +3038,16 @@
           </a:prstGeom>
         </p:spPr>
         <p:txBody>
-          <a:bodyPr lIns="0" rIns="0" tIns="0" bIns="0" anchor="ctr"/>
-          <a:p>
-            <a:endParaRPr b="0" lang="en-US" sz="1800" spc="-1" strike="noStrike">
+          <a:bodyPr lIns="0" tIns="0" rIns="0" bIns="0" anchor="ctr"/>
+          <a:lstStyle/>
+          <a:p>
+            <a:endParaRPr lang="en-US" sz="1800" b="0" strike="noStrike" spc="-1">
               <a:solidFill>
                 <a:srgbClr val="000000"/>
               </a:solidFill>
               <a:uFill>
                 <a:solidFill>
-                  <a:srgbClr val="ffffff"/>
+                  <a:srgbClr val="FFFFFF"/>
                 </a:solidFill>
               </a:uFill>
               <a:latin typeface="Calibri"/>
@@ -2849,15 +3075,16 @@
           </a:prstGeom>
         </p:spPr>
         <p:txBody>
-          <a:bodyPr lIns="0" rIns="0" tIns="0" bIns="0"/>
-          <a:p>
-            <a:endParaRPr b="0" lang="en-US" sz="2100" spc="-1" strike="noStrike">
+          <a:bodyPr lIns="0" tIns="0" rIns="0" bIns="0"/>
+          <a:lstStyle/>
+          <a:p>
+            <a:endParaRPr lang="en-US" sz="2100" b="0" strike="noStrike" spc="-1">
               <a:solidFill>
                 <a:srgbClr val="000000"/>
               </a:solidFill>
               <a:uFill>
                 <a:solidFill>
-                  <a:srgbClr val="ffffff"/>
+                  <a:srgbClr val="FFFFFF"/>
                 </a:solidFill>
               </a:uFill>
               <a:latin typeface="Calibri"/>
@@ -2885,15 +3112,16 @@
           </a:prstGeom>
         </p:spPr>
         <p:txBody>
-          <a:bodyPr lIns="0" rIns="0" tIns="0" bIns="0"/>
-          <a:p>
-            <a:endParaRPr b="0" lang="en-US" sz="2100" spc="-1" strike="noStrike">
+          <a:bodyPr lIns="0" tIns="0" rIns="0" bIns="0"/>
+          <a:lstStyle/>
+          <a:p>
+            <a:endParaRPr lang="en-US" sz="2100" b="0" strike="noStrike" spc="-1">
               <a:solidFill>
                 <a:srgbClr val="000000"/>
               </a:solidFill>
               <a:uFill>
                 <a:solidFill>
-                  <a:srgbClr val="ffffff"/>
+                  <a:srgbClr val="FFFFFF"/>
                 </a:solidFill>
               </a:uFill>
               <a:latin typeface="Calibri"/>
@@ -2921,15 +3149,16 @@
           </a:prstGeom>
         </p:spPr>
         <p:txBody>
-          <a:bodyPr lIns="0" rIns="0" tIns="0" bIns="0"/>
-          <a:p>
-            <a:endParaRPr b="0" lang="en-US" sz="2100" spc="-1" strike="noStrike">
+          <a:bodyPr lIns="0" tIns="0" rIns="0" bIns="0"/>
+          <a:lstStyle/>
+          <a:p>
+            <a:endParaRPr lang="en-US" sz="2100" b="0" strike="noStrike" spc="-1">
               <a:solidFill>
                 <a:srgbClr val="000000"/>
               </a:solidFill>
               <a:uFill>
                 <a:solidFill>
-                  <a:srgbClr val="ffffff"/>
+                  <a:srgbClr val="FFFFFF"/>
                 </a:solidFill>
               </a:uFill>
               <a:latin typeface="Calibri"/>
@@ -2939,17 +3168,21 @@
       </p:sp>
     </p:spTree>
   </p:cSld>
+  <p:clrMapOvr>
+    <a:masterClrMapping/>
+  </p:clrMapOvr>
 </p:sldLayout>
 </file>
 
 <file path=ppt/slideMasters/slideMaster1.xml><?xml version="1.0" encoding="utf-8"?>
-<p:sldMaster xmlns:a="http://schemas.openxmlformats.org/drawingml/2006/main" xmlns:p="http://schemas.openxmlformats.org/presentationml/2006/main" xmlns:r="http://schemas.openxmlformats.org/officeDocument/2006/relationships" xmlns:p14="http://schemas.microsoft.com/office/powerpoint/2010/main" xmlns:p15="http://schemas.microsoft.com/office/powerpoint/2012/main" xmlns:mc="http://schemas.openxmlformats.org/markup-compatibility/2006">
+<p:sldMaster xmlns:a="http://schemas.openxmlformats.org/drawingml/2006/main" xmlns:r="http://schemas.openxmlformats.org/officeDocument/2006/relationships" xmlns:p="http://schemas.openxmlformats.org/presentationml/2006/main">
   <p:cSld>
     <p:bg>
       <p:bgPr>
         <a:solidFill>
-          <a:srgbClr val="ffffff"/>
+          <a:srgbClr val="FFFFFF"/>
         </a:solidFill>
+        <a:effectLst/>
       </p:bgPr>
     </p:bg>
     <p:spTree>
@@ -2968,7 +3201,7 @@
       </p:grpSpPr>
       <p:sp>
         <p:nvSpPr>
-          <p:cNvPr id="0" name="PlaceHolder 1"/>
+          <p:cNvPr id="2" name="PlaceHolder 1"/>
           <p:cNvSpPr>
             <a:spLocks noGrp="1"/>
           </p:cNvSpPr>
@@ -2986,501 +3219,29 @@
           </a:prstGeom>
         </p:spPr>
         <p:txBody>
-          <a:bodyPr lIns="0" rIns="0" tIns="0" bIns="0" anchor="ctr"/>
+          <a:bodyPr lIns="0" tIns="0" rIns="0" bIns="0" anchor="ctr"/>
+          <a:lstStyle/>
           <a:p>
             <a:r>
-              <a:rPr b="0" lang="en-US" sz="1800" spc="-1" strike="noStrike">
+              <a:rPr lang="en-US" sz="1800" b="0" strike="noStrike" spc="-1">
                 <a:solidFill>
                   <a:srgbClr val="000000"/>
                 </a:solidFill>
                 <a:uFill>
                   <a:solidFill>
-                    <a:srgbClr val="ffffff"/>
+                    <a:srgbClr val="FFFFFF"/>
                   </a:solidFill>
                 </a:uFill>
                 <a:latin typeface="Calibri"/>
               </a:rPr>
-              <a:t>F</a:t>
+              <a:t>Format des Titeltextes durch Klicken bearbeiten</a:t>
             </a:r>
-            <a:r>
-              <a:rPr b="0" lang="en-US" sz="1800" spc="-1" strike="noStrike">
-                <a:solidFill>
-                  <a:srgbClr val="000000"/>
-                </a:solidFill>
-                <a:uFill>
-                  <a:solidFill>
-                    <a:srgbClr val="ffffff"/>
-                  </a:solidFill>
-                </a:uFill>
-                <a:latin typeface="Calibri"/>
-              </a:rPr>
-              <a:t>o</a:t>
-            </a:r>
-            <a:r>
-              <a:rPr b="0" lang="en-US" sz="1800" spc="-1" strike="noStrike">
-                <a:solidFill>
-                  <a:srgbClr val="000000"/>
-                </a:solidFill>
-                <a:uFill>
-                  <a:solidFill>
-                    <a:srgbClr val="ffffff"/>
-                  </a:solidFill>
-                </a:uFill>
-                <a:latin typeface="Calibri"/>
-              </a:rPr>
-              <a:t>r</a:t>
-            </a:r>
-            <a:r>
-              <a:rPr b="0" lang="en-US" sz="1800" spc="-1" strike="noStrike">
-                <a:solidFill>
-                  <a:srgbClr val="000000"/>
-                </a:solidFill>
-                <a:uFill>
-                  <a:solidFill>
-                    <a:srgbClr val="ffffff"/>
-                  </a:solidFill>
-                </a:uFill>
-                <a:latin typeface="Calibri"/>
-              </a:rPr>
-              <a:t>m</a:t>
-            </a:r>
-            <a:r>
-              <a:rPr b="0" lang="en-US" sz="1800" spc="-1" strike="noStrike">
-                <a:solidFill>
-                  <a:srgbClr val="000000"/>
-                </a:solidFill>
-                <a:uFill>
-                  <a:solidFill>
-                    <a:srgbClr val="ffffff"/>
-                  </a:solidFill>
-                </a:uFill>
-                <a:latin typeface="Calibri"/>
-              </a:rPr>
-              <a:t>a</a:t>
-            </a:r>
-            <a:r>
-              <a:rPr b="0" lang="en-US" sz="1800" spc="-1" strike="noStrike">
-                <a:solidFill>
-                  <a:srgbClr val="000000"/>
-                </a:solidFill>
-                <a:uFill>
-                  <a:solidFill>
-                    <a:srgbClr val="ffffff"/>
-                  </a:solidFill>
-                </a:uFill>
-                <a:latin typeface="Calibri"/>
-              </a:rPr>
-              <a:t>t </a:t>
-            </a:r>
-            <a:r>
-              <a:rPr b="0" lang="en-US" sz="1800" spc="-1" strike="noStrike">
-                <a:solidFill>
-                  <a:srgbClr val="000000"/>
-                </a:solidFill>
-                <a:uFill>
-                  <a:solidFill>
-                    <a:srgbClr val="ffffff"/>
-                  </a:solidFill>
-                </a:uFill>
-                <a:latin typeface="Calibri"/>
-              </a:rPr>
-              <a:t>d</a:t>
-            </a:r>
-            <a:r>
-              <a:rPr b="0" lang="en-US" sz="1800" spc="-1" strike="noStrike">
-                <a:solidFill>
-                  <a:srgbClr val="000000"/>
-                </a:solidFill>
-                <a:uFill>
-                  <a:solidFill>
-                    <a:srgbClr val="ffffff"/>
-                  </a:solidFill>
-                </a:uFill>
-                <a:latin typeface="Calibri"/>
-              </a:rPr>
-              <a:t>e</a:t>
-            </a:r>
-            <a:r>
-              <a:rPr b="0" lang="en-US" sz="1800" spc="-1" strike="noStrike">
-                <a:solidFill>
-                  <a:srgbClr val="000000"/>
-                </a:solidFill>
-                <a:uFill>
-                  <a:solidFill>
-                    <a:srgbClr val="ffffff"/>
-                  </a:solidFill>
-                </a:uFill>
-                <a:latin typeface="Calibri"/>
-              </a:rPr>
-              <a:t>s </a:t>
-            </a:r>
-            <a:r>
-              <a:rPr b="0" lang="en-US" sz="1800" spc="-1" strike="noStrike">
-                <a:solidFill>
-                  <a:srgbClr val="000000"/>
-                </a:solidFill>
-                <a:uFill>
-                  <a:solidFill>
-                    <a:srgbClr val="ffffff"/>
-                  </a:solidFill>
-                </a:uFill>
-                <a:latin typeface="Calibri"/>
-              </a:rPr>
-              <a:t>Ti</a:t>
-            </a:r>
-            <a:r>
-              <a:rPr b="0" lang="en-US" sz="1800" spc="-1" strike="noStrike">
-                <a:solidFill>
-                  <a:srgbClr val="000000"/>
-                </a:solidFill>
-                <a:uFill>
-                  <a:solidFill>
-                    <a:srgbClr val="ffffff"/>
-                  </a:solidFill>
-                </a:uFill>
-                <a:latin typeface="Calibri"/>
-              </a:rPr>
-              <a:t>t</a:t>
-            </a:r>
-            <a:r>
-              <a:rPr b="0" lang="en-US" sz="1800" spc="-1" strike="noStrike">
-                <a:solidFill>
-                  <a:srgbClr val="000000"/>
-                </a:solidFill>
-                <a:uFill>
-                  <a:solidFill>
-                    <a:srgbClr val="ffffff"/>
-                  </a:solidFill>
-                </a:uFill>
-                <a:latin typeface="Calibri"/>
-              </a:rPr>
-              <a:t>el</a:t>
-            </a:r>
-            <a:r>
-              <a:rPr b="0" lang="en-US" sz="1800" spc="-1" strike="noStrike">
-                <a:solidFill>
-                  <a:srgbClr val="000000"/>
-                </a:solidFill>
-                <a:uFill>
-                  <a:solidFill>
-                    <a:srgbClr val="ffffff"/>
-                  </a:solidFill>
-                </a:uFill>
-                <a:latin typeface="Calibri"/>
-              </a:rPr>
-              <a:t>te</a:t>
-            </a:r>
-            <a:r>
-              <a:rPr b="0" lang="en-US" sz="1800" spc="-1" strike="noStrike">
-                <a:solidFill>
-                  <a:srgbClr val="000000"/>
-                </a:solidFill>
-                <a:uFill>
-                  <a:solidFill>
-                    <a:srgbClr val="ffffff"/>
-                  </a:solidFill>
-                </a:uFill>
-                <a:latin typeface="Calibri"/>
-              </a:rPr>
-              <a:t>xt</a:t>
-            </a:r>
-            <a:r>
-              <a:rPr b="0" lang="en-US" sz="1800" spc="-1" strike="noStrike">
-                <a:solidFill>
-                  <a:srgbClr val="000000"/>
-                </a:solidFill>
-                <a:uFill>
-                  <a:solidFill>
-                    <a:srgbClr val="ffffff"/>
-                  </a:solidFill>
-                </a:uFill>
-                <a:latin typeface="Calibri"/>
-              </a:rPr>
-              <a:t>e</a:t>
-            </a:r>
-            <a:r>
-              <a:rPr b="0" lang="en-US" sz="1800" spc="-1" strike="noStrike">
-                <a:solidFill>
-                  <a:srgbClr val="000000"/>
-                </a:solidFill>
-                <a:uFill>
-                  <a:solidFill>
-                    <a:srgbClr val="ffffff"/>
-                  </a:solidFill>
-                </a:uFill>
-                <a:latin typeface="Calibri"/>
-              </a:rPr>
-              <a:t>s </a:t>
-            </a:r>
-            <a:r>
-              <a:rPr b="0" lang="en-US" sz="1800" spc="-1" strike="noStrike">
-                <a:solidFill>
-                  <a:srgbClr val="000000"/>
-                </a:solidFill>
-                <a:uFill>
-                  <a:solidFill>
-                    <a:srgbClr val="ffffff"/>
-                  </a:solidFill>
-                </a:uFill>
-                <a:latin typeface="Calibri"/>
-              </a:rPr>
-              <a:t>d</a:t>
-            </a:r>
-            <a:r>
-              <a:rPr b="0" lang="en-US" sz="1800" spc="-1" strike="noStrike">
-                <a:solidFill>
-                  <a:srgbClr val="000000"/>
-                </a:solidFill>
-                <a:uFill>
-                  <a:solidFill>
-                    <a:srgbClr val="ffffff"/>
-                  </a:solidFill>
-                </a:uFill>
-                <a:latin typeface="Calibri"/>
-              </a:rPr>
-              <a:t>u</a:t>
-            </a:r>
-            <a:r>
-              <a:rPr b="0" lang="en-US" sz="1800" spc="-1" strike="noStrike">
-                <a:solidFill>
-                  <a:srgbClr val="000000"/>
-                </a:solidFill>
-                <a:uFill>
-                  <a:solidFill>
-                    <a:srgbClr val="ffffff"/>
-                  </a:solidFill>
-                </a:uFill>
-                <a:latin typeface="Calibri"/>
-              </a:rPr>
-              <a:t>rc</a:t>
-            </a:r>
-            <a:r>
-              <a:rPr b="0" lang="en-US" sz="1800" spc="-1" strike="noStrike">
-                <a:solidFill>
-                  <a:srgbClr val="000000"/>
-                </a:solidFill>
-                <a:uFill>
-                  <a:solidFill>
-                    <a:srgbClr val="ffffff"/>
-                  </a:solidFill>
-                </a:uFill>
-                <a:latin typeface="Calibri"/>
-              </a:rPr>
-              <a:t>h </a:t>
-            </a:r>
-            <a:r>
-              <a:rPr b="0" lang="en-US" sz="1800" spc="-1" strike="noStrike">
-                <a:solidFill>
-                  <a:srgbClr val="000000"/>
-                </a:solidFill>
-                <a:uFill>
-                  <a:solidFill>
-                    <a:srgbClr val="ffffff"/>
-                  </a:solidFill>
-                </a:uFill>
-                <a:latin typeface="Calibri"/>
-              </a:rPr>
-              <a:t>Kl</a:t>
-            </a:r>
-            <a:r>
-              <a:rPr b="0" lang="en-US" sz="1800" spc="-1" strike="noStrike">
-                <a:solidFill>
-                  <a:srgbClr val="000000"/>
-                </a:solidFill>
-                <a:uFill>
-                  <a:solidFill>
-                    <a:srgbClr val="ffffff"/>
-                  </a:solidFill>
-                </a:uFill>
-                <a:latin typeface="Calibri"/>
-              </a:rPr>
-              <a:t>ic</a:t>
-            </a:r>
-            <a:r>
-              <a:rPr b="0" lang="en-US" sz="1800" spc="-1" strike="noStrike">
-                <a:solidFill>
-                  <a:srgbClr val="000000"/>
-                </a:solidFill>
-                <a:uFill>
-                  <a:solidFill>
-                    <a:srgbClr val="ffffff"/>
-                  </a:solidFill>
-                </a:uFill>
-                <a:latin typeface="Calibri"/>
-              </a:rPr>
-              <a:t>k</a:t>
-            </a:r>
-            <a:r>
-              <a:rPr b="0" lang="en-US" sz="1800" spc="-1" strike="noStrike">
-                <a:solidFill>
-                  <a:srgbClr val="000000"/>
-                </a:solidFill>
-                <a:uFill>
-                  <a:solidFill>
-                    <a:srgbClr val="ffffff"/>
-                  </a:solidFill>
-                </a:uFill>
-                <a:latin typeface="Calibri"/>
-              </a:rPr>
-              <a:t>e</a:t>
-            </a:r>
-            <a:r>
-              <a:rPr b="0" lang="en-US" sz="1800" spc="-1" strike="noStrike">
-                <a:solidFill>
-                  <a:srgbClr val="000000"/>
-                </a:solidFill>
-                <a:uFill>
-                  <a:solidFill>
-                    <a:srgbClr val="ffffff"/>
-                  </a:solidFill>
-                </a:uFill>
-                <a:latin typeface="Calibri"/>
-              </a:rPr>
-              <a:t>n </a:t>
-            </a:r>
-            <a:r>
-              <a:rPr b="0" lang="en-US" sz="1800" spc="-1" strike="noStrike">
-                <a:solidFill>
-                  <a:srgbClr val="000000"/>
-                </a:solidFill>
-                <a:uFill>
-                  <a:solidFill>
-                    <a:srgbClr val="ffffff"/>
-                  </a:solidFill>
-                </a:uFill>
-                <a:latin typeface="Calibri"/>
-              </a:rPr>
-              <a:t>b</a:t>
-            </a:r>
-            <a:r>
-              <a:rPr b="0" lang="en-US" sz="1800" spc="-1" strike="noStrike">
-                <a:solidFill>
-                  <a:srgbClr val="000000"/>
-                </a:solidFill>
-                <a:uFill>
-                  <a:solidFill>
-                    <a:srgbClr val="ffffff"/>
-                  </a:solidFill>
-                </a:uFill>
-                <a:latin typeface="Calibri"/>
-              </a:rPr>
-              <a:t>e</a:t>
-            </a:r>
-            <a:r>
-              <a:rPr b="0" lang="en-US" sz="1800" spc="-1" strike="noStrike">
-                <a:solidFill>
-                  <a:srgbClr val="000000"/>
-                </a:solidFill>
-                <a:uFill>
-                  <a:solidFill>
-                    <a:srgbClr val="ffffff"/>
-                  </a:solidFill>
-                </a:uFill>
-                <a:latin typeface="Calibri"/>
-              </a:rPr>
-              <a:t>a</a:t>
-            </a:r>
-            <a:r>
-              <a:rPr b="0" lang="en-US" sz="1800" spc="-1" strike="noStrike">
-                <a:solidFill>
-                  <a:srgbClr val="000000"/>
-                </a:solidFill>
-                <a:uFill>
-                  <a:solidFill>
-                    <a:srgbClr val="ffffff"/>
-                  </a:solidFill>
-                </a:uFill>
-                <a:latin typeface="Calibri"/>
-              </a:rPr>
-              <a:t>r</a:t>
-            </a:r>
-            <a:r>
-              <a:rPr b="0" lang="en-US" sz="1800" spc="-1" strike="noStrike">
-                <a:solidFill>
-                  <a:srgbClr val="000000"/>
-                </a:solidFill>
-                <a:uFill>
-                  <a:solidFill>
-                    <a:srgbClr val="ffffff"/>
-                  </a:solidFill>
-                </a:uFill>
-                <a:latin typeface="Calibri"/>
-              </a:rPr>
-              <a:t>b</a:t>
-            </a:r>
-            <a:r>
-              <a:rPr b="0" lang="en-US" sz="1800" spc="-1" strike="noStrike">
-                <a:solidFill>
-                  <a:srgbClr val="000000"/>
-                </a:solidFill>
-                <a:uFill>
-                  <a:solidFill>
-                    <a:srgbClr val="ffffff"/>
-                  </a:solidFill>
-                </a:uFill>
-                <a:latin typeface="Calibri"/>
-              </a:rPr>
-              <a:t>ei</a:t>
-            </a:r>
-            <a:r>
-              <a:rPr b="0" lang="en-US" sz="1800" spc="-1" strike="noStrike">
-                <a:solidFill>
-                  <a:srgbClr val="000000"/>
-                </a:solidFill>
-                <a:uFill>
-                  <a:solidFill>
-                    <a:srgbClr val="ffffff"/>
-                  </a:solidFill>
-                </a:uFill>
-                <a:latin typeface="Calibri"/>
-              </a:rPr>
-              <a:t>t</a:t>
-            </a:r>
-            <a:r>
-              <a:rPr b="0" lang="en-US" sz="1800" spc="-1" strike="noStrike">
-                <a:solidFill>
-                  <a:srgbClr val="000000"/>
-                </a:solidFill>
-                <a:uFill>
-                  <a:solidFill>
-                    <a:srgbClr val="ffffff"/>
-                  </a:solidFill>
-                </a:uFill>
-                <a:latin typeface="Calibri"/>
-              </a:rPr>
-              <a:t>e</a:t>
-            </a:r>
-            <a:r>
-              <a:rPr b="0" lang="en-US" sz="1800" spc="-1" strike="noStrike">
-                <a:solidFill>
-                  <a:srgbClr val="000000"/>
-                </a:solidFill>
-                <a:uFill>
-                  <a:solidFill>
-                    <a:srgbClr val="ffffff"/>
-                  </a:solidFill>
-                </a:uFill>
-                <a:latin typeface="Calibri"/>
-              </a:rPr>
-              <a:t>n</a:t>
-            </a:r>
-            <a:endParaRPr b="0" lang="en-US" sz="1800" spc="-1" strike="noStrike">
-              <a:solidFill>
-                <a:srgbClr val="000000"/>
-              </a:solidFill>
-              <a:uFill>
-                <a:solidFill>
-                  <a:srgbClr val="ffffff"/>
-                </a:solidFill>
-              </a:uFill>
-              <a:latin typeface="Calibri"/>
-            </a:endParaRPr>
-          </a:p>
-        </p:txBody>
-      </p:sp>
-      <p:sp>
-        <p:nvSpPr>
-          <p:cNvPr id="1" name="PlaceHolder 2"/>
+          </a:p>
+        </p:txBody>
+      </p:sp>
+      <p:sp>
+        <p:nvSpPr>
+          <p:cNvPr id="3" name="PlaceHolder 2"/>
           <p:cNvSpPr>
             <a:spLocks noGrp="1"/>
           </p:cNvSpPr>
@@ -3498,7 +3259,8 @@
           </a:prstGeom>
         </p:spPr>
         <p:txBody>
-          <a:bodyPr lIns="0" rIns="0" tIns="0" bIns="0"/>
+          <a:bodyPr lIns="0" tIns="0" rIns="0" bIns="0"/>
+          <a:lstStyle/>
           <a:p>
             <a:pPr marL="432000" indent="-324000">
               <a:buClr>
@@ -3509,33 +3271,22 @@
               <a:buChar char=""/>
             </a:pPr>
             <a:r>
-              <a:rPr b="0" lang="en-US" sz="2100" spc="-1" strike="noStrike">
+              <a:rPr lang="en-US" sz="2100" b="0" strike="noStrike" spc="-1">
                 <a:solidFill>
                   <a:srgbClr val="000000"/>
                 </a:solidFill>
                 <a:uFill>
                   <a:solidFill>
-                    <a:srgbClr val="ffffff"/>
+                    <a:srgbClr val="FFFFFF"/>
                   </a:solidFill>
                 </a:uFill>
                 <a:latin typeface="Calibri"/>
               </a:rPr>
               <a:t>Format des Gliederungstextes durch Klicken bearbeiten</a:t>
             </a:r>
-            <a:endParaRPr b="0" lang="en-US" sz="2100" spc="-1" strike="noStrike">
-              <a:solidFill>
-                <a:srgbClr val="000000"/>
-              </a:solidFill>
-              <a:uFill>
-                <a:solidFill>
-                  <a:srgbClr val="ffffff"/>
-                </a:solidFill>
-              </a:uFill>
-              <a:latin typeface="Calibri"/>
-            </a:endParaRPr>
-          </a:p>
-          <a:p>
-            <a:pPr lvl="1" marL="864000" indent="-324000">
+          </a:p>
+          <a:p>
+            <a:pPr marL="864000" lvl="1" indent="-324000">
               <a:buClr>
                 <a:srgbClr val="000000"/>
               </a:buClr>
@@ -3544,33 +3295,22 @@
               <a:buChar char=""/>
             </a:pPr>
             <a:r>
-              <a:rPr b="0" lang="en-US" sz="1500" spc="-1" strike="noStrike">
+              <a:rPr lang="en-US" sz="1500" b="0" strike="noStrike" spc="-1">
                 <a:solidFill>
                   <a:srgbClr val="000000"/>
                 </a:solidFill>
                 <a:uFill>
                   <a:solidFill>
-                    <a:srgbClr val="ffffff"/>
+                    <a:srgbClr val="FFFFFF"/>
                   </a:solidFill>
                 </a:uFill>
                 <a:latin typeface="Calibri"/>
               </a:rPr>
               <a:t>Zweite Gliederungsebene</a:t>
             </a:r>
-            <a:endParaRPr b="0" lang="en-US" sz="1500" spc="-1" strike="noStrike">
-              <a:solidFill>
-                <a:srgbClr val="000000"/>
-              </a:solidFill>
-              <a:uFill>
-                <a:solidFill>
-                  <a:srgbClr val="ffffff"/>
-                </a:solidFill>
-              </a:uFill>
-              <a:latin typeface="Calibri"/>
-            </a:endParaRPr>
-          </a:p>
-          <a:p>
-            <a:pPr lvl="2" marL="1296000" indent="-288000">
+          </a:p>
+          <a:p>
+            <a:pPr marL="1296000" lvl="2" indent="-288000">
               <a:buClr>
                 <a:srgbClr val="000000"/>
               </a:buClr>
@@ -3579,33 +3319,22 @@
               <a:buChar char=""/>
             </a:pPr>
             <a:r>
-              <a:rPr b="0" lang="en-US" sz="1350" spc="-1" strike="noStrike">
+              <a:rPr lang="en-US" sz="1350" b="0" strike="noStrike" spc="-1">
                 <a:solidFill>
                   <a:srgbClr val="000000"/>
                 </a:solidFill>
                 <a:uFill>
                   <a:solidFill>
-                    <a:srgbClr val="ffffff"/>
+                    <a:srgbClr val="FFFFFF"/>
                   </a:solidFill>
                 </a:uFill>
                 <a:latin typeface="Calibri"/>
               </a:rPr>
               <a:t>Dritte Gliederungsebene</a:t>
             </a:r>
-            <a:endParaRPr b="0" lang="en-US" sz="1350" spc="-1" strike="noStrike">
-              <a:solidFill>
-                <a:srgbClr val="000000"/>
-              </a:solidFill>
-              <a:uFill>
-                <a:solidFill>
-                  <a:srgbClr val="ffffff"/>
-                </a:solidFill>
-              </a:uFill>
-              <a:latin typeface="Calibri"/>
-            </a:endParaRPr>
-          </a:p>
-          <a:p>
-            <a:pPr lvl="3" marL="1728000" indent="-216000">
+          </a:p>
+          <a:p>
+            <a:pPr marL="1728000" lvl="3" indent="-216000">
               <a:buClr>
                 <a:srgbClr val="000000"/>
               </a:buClr>
@@ -3614,33 +3343,22 @@
               <a:buChar char=""/>
             </a:pPr>
             <a:r>
-              <a:rPr b="0" lang="en-US" sz="1350" spc="-1" strike="noStrike">
+              <a:rPr lang="en-US" sz="1350" b="0" strike="noStrike" spc="-1">
                 <a:solidFill>
                   <a:srgbClr val="000000"/>
                 </a:solidFill>
                 <a:uFill>
                   <a:solidFill>
-                    <a:srgbClr val="ffffff"/>
+                    <a:srgbClr val="FFFFFF"/>
                   </a:solidFill>
                 </a:uFill>
                 <a:latin typeface="Calibri"/>
               </a:rPr>
               <a:t>Vierte Gliederungsebene</a:t>
             </a:r>
-            <a:endParaRPr b="0" lang="en-US" sz="1350" spc="-1" strike="noStrike">
-              <a:solidFill>
-                <a:srgbClr val="000000"/>
-              </a:solidFill>
-              <a:uFill>
-                <a:solidFill>
-                  <a:srgbClr val="ffffff"/>
-                </a:solidFill>
-              </a:uFill>
-              <a:latin typeface="Calibri"/>
-            </a:endParaRPr>
-          </a:p>
-          <a:p>
-            <a:pPr lvl="4" marL="2160000" indent="-216000">
+          </a:p>
+          <a:p>
+            <a:pPr marL="2160000" lvl="4" indent="-216000">
               <a:buClr>
                 <a:srgbClr val="000000"/>
               </a:buClr>
@@ -3649,33 +3367,22 @@
               <a:buChar char=""/>
             </a:pPr>
             <a:r>
-              <a:rPr b="0" lang="en-US" sz="2000" spc="-1" strike="noStrike">
+              <a:rPr lang="en-US" sz="2000" b="0" strike="noStrike" spc="-1">
                 <a:solidFill>
                   <a:srgbClr val="000000"/>
                 </a:solidFill>
                 <a:uFill>
                   <a:solidFill>
-                    <a:srgbClr val="ffffff"/>
+                    <a:srgbClr val="FFFFFF"/>
                   </a:solidFill>
                 </a:uFill>
                 <a:latin typeface="Calibri"/>
               </a:rPr>
               <a:t>Fünfte Gliederungsebene</a:t>
             </a:r>
-            <a:endParaRPr b="0" lang="en-US" sz="2000" spc="-1" strike="noStrike">
-              <a:solidFill>
-                <a:srgbClr val="000000"/>
-              </a:solidFill>
-              <a:uFill>
-                <a:solidFill>
-                  <a:srgbClr val="ffffff"/>
-                </a:solidFill>
-              </a:uFill>
-              <a:latin typeface="Calibri"/>
-            </a:endParaRPr>
-          </a:p>
-          <a:p>
-            <a:pPr lvl="5" marL="2592000" indent="-216000">
+          </a:p>
+          <a:p>
+            <a:pPr marL="2592000" lvl="5" indent="-216000">
               <a:buClr>
                 <a:srgbClr val="000000"/>
               </a:buClr>
@@ -3684,33 +3391,22 @@
               <a:buChar char=""/>
             </a:pPr>
             <a:r>
-              <a:rPr b="0" lang="en-US" sz="2000" spc="-1" strike="noStrike">
+              <a:rPr lang="en-US" sz="2000" b="0" strike="noStrike" spc="-1">
                 <a:solidFill>
                   <a:srgbClr val="000000"/>
                 </a:solidFill>
                 <a:uFill>
                   <a:solidFill>
-                    <a:srgbClr val="ffffff"/>
+                    <a:srgbClr val="FFFFFF"/>
                   </a:solidFill>
                 </a:uFill>
                 <a:latin typeface="Calibri"/>
               </a:rPr>
               <a:t>Sechste Gliederungsebene</a:t>
             </a:r>
-            <a:endParaRPr b="0" lang="en-US" sz="2000" spc="-1" strike="noStrike">
-              <a:solidFill>
-                <a:srgbClr val="000000"/>
-              </a:solidFill>
-              <a:uFill>
-                <a:solidFill>
-                  <a:srgbClr val="ffffff"/>
-                </a:solidFill>
-              </a:uFill>
-              <a:latin typeface="Calibri"/>
-            </a:endParaRPr>
-          </a:p>
-          <a:p>
-            <a:pPr lvl="6" marL="3024000" indent="-216000">
+          </a:p>
+          <a:p>
+            <a:pPr marL="3024000" lvl="6" indent="-216000">
               <a:buClr>
                 <a:srgbClr val="000000"/>
               </a:buClr>
@@ -3719,61 +3415,331 @@
               <a:buChar char=""/>
             </a:pPr>
             <a:r>
-              <a:rPr b="0" lang="en-US" sz="2000" spc="-1" strike="noStrike">
+              <a:rPr lang="en-US" sz="2000" b="0" strike="noStrike" spc="-1">
                 <a:solidFill>
                   <a:srgbClr val="000000"/>
                 </a:solidFill>
                 <a:uFill>
                   <a:solidFill>
-                    <a:srgbClr val="ffffff"/>
+                    <a:srgbClr val="FFFFFF"/>
                   </a:solidFill>
                 </a:uFill>
                 <a:latin typeface="Calibri"/>
               </a:rPr>
               <a:t>Siebte Gliederungsebene</a:t>
             </a:r>
-            <a:endParaRPr b="0" lang="en-US" sz="2000" spc="-1" strike="noStrike">
-              <a:solidFill>
-                <a:srgbClr val="000000"/>
-              </a:solidFill>
-              <a:uFill>
-                <a:solidFill>
-                  <a:srgbClr val="ffffff"/>
-                </a:solidFill>
-              </a:uFill>
-              <a:latin typeface="Calibri"/>
-            </a:endParaRPr>
           </a:p>
         </p:txBody>
       </p:sp>
     </p:spTree>
   </p:cSld>
-  <p:clrMap bg1="lt1" bg2="lt2" tx1="dk1" tx2="dk2" accent1="accent1" accent2="accent2" accent3="accent3" accent4="accent4" accent5="accent5" accent6="accent6" hlink="hlink" folHlink="folHlink"/>
+  <p:clrMap bg1="lt1" tx1="dk1" bg2="lt2" tx2="dk2" accent1="accent1" accent2="accent2" accent3="accent3" accent4="accent4" accent5="accent5" accent6="accent6" hlink="hlink" folHlink="folHlink"/>
   <p:sldLayoutIdLst>
-    <p:sldLayoutId id="2147483649" r:id="rId2"/>
-    <p:sldLayoutId id="2147483650" r:id="rId3"/>
-    <p:sldLayoutId id="2147483651" r:id="rId4"/>
-    <p:sldLayoutId id="2147483652" r:id="rId5"/>
-    <p:sldLayoutId id="2147483653" r:id="rId6"/>
-    <p:sldLayoutId id="2147483654" r:id="rId7"/>
-    <p:sldLayoutId id="2147483655" r:id="rId8"/>
-    <p:sldLayoutId id="2147483656" r:id="rId9"/>
-    <p:sldLayoutId id="2147483657" r:id="rId10"/>
-    <p:sldLayoutId id="2147483658" r:id="rId11"/>
-    <p:sldLayoutId id="2147483659" r:id="rId12"/>
-    <p:sldLayoutId id="2147483660" r:id="rId13"/>
+    <p:sldLayoutId id="2147483649" r:id="rId1"/>
+    <p:sldLayoutId id="2147483650" r:id="rId2"/>
+    <p:sldLayoutId id="2147483651" r:id="rId3"/>
+    <p:sldLayoutId id="2147483652" r:id="rId4"/>
+    <p:sldLayoutId id="2147483653" r:id="rId5"/>
+    <p:sldLayoutId id="2147483654" r:id="rId6"/>
+    <p:sldLayoutId id="2147483655" r:id="rId7"/>
+    <p:sldLayoutId id="2147483656" r:id="rId8"/>
+    <p:sldLayoutId id="2147483657" r:id="rId9"/>
+    <p:sldLayoutId id="2147483658" r:id="rId10"/>
+    <p:sldLayoutId id="2147483659" r:id="rId11"/>
+    <p:sldLayoutId id="2147483660" r:id="rId12"/>
   </p:sldLayoutIdLst>
+  <p:txStyles>
+    <p:titleStyle>
+      <a:lvl1pPr algn="l" defTabSz="914400" rtl="0" eaLnBrk="1" latinLnBrk="0" hangingPunct="1">
+        <a:lnSpc>
+          <a:spcPct val="90000"/>
+        </a:lnSpc>
+        <a:spcBef>
+          <a:spcPct val="0"/>
+        </a:spcBef>
+        <a:buNone/>
+        <a:defRPr sz="4400" kern="1200">
+          <a:solidFill>
+            <a:schemeClr val="tx1"/>
+          </a:solidFill>
+          <a:latin typeface="+mj-lt"/>
+          <a:ea typeface="+mj-ea"/>
+          <a:cs typeface="+mj-cs"/>
+        </a:defRPr>
+      </a:lvl1pPr>
+    </p:titleStyle>
+    <p:bodyStyle>
+      <a:lvl1pPr marL="228600" indent="-228600" algn="l" defTabSz="914400" rtl="0" eaLnBrk="1" latinLnBrk="0" hangingPunct="1">
+        <a:lnSpc>
+          <a:spcPct val="90000"/>
+        </a:lnSpc>
+        <a:spcBef>
+          <a:spcPts val="1000"/>
+        </a:spcBef>
+        <a:buFont typeface="Arial" panose="020B0604020202020204" pitchFamily="34" charset="0"/>
+        <a:buChar char="•"/>
+        <a:defRPr sz="2800" kern="1200">
+          <a:solidFill>
+            <a:schemeClr val="tx1"/>
+          </a:solidFill>
+          <a:latin typeface="+mn-lt"/>
+          <a:ea typeface="+mn-ea"/>
+          <a:cs typeface="+mn-cs"/>
+        </a:defRPr>
+      </a:lvl1pPr>
+      <a:lvl2pPr marL="685800" indent="-228600" algn="l" defTabSz="914400" rtl="0" eaLnBrk="1" latinLnBrk="0" hangingPunct="1">
+        <a:lnSpc>
+          <a:spcPct val="90000"/>
+        </a:lnSpc>
+        <a:spcBef>
+          <a:spcPts val="500"/>
+        </a:spcBef>
+        <a:buFont typeface="Arial" panose="020B0604020202020204" pitchFamily="34" charset="0"/>
+        <a:buChar char="•"/>
+        <a:defRPr sz="2400" kern="1200">
+          <a:solidFill>
+            <a:schemeClr val="tx1"/>
+          </a:solidFill>
+          <a:latin typeface="+mn-lt"/>
+          <a:ea typeface="+mn-ea"/>
+          <a:cs typeface="+mn-cs"/>
+        </a:defRPr>
+      </a:lvl2pPr>
+      <a:lvl3pPr marL="1143000" indent="-228600" algn="l" defTabSz="914400" rtl="0" eaLnBrk="1" latinLnBrk="0" hangingPunct="1">
+        <a:lnSpc>
+          <a:spcPct val="90000"/>
+        </a:lnSpc>
+        <a:spcBef>
+          <a:spcPts val="500"/>
+        </a:spcBef>
+        <a:buFont typeface="Arial" panose="020B0604020202020204" pitchFamily="34" charset="0"/>
+        <a:buChar char="•"/>
+        <a:defRPr sz="2000" kern="1200">
+          <a:solidFill>
+            <a:schemeClr val="tx1"/>
+          </a:solidFill>
+          <a:latin typeface="+mn-lt"/>
+          <a:ea typeface="+mn-ea"/>
+          <a:cs typeface="+mn-cs"/>
+        </a:defRPr>
+      </a:lvl3pPr>
+      <a:lvl4pPr marL="1600200" indent="-228600" algn="l" defTabSz="914400" rtl="0" eaLnBrk="1" latinLnBrk="0" hangingPunct="1">
+        <a:lnSpc>
+          <a:spcPct val="90000"/>
+        </a:lnSpc>
+        <a:spcBef>
+          <a:spcPts val="500"/>
+        </a:spcBef>
+        <a:buFont typeface="Arial" panose="020B0604020202020204" pitchFamily="34" charset="0"/>
+        <a:buChar char="•"/>
+        <a:defRPr sz="1800" kern="1200">
+          <a:solidFill>
+            <a:schemeClr val="tx1"/>
+          </a:solidFill>
+          <a:latin typeface="+mn-lt"/>
+          <a:ea typeface="+mn-ea"/>
+          <a:cs typeface="+mn-cs"/>
+        </a:defRPr>
+      </a:lvl4pPr>
+      <a:lvl5pPr marL="2057400" indent="-228600" algn="l" defTabSz="914400" rtl="0" eaLnBrk="1" latinLnBrk="0" hangingPunct="1">
+        <a:lnSpc>
+          <a:spcPct val="90000"/>
+        </a:lnSpc>
+        <a:spcBef>
+          <a:spcPts val="500"/>
+        </a:spcBef>
+        <a:buFont typeface="Arial" panose="020B0604020202020204" pitchFamily="34" charset="0"/>
+        <a:buChar char="•"/>
+        <a:defRPr sz="1800" kern="1200">
+          <a:solidFill>
+            <a:schemeClr val="tx1"/>
+          </a:solidFill>
+          <a:latin typeface="+mn-lt"/>
+          <a:ea typeface="+mn-ea"/>
+          <a:cs typeface="+mn-cs"/>
+        </a:defRPr>
+      </a:lvl5pPr>
+      <a:lvl6pPr marL="2514600" indent="-228600" algn="l" defTabSz="914400" rtl="0" eaLnBrk="1" latinLnBrk="0" hangingPunct="1">
+        <a:lnSpc>
+          <a:spcPct val="90000"/>
+        </a:lnSpc>
+        <a:spcBef>
+          <a:spcPts val="500"/>
+        </a:spcBef>
+        <a:buFont typeface="Arial" panose="020B0604020202020204" pitchFamily="34" charset="0"/>
+        <a:buChar char="•"/>
+        <a:defRPr sz="1800" kern="1200">
+          <a:solidFill>
+            <a:schemeClr val="tx1"/>
+          </a:solidFill>
+          <a:latin typeface="+mn-lt"/>
+          <a:ea typeface="+mn-ea"/>
+          <a:cs typeface="+mn-cs"/>
+        </a:defRPr>
+      </a:lvl6pPr>
+      <a:lvl7pPr marL="2971800" indent="-228600" algn="l" defTabSz="914400" rtl="0" eaLnBrk="1" latinLnBrk="0" hangingPunct="1">
+        <a:lnSpc>
+          <a:spcPct val="90000"/>
+        </a:lnSpc>
+        <a:spcBef>
+          <a:spcPts val="500"/>
+        </a:spcBef>
+        <a:buFont typeface="Arial" panose="020B0604020202020204" pitchFamily="34" charset="0"/>
+        <a:buChar char="•"/>
+        <a:defRPr sz="1800" kern="1200">
+          <a:solidFill>
+            <a:schemeClr val="tx1"/>
+          </a:solidFill>
+          <a:latin typeface="+mn-lt"/>
+          <a:ea typeface="+mn-ea"/>
+          <a:cs typeface="+mn-cs"/>
+        </a:defRPr>
+      </a:lvl7pPr>
+      <a:lvl8pPr marL="3429000" indent="-228600" algn="l" defTabSz="914400" rtl="0" eaLnBrk="1" latinLnBrk="0" hangingPunct="1">
+        <a:lnSpc>
+          <a:spcPct val="90000"/>
+        </a:lnSpc>
+        <a:spcBef>
+          <a:spcPts val="500"/>
+        </a:spcBef>
+        <a:buFont typeface="Arial" panose="020B0604020202020204" pitchFamily="34" charset="0"/>
+        <a:buChar char="•"/>
+        <a:defRPr sz="1800" kern="1200">
+          <a:solidFill>
+            <a:schemeClr val="tx1"/>
+          </a:solidFill>
+          <a:latin typeface="+mn-lt"/>
+          <a:ea typeface="+mn-ea"/>
+          <a:cs typeface="+mn-cs"/>
+        </a:defRPr>
+      </a:lvl8pPr>
+      <a:lvl9pPr marL="3886200" indent="-228600" algn="l" defTabSz="914400" rtl="0" eaLnBrk="1" latinLnBrk="0" hangingPunct="1">
+        <a:lnSpc>
+          <a:spcPct val="90000"/>
+        </a:lnSpc>
+        <a:spcBef>
+          <a:spcPts val="500"/>
+        </a:spcBef>
+        <a:buFont typeface="Arial" panose="020B0604020202020204" pitchFamily="34" charset="0"/>
+        <a:buChar char="•"/>
+        <a:defRPr sz="1800" kern="1200">
+          <a:solidFill>
+            <a:schemeClr val="tx1"/>
+          </a:solidFill>
+          <a:latin typeface="+mn-lt"/>
+          <a:ea typeface="+mn-ea"/>
+          <a:cs typeface="+mn-cs"/>
+        </a:defRPr>
+      </a:lvl9pPr>
+    </p:bodyStyle>
+    <p:otherStyle>
+      <a:defPPr>
+        <a:defRPr lang="de-DE"/>
+      </a:defPPr>
+      <a:lvl1pPr marL="0" algn="l" defTabSz="914400" rtl="0" eaLnBrk="1" latinLnBrk="0" hangingPunct="1">
+        <a:defRPr sz="1800" kern="1200">
+          <a:solidFill>
+            <a:schemeClr val="tx1"/>
+          </a:solidFill>
+          <a:latin typeface="+mn-lt"/>
+          <a:ea typeface="+mn-ea"/>
+          <a:cs typeface="+mn-cs"/>
+        </a:defRPr>
+      </a:lvl1pPr>
+      <a:lvl2pPr marL="457200" algn="l" defTabSz="914400" rtl="0" eaLnBrk="1" latinLnBrk="0" hangingPunct="1">
+        <a:defRPr sz="1800" kern="1200">
+          <a:solidFill>
+            <a:schemeClr val="tx1"/>
+          </a:solidFill>
+          <a:latin typeface="+mn-lt"/>
+          <a:ea typeface="+mn-ea"/>
+          <a:cs typeface="+mn-cs"/>
+        </a:defRPr>
+      </a:lvl2pPr>
+      <a:lvl3pPr marL="914400" algn="l" defTabSz="914400" rtl="0" eaLnBrk="1" latinLnBrk="0" hangingPunct="1">
+        <a:defRPr sz="1800" kern="1200">
+          <a:solidFill>
+            <a:schemeClr val="tx1"/>
+          </a:solidFill>
+          <a:latin typeface="+mn-lt"/>
+          <a:ea typeface="+mn-ea"/>
+          <a:cs typeface="+mn-cs"/>
+        </a:defRPr>
+      </a:lvl3pPr>
+      <a:lvl4pPr marL="1371600" algn="l" defTabSz="914400" rtl="0" eaLnBrk="1" latinLnBrk="0" hangingPunct="1">
+        <a:defRPr sz="1800" kern="1200">
+          <a:solidFill>
+            <a:schemeClr val="tx1"/>
+          </a:solidFill>
+          <a:latin typeface="+mn-lt"/>
+          <a:ea typeface="+mn-ea"/>
+          <a:cs typeface="+mn-cs"/>
+        </a:defRPr>
+      </a:lvl4pPr>
+      <a:lvl5pPr marL="1828800" algn="l" defTabSz="914400" rtl="0" eaLnBrk="1" latinLnBrk="0" hangingPunct="1">
+        <a:defRPr sz="1800" kern="1200">
+          <a:solidFill>
+            <a:schemeClr val="tx1"/>
+          </a:solidFill>
+          <a:latin typeface="+mn-lt"/>
+          <a:ea typeface="+mn-ea"/>
+          <a:cs typeface="+mn-cs"/>
+        </a:defRPr>
+      </a:lvl5pPr>
+      <a:lvl6pPr marL="2286000" algn="l" defTabSz="914400" rtl="0" eaLnBrk="1" latinLnBrk="0" hangingPunct="1">
+        <a:defRPr sz="1800" kern="1200">
+          <a:solidFill>
+            <a:schemeClr val="tx1"/>
+          </a:solidFill>
+          <a:latin typeface="+mn-lt"/>
+          <a:ea typeface="+mn-ea"/>
+          <a:cs typeface="+mn-cs"/>
+        </a:defRPr>
+      </a:lvl6pPr>
+      <a:lvl7pPr marL="2743200" algn="l" defTabSz="914400" rtl="0" eaLnBrk="1" latinLnBrk="0" hangingPunct="1">
+        <a:defRPr sz="1800" kern="1200">
+          <a:solidFill>
+            <a:schemeClr val="tx1"/>
+          </a:solidFill>
+          <a:latin typeface="+mn-lt"/>
+          <a:ea typeface="+mn-ea"/>
+          <a:cs typeface="+mn-cs"/>
+        </a:defRPr>
+      </a:lvl7pPr>
+      <a:lvl8pPr marL="3200400" algn="l" defTabSz="914400" rtl="0" eaLnBrk="1" latinLnBrk="0" hangingPunct="1">
+        <a:defRPr sz="1800" kern="1200">
+          <a:solidFill>
+            <a:schemeClr val="tx1"/>
+          </a:solidFill>
+          <a:latin typeface="+mn-lt"/>
+          <a:ea typeface="+mn-ea"/>
+          <a:cs typeface="+mn-cs"/>
+        </a:defRPr>
+      </a:lvl8pPr>
+      <a:lvl9pPr marL="3657600" algn="l" defTabSz="914400" rtl="0" eaLnBrk="1" latinLnBrk="0" hangingPunct="1">
+        <a:defRPr sz="1800" kern="1200">
+          <a:solidFill>
+            <a:schemeClr val="tx1"/>
+          </a:solidFill>
+          <a:latin typeface="+mn-lt"/>
+          <a:ea typeface="+mn-ea"/>
+          <a:cs typeface="+mn-cs"/>
+        </a:defRPr>
+      </a:lvl9pPr>
+    </p:otherStyle>
+  </p:txStyles>
 </p:sldMaster>
 </file>
 
 <file path=ppt/slideMasters/slideMaster2.xml><?xml version="1.0" encoding="utf-8"?>
-<p:sldMaster xmlns:a="http://schemas.openxmlformats.org/drawingml/2006/main" xmlns:p="http://schemas.openxmlformats.org/presentationml/2006/main" xmlns:r="http://schemas.openxmlformats.org/officeDocument/2006/relationships" xmlns:p14="http://schemas.microsoft.com/office/powerpoint/2010/main" xmlns:p15="http://schemas.microsoft.com/office/powerpoint/2012/main" xmlns:mc="http://schemas.openxmlformats.org/markup-compatibility/2006">
+<p:sldMaster xmlns:a="http://schemas.openxmlformats.org/drawingml/2006/main" xmlns:r="http://schemas.openxmlformats.org/officeDocument/2006/relationships" xmlns:p="http://schemas.openxmlformats.org/presentationml/2006/main">
   <p:cSld>
     <p:bg>
       <p:bgPr>
         <a:solidFill>
-          <a:srgbClr val="ffffff"/>
+          <a:srgbClr val="FFFFFF"/>
         </a:solidFill>
+        <a:effectLst/>
       </p:bgPr>
     </p:bg>
     <p:spTree>
@@ -3810,173 +3776,23 @@
           </a:prstGeom>
         </p:spPr>
         <p:txBody>
-          <a:bodyPr lIns="0" rIns="0" tIns="0" bIns="0" anchor="ctr"/>
+          <a:bodyPr lIns="0" tIns="0" rIns="0" bIns="0" anchor="ctr"/>
+          <a:lstStyle/>
           <a:p>
             <a:r>
-              <a:rPr b="0" lang="en-US" sz="1800" spc="-1" strike="noStrike">
+              <a:rPr lang="en-US" sz="1800" b="0" strike="noStrike" spc="-1">
                 <a:solidFill>
                   <a:srgbClr val="000000"/>
                 </a:solidFill>
                 <a:uFill>
                   <a:solidFill>
-                    <a:srgbClr val="ffffff"/>
+                    <a:srgbClr val="FFFFFF"/>
                   </a:solidFill>
                 </a:uFill>
                 <a:latin typeface="Calibri"/>
               </a:rPr>
-              <a:t>Form</a:t>
+              <a:t>Format des Titeltextes durch Klicken bearbeiten</a:t>
             </a:r>
-            <a:r>
-              <a:rPr b="0" lang="en-US" sz="1800" spc="-1" strike="noStrike">
-                <a:solidFill>
-                  <a:srgbClr val="000000"/>
-                </a:solidFill>
-                <a:uFill>
-                  <a:solidFill>
-                    <a:srgbClr val="ffffff"/>
-                  </a:solidFill>
-                </a:uFill>
-                <a:latin typeface="Calibri"/>
-              </a:rPr>
-              <a:t>at </a:t>
-            </a:r>
-            <a:r>
-              <a:rPr b="0" lang="en-US" sz="1800" spc="-1" strike="noStrike">
-                <a:solidFill>
-                  <a:srgbClr val="000000"/>
-                </a:solidFill>
-                <a:uFill>
-                  <a:solidFill>
-                    <a:srgbClr val="ffffff"/>
-                  </a:solidFill>
-                </a:uFill>
-                <a:latin typeface="Calibri"/>
-              </a:rPr>
-              <a:t>des </a:t>
-            </a:r>
-            <a:r>
-              <a:rPr b="0" lang="en-US" sz="1800" spc="-1" strike="noStrike">
-                <a:solidFill>
-                  <a:srgbClr val="000000"/>
-                </a:solidFill>
-                <a:uFill>
-                  <a:solidFill>
-                    <a:srgbClr val="ffffff"/>
-                  </a:solidFill>
-                </a:uFill>
-                <a:latin typeface="Calibri"/>
-              </a:rPr>
-              <a:t>Titelt</a:t>
-            </a:r>
-            <a:r>
-              <a:rPr b="0" lang="en-US" sz="1800" spc="-1" strike="noStrike">
-                <a:solidFill>
-                  <a:srgbClr val="000000"/>
-                </a:solidFill>
-                <a:uFill>
-                  <a:solidFill>
-                    <a:srgbClr val="ffffff"/>
-                  </a:solidFill>
-                </a:uFill>
-                <a:latin typeface="Calibri"/>
-              </a:rPr>
-              <a:t>extes </a:t>
-            </a:r>
-            <a:r>
-              <a:rPr b="0" lang="en-US" sz="1800" spc="-1" strike="noStrike">
-                <a:solidFill>
-                  <a:srgbClr val="000000"/>
-                </a:solidFill>
-                <a:uFill>
-                  <a:solidFill>
-                    <a:srgbClr val="ffffff"/>
-                  </a:solidFill>
-                </a:uFill>
-                <a:latin typeface="Calibri"/>
-              </a:rPr>
-              <a:t>durch </a:t>
-            </a:r>
-            <a:r>
-              <a:rPr b="0" lang="en-US" sz="1800" spc="-1" strike="noStrike">
-                <a:solidFill>
-                  <a:srgbClr val="000000"/>
-                </a:solidFill>
-                <a:uFill>
-                  <a:solidFill>
-                    <a:srgbClr val="ffffff"/>
-                  </a:solidFill>
-                </a:uFill>
-                <a:latin typeface="Calibri"/>
-              </a:rPr>
-              <a:t>Klicke</a:t>
-            </a:r>
-            <a:r>
-              <a:rPr b="0" lang="en-US" sz="1800" spc="-1" strike="noStrike">
-                <a:solidFill>
-                  <a:srgbClr val="000000"/>
-                </a:solidFill>
-                <a:uFill>
-                  <a:solidFill>
-                    <a:srgbClr val="ffffff"/>
-                  </a:solidFill>
-                </a:uFill>
-                <a:latin typeface="Calibri"/>
-              </a:rPr>
-              <a:t>n </a:t>
-            </a:r>
-            <a:r>
-              <a:rPr b="0" lang="en-US" sz="1800" spc="-1" strike="noStrike">
-                <a:solidFill>
-                  <a:srgbClr val="000000"/>
-                </a:solidFill>
-                <a:uFill>
-                  <a:solidFill>
-                    <a:srgbClr val="ffffff"/>
-                  </a:solidFill>
-                </a:uFill>
-                <a:latin typeface="Calibri"/>
-              </a:rPr>
-              <a:t>bear</a:t>
-            </a:r>
-            <a:r>
-              <a:rPr b="0" lang="en-US" sz="1800" spc="-1" strike="noStrike">
-                <a:solidFill>
-                  <a:srgbClr val="000000"/>
-                </a:solidFill>
-                <a:uFill>
-                  <a:solidFill>
-                    <a:srgbClr val="ffffff"/>
-                  </a:solidFill>
-                </a:uFill>
-                <a:latin typeface="Calibri"/>
-              </a:rPr>
-              <a:t>beite</a:t>
-            </a:r>
-            <a:r>
-              <a:rPr b="0" lang="en-US" sz="1800" spc="-1" strike="noStrike">
-                <a:solidFill>
-                  <a:srgbClr val="000000"/>
-                </a:solidFill>
-                <a:uFill>
-                  <a:solidFill>
-                    <a:srgbClr val="ffffff"/>
-                  </a:solidFill>
-                </a:uFill>
-                <a:latin typeface="Calibri"/>
-              </a:rPr>
-              <a:t>n</a:t>
-            </a:r>
-            <a:endParaRPr b="0" lang="en-US" sz="1800" spc="-1" strike="noStrike">
-              <a:solidFill>
-                <a:srgbClr val="000000"/>
-              </a:solidFill>
-              <a:uFill>
-                <a:solidFill>
-                  <a:srgbClr val="ffffff"/>
-                </a:solidFill>
-              </a:uFill>
-              <a:latin typeface="Calibri"/>
-            </a:endParaRPr>
           </a:p>
         </p:txBody>
       </p:sp>
@@ -4000,7 +3816,8 @@
           </a:prstGeom>
         </p:spPr>
         <p:txBody>
-          <a:bodyPr lIns="0" rIns="0" tIns="0" bIns="0"/>
+          <a:bodyPr lIns="0" tIns="0" rIns="0" bIns="0"/>
+          <a:lstStyle/>
           <a:p>
             <a:pPr marL="432000" indent="-324000">
               <a:buClr>
@@ -4011,33 +3828,22 @@
               <a:buChar char=""/>
             </a:pPr>
             <a:r>
-              <a:rPr b="0" lang="en-US" sz="2100" spc="-1" strike="noStrike">
+              <a:rPr lang="en-US" sz="2100" b="0" strike="noStrike" spc="-1">
                 <a:solidFill>
                   <a:srgbClr val="000000"/>
                 </a:solidFill>
                 <a:uFill>
                   <a:solidFill>
-                    <a:srgbClr val="ffffff"/>
+                    <a:srgbClr val="FFFFFF"/>
                   </a:solidFill>
                 </a:uFill>
                 <a:latin typeface="Calibri"/>
               </a:rPr>
               <a:t>Format des Gliederungstextes durch Klicken bearbeiten</a:t>
             </a:r>
-            <a:endParaRPr b="0" lang="en-US" sz="2100" spc="-1" strike="noStrike">
-              <a:solidFill>
-                <a:srgbClr val="000000"/>
-              </a:solidFill>
-              <a:uFill>
-                <a:solidFill>
-                  <a:srgbClr val="ffffff"/>
-                </a:solidFill>
-              </a:uFill>
-              <a:latin typeface="Calibri"/>
-            </a:endParaRPr>
-          </a:p>
-          <a:p>
-            <a:pPr lvl="1" marL="864000" indent="-324000">
+          </a:p>
+          <a:p>
+            <a:pPr marL="864000" lvl="1" indent="-324000">
               <a:buClr>
                 <a:srgbClr val="000000"/>
               </a:buClr>
@@ -4046,33 +3852,22 @@
               <a:buChar char=""/>
             </a:pPr>
             <a:r>
-              <a:rPr b="0" lang="en-US" sz="1500" spc="-1" strike="noStrike">
+              <a:rPr lang="en-US" sz="1500" b="0" strike="noStrike" spc="-1">
                 <a:solidFill>
                   <a:srgbClr val="000000"/>
                 </a:solidFill>
                 <a:uFill>
                   <a:solidFill>
-                    <a:srgbClr val="ffffff"/>
+                    <a:srgbClr val="FFFFFF"/>
                   </a:solidFill>
                 </a:uFill>
                 <a:latin typeface="Calibri"/>
               </a:rPr>
               <a:t>Zweite Gliederungsebene</a:t>
             </a:r>
-            <a:endParaRPr b="0" lang="en-US" sz="1500" spc="-1" strike="noStrike">
-              <a:solidFill>
-                <a:srgbClr val="000000"/>
-              </a:solidFill>
-              <a:uFill>
-                <a:solidFill>
-                  <a:srgbClr val="ffffff"/>
-                </a:solidFill>
-              </a:uFill>
-              <a:latin typeface="Calibri"/>
-            </a:endParaRPr>
-          </a:p>
-          <a:p>
-            <a:pPr lvl="2" marL="1296000" indent="-288000">
+          </a:p>
+          <a:p>
+            <a:pPr marL="1296000" lvl="2" indent="-288000">
               <a:buClr>
                 <a:srgbClr val="000000"/>
               </a:buClr>
@@ -4081,33 +3876,22 @@
               <a:buChar char=""/>
             </a:pPr>
             <a:r>
-              <a:rPr b="0" lang="en-US" sz="1350" spc="-1" strike="noStrike">
+              <a:rPr lang="en-US" sz="1350" b="0" strike="noStrike" spc="-1">
                 <a:solidFill>
                   <a:srgbClr val="000000"/>
                 </a:solidFill>
                 <a:uFill>
                   <a:solidFill>
-                    <a:srgbClr val="ffffff"/>
+                    <a:srgbClr val="FFFFFF"/>
                   </a:solidFill>
                 </a:uFill>
                 <a:latin typeface="Calibri"/>
               </a:rPr>
               <a:t>Dritte Gliederungsebene</a:t>
             </a:r>
-            <a:endParaRPr b="0" lang="en-US" sz="1350" spc="-1" strike="noStrike">
-              <a:solidFill>
-                <a:srgbClr val="000000"/>
-              </a:solidFill>
-              <a:uFill>
-                <a:solidFill>
-                  <a:srgbClr val="ffffff"/>
-                </a:solidFill>
-              </a:uFill>
-              <a:latin typeface="Calibri"/>
-            </a:endParaRPr>
-          </a:p>
-          <a:p>
-            <a:pPr lvl="3" marL="1728000" indent="-216000">
+          </a:p>
+          <a:p>
+            <a:pPr marL="1728000" lvl="3" indent="-216000">
               <a:buClr>
                 <a:srgbClr val="000000"/>
               </a:buClr>
@@ -4116,33 +3900,22 @@
               <a:buChar char=""/>
             </a:pPr>
             <a:r>
-              <a:rPr b="0" lang="en-US" sz="1350" spc="-1" strike="noStrike">
+              <a:rPr lang="en-US" sz="1350" b="0" strike="noStrike" spc="-1">
                 <a:solidFill>
                   <a:srgbClr val="000000"/>
                 </a:solidFill>
                 <a:uFill>
                   <a:solidFill>
-                    <a:srgbClr val="ffffff"/>
+                    <a:srgbClr val="FFFFFF"/>
                   </a:solidFill>
                 </a:uFill>
                 <a:latin typeface="Calibri"/>
               </a:rPr>
               <a:t>Vierte Gliederungsebene</a:t>
             </a:r>
-            <a:endParaRPr b="0" lang="en-US" sz="1350" spc="-1" strike="noStrike">
-              <a:solidFill>
-                <a:srgbClr val="000000"/>
-              </a:solidFill>
-              <a:uFill>
-                <a:solidFill>
-                  <a:srgbClr val="ffffff"/>
-                </a:solidFill>
-              </a:uFill>
-              <a:latin typeface="Calibri"/>
-            </a:endParaRPr>
-          </a:p>
-          <a:p>
-            <a:pPr lvl="4" marL="2160000" indent="-216000">
+          </a:p>
+          <a:p>
+            <a:pPr marL="2160000" lvl="4" indent="-216000">
               <a:buClr>
                 <a:srgbClr val="000000"/>
               </a:buClr>
@@ -4151,33 +3924,22 @@
               <a:buChar char=""/>
             </a:pPr>
             <a:r>
-              <a:rPr b="0" lang="en-US" sz="2000" spc="-1" strike="noStrike">
+              <a:rPr lang="en-US" sz="2000" b="0" strike="noStrike" spc="-1">
                 <a:solidFill>
                   <a:srgbClr val="000000"/>
                 </a:solidFill>
                 <a:uFill>
                   <a:solidFill>
-                    <a:srgbClr val="ffffff"/>
+                    <a:srgbClr val="FFFFFF"/>
                   </a:solidFill>
                 </a:uFill>
                 <a:latin typeface="Calibri"/>
               </a:rPr>
               <a:t>Fünfte Gliederungsebene</a:t>
             </a:r>
-            <a:endParaRPr b="0" lang="en-US" sz="2000" spc="-1" strike="noStrike">
-              <a:solidFill>
-                <a:srgbClr val="000000"/>
-              </a:solidFill>
-              <a:uFill>
-                <a:solidFill>
-                  <a:srgbClr val="ffffff"/>
-                </a:solidFill>
-              </a:uFill>
-              <a:latin typeface="Calibri"/>
-            </a:endParaRPr>
-          </a:p>
-          <a:p>
-            <a:pPr lvl="5" marL="2592000" indent="-216000">
+          </a:p>
+          <a:p>
+            <a:pPr marL="2592000" lvl="5" indent="-216000">
               <a:buClr>
                 <a:srgbClr val="000000"/>
               </a:buClr>
@@ -4186,33 +3948,22 @@
               <a:buChar char=""/>
             </a:pPr>
             <a:r>
-              <a:rPr b="0" lang="en-US" sz="2000" spc="-1" strike="noStrike">
+              <a:rPr lang="en-US" sz="2000" b="0" strike="noStrike" spc="-1">
                 <a:solidFill>
                   <a:srgbClr val="000000"/>
                 </a:solidFill>
                 <a:uFill>
                   <a:solidFill>
-                    <a:srgbClr val="ffffff"/>
+                    <a:srgbClr val="FFFFFF"/>
                   </a:solidFill>
                 </a:uFill>
                 <a:latin typeface="Calibri"/>
               </a:rPr>
               <a:t>Sechste Gliederungsebene</a:t>
             </a:r>
-            <a:endParaRPr b="0" lang="en-US" sz="2000" spc="-1" strike="noStrike">
-              <a:solidFill>
-                <a:srgbClr val="000000"/>
-              </a:solidFill>
-              <a:uFill>
-                <a:solidFill>
-                  <a:srgbClr val="ffffff"/>
-                </a:solidFill>
-              </a:uFill>
-              <a:latin typeface="Calibri"/>
-            </a:endParaRPr>
-          </a:p>
-          <a:p>
-            <a:pPr lvl="6" marL="3024000" indent="-216000">
+          </a:p>
+          <a:p>
+            <a:pPr marL="3024000" lvl="6" indent="-216000">
               <a:buClr>
                 <a:srgbClr val="000000"/>
               </a:buClr>
@@ -4221,55 +3972,324 @@
               <a:buChar char=""/>
             </a:pPr>
             <a:r>
-              <a:rPr b="0" lang="en-US" sz="2000" spc="-1" strike="noStrike">
+              <a:rPr lang="en-US" sz="2000" b="0" strike="noStrike" spc="-1">
                 <a:solidFill>
                   <a:srgbClr val="000000"/>
                 </a:solidFill>
                 <a:uFill>
                   <a:solidFill>
-                    <a:srgbClr val="ffffff"/>
+                    <a:srgbClr val="FFFFFF"/>
                   </a:solidFill>
                 </a:uFill>
                 <a:latin typeface="Calibri"/>
               </a:rPr>
               <a:t>Siebte Gliederungsebene</a:t>
             </a:r>
-            <a:endParaRPr b="0" lang="en-US" sz="2000" spc="-1" strike="noStrike">
-              <a:solidFill>
-                <a:srgbClr val="000000"/>
-              </a:solidFill>
-              <a:uFill>
-                <a:solidFill>
-                  <a:srgbClr val="ffffff"/>
-                </a:solidFill>
-              </a:uFill>
-              <a:latin typeface="Calibri"/>
-            </a:endParaRPr>
           </a:p>
         </p:txBody>
       </p:sp>
     </p:spTree>
   </p:cSld>
-  <p:clrMap bg1="lt1" bg2="lt2" tx1="dk1" tx2="dk2" accent1="accent1" accent2="accent2" accent3="accent3" accent4="accent4" accent5="accent5" accent6="accent6" hlink="hlink" folHlink="folHlink"/>
+  <p:clrMap bg1="lt1" tx1="dk1" bg2="lt2" tx2="dk2" accent1="accent1" accent2="accent2" accent3="accent3" accent4="accent4" accent5="accent5" accent6="accent6" hlink="hlink" folHlink="folHlink"/>
   <p:sldLayoutIdLst>
-    <p:sldLayoutId id="2147483662" r:id="rId2"/>
-    <p:sldLayoutId id="2147483663" r:id="rId3"/>
-    <p:sldLayoutId id="2147483664" r:id="rId4"/>
-    <p:sldLayoutId id="2147483665" r:id="rId5"/>
-    <p:sldLayoutId id="2147483666" r:id="rId6"/>
-    <p:sldLayoutId id="2147483667" r:id="rId7"/>
-    <p:sldLayoutId id="2147483668" r:id="rId8"/>
-    <p:sldLayoutId id="2147483669" r:id="rId9"/>
-    <p:sldLayoutId id="2147483670" r:id="rId10"/>
-    <p:sldLayoutId id="2147483671" r:id="rId11"/>
-    <p:sldLayoutId id="2147483672" r:id="rId12"/>
-    <p:sldLayoutId id="2147483673" r:id="rId13"/>
+    <p:sldLayoutId id="2147483662" r:id="rId1"/>
+    <p:sldLayoutId id="2147483663" r:id="rId2"/>
+    <p:sldLayoutId id="2147483664" r:id="rId3"/>
+    <p:sldLayoutId id="2147483665" r:id="rId4"/>
+    <p:sldLayoutId id="2147483666" r:id="rId5"/>
+    <p:sldLayoutId id="2147483667" r:id="rId6"/>
+    <p:sldLayoutId id="2147483668" r:id="rId7"/>
+    <p:sldLayoutId id="2147483669" r:id="rId8"/>
+    <p:sldLayoutId id="2147483670" r:id="rId9"/>
+    <p:sldLayoutId id="2147483671" r:id="rId10"/>
+    <p:sldLayoutId id="2147483672" r:id="rId11"/>
+    <p:sldLayoutId id="2147483673" r:id="rId12"/>
   </p:sldLayoutIdLst>
+  <p:txStyles>
+    <p:titleStyle>
+      <a:lvl1pPr algn="l" defTabSz="914400" rtl="0" eaLnBrk="1" latinLnBrk="0" hangingPunct="1">
+        <a:lnSpc>
+          <a:spcPct val="90000"/>
+        </a:lnSpc>
+        <a:spcBef>
+          <a:spcPct val="0"/>
+        </a:spcBef>
+        <a:buNone/>
+        <a:defRPr sz="4400" kern="1200">
+          <a:solidFill>
+            <a:schemeClr val="tx1"/>
+          </a:solidFill>
+          <a:latin typeface="+mj-lt"/>
+          <a:ea typeface="+mj-ea"/>
+          <a:cs typeface="+mj-cs"/>
+        </a:defRPr>
+      </a:lvl1pPr>
+    </p:titleStyle>
+    <p:bodyStyle>
+      <a:lvl1pPr marL="228600" indent="-228600" algn="l" defTabSz="914400" rtl="0" eaLnBrk="1" latinLnBrk="0" hangingPunct="1">
+        <a:lnSpc>
+          <a:spcPct val="90000"/>
+        </a:lnSpc>
+        <a:spcBef>
+          <a:spcPts val="1000"/>
+        </a:spcBef>
+        <a:buFont typeface="Arial" panose="020B0604020202020204" pitchFamily="34" charset="0"/>
+        <a:buChar char="•"/>
+        <a:defRPr sz="2800" kern="1200">
+          <a:solidFill>
+            <a:schemeClr val="tx1"/>
+          </a:solidFill>
+          <a:latin typeface="+mn-lt"/>
+          <a:ea typeface="+mn-ea"/>
+          <a:cs typeface="+mn-cs"/>
+        </a:defRPr>
+      </a:lvl1pPr>
+      <a:lvl2pPr marL="685800" indent="-228600" algn="l" defTabSz="914400" rtl="0" eaLnBrk="1" latinLnBrk="0" hangingPunct="1">
+        <a:lnSpc>
+          <a:spcPct val="90000"/>
+        </a:lnSpc>
+        <a:spcBef>
+          <a:spcPts val="500"/>
+        </a:spcBef>
+        <a:buFont typeface="Arial" panose="020B0604020202020204" pitchFamily="34" charset="0"/>
+        <a:buChar char="•"/>
+        <a:defRPr sz="2400" kern="1200">
+          <a:solidFill>
+            <a:schemeClr val="tx1"/>
+          </a:solidFill>
+          <a:latin typeface="+mn-lt"/>
+          <a:ea typeface="+mn-ea"/>
+          <a:cs typeface="+mn-cs"/>
+        </a:defRPr>
+      </a:lvl2pPr>
+      <a:lvl3pPr marL="1143000" indent="-228600" algn="l" defTabSz="914400" rtl="0" eaLnBrk="1" latinLnBrk="0" hangingPunct="1">
+        <a:lnSpc>
+          <a:spcPct val="90000"/>
+        </a:lnSpc>
+        <a:spcBef>
+          <a:spcPts val="500"/>
+        </a:spcBef>
+        <a:buFont typeface="Arial" panose="020B0604020202020204" pitchFamily="34" charset="0"/>
+        <a:buChar char="•"/>
+        <a:defRPr sz="2000" kern="1200">
+          <a:solidFill>
+            <a:schemeClr val="tx1"/>
+          </a:solidFill>
+          <a:latin typeface="+mn-lt"/>
+          <a:ea typeface="+mn-ea"/>
+          <a:cs typeface="+mn-cs"/>
+        </a:defRPr>
+      </a:lvl3pPr>
+      <a:lvl4pPr marL="1600200" indent="-228600" algn="l" defTabSz="914400" rtl="0" eaLnBrk="1" latinLnBrk="0" hangingPunct="1">
+        <a:lnSpc>
+          <a:spcPct val="90000"/>
+        </a:lnSpc>
+        <a:spcBef>
+          <a:spcPts val="500"/>
+        </a:spcBef>
+        <a:buFont typeface="Arial" panose="020B0604020202020204" pitchFamily="34" charset="0"/>
+        <a:buChar char="•"/>
+        <a:defRPr sz="1800" kern="1200">
+          <a:solidFill>
+            <a:schemeClr val="tx1"/>
+          </a:solidFill>
+          <a:latin typeface="+mn-lt"/>
+          <a:ea typeface="+mn-ea"/>
+          <a:cs typeface="+mn-cs"/>
+        </a:defRPr>
+      </a:lvl4pPr>
+      <a:lvl5pPr marL="2057400" indent="-228600" algn="l" defTabSz="914400" rtl="0" eaLnBrk="1" latinLnBrk="0" hangingPunct="1">
+        <a:lnSpc>
+          <a:spcPct val="90000"/>
+        </a:lnSpc>
+        <a:spcBef>
+          <a:spcPts val="500"/>
+        </a:spcBef>
+        <a:buFont typeface="Arial" panose="020B0604020202020204" pitchFamily="34" charset="0"/>
+        <a:buChar char="•"/>
+        <a:defRPr sz="1800" kern="1200">
+          <a:solidFill>
+            <a:schemeClr val="tx1"/>
+          </a:solidFill>
+          <a:latin typeface="+mn-lt"/>
+          <a:ea typeface="+mn-ea"/>
+          <a:cs typeface="+mn-cs"/>
+        </a:defRPr>
+      </a:lvl5pPr>
+      <a:lvl6pPr marL="2514600" indent="-228600" algn="l" defTabSz="914400" rtl="0" eaLnBrk="1" latinLnBrk="0" hangingPunct="1">
+        <a:lnSpc>
+          <a:spcPct val="90000"/>
+        </a:lnSpc>
+        <a:spcBef>
+          <a:spcPts val="500"/>
+        </a:spcBef>
+        <a:buFont typeface="Arial" panose="020B0604020202020204" pitchFamily="34" charset="0"/>
+        <a:buChar char="•"/>
+        <a:defRPr sz="1800" kern="1200">
+          <a:solidFill>
+            <a:schemeClr val="tx1"/>
+          </a:solidFill>
+          <a:latin typeface="+mn-lt"/>
+          <a:ea typeface="+mn-ea"/>
+          <a:cs typeface="+mn-cs"/>
+        </a:defRPr>
+      </a:lvl6pPr>
+      <a:lvl7pPr marL="2971800" indent="-228600" algn="l" defTabSz="914400" rtl="0" eaLnBrk="1" latinLnBrk="0" hangingPunct="1">
+        <a:lnSpc>
+          <a:spcPct val="90000"/>
+        </a:lnSpc>
+        <a:spcBef>
+          <a:spcPts val="500"/>
+        </a:spcBef>
+        <a:buFont typeface="Arial" panose="020B0604020202020204" pitchFamily="34" charset="0"/>
+        <a:buChar char="•"/>
+        <a:defRPr sz="1800" kern="1200">
+          <a:solidFill>
+            <a:schemeClr val="tx1"/>
+          </a:solidFill>
+          <a:latin typeface="+mn-lt"/>
+          <a:ea typeface="+mn-ea"/>
+          <a:cs typeface="+mn-cs"/>
+        </a:defRPr>
+      </a:lvl7pPr>
+      <a:lvl8pPr marL="3429000" indent="-228600" algn="l" defTabSz="914400" rtl="0" eaLnBrk="1" latinLnBrk="0" hangingPunct="1">
+        <a:lnSpc>
+          <a:spcPct val="90000"/>
+        </a:lnSpc>
+        <a:spcBef>
+          <a:spcPts val="500"/>
+        </a:spcBef>
+        <a:buFont typeface="Arial" panose="020B0604020202020204" pitchFamily="34" charset="0"/>
+        <a:buChar char="•"/>
+        <a:defRPr sz="1800" kern="1200">
+          <a:solidFill>
+            <a:schemeClr val="tx1"/>
+          </a:solidFill>
+          <a:latin typeface="+mn-lt"/>
+          <a:ea typeface="+mn-ea"/>
+          <a:cs typeface="+mn-cs"/>
+        </a:defRPr>
+      </a:lvl8pPr>
+      <a:lvl9pPr marL="3886200" indent="-228600" algn="l" defTabSz="914400" rtl="0" eaLnBrk="1" latinLnBrk="0" hangingPunct="1">
+        <a:lnSpc>
+          <a:spcPct val="90000"/>
+        </a:lnSpc>
+        <a:spcBef>
+          <a:spcPts val="500"/>
+        </a:spcBef>
+        <a:buFont typeface="Arial" panose="020B0604020202020204" pitchFamily="34" charset="0"/>
+        <a:buChar char="•"/>
+        <a:defRPr sz="1800" kern="1200">
+          <a:solidFill>
+            <a:schemeClr val="tx1"/>
+          </a:solidFill>
+          <a:latin typeface="+mn-lt"/>
+          <a:ea typeface="+mn-ea"/>
+          <a:cs typeface="+mn-cs"/>
+        </a:defRPr>
+      </a:lvl9pPr>
+    </p:bodyStyle>
+    <p:otherStyle>
+      <a:defPPr>
+        <a:defRPr lang="de-DE"/>
+      </a:defPPr>
+      <a:lvl1pPr marL="0" algn="l" defTabSz="914400" rtl="0" eaLnBrk="1" latinLnBrk="0" hangingPunct="1">
+        <a:defRPr sz="1800" kern="1200">
+          <a:solidFill>
+            <a:schemeClr val="tx1"/>
+          </a:solidFill>
+          <a:latin typeface="+mn-lt"/>
+          <a:ea typeface="+mn-ea"/>
+          <a:cs typeface="+mn-cs"/>
+        </a:defRPr>
+      </a:lvl1pPr>
+      <a:lvl2pPr marL="457200" algn="l" defTabSz="914400" rtl="0" eaLnBrk="1" latinLnBrk="0" hangingPunct="1">
+        <a:defRPr sz="1800" kern="1200">
+          <a:solidFill>
+            <a:schemeClr val="tx1"/>
+          </a:solidFill>
+          <a:latin typeface="+mn-lt"/>
+          <a:ea typeface="+mn-ea"/>
+          <a:cs typeface="+mn-cs"/>
+        </a:defRPr>
+      </a:lvl2pPr>
+      <a:lvl3pPr marL="914400" algn="l" defTabSz="914400" rtl="0" eaLnBrk="1" latinLnBrk="0" hangingPunct="1">
+        <a:defRPr sz="1800" kern="1200">
+          <a:solidFill>
+            <a:schemeClr val="tx1"/>
+          </a:solidFill>
+          <a:latin typeface="+mn-lt"/>
+          <a:ea typeface="+mn-ea"/>
+          <a:cs typeface="+mn-cs"/>
+        </a:defRPr>
+      </a:lvl3pPr>
+      <a:lvl4pPr marL="1371600" algn="l" defTabSz="914400" rtl="0" eaLnBrk="1" latinLnBrk="0" hangingPunct="1">
+        <a:defRPr sz="1800" kern="1200">
+          <a:solidFill>
+            <a:schemeClr val="tx1"/>
+          </a:solidFill>
+          <a:latin typeface="+mn-lt"/>
+          <a:ea typeface="+mn-ea"/>
+          <a:cs typeface="+mn-cs"/>
+        </a:defRPr>
+      </a:lvl4pPr>
+      <a:lvl5pPr marL="1828800" algn="l" defTabSz="914400" rtl="0" eaLnBrk="1" latinLnBrk="0" hangingPunct="1">
+        <a:defRPr sz="1800" kern="1200">
+          <a:solidFill>
+            <a:schemeClr val="tx1"/>
+          </a:solidFill>
+          <a:latin typeface="+mn-lt"/>
+          <a:ea typeface="+mn-ea"/>
+          <a:cs typeface="+mn-cs"/>
+        </a:defRPr>
+      </a:lvl5pPr>
+      <a:lvl6pPr marL="2286000" algn="l" defTabSz="914400" rtl="0" eaLnBrk="1" latinLnBrk="0" hangingPunct="1">
+        <a:defRPr sz="1800" kern="1200">
+          <a:solidFill>
+            <a:schemeClr val="tx1"/>
+          </a:solidFill>
+          <a:latin typeface="+mn-lt"/>
+          <a:ea typeface="+mn-ea"/>
+          <a:cs typeface="+mn-cs"/>
+        </a:defRPr>
+      </a:lvl6pPr>
+      <a:lvl7pPr marL="2743200" algn="l" defTabSz="914400" rtl="0" eaLnBrk="1" latinLnBrk="0" hangingPunct="1">
+        <a:defRPr sz="1800" kern="1200">
+          <a:solidFill>
+            <a:schemeClr val="tx1"/>
+          </a:solidFill>
+          <a:latin typeface="+mn-lt"/>
+          <a:ea typeface="+mn-ea"/>
+          <a:cs typeface="+mn-cs"/>
+        </a:defRPr>
+      </a:lvl7pPr>
+      <a:lvl8pPr marL="3200400" algn="l" defTabSz="914400" rtl="0" eaLnBrk="1" latinLnBrk="0" hangingPunct="1">
+        <a:defRPr sz="1800" kern="1200">
+          <a:solidFill>
+            <a:schemeClr val="tx1"/>
+          </a:solidFill>
+          <a:latin typeface="+mn-lt"/>
+          <a:ea typeface="+mn-ea"/>
+          <a:cs typeface="+mn-cs"/>
+        </a:defRPr>
+      </a:lvl8pPr>
+      <a:lvl9pPr marL="3657600" algn="l" defTabSz="914400" rtl="0" eaLnBrk="1" latinLnBrk="0" hangingPunct="1">
+        <a:defRPr sz="1800" kern="1200">
+          <a:solidFill>
+            <a:schemeClr val="tx1"/>
+          </a:solidFill>
+          <a:latin typeface="+mn-lt"/>
+          <a:ea typeface="+mn-ea"/>
+          <a:cs typeface="+mn-cs"/>
+        </a:defRPr>
+      </a:lvl9pPr>
+    </p:otherStyle>
+  </p:txStyles>
 </p:sldMaster>
 </file>
 
 <file path=ppt/slides/slide1.xml><?xml version="1.0" encoding="utf-8"?>
-<p:sld xmlns:a="http://schemas.openxmlformats.org/drawingml/2006/main" xmlns:p="http://schemas.openxmlformats.org/presentationml/2006/main" xmlns:r="http://schemas.openxmlformats.org/officeDocument/2006/relationships" xmlns:p14="http://schemas.microsoft.com/office/powerpoint/2010/main" xmlns:p15="http://schemas.microsoft.com/office/powerpoint/2012/main" xmlns:mc="http://schemas.openxmlformats.org/markup-compatibility/2006">
+<p:sld xmlns:a="http://schemas.openxmlformats.org/drawingml/2006/main" xmlns:r="http://schemas.openxmlformats.org/officeDocument/2006/relationships" xmlns:p="http://schemas.openxmlformats.org/presentationml/2006/main">
   <p:cSld>
     <p:spTree>
       <p:nvGrpSpPr>
@@ -4308,9 +4328,15 @@
           </a:ln>
         </p:spPr>
         <p:style>
-          <a:lnRef idx="0"/>
-          <a:fillRef idx="0"/>
-          <a:effectRef idx="0"/>
+          <a:lnRef idx="0">
+            <a:scrgbClr r="0" g="0" b="0"/>
+          </a:lnRef>
+          <a:fillRef idx="0">
+            <a:scrgbClr r="0" g="0" b="0"/>
+          </a:fillRef>
+          <a:effectRef idx="0">
+            <a:scrgbClr r="0" g="0" b="0"/>
+          </a:effectRef>
           <a:fontRef idx="minor"/>
         </p:style>
       </p:sp>
@@ -4329,6 +4355,7 @@
             <a:avLst/>
             <a:gdLst/>
             <a:ahLst/>
+            <a:cxnLst/>
             <a:rect l="l" t="t" r="r" b="b"/>
             <a:pathLst>
               <a:path w="21600" h="21600">
@@ -4346,7 +4373,7 @@
             <a:solidFill>
               <a:schemeClr val="tx1"/>
             </a:solidFill>
-            <a:tailEnd len="med" type="triangle" w="med"/>
+            <a:tailEnd type="triangle" w="med" len="med"/>
           </a:ln>
         </p:spPr>
         <p:style>
@@ -4385,9 +4412,15 @@
           </a:ln>
         </p:spPr>
         <p:style>
-          <a:lnRef idx="0"/>
-          <a:fillRef idx="0"/>
-          <a:effectRef idx="0"/>
+          <a:lnRef idx="0">
+            <a:scrgbClr r="0" g="0" b="0"/>
+          </a:lnRef>
+          <a:fillRef idx="0">
+            <a:scrgbClr r="0" g="0" b="0"/>
+          </a:fillRef>
+          <a:effectRef idx="0">
+            <a:scrgbClr r="0" g="0" b="0"/>
+          </a:effectRef>
           <a:fontRef idx="minor"/>
         </p:style>
       </p:sp>
@@ -4411,13 +4444,20 @@
           </a:ln>
         </p:spPr>
         <p:style>
-          <a:lnRef idx="0"/>
-          <a:fillRef idx="0"/>
-          <a:effectRef idx="0"/>
+          <a:lnRef idx="0">
+            <a:scrgbClr r="0" g="0" b="0"/>
+          </a:lnRef>
+          <a:fillRef idx="0">
+            <a:scrgbClr r="0" g="0" b="0"/>
+          </a:fillRef>
+          <a:effectRef idx="0">
+            <a:scrgbClr r="0" g="0" b="0"/>
+          </a:effectRef>
           <a:fontRef idx="minor"/>
         </p:style>
         <p:txBody>
-          <a:bodyPr lIns="90000" rIns="90000" tIns="45000" bIns="45000" anchor="ctr"/>
+          <a:bodyPr lIns="90000" tIns="45000" rIns="90000" bIns="45000" anchor="ctr"/>
+          <a:lstStyle/>
           <a:p>
             <a:pPr algn="ctr">
               <a:lnSpc>
@@ -4425,26 +4465,26 @@
               </a:lnSpc>
             </a:pPr>
             <a:r>
-              <a:rPr b="0" lang="de-DE" sz="1000" spc="-1" strike="noStrike">
+              <a:rPr lang="de-DE" sz="1000" b="0" strike="noStrike" spc="-1">
                 <a:solidFill>
                   <a:srgbClr val="000000"/>
                 </a:solidFill>
                 <a:uFill>
                   <a:solidFill>
-                    <a:srgbClr val="ffffff"/>
+                    <a:srgbClr val="FFFFFF"/>
                   </a:solidFill>
                 </a:uFill>
                 <a:latin typeface="Calibri"/>
               </a:rPr>
               <a:t>Strom Bahn A</a:t>
             </a:r>
-            <a:endParaRPr b="0" lang="de-DE" sz="1800" spc="-1" strike="noStrike">
+            <a:endParaRPr lang="de-DE" sz="1800" b="0" strike="noStrike" spc="-1">
               <a:solidFill>
                 <a:srgbClr val="000000"/>
               </a:solidFill>
               <a:uFill>
                 <a:solidFill>
-                  <a:srgbClr val="ffffff"/>
+                  <a:srgbClr val="FFFFFF"/>
                 </a:solidFill>
               </a:uFill>
               <a:latin typeface="Arial"/>
@@ -4505,13 +4545,20 @@
           </a:ln>
         </p:spPr>
         <p:style>
-          <a:lnRef idx="0"/>
-          <a:fillRef idx="0"/>
-          <a:effectRef idx="0"/>
+          <a:lnRef idx="0">
+            <a:scrgbClr r="0" g="0" b="0"/>
+          </a:lnRef>
+          <a:fillRef idx="0">
+            <a:scrgbClr r="0" g="0" b="0"/>
+          </a:fillRef>
+          <a:effectRef idx="0">
+            <a:scrgbClr r="0" g="0" b="0"/>
+          </a:effectRef>
           <a:fontRef idx="minor"/>
         </p:style>
         <p:txBody>
-          <a:bodyPr lIns="90000" rIns="90000" tIns="45000" bIns="45000" anchor="ctr"/>
+          <a:bodyPr lIns="90000" tIns="45000" rIns="90000" bIns="45000" anchor="ctr"/>
+          <a:lstStyle/>
           <a:p>
             <a:pPr algn="ctr">
               <a:lnSpc>
@@ -4519,26 +4566,26 @@
               </a:lnSpc>
             </a:pPr>
             <a:r>
-              <a:rPr b="0" lang="de-DE" sz="1000" spc="-1" strike="noStrike">
+              <a:rPr lang="de-DE" sz="1000" b="0" strike="noStrike" spc="-1">
                 <a:solidFill>
                   <a:srgbClr val="000000"/>
                 </a:solidFill>
                 <a:uFill>
                   <a:solidFill>
-                    <a:srgbClr val="ffffff"/>
+                    <a:srgbClr val="FFFFFF"/>
                   </a:solidFill>
                 </a:uFill>
                 <a:latin typeface="Calibri"/>
               </a:rPr>
               <a:t>ADC Interrupt</a:t>
             </a:r>
-            <a:endParaRPr b="0" lang="de-DE" sz="1800" spc="-1" strike="noStrike">
+            <a:endParaRPr lang="de-DE" sz="1800" b="0" strike="noStrike" spc="-1">
               <a:solidFill>
                 <a:srgbClr val="000000"/>
               </a:solidFill>
               <a:uFill>
                 <a:solidFill>
-                  <a:srgbClr val="ffffff"/>
+                  <a:srgbClr val="FFFFFF"/>
                 </a:solidFill>
               </a:uFill>
               <a:latin typeface="Arial"/>
@@ -4566,13 +4613,20 @@
           </a:ln>
         </p:spPr>
         <p:style>
-          <a:lnRef idx="0"/>
-          <a:fillRef idx="0"/>
-          <a:effectRef idx="0"/>
+          <a:lnRef idx="0">
+            <a:scrgbClr r="0" g="0" b="0"/>
+          </a:lnRef>
+          <a:fillRef idx="0">
+            <a:scrgbClr r="0" g="0" b="0"/>
+          </a:fillRef>
+          <a:effectRef idx="0">
+            <a:scrgbClr r="0" g="0" b="0"/>
+          </a:effectRef>
           <a:fontRef idx="minor"/>
         </p:style>
         <p:txBody>
-          <a:bodyPr lIns="90000" rIns="90000" tIns="45000" bIns="45000" anchor="ctr"/>
+          <a:bodyPr lIns="90000" tIns="45000" rIns="90000" bIns="45000" anchor="ctr"/>
+          <a:lstStyle/>
           <a:p>
             <a:pPr algn="ctr">
               <a:lnSpc>
@@ -4580,26 +4634,26 @@
               </a:lnSpc>
             </a:pPr>
             <a:r>
-              <a:rPr b="0" i="1" lang="de-DE" sz="1200" spc="-1" strike="noStrike">
+              <a:rPr lang="de-DE" sz="1200" b="0" i="1" strike="noStrike" spc="-1">
                 <a:solidFill>
                   <a:srgbClr val="000000"/>
                 </a:solidFill>
                 <a:uFill>
                   <a:solidFill>
-                    <a:srgbClr val="ffffff"/>
+                    <a:srgbClr val="FFFFFF"/>
                   </a:solidFill>
                 </a:uFill>
                 <a:latin typeface="Calibri"/>
               </a:rPr>
               <a:t>S0</a:t>
             </a:r>
-            <a:endParaRPr b="0" lang="de-DE" sz="1800" spc="-1" strike="noStrike">
+            <a:endParaRPr lang="de-DE" sz="1800" b="0" strike="noStrike" spc="-1">
               <a:solidFill>
                 <a:srgbClr val="000000"/>
               </a:solidFill>
               <a:uFill>
                 <a:solidFill>
-                  <a:srgbClr val="ffffff"/>
+                  <a:srgbClr val="FFFFFF"/>
                 </a:solidFill>
               </a:uFill>
               <a:latin typeface="Arial"/>
@@ -4627,13 +4681,20 @@
           </a:ln>
         </p:spPr>
         <p:style>
-          <a:lnRef idx="0"/>
-          <a:fillRef idx="0"/>
-          <a:effectRef idx="0"/>
+          <a:lnRef idx="0">
+            <a:scrgbClr r="0" g="0" b="0"/>
+          </a:lnRef>
+          <a:fillRef idx="0">
+            <a:scrgbClr r="0" g="0" b="0"/>
+          </a:fillRef>
+          <a:effectRef idx="0">
+            <a:scrgbClr r="0" g="0" b="0"/>
+          </a:effectRef>
           <a:fontRef idx="minor"/>
         </p:style>
         <p:txBody>
-          <a:bodyPr lIns="90000" rIns="90000" tIns="45000" bIns="45000" anchor="ctr"/>
+          <a:bodyPr lIns="90000" tIns="45000" rIns="90000" bIns="45000" anchor="ctr"/>
+          <a:lstStyle/>
           <a:p>
             <a:pPr algn="ctr">
               <a:lnSpc>
@@ -4641,26 +4702,26 @@
               </a:lnSpc>
             </a:pPr>
             <a:r>
-              <a:rPr b="0" i="1" lang="de-DE" sz="1200" spc="-1" strike="noStrike">
+              <a:rPr lang="de-DE" sz="1200" b="0" i="1" strike="noStrike" spc="-1">
                 <a:solidFill>
                   <a:srgbClr val="000000"/>
                 </a:solidFill>
                 <a:uFill>
                   <a:solidFill>
-                    <a:srgbClr val="ffffff"/>
+                    <a:srgbClr val="FFFFFF"/>
                   </a:solidFill>
                 </a:uFill>
                 <a:latin typeface="Calibri"/>
               </a:rPr>
               <a:t>S1</a:t>
             </a:r>
-            <a:endParaRPr b="0" lang="de-DE" sz="1800" spc="-1" strike="noStrike">
+            <a:endParaRPr lang="de-DE" sz="1800" b="0" strike="noStrike" spc="-1">
               <a:solidFill>
                 <a:srgbClr val="000000"/>
               </a:solidFill>
               <a:uFill>
                 <a:solidFill>
-                  <a:srgbClr val="ffffff"/>
+                  <a:srgbClr val="FFFFFF"/>
                 </a:solidFill>
               </a:uFill>
               <a:latin typeface="Arial"/>
@@ -4683,6 +4744,7 @@
             <a:avLst/>
             <a:gdLst/>
             <a:ahLst/>
+            <a:cxnLst/>
             <a:rect l="l" t="t" r="r" b="b"/>
             <a:pathLst>
               <a:path w="21600" h="21600">
@@ -4700,8 +4762,8 @@
             <a:solidFill>
               <a:schemeClr val="tx1"/>
             </a:solidFill>
-            <a:headEnd len="med" type="oval" w="med"/>
-            <a:tailEnd len="med" type="triangle" w="med"/>
+            <a:headEnd type="oval" w="med" len="med"/>
+            <a:tailEnd type="triangle" w="med" len="med"/>
           </a:ln>
         </p:spPr>
         <p:style>
@@ -4732,6 +4794,7 @@
             <a:avLst/>
             <a:gdLst/>
             <a:ahLst/>
+            <a:cxnLst/>
             <a:rect l="l" t="t" r="r" b="b"/>
             <a:pathLst>
               <a:path w="21600" h="21600">
@@ -4749,7 +4812,7 @@
             <a:solidFill>
               <a:schemeClr val="tx1"/>
             </a:solidFill>
-            <a:tailEnd len="med" type="triangle" w="med"/>
+            <a:tailEnd type="triangle" w="med" len="med"/>
           </a:ln>
         </p:spPr>
         <p:style>
@@ -4788,9 +4851,15 @@
           </a:ln>
         </p:spPr>
         <p:style>
-          <a:lnRef idx="0"/>
-          <a:fillRef idx="0"/>
-          <a:effectRef idx="0"/>
+          <a:lnRef idx="0">
+            <a:scrgbClr r="0" g="0" b="0"/>
+          </a:lnRef>
+          <a:fillRef idx="0">
+            <a:scrgbClr r="0" g="0" b="0"/>
+          </a:fillRef>
+          <a:effectRef idx="0">
+            <a:scrgbClr r="0" g="0" b="0"/>
+          </a:effectRef>
           <a:fontRef idx="minor"/>
         </p:style>
       </p:sp>
@@ -4847,13 +4916,20 @@
           </a:ln>
         </p:spPr>
         <p:style>
-          <a:lnRef idx="0"/>
-          <a:fillRef idx="0"/>
-          <a:effectRef idx="0"/>
+          <a:lnRef idx="0">
+            <a:scrgbClr r="0" g="0" b="0"/>
+          </a:lnRef>
+          <a:fillRef idx="0">
+            <a:scrgbClr r="0" g="0" b="0"/>
+          </a:fillRef>
+          <a:effectRef idx="0">
+            <a:scrgbClr r="0" g="0" b="0"/>
+          </a:effectRef>
           <a:fontRef idx="minor"/>
         </p:style>
         <p:txBody>
-          <a:bodyPr lIns="90000" rIns="90000" tIns="45000" bIns="45000" anchor="ctr"/>
+          <a:bodyPr lIns="90000" tIns="45000" rIns="90000" bIns="45000" anchor="ctr"/>
+          <a:lstStyle/>
           <a:p>
             <a:pPr algn="ctr">
               <a:lnSpc>
@@ -4861,26 +4937,26 @@
               </a:lnSpc>
             </a:pPr>
             <a:r>
-              <a:rPr b="0" lang="de-DE" sz="1000" spc="-1" strike="noStrike">
+              <a:rPr lang="de-DE" sz="1000" b="0" strike="noStrike" spc="-1">
                 <a:solidFill>
                   <a:srgbClr val="000000"/>
                 </a:solidFill>
                 <a:uFill>
                   <a:solidFill>
-                    <a:srgbClr val="ffffff"/>
+                    <a:srgbClr val="FFFFFF"/>
                   </a:solidFill>
                 </a:uFill>
                 <a:latin typeface="Calibri"/>
               </a:rPr>
               <a:t>ADC Interrupt</a:t>
             </a:r>
-            <a:endParaRPr b="0" lang="de-DE" sz="1800" spc="-1" strike="noStrike">
+            <a:endParaRPr lang="de-DE" sz="1800" b="0" strike="noStrike" spc="-1">
               <a:solidFill>
                 <a:srgbClr val="000000"/>
               </a:solidFill>
               <a:uFill>
                 <a:solidFill>
-                  <a:srgbClr val="ffffff"/>
+                  <a:srgbClr val="FFFFFF"/>
                 </a:solidFill>
               </a:uFill>
               <a:latin typeface="Arial"/>
@@ -4908,13 +4984,20 @@
           </a:ln>
         </p:spPr>
         <p:style>
-          <a:lnRef idx="0"/>
-          <a:fillRef idx="0"/>
-          <a:effectRef idx="0"/>
+          <a:lnRef idx="0">
+            <a:scrgbClr r="0" g="0" b="0"/>
+          </a:lnRef>
+          <a:fillRef idx="0">
+            <a:scrgbClr r="0" g="0" b="0"/>
+          </a:fillRef>
+          <a:effectRef idx="0">
+            <a:scrgbClr r="0" g="0" b="0"/>
+          </a:effectRef>
           <a:fontRef idx="minor"/>
         </p:style>
         <p:txBody>
-          <a:bodyPr lIns="90000" rIns="90000" tIns="45000" bIns="45000" anchor="ctr"/>
+          <a:bodyPr lIns="90000" tIns="45000" rIns="90000" bIns="45000" anchor="ctr"/>
+          <a:lstStyle/>
           <a:p>
             <a:pPr algn="ctr">
               <a:lnSpc>
@@ -4922,26 +5005,26 @@
               </a:lnSpc>
             </a:pPr>
             <a:r>
-              <a:rPr b="0" lang="de-DE" sz="1000" spc="-1" strike="noStrike">
+              <a:rPr lang="de-DE" sz="1000" b="0" strike="noStrike" spc="-1" dirty="0">
                 <a:solidFill>
                   <a:srgbClr val="000000"/>
                 </a:solidFill>
                 <a:uFill>
                   <a:solidFill>
-                    <a:srgbClr val="ffffff"/>
+                    <a:srgbClr val="FFFFFF"/>
                   </a:solidFill>
                 </a:uFill>
                 <a:latin typeface="Calibri"/>
               </a:rPr>
               <a:t>Spannung Bahn A</a:t>
             </a:r>
-            <a:endParaRPr b="0" lang="de-DE" sz="1800" spc="-1" strike="noStrike">
+            <a:endParaRPr lang="de-DE" sz="1800" b="0" strike="noStrike" spc="-1" dirty="0">
               <a:solidFill>
                 <a:srgbClr val="000000"/>
               </a:solidFill>
               <a:uFill>
                 <a:solidFill>
-                  <a:srgbClr val="ffffff"/>
+                  <a:srgbClr val="FFFFFF"/>
                 </a:solidFill>
               </a:uFill>
               <a:latin typeface="Arial"/>
@@ -4969,13 +5052,20 @@
           </a:ln>
         </p:spPr>
         <p:style>
-          <a:lnRef idx="0"/>
-          <a:fillRef idx="0"/>
-          <a:effectRef idx="0"/>
+          <a:lnRef idx="0">
+            <a:scrgbClr r="0" g="0" b="0"/>
+          </a:lnRef>
+          <a:fillRef idx="0">
+            <a:scrgbClr r="0" g="0" b="0"/>
+          </a:fillRef>
+          <a:effectRef idx="0">
+            <a:scrgbClr r="0" g="0" b="0"/>
+          </a:effectRef>
           <a:fontRef idx="minor"/>
         </p:style>
         <p:txBody>
-          <a:bodyPr lIns="90000" rIns="90000" tIns="45000" bIns="45000" anchor="ctr"/>
+          <a:bodyPr lIns="90000" tIns="45000" rIns="90000" bIns="45000" anchor="ctr"/>
+          <a:lstStyle/>
           <a:p>
             <a:pPr algn="ctr">
               <a:lnSpc>
@@ -4983,26 +5073,26 @@
               </a:lnSpc>
             </a:pPr>
             <a:r>
-              <a:rPr b="0" i="1" lang="de-DE" sz="1200" spc="-1" strike="noStrike">
+              <a:rPr lang="de-DE" sz="1200" b="0" i="1" strike="noStrike" spc="-1">
                 <a:solidFill>
                   <a:srgbClr val="000000"/>
                 </a:solidFill>
                 <a:uFill>
                   <a:solidFill>
-                    <a:srgbClr val="ffffff"/>
+                    <a:srgbClr val="FFFFFF"/>
                   </a:solidFill>
                 </a:uFill>
                 <a:latin typeface="Calibri"/>
               </a:rPr>
               <a:t>S2</a:t>
             </a:r>
-            <a:endParaRPr b="0" lang="de-DE" sz="1800" spc="-1" strike="noStrike">
+            <a:endParaRPr lang="de-DE" sz="1800" b="0" strike="noStrike" spc="-1">
               <a:solidFill>
                 <a:srgbClr val="000000"/>
               </a:solidFill>
               <a:uFill>
                 <a:solidFill>
-                  <a:srgbClr val="ffffff"/>
+                  <a:srgbClr val="FFFFFF"/>
                 </a:solidFill>
               </a:uFill>
               <a:latin typeface="Arial"/>
@@ -5025,6 +5115,7 @@
             <a:avLst/>
             <a:gdLst/>
             <a:ahLst/>
+            <a:cxnLst/>
             <a:rect l="l" t="t" r="r" b="b"/>
             <a:pathLst>
               <a:path w="21600" h="21600">
@@ -5042,7 +5133,7 @@
             <a:solidFill>
               <a:schemeClr val="tx1"/>
             </a:solidFill>
-            <a:tailEnd len="med" type="triangle" w="med"/>
+            <a:tailEnd type="triangle" w="med" len="med"/>
           </a:ln>
         </p:spPr>
         <p:style>
@@ -5081,9 +5172,15 @@
           </a:ln>
         </p:spPr>
         <p:style>
-          <a:lnRef idx="0"/>
-          <a:fillRef idx="0"/>
-          <a:effectRef idx="0"/>
+          <a:lnRef idx="0">
+            <a:scrgbClr r="0" g="0" b="0"/>
+          </a:lnRef>
+          <a:fillRef idx="0">
+            <a:scrgbClr r="0" g="0" b="0"/>
+          </a:fillRef>
+          <a:effectRef idx="0">
+            <a:scrgbClr r="0" g="0" b="0"/>
+          </a:effectRef>
           <a:fontRef idx="minor"/>
         </p:style>
       </p:sp>
@@ -5140,13 +5237,20 @@
           </a:ln>
         </p:spPr>
         <p:style>
-          <a:lnRef idx="0"/>
-          <a:fillRef idx="0"/>
-          <a:effectRef idx="0"/>
+          <a:lnRef idx="0">
+            <a:scrgbClr r="0" g="0" b="0"/>
+          </a:lnRef>
+          <a:fillRef idx="0">
+            <a:scrgbClr r="0" g="0" b="0"/>
+          </a:fillRef>
+          <a:effectRef idx="0">
+            <a:scrgbClr r="0" g="0" b="0"/>
+          </a:effectRef>
           <a:fontRef idx="minor"/>
         </p:style>
         <p:txBody>
-          <a:bodyPr lIns="90000" rIns="90000" tIns="45000" bIns="45000" anchor="ctr"/>
+          <a:bodyPr lIns="90000" tIns="45000" rIns="90000" bIns="45000" anchor="ctr"/>
+          <a:lstStyle/>
           <a:p>
             <a:pPr algn="ctr">
               <a:lnSpc>
@@ -5154,26 +5258,26 @@
               </a:lnSpc>
             </a:pPr>
             <a:r>
-              <a:rPr b="0" lang="de-DE" sz="1000" spc="-1" strike="noStrike">
+              <a:rPr lang="de-DE" sz="1000" b="0" strike="noStrike" spc="-1">
                 <a:solidFill>
                   <a:srgbClr val="000000"/>
                 </a:solidFill>
                 <a:uFill>
                   <a:solidFill>
-                    <a:srgbClr val="ffffff"/>
+                    <a:srgbClr val="FFFFFF"/>
                   </a:solidFill>
                 </a:uFill>
                 <a:latin typeface="Calibri"/>
               </a:rPr>
               <a:t>ADC Interrupt</a:t>
             </a:r>
-            <a:endParaRPr b="0" lang="de-DE" sz="1800" spc="-1" strike="noStrike">
+            <a:endParaRPr lang="de-DE" sz="1800" b="0" strike="noStrike" spc="-1">
               <a:solidFill>
                 <a:srgbClr val="000000"/>
               </a:solidFill>
               <a:uFill>
                 <a:solidFill>
-                  <a:srgbClr val="ffffff"/>
+                  <a:srgbClr val="FFFFFF"/>
                 </a:solidFill>
               </a:uFill>
               <a:latin typeface="Arial"/>
@@ -5201,13 +5305,20 @@
           </a:ln>
         </p:spPr>
         <p:style>
-          <a:lnRef idx="0"/>
-          <a:fillRef idx="0"/>
-          <a:effectRef idx="0"/>
+          <a:lnRef idx="0">
+            <a:scrgbClr r="0" g="0" b="0"/>
+          </a:lnRef>
+          <a:fillRef idx="0">
+            <a:scrgbClr r="0" g="0" b="0"/>
+          </a:fillRef>
+          <a:effectRef idx="0">
+            <a:scrgbClr r="0" g="0" b="0"/>
+          </a:effectRef>
           <a:fontRef idx="minor"/>
         </p:style>
         <p:txBody>
-          <a:bodyPr lIns="90000" rIns="90000" tIns="45000" bIns="45000" anchor="ctr"/>
+          <a:bodyPr lIns="90000" tIns="45000" rIns="90000" bIns="45000" anchor="ctr"/>
+          <a:lstStyle/>
           <a:p>
             <a:pPr algn="ctr">
               <a:lnSpc>
@@ -5215,26 +5326,26 @@
               </a:lnSpc>
             </a:pPr>
             <a:r>
-              <a:rPr b="0" lang="de-DE" sz="1000" spc="-1" strike="noStrike">
+              <a:rPr lang="de-DE" sz="1000" b="0" strike="noStrike" spc="-1">
                 <a:solidFill>
                   <a:srgbClr val="000000"/>
                 </a:solidFill>
                 <a:uFill>
                   <a:solidFill>
-                    <a:srgbClr val="ffffff"/>
+                    <a:srgbClr val="FFFFFF"/>
                   </a:solidFill>
                 </a:uFill>
                 <a:latin typeface="Calibri"/>
               </a:rPr>
               <a:t>Spannung Bahn B</a:t>
             </a:r>
-            <a:endParaRPr b="0" lang="de-DE" sz="1800" spc="-1" strike="noStrike">
+            <a:endParaRPr lang="de-DE" sz="1800" b="0" strike="noStrike" spc="-1">
               <a:solidFill>
                 <a:srgbClr val="000000"/>
               </a:solidFill>
               <a:uFill>
                 <a:solidFill>
-                  <a:srgbClr val="ffffff"/>
+                  <a:srgbClr val="FFFFFF"/>
                 </a:solidFill>
               </a:uFill>
               <a:latin typeface="Arial"/>
@@ -5262,13 +5373,20 @@
           </a:ln>
         </p:spPr>
         <p:style>
-          <a:lnRef idx="0"/>
-          <a:fillRef idx="0"/>
-          <a:effectRef idx="0"/>
+          <a:lnRef idx="0">
+            <a:scrgbClr r="0" g="0" b="0"/>
+          </a:lnRef>
+          <a:fillRef idx="0">
+            <a:scrgbClr r="0" g="0" b="0"/>
+          </a:fillRef>
+          <a:effectRef idx="0">
+            <a:scrgbClr r="0" g="0" b="0"/>
+          </a:effectRef>
           <a:fontRef idx="minor"/>
         </p:style>
         <p:txBody>
-          <a:bodyPr lIns="90000" rIns="90000" tIns="45000" bIns="45000" anchor="ctr"/>
+          <a:bodyPr lIns="90000" tIns="45000" rIns="90000" bIns="45000" anchor="ctr"/>
+          <a:lstStyle/>
           <a:p>
             <a:pPr algn="ctr">
               <a:lnSpc>
@@ -5276,26 +5394,26 @@
               </a:lnSpc>
             </a:pPr>
             <a:r>
-              <a:rPr b="0" i="1" lang="de-DE" sz="1200" spc="-1" strike="noStrike">
+              <a:rPr lang="de-DE" sz="1200" b="0" i="1" strike="noStrike" spc="-1">
                 <a:solidFill>
                   <a:srgbClr val="000000"/>
                 </a:solidFill>
                 <a:uFill>
                   <a:solidFill>
-                    <a:srgbClr val="ffffff"/>
+                    <a:srgbClr val="FFFFFF"/>
                   </a:solidFill>
                 </a:uFill>
                 <a:latin typeface="Calibri"/>
               </a:rPr>
               <a:t>S3</a:t>
             </a:r>
-            <a:endParaRPr b="0" lang="de-DE" sz="1800" spc="-1" strike="noStrike">
+            <a:endParaRPr lang="de-DE" sz="1800" b="0" strike="noStrike" spc="-1">
               <a:solidFill>
                 <a:srgbClr val="000000"/>
               </a:solidFill>
               <a:uFill>
                 <a:solidFill>
-                  <a:srgbClr val="ffffff"/>
+                  <a:srgbClr val="FFFFFF"/>
                 </a:solidFill>
               </a:uFill>
               <a:latin typeface="Arial"/>
@@ -5318,6 +5436,7 @@
             <a:avLst/>
             <a:gdLst/>
             <a:ahLst/>
+            <a:cxnLst/>
             <a:rect l="l" t="t" r="r" b="b"/>
             <a:pathLst>
               <a:path w="21600" h="21600">
@@ -5335,7 +5454,7 @@
             <a:solidFill>
               <a:schemeClr val="tx1"/>
             </a:solidFill>
-            <a:tailEnd len="med" type="triangle" w="med"/>
+            <a:tailEnd type="triangle" w="med" len="med"/>
           </a:ln>
         </p:spPr>
         <p:style>
@@ -5374,9 +5493,15 @@
           </a:ln>
         </p:spPr>
         <p:style>
-          <a:lnRef idx="0"/>
-          <a:fillRef idx="0"/>
-          <a:effectRef idx="0"/>
+          <a:lnRef idx="0">
+            <a:scrgbClr r="0" g="0" b="0"/>
+          </a:lnRef>
+          <a:fillRef idx="0">
+            <a:scrgbClr r="0" g="0" b="0"/>
+          </a:fillRef>
+          <a:effectRef idx="0">
+            <a:scrgbClr r="0" g="0" b="0"/>
+          </a:effectRef>
           <a:fontRef idx="minor"/>
         </p:style>
       </p:sp>
@@ -5433,13 +5558,20 @@
           </a:ln>
         </p:spPr>
         <p:style>
-          <a:lnRef idx="0"/>
-          <a:fillRef idx="0"/>
-          <a:effectRef idx="0"/>
+          <a:lnRef idx="0">
+            <a:scrgbClr r="0" g="0" b="0"/>
+          </a:lnRef>
+          <a:fillRef idx="0">
+            <a:scrgbClr r="0" g="0" b="0"/>
+          </a:fillRef>
+          <a:effectRef idx="0">
+            <a:scrgbClr r="0" g="0" b="0"/>
+          </a:effectRef>
           <a:fontRef idx="minor"/>
         </p:style>
         <p:txBody>
-          <a:bodyPr lIns="90000" rIns="90000" tIns="45000" bIns="45000" anchor="ctr"/>
+          <a:bodyPr lIns="90000" tIns="45000" rIns="90000" bIns="45000" anchor="ctr"/>
+          <a:lstStyle/>
           <a:p>
             <a:pPr algn="ctr">
               <a:lnSpc>
@@ -5447,26 +5579,26 @@
               </a:lnSpc>
             </a:pPr>
             <a:r>
-              <a:rPr b="0" lang="de-DE" sz="1000" spc="-1" strike="noStrike">
+              <a:rPr lang="de-DE" sz="1000" b="0" strike="noStrike" spc="-1">
                 <a:solidFill>
                   <a:srgbClr val="000000"/>
                 </a:solidFill>
                 <a:uFill>
                   <a:solidFill>
-                    <a:srgbClr val="ffffff"/>
+                    <a:srgbClr val="FFFFFF"/>
                   </a:solidFill>
                 </a:uFill>
                 <a:latin typeface="Calibri"/>
               </a:rPr>
               <a:t>ADC Interrupt</a:t>
             </a:r>
-            <a:endParaRPr b="0" lang="de-DE" sz="1800" spc="-1" strike="noStrike">
+            <a:endParaRPr lang="de-DE" sz="1800" b="0" strike="noStrike" spc="-1">
               <a:solidFill>
                 <a:srgbClr val="000000"/>
               </a:solidFill>
               <a:uFill>
                 <a:solidFill>
-                  <a:srgbClr val="ffffff"/>
+                  <a:srgbClr val="FFFFFF"/>
                 </a:solidFill>
               </a:uFill>
               <a:latin typeface="Arial"/>
@@ -5494,13 +5626,20 @@
           </a:ln>
         </p:spPr>
         <p:style>
-          <a:lnRef idx="0"/>
-          <a:fillRef idx="0"/>
-          <a:effectRef idx="0"/>
+          <a:lnRef idx="0">
+            <a:scrgbClr r="0" g="0" b="0"/>
+          </a:lnRef>
+          <a:fillRef idx="0">
+            <a:scrgbClr r="0" g="0" b="0"/>
+          </a:fillRef>
+          <a:effectRef idx="0">
+            <a:scrgbClr r="0" g="0" b="0"/>
+          </a:effectRef>
           <a:fontRef idx="minor"/>
         </p:style>
         <p:txBody>
-          <a:bodyPr lIns="90000" rIns="90000" tIns="45000" bIns="45000" anchor="ctr"/>
+          <a:bodyPr lIns="90000" tIns="45000" rIns="90000" bIns="45000" anchor="ctr"/>
+          <a:lstStyle/>
           <a:p>
             <a:pPr algn="ctr">
               <a:lnSpc>
@@ -5508,26 +5647,26 @@
               </a:lnSpc>
             </a:pPr>
             <a:r>
-              <a:rPr b="0" lang="de-DE" sz="1000" spc="-1" strike="noStrike">
+              <a:rPr lang="de-DE" sz="1000" b="0" strike="noStrike" spc="-1">
                 <a:solidFill>
                   <a:srgbClr val="000000"/>
                 </a:solidFill>
                 <a:uFill>
                   <a:solidFill>
-                    <a:srgbClr val="ffffff"/>
+                    <a:srgbClr val="FFFFFF"/>
                   </a:solidFill>
                 </a:uFill>
                 <a:latin typeface="Calibri"/>
               </a:rPr>
               <a:t>Stellung Handregler A</a:t>
             </a:r>
-            <a:endParaRPr b="0" lang="de-DE" sz="1800" spc="-1" strike="noStrike">
+            <a:endParaRPr lang="de-DE" sz="1800" b="0" strike="noStrike" spc="-1">
               <a:solidFill>
                 <a:srgbClr val="000000"/>
               </a:solidFill>
               <a:uFill>
                 <a:solidFill>
-                  <a:srgbClr val="ffffff"/>
+                  <a:srgbClr val="FFFFFF"/>
                 </a:solidFill>
               </a:uFill>
               <a:latin typeface="Arial"/>
@@ -5555,13 +5694,20 @@
           </a:ln>
         </p:spPr>
         <p:style>
-          <a:lnRef idx="0"/>
-          <a:fillRef idx="0"/>
-          <a:effectRef idx="0"/>
+          <a:lnRef idx="0">
+            <a:scrgbClr r="0" g="0" b="0"/>
+          </a:lnRef>
+          <a:fillRef idx="0">
+            <a:scrgbClr r="0" g="0" b="0"/>
+          </a:fillRef>
+          <a:effectRef idx="0">
+            <a:scrgbClr r="0" g="0" b="0"/>
+          </a:effectRef>
           <a:fontRef idx="minor"/>
         </p:style>
         <p:txBody>
-          <a:bodyPr lIns="90000" rIns="90000" tIns="45000" bIns="45000" anchor="ctr"/>
+          <a:bodyPr lIns="90000" tIns="45000" rIns="90000" bIns="45000" anchor="ctr"/>
+          <a:lstStyle/>
           <a:p>
             <a:pPr algn="ctr">
               <a:lnSpc>
@@ -5569,26 +5715,26 @@
               </a:lnSpc>
             </a:pPr>
             <a:r>
-              <a:rPr b="0" i="1" lang="de-DE" sz="1200" spc="-1" strike="noStrike">
+              <a:rPr lang="de-DE" sz="1200" b="0" i="1" strike="noStrike" spc="-1">
                 <a:solidFill>
                   <a:srgbClr val="000000"/>
                 </a:solidFill>
                 <a:uFill>
                   <a:solidFill>
-                    <a:srgbClr val="ffffff"/>
+                    <a:srgbClr val="FFFFFF"/>
                   </a:solidFill>
                 </a:uFill>
                 <a:latin typeface="Calibri"/>
               </a:rPr>
               <a:t>S4</a:t>
             </a:r>
-            <a:endParaRPr b="0" lang="de-DE" sz="1800" spc="-1" strike="noStrike">
+            <a:endParaRPr lang="de-DE" sz="1800" b="0" strike="noStrike" spc="-1">
               <a:solidFill>
                 <a:srgbClr val="000000"/>
               </a:solidFill>
               <a:uFill>
                 <a:solidFill>
-                  <a:srgbClr val="ffffff"/>
+                  <a:srgbClr val="FFFFFF"/>
                 </a:solidFill>
               </a:uFill>
               <a:latin typeface="Arial"/>
@@ -5611,6 +5757,7 @@
             <a:avLst/>
             <a:gdLst/>
             <a:ahLst/>
+            <a:cxnLst/>
             <a:rect l="l" t="t" r="r" b="b"/>
             <a:pathLst>
               <a:path w="21600" h="21600">
@@ -5628,7 +5775,7 @@
             <a:solidFill>
               <a:schemeClr val="tx1"/>
             </a:solidFill>
-            <a:tailEnd len="med" type="triangle" w="med"/>
+            <a:tailEnd type="triangle" w="med" len="med"/>
           </a:ln>
         </p:spPr>
         <p:style>
@@ -5667,9 +5814,15 @@
           </a:ln>
         </p:spPr>
         <p:style>
-          <a:lnRef idx="0"/>
-          <a:fillRef idx="0"/>
-          <a:effectRef idx="0"/>
+          <a:lnRef idx="0">
+            <a:scrgbClr r="0" g="0" b="0"/>
+          </a:lnRef>
+          <a:fillRef idx="0">
+            <a:scrgbClr r="0" g="0" b="0"/>
+          </a:fillRef>
+          <a:effectRef idx="0">
+            <a:scrgbClr r="0" g="0" b="0"/>
+          </a:effectRef>
           <a:fontRef idx="minor"/>
         </p:style>
       </p:sp>
@@ -5726,13 +5879,20 @@
           </a:ln>
         </p:spPr>
         <p:style>
-          <a:lnRef idx="0"/>
-          <a:fillRef idx="0"/>
-          <a:effectRef idx="0"/>
+          <a:lnRef idx="0">
+            <a:scrgbClr r="0" g="0" b="0"/>
+          </a:lnRef>
+          <a:fillRef idx="0">
+            <a:scrgbClr r="0" g="0" b="0"/>
+          </a:fillRef>
+          <a:effectRef idx="0">
+            <a:scrgbClr r="0" g="0" b="0"/>
+          </a:effectRef>
           <a:fontRef idx="minor"/>
         </p:style>
         <p:txBody>
-          <a:bodyPr lIns="90000" rIns="90000" tIns="45000" bIns="45000" anchor="ctr"/>
+          <a:bodyPr lIns="90000" tIns="45000" rIns="90000" bIns="45000" anchor="ctr"/>
+          <a:lstStyle/>
           <a:p>
             <a:pPr algn="ctr">
               <a:lnSpc>
@@ -5740,26 +5900,26 @@
               </a:lnSpc>
             </a:pPr>
             <a:r>
-              <a:rPr b="0" lang="de-DE" sz="1000" spc="-1" strike="noStrike">
+              <a:rPr lang="de-DE" sz="1000" b="0" strike="noStrike" spc="-1">
                 <a:solidFill>
                   <a:srgbClr val="000000"/>
                 </a:solidFill>
                 <a:uFill>
                   <a:solidFill>
-                    <a:srgbClr val="ffffff"/>
+                    <a:srgbClr val="FFFFFF"/>
                   </a:solidFill>
                 </a:uFill>
                 <a:latin typeface="Calibri"/>
               </a:rPr>
               <a:t>ADC Interrupt</a:t>
             </a:r>
-            <a:endParaRPr b="0" lang="de-DE" sz="1800" spc="-1" strike="noStrike">
+            <a:endParaRPr lang="de-DE" sz="1800" b="0" strike="noStrike" spc="-1">
               <a:solidFill>
                 <a:srgbClr val="000000"/>
               </a:solidFill>
               <a:uFill>
                 <a:solidFill>
-                  <a:srgbClr val="ffffff"/>
+                  <a:srgbClr val="FFFFFF"/>
                 </a:solidFill>
               </a:uFill>
               <a:latin typeface="Arial"/>
@@ -5787,13 +5947,20 @@
           </a:ln>
         </p:spPr>
         <p:style>
-          <a:lnRef idx="0"/>
-          <a:fillRef idx="0"/>
-          <a:effectRef idx="0"/>
+          <a:lnRef idx="0">
+            <a:scrgbClr r="0" g="0" b="0"/>
+          </a:lnRef>
+          <a:fillRef idx="0">
+            <a:scrgbClr r="0" g="0" b="0"/>
+          </a:fillRef>
+          <a:effectRef idx="0">
+            <a:scrgbClr r="0" g="0" b="0"/>
+          </a:effectRef>
           <a:fontRef idx="minor"/>
         </p:style>
         <p:txBody>
-          <a:bodyPr lIns="90000" rIns="90000" tIns="45000" bIns="45000" anchor="ctr"/>
+          <a:bodyPr lIns="90000" tIns="45000" rIns="90000" bIns="45000" anchor="ctr"/>
+          <a:lstStyle/>
           <a:p>
             <a:pPr algn="ctr">
               <a:lnSpc>
@@ -5801,26 +5968,26 @@
               </a:lnSpc>
             </a:pPr>
             <a:r>
-              <a:rPr b="0" lang="de-DE" sz="1000" spc="-1" strike="noStrike">
+              <a:rPr lang="de-DE" sz="1000" b="0" strike="noStrike" spc="-1">
                 <a:solidFill>
                   <a:srgbClr val="000000"/>
                 </a:solidFill>
                 <a:uFill>
                   <a:solidFill>
-                    <a:srgbClr val="ffffff"/>
+                    <a:srgbClr val="FFFFFF"/>
                   </a:solidFill>
                 </a:uFill>
                 <a:latin typeface="Calibri"/>
               </a:rPr>
               <a:t>Stellung Handregler B</a:t>
             </a:r>
-            <a:endParaRPr b="0" lang="de-DE" sz="1800" spc="-1" strike="noStrike">
+            <a:endParaRPr lang="de-DE" sz="1800" b="0" strike="noStrike" spc="-1">
               <a:solidFill>
                 <a:srgbClr val="000000"/>
               </a:solidFill>
               <a:uFill>
                 <a:solidFill>
-                  <a:srgbClr val="ffffff"/>
+                  <a:srgbClr val="FFFFFF"/>
                 </a:solidFill>
               </a:uFill>
               <a:latin typeface="Arial"/>
@@ -5848,13 +6015,20 @@
           </a:ln>
         </p:spPr>
         <p:style>
-          <a:lnRef idx="0"/>
-          <a:fillRef idx="0"/>
-          <a:effectRef idx="0"/>
+          <a:lnRef idx="0">
+            <a:scrgbClr r="0" g="0" b="0"/>
+          </a:lnRef>
+          <a:fillRef idx="0">
+            <a:scrgbClr r="0" g="0" b="0"/>
+          </a:fillRef>
+          <a:effectRef idx="0">
+            <a:scrgbClr r="0" g="0" b="0"/>
+          </a:effectRef>
           <a:fontRef idx="minor"/>
         </p:style>
         <p:txBody>
-          <a:bodyPr lIns="90000" rIns="90000" tIns="45000" bIns="45000" anchor="ctr"/>
+          <a:bodyPr lIns="90000" tIns="45000" rIns="90000" bIns="45000" anchor="ctr"/>
+          <a:lstStyle/>
           <a:p>
             <a:pPr algn="ctr">
               <a:lnSpc>
@@ -5862,26 +6036,26 @@
               </a:lnSpc>
             </a:pPr>
             <a:r>
-              <a:rPr b="0" i="1" lang="de-DE" sz="1200" spc="-1" strike="noStrike">
+              <a:rPr lang="de-DE" sz="1200" b="0" i="1" strike="noStrike" spc="-1">
                 <a:solidFill>
                   <a:srgbClr val="000000"/>
                 </a:solidFill>
                 <a:uFill>
                   <a:solidFill>
-                    <a:srgbClr val="ffffff"/>
+                    <a:srgbClr val="FFFFFF"/>
                   </a:solidFill>
                 </a:uFill>
                 <a:latin typeface="Calibri"/>
               </a:rPr>
               <a:t>S5</a:t>
             </a:r>
-            <a:endParaRPr b="0" lang="de-DE" sz="1800" spc="-1" strike="noStrike">
+            <a:endParaRPr lang="de-DE" sz="1800" b="0" strike="noStrike" spc="-1">
               <a:solidFill>
                 <a:srgbClr val="000000"/>
               </a:solidFill>
               <a:uFill>
                 <a:solidFill>
-                  <a:srgbClr val="ffffff"/>
+                  <a:srgbClr val="FFFFFF"/>
                 </a:solidFill>
               </a:uFill>
               <a:latin typeface="Arial"/>
@@ -5904,6 +6078,7 @@
             <a:avLst/>
             <a:gdLst/>
             <a:ahLst/>
+            <a:cxnLst/>
             <a:rect l="l" t="t" r="r" b="b"/>
             <a:pathLst>
               <a:path w="21600" h="21600">
@@ -5921,7 +6096,7 @@
             <a:solidFill>
               <a:schemeClr val="tx1"/>
             </a:solidFill>
-            <a:tailEnd len="med" type="triangle" w="med"/>
+            <a:tailEnd type="triangle" w="med" len="med"/>
           </a:ln>
         </p:spPr>
         <p:style>
@@ -5990,13 +6165,20 @@
           </a:ln>
         </p:spPr>
         <p:style>
-          <a:lnRef idx="0"/>
-          <a:fillRef idx="0"/>
-          <a:effectRef idx="0"/>
+          <a:lnRef idx="0">
+            <a:scrgbClr r="0" g="0" b="0"/>
+          </a:lnRef>
+          <a:fillRef idx="0">
+            <a:scrgbClr r="0" g="0" b="0"/>
+          </a:fillRef>
+          <a:effectRef idx="0">
+            <a:scrgbClr r="0" g="0" b="0"/>
+          </a:effectRef>
           <a:fontRef idx="minor"/>
         </p:style>
         <p:txBody>
-          <a:bodyPr lIns="90000" rIns="90000" tIns="45000" bIns="45000" anchor="ctr"/>
+          <a:bodyPr lIns="90000" tIns="45000" rIns="90000" bIns="45000" anchor="ctr"/>
+          <a:lstStyle/>
           <a:p>
             <a:pPr algn="ctr">
               <a:lnSpc>
@@ -6004,26 +6186,26 @@
               </a:lnSpc>
             </a:pPr>
             <a:r>
-              <a:rPr b="0" lang="de-DE" sz="1000" spc="-1" strike="noStrike">
+              <a:rPr lang="de-DE" sz="1000" b="0" strike="noStrike" spc="-1">
                 <a:solidFill>
                   <a:srgbClr val="000000"/>
                 </a:solidFill>
                 <a:uFill>
                   <a:solidFill>
-                    <a:srgbClr val="ffffff"/>
+                    <a:srgbClr val="FFFFFF"/>
                   </a:solidFill>
                 </a:uFill>
                 <a:latin typeface="Calibri"/>
               </a:rPr>
               <a:t>ADC Interrupt</a:t>
             </a:r>
-            <a:endParaRPr b="0" lang="de-DE" sz="1800" spc="-1" strike="noStrike">
+            <a:endParaRPr lang="de-DE" sz="1800" b="0" strike="noStrike" spc="-1">
               <a:solidFill>
                 <a:srgbClr val="000000"/>
               </a:solidFill>
               <a:uFill>
                 <a:solidFill>
-                  <a:srgbClr val="ffffff"/>
+                  <a:srgbClr val="FFFFFF"/>
                 </a:solidFill>
               </a:uFill>
               <a:latin typeface="Arial"/>
@@ -6051,13 +6233,20 @@
           </a:ln>
         </p:spPr>
         <p:style>
-          <a:lnRef idx="0"/>
-          <a:fillRef idx="0"/>
-          <a:effectRef idx="0"/>
+          <a:lnRef idx="0">
+            <a:scrgbClr r="0" g="0" b="0"/>
+          </a:lnRef>
+          <a:fillRef idx="0">
+            <a:scrgbClr r="0" g="0" b="0"/>
+          </a:fillRef>
+          <a:effectRef idx="0">
+            <a:scrgbClr r="0" g="0" b="0"/>
+          </a:effectRef>
           <a:fontRef idx="minor"/>
         </p:style>
         <p:txBody>
-          <a:bodyPr lIns="90000" rIns="90000" tIns="45000" bIns="45000" anchor="ctr"/>
+          <a:bodyPr lIns="90000" tIns="45000" rIns="90000" bIns="45000" anchor="ctr"/>
+          <a:lstStyle/>
           <a:p>
             <a:pPr algn="ctr">
               <a:lnSpc>
@@ -6065,26 +6254,26 @@
               </a:lnSpc>
             </a:pPr>
             <a:r>
-              <a:rPr b="0" i="1" lang="de-DE" sz="1200" spc="-1" strike="noStrike">
+              <a:rPr lang="de-DE" sz="1200" b="0" i="1" strike="noStrike" spc="-1">
                 <a:solidFill>
                   <a:srgbClr val="000000"/>
                 </a:solidFill>
                 <a:uFill>
                   <a:solidFill>
-                    <a:srgbClr val="ffffff"/>
+                    <a:srgbClr val="FFFFFF"/>
                   </a:solidFill>
                 </a:uFill>
                 <a:latin typeface="Calibri"/>
               </a:rPr>
               <a:t>S0</a:t>
             </a:r>
-            <a:endParaRPr b="0" lang="de-DE" sz="1800" spc="-1" strike="noStrike">
+            <a:endParaRPr lang="de-DE" sz="1800" b="0" strike="noStrike" spc="-1">
               <a:solidFill>
                 <a:srgbClr val="000000"/>
               </a:solidFill>
               <a:uFill>
                 <a:solidFill>
-                  <a:srgbClr val="ffffff"/>
+                  <a:srgbClr val="FFFFFF"/>
                 </a:solidFill>
               </a:uFill>
               <a:latin typeface="Arial"/>
@@ -6112,13 +6301,20 @@
           </a:ln>
         </p:spPr>
         <p:style>
-          <a:lnRef idx="0"/>
-          <a:fillRef idx="0"/>
-          <a:effectRef idx="0"/>
+          <a:lnRef idx="0">
+            <a:scrgbClr r="0" g="0" b="0"/>
+          </a:lnRef>
+          <a:fillRef idx="0">
+            <a:scrgbClr r="0" g="0" b="0"/>
+          </a:fillRef>
+          <a:effectRef idx="0">
+            <a:scrgbClr r="0" g="0" b="0"/>
+          </a:effectRef>
           <a:fontRef idx="minor"/>
         </p:style>
         <p:txBody>
-          <a:bodyPr lIns="90000" rIns="90000" tIns="45000" bIns="45000" anchor="ctr"/>
+          <a:bodyPr lIns="90000" tIns="45000" rIns="90000" bIns="45000" anchor="ctr"/>
+          <a:lstStyle/>
           <a:p>
             <a:pPr algn="ctr">
               <a:lnSpc>
@@ -6126,26 +6322,26 @@
               </a:lnSpc>
             </a:pPr>
             <a:r>
-              <a:rPr b="0" lang="de-DE" sz="1000" spc="-1" strike="noStrike">
+              <a:rPr lang="de-DE" sz="1000" b="0" strike="noStrike" spc="-1">
                 <a:solidFill>
                   <a:srgbClr val="000000"/>
                 </a:solidFill>
                 <a:uFill>
                   <a:solidFill>
-                    <a:srgbClr val="ffffff"/>
+                    <a:srgbClr val="FFFFFF"/>
                   </a:solidFill>
                 </a:uFill>
                 <a:latin typeface="Calibri"/>
               </a:rPr>
               <a:t>Strom Bahn B</a:t>
             </a:r>
-            <a:endParaRPr b="0" lang="de-DE" sz="1800" spc="-1" strike="noStrike">
+            <a:endParaRPr lang="de-DE" sz="1800" b="0" strike="noStrike" spc="-1">
               <a:solidFill>
                 <a:srgbClr val="000000"/>
               </a:solidFill>
               <a:uFill>
                 <a:solidFill>
-                  <a:srgbClr val="ffffff"/>
+                  <a:srgbClr val="FFFFFF"/>
                 </a:solidFill>
               </a:uFill>
               <a:latin typeface="Arial"/>
@@ -6155,6 +6351,9 @@
       </p:sp>
     </p:spTree>
   </p:cSld>
+  <p:clrMapOvr>
+    <a:masterClrMapping/>
+  </p:clrMapOvr>
   <p:timing>
     <p:tnLst>
       <p:par>
@@ -6163,14 +6362,14 @@
             <p:seq>
               <p:cTn id="2" nodeType="mainSeq"/>
               <p:prevCondLst>
-                <p:cond delay="0" evt="onPrev">
+                <p:cond evt="onPrev" delay="0">
                   <p:tgtEl>
                     <p:sldTgt/>
                   </p:tgtEl>
                 </p:cond>
               </p:prevCondLst>
               <p:nextCondLst>
-                <p:cond delay="0" evt="onNext">
+                <p:cond evt="onNext" delay="0">
                   <p:tgtEl>
                     <p:sldTgt/>
                   </p:tgtEl>
@@ -6186,7 +6385,7 @@
 </file>
 
 <file path=ppt/slides/slide2.xml><?xml version="1.0" encoding="utf-8"?>
-<p:sld xmlns:a="http://schemas.openxmlformats.org/drawingml/2006/main" xmlns:p="http://schemas.openxmlformats.org/presentationml/2006/main" xmlns:r="http://schemas.openxmlformats.org/officeDocument/2006/relationships" xmlns:p14="http://schemas.microsoft.com/office/powerpoint/2010/main" xmlns:p15="http://schemas.microsoft.com/office/powerpoint/2012/main" xmlns:mc="http://schemas.openxmlformats.org/markup-compatibility/2006">
+<p:sld xmlns:a="http://schemas.openxmlformats.org/drawingml/2006/main" xmlns:r="http://schemas.openxmlformats.org/officeDocument/2006/relationships" xmlns:p="http://schemas.openxmlformats.org/presentationml/2006/main">
   <p:cSld>
     <p:spTree>
       <p:nvGrpSpPr>
@@ -6225,9 +6424,15 @@
           </a:ln>
         </p:spPr>
         <p:style>
-          <a:lnRef idx="0"/>
-          <a:fillRef idx="0"/>
-          <a:effectRef idx="0"/>
+          <a:lnRef idx="0">
+            <a:scrgbClr r="0" g="0" b="0"/>
+          </a:lnRef>
+          <a:fillRef idx="0">
+            <a:scrgbClr r="0" g="0" b="0"/>
+          </a:fillRef>
+          <a:effectRef idx="0">
+            <a:scrgbClr r="0" g="0" b="0"/>
+          </a:effectRef>
           <a:fontRef idx="minor"/>
         </p:style>
       </p:sp>
@@ -6246,6 +6451,7 @@
             <a:avLst/>
             <a:gdLst/>
             <a:ahLst/>
+            <a:cxnLst/>
             <a:rect l="l" t="t" r="r" b="b"/>
             <a:pathLst>
               <a:path w="21600" h="21600">
@@ -6263,7 +6469,7 @@
             <a:solidFill>
               <a:schemeClr val="tx1"/>
             </a:solidFill>
-            <a:tailEnd len="med" type="triangle" w="med"/>
+            <a:tailEnd type="triangle" w="med" len="med"/>
           </a:ln>
         </p:spPr>
         <p:style>
@@ -6302,9 +6508,15 @@
           </a:ln>
         </p:spPr>
         <p:style>
-          <a:lnRef idx="0"/>
-          <a:fillRef idx="0"/>
-          <a:effectRef idx="0"/>
+          <a:lnRef idx="0">
+            <a:scrgbClr r="0" g="0" b="0"/>
+          </a:lnRef>
+          <a:fillRef idx="0">
+            <a:scrgbClr r="0" g="0" b="0"/>
+          </a:fillRef>
+          <a:effectRef idx="0">
+            <a:scrgbClr r="0" g="0" b="0"/>
+          </a:effectRef>
           <a:fontRef idx="minor"/>
         </p:style>
       </p:sp>
@@ -6328,13 +6540,20 @@
           </a:ln>
         </p:spPr>
         <p:style>
-          <a:lnRef idx="0"/>
-          <a:fillRef idx="0"/>
-          <a:effectRef idx="0"/>
+          <a:lnRef idx="0">
+            <a:scrgbClr r="0" g="0" b="0"/>
+          </a:lnRef>
+          <a:fillRef idx="0">
+            <a:scrgbClr r="0" g="0" b="0"/>
+          </a:fillRef>
+          <a:effectRef idx="0">
+            <a:scrgbClr r="0" g="0" b="0"/>
+          </a:effectRef>
           <a:fontRef idx="minor"/>
         </p:style>
         <p:txBody>
-          <a:bodyPr lIns="90000" rIns="90000" tIns="45000" bIns="45000" anchor="ctr"/>
+          <a:bodyPr lIns="90000" tIns="45000" rIns="90000" bIns="45000" anchor="ctr"/>
+          <a:lstStyle/>
           <a:p>
             <a:pPr algn="ctr">
               <a:lnSpc>
@@ -6342,26 +6561,26 @@
               </a:lnSpc>
             </a:pPr>
             <a:r>
-              <a:rPr b="0" lang="de-DE" sz="1000" spc="-1" strike="noStrike">
+              <a:rPr lang="de-DE" sz="1000" b="0" strike="noStrike" spc="-1">
                 <a:solidFill>
                   <a:srgbClr val="000000"/>
                 </a:solidFill>
                 <a:uFill>
                   <a:solidFill>
-                    <a:srgbClr val="ffffff"/>
+                    <a:srgbClr val="FFFFFF"/>
                   </a:solidFill>
                 </a:uFill>
                 <a:latin typeface="Calibri"/>
               </a:rPr>
               <a:t>Ausgang HIGH</a:t>
             </a:r>
-            <a:endParaRPr b="0" lang="de-DE" sz="1800" spc="-1" strike="noStrike">
+            <a:endParaRPr lang="de-DE" sz="1800" b="0" strike="noStrike" spc="-1">
               <a:solidFill>
                 <a:srgbClr val="000000"/>
               </a:solidFill>
               <a:uFill>
                 <a:solidFill>
-                  <a:srgbClr val="ffffff"/>
+                  <a:srgbClr val="FFFFFF"/>
                 </a:solidFill>
               </a:uFill>
               <a:latin typeface="Arial"/>
@@ -6422,13 +6641,20 @@
           </a:ln>
         </p:spPr>
         <p:style>
-          <a:lnRef idx="0"/>
-          <a:fillRef idx="0"/>
-          <a:effectRef idx="0"/>
+          <a:lnRef idx="0">
+            <a:scrgbClr r="0" g="0" b="0"/>
+          </a:lnRef>
+          <a:fillRef idx="0">
+            <a:scrgbClr r="0" g="0" b="0"/>
+          </a:fillRef>
+          <a:effectRef idx="0">
+            <a:scrgbClr r="0" g="0" b="0"/>
+          </a:effectRef>
           <a:fontRef idx="minor"/>
         </p:style>
         <p:txBody>
-          <a:bodyPr lIns="90000" rIns="90000" tIns="45000" bIns="45000" anchor="ctr"/>
+          <a:bodyPr lIns="90000" tIns="45000" rIns="90000" bIns="45000" anchor="ctr"/>
+          <a:lstStyle/>
           <a:p>
             <a:pPr algn="ctr">
               <a:lnSpc>
@@ -6436,26 +6662,26 @@
               </a:lnSpc>
             </a:pPr>
             <a:r>
-              <a:rPr b="0" lang="de-DE" sz="1000" spc="-1" strike="noStrike">
+              <a:rPr lang="de-DE" sz="1000" b="0" strike="noStrike" spc="-1">
                 <a:solidFill>
                   <a:srgbClr val="000000"/>
                 </a:solidFill>
                 <a:uFill>
                   <a:solidFill>
-                    <a:srgbClr val="ffffff"/>
+                    <a:srgbClr val="FFFFFF"/>
                   </a:solidFill>
                 </a:uFill>
                 <a:latin typeface="Calibri"/>
               </a:rPr>
               <a:t>Counter == OCR0</a:t>
             </a:r>
-            <a:endParaRPr b="0" lang="de-DE" sz="1800" spc="-1" strike="noStrike">
+            <a:endParaRPr lang="de-DE" sz="1800" b="0" strike="noStrike" spc="-1">
               <a:solidFill>
                 <a:srgbClr val="000000"/>
               </a:solidFill>
               <a:uFill>
                 <a:solidFill>
-                  <a:srgbClr val="ffffff"/>
+                  <a:srgbClr val="FFFFFF"/>
                 </a:solidFill>
               </a:uFill>
               <a:latin typeface="Arial"/>
@@ -6483,13 +6709,20 @@
           </a:ln>
         </p:spPr>
         <p:style>
-          <a:lnRef idx="0"/>
-          <a:fillRef idx="0"/>
-          <a:effectRef idx="0"/>
+          <a:lnRef idx="0">
+            <a:scrgbClr r="0" g="0" b="0"/>
+          </a:lnRef>
+          <a:fillRef idx="0">
+            <a:scrgbClr r="0" g="0" b="0"/>
+          </a:fillRef>
+          <a:effectRef idx="0">
+            <a:scrgbClr r="0" g="0" b="0"/>
+          </a:effectRef>
           <a:fontRef idx="minor"/>
         </p:style>
         <p:txBody>
-          <a:bodyPr lIns="90000" rIns="90000" tIns="45000" bIns="45000" anchor="ctr"/>
+          <a:bodyPr lIns="90000" tIns="45000" rIns="90000" bIns="45000" anchor="ctr"/>
+          <a:lstStyle/>
           <a:p>
             <a:pPr algn="ctr">
               <a:lnSpc>
@@ -6497,26 +6730,26 @@
               </a:lnSpc>
             </a:pPr>
             <a:r>
-              <a:rPr b="0" i="1" lang="de-DE" sz="1200" spc="-1" strike="noStrike">
+              <a:rPr lang="de-DE" sz="1200" b="0" i="1" strike="noStrike" spc="-1">
                 <a:solidFill>
                   <a:srgbClr val="000000"/>
                 </a:solidFill>
                 <a:uFill>
                   <a:solidFill>
-                    <a:srgbClr val="ffffff"/>
+                    <a:srgbClr val="FFFFFF"/>
                   </a:solidFill>
                 </a:uFill>
                 <a:latin typeface="Calibri"/>
               </a:rPr>
               <a:t>S0</a:t>
             </a:r>
-            <a:endParaRPr b="0" lang="de-DE" sz="1800" spc="-1" strike="noStrike">
+            <a:endParaRPr lang="de-DE" sz="1800" b="0" strike="noStrike" spc="-1">
               <a:solidFill>
                 <a:srgbClr val="000000"/>
               </a:solidFill>
               <a:uFill>
                 <a:solidFill>
-                  <a:srgbClr val="ffffff"/>
+                  <a:srgbClr val="FFFFFF"/>
                 </a:solidFill>
               </a:uFill>
               <a:latin typeface="Arial"/>
@@ -6544,13 +6777,20 @@
           </a:ln>
         </p:spPr>
         <p:style>
-          <a:lnRef idx="0"/>
-          <a:fillRef idx="0"/>
-          <a:effectRef idx="0"/>
+          <a:lnRef idx="0">
+            <a:scrgbClr r="0" g="0" b="0"/>
+          </a:lnRef>
+          <a:fillRef idx="0">
+            <a:scrgbClr r="0" g="0" b="0"/>
+          </a:fillRef>
+          <a:effectRef idx="0">
+            <a:scrgbClr r="0" g="0" b="0"/>
+          </a:effectRef>
           <a:fontRef idx="minor"/>
         </p:style>
         <p:txBody>
-          <a:bodyPr lIns="90000" rIns="90000" tIns="45000" bIns="45000" anchor="ctr"/>
+          <a:bodyPr lIns="90000" tIns="45000" rIns="90000" bIns="45000" anchor="ctr"/>
+          <a:lstStyle/>
           <a:p>
             <a:pPr algn="ctr">
               <a:lnSpc>
@@ -6558,26 +6798,26 @@
               </a:lnSpc>
             </a:pPr>
             <a:r>
-              <a:rPr b="0" i="1" lang="de-DE" sz="1200" spc="-1" strike="noStrike">
+              <a:rPr lang="de-DE" sz="1200" b="0" i="1" strike="noStrike" spc="-1">
                 <a:solidFill>
                   <a:srgbClr val="000000"/>
                 </a:solidFill>
                 <a:uFill>
                   <a:solidFill>
-                    <a:srgbClr val="ffffff"/>
+                    <a:srgbClr val="FFFFFF"/>
                   </a:solidFill>
                 </a:uFill>
                 <a:latin typeface="Calibri"/>
               </a:rPr>
               <a:t>S1</a:t>
             </a:r>
-            <a:endParaRPr b="0" lang="de-DE" sz="1800" spc="-1" strike="noStrike">
+            <a:endParaRPr lang="de-DE" sz="1800" b="0" strike="noStrike" spc="-1">
               <a:solidFill>
                 <a:srgbClr val="000000"/>
               </a:solidFill>
               <a:uFill>
                 <a:solidFill>
-                  <a:srgbClr val="ffffff"/>
+                  <a:srgbClr val="FFFFFF"/>
                 </a:solidFill>
               </a:uFill>
               <a:latin typeface="Arial"/>
@@ -6600,6 +6840,7 @@
             <a:avLst/>
             <a:gdLst/>
             <a:ahLst/>
+            <a:cxnLst/>
             <a:rect l="l" t="t" r="r" b="b"/>
             <a:pathLst>
               <a:path w="21600" h="21600">
@@ -6617,8 +6858,8 @@
             <a:solidFill>
               <a:schemeClr val="tx1"/>
             </a:solidFill>
-            <a:headEnd len="med" type="oval" w="med"/>
-            <a:tailEnd len="med" type="triangle" w="med"/>
+            <a:headEnd type="oval" w="med" len="med"/>
+            <a:tailEnd type="triangle" w="med" len="med"/>
           </a:ln>
         </p:spPr>
         <p:style>
@@ -6654,13 +6895,20 @@
           </a:ln>
         </p:spPr>
         <p:style>
-          <a:lnRef idx="0"/>
-          <a:fillRef idx="0"/>
-          <a:effectRef idx="0"/>
+          <a:lnRef idx="0">
+            <a:scrgbClr r="0" g="0" b="0"/>
+          </a:lnRef>
+          <a:fillRef idx="0">
+            <a:scrgbClr r="0" g="0" b="0"/>
+          </a:fillRef>
+          <a:effectRef idx="0">
+            <a:scrgbClr r="0" g="0" b="0"/>
+          </a:effectRef>
           <a:fontRef idx="minor"/>
         </p:style>
         <p:txBody>
-          <a:bodyPr lIns="90000" rIns="90000" tIns="45000" bIns="45000" anchor="ctr"/>
+          <a:bodyPr lIns="90000" tIns="45000" rIns="90000" bIns="45000" anchor="ctr"/>
+          <a:lstStyle/>
           <a:p>
             <a:pPr algn="ctr">
               <a:lnSpc>
@@ -6668,26 +6916,26 @@
               </a:lnSpc>
             </a:pPr>
             <a:r>
-              <a:rPr b="0" lang="de-DE" sz="1000" spc="-1" strike="noStrike">
+              <a:rPr lang="de-DE" sz="1000" b="0" strike="noStrike" spc="-1">
                 <a:solidFill>
                   <a:srgbClr val="000000"/>
                 </a:solidFill>
                 <a:uFill>
                   <a:solidFill>
-                    <a:srgbClr val="ffffff"/>
+                    <a:srgbClr val="FFFFFF"/>
                   </a:solidFill>
                 </a:uFill>
                 <a:latin typeface="Calibri"/>
               </a:rPr>
               <a:t>Ausgang LOW</a:t>
             </a:r>
-            <a:endParaRPr b="0" lang="de-DE" sz="1800" spc="-1" strike="noStrike">
+            <a:endParaRPr lang="de-DE" sz="1800" b="0" strike="noStrike" spc="-1">
               <a:solidFill>
                 <a:srgbClr val="000000"/>
               </a:solidFill>
               <a:uFill>
                 <a:solidFill>
-                  <a:srgbClr val="ffffff"/>
+                  <a:srgbClr val="FFFFFF"/>
                 </a:solidFill>
               </a:uFill>
               <a:latin typeface="Arial"/>
@@ -6710,6 +6958,7 @@
             <a:avLst/>
             <a:gdLst/>
             <a:ahLst/>
+            <a:cxnLst/>
             <a:rect l="l" t="t" r="r" b="b"/>
             <a:pathLst>
               <a:path w="21600" h="21600">
@@ -6727,7 +6976,7 @@
             <a:solidFill>
               <a:schemeClr val="tx1"/>
             </a:solidFill>
-            <a:tailEnd len="med" type="triangle" w="med"/>
+            <a:tailEnd type="triangle" w="med" len="med"/>
           </a:ln>
         </p:spPr>
         <p:style>
@@ -6796,13 +7045,20 @@
           </a:ln>
         </p:spPr>
         <p:style>
-          <a:lnRef idx="0"/>
-          <a:fillRef idx="0"/>
-          <a:effectRef idx="0"/>
+          <a:lnRef idx="0">
+            <a:scrgbClr r="0" g="0" b="0"/>
+          </a:lnRef>
+          <a:fillRef idx="0">
+            <a:scrgbClr r="0" g="0" b="0"/>
+          </a:fillRef>
+          <a:effectRef idx="0">
+            <a:scrgbClr r="0" g="0" b="0"/>
+          </a:effectRef>
           <a:fontRef idx="minor"/>
         </p:style>
         <p:txBody>
-          <a:bodyPr lIns="90000" rIns="90000" tIns="45000" bIns="45000" anchor="ctr"/>
+          <a:bodyPr lIns="90000" tIns="45000" rIns="90000" bIns="45000" anchor="ctr"/>
+          <a:lstStyle/>
           <a:p>
             <a:pPr algn="ctr">
               <a:lnSpc>
@@ -6810,26 +7066,26 @@
               </a:lnSpc>
             </a:pPr>
             <a:r>
-              <a:rPr b="0" i="1" lang="de-DE" sz="1200" spc="-1" strike="noStrike">
+              <a:rPr lang="de-DE" sz="1200" b="0" i="1" strike="noStrike" spc="-1">
                 <a:solidFill>
                   <a:srgbClr val="000000"/>
                 </a:solidFill>
                 <a:uFill>
                   <a:solidFill>
-                    <a:srgbClr val="ffffff"/>
+                    <a:srgbClr val="FFFFFF"/>
                   </a:solidFill>
                 </a:uFill>
                 <a:latin typeface="Calibri"/>
               </a:rPr>
               <a:t>S0</a:t>
             </a:r>
-            <a:endParaRPr b="0" lang="de-DE" sz="1800" spc="-1" strike="noStrike">
+            <a:endParaRPr lang="de-DE" sz="1800" b="0" strike="noStrike" spc="-1">
               <a:solidFill>
                 <a:srgbClr val="000000"/>
               </a:solidFill>
               <a:uFill>
                 <a:solidFill>
-                  <a:srgbClr val="ffffff"/>
+                  <a:srgbClr val="FFFFFF"/>
                 </a:solidFill>
               </a:uFill>
               <a:latin typeface="Arial"/>
@@ -6852,6 +7108,7 @@
             <a:avLst/>
             <a:gdLst/>
             <a:ahLst/>
+            <a:cxnLst/>
             <a:rect l="l" t="t" r="r" b="b"/>
             <a:pathLst>
               <a:path w="21600" h="21600">
@@ -6869,7 +7126,7 @@
             <a:solidFill>
               <a:schemeClr val="tx1"/>
             </a:solidFill>
-            <a:tailEnd len="med" type="triangle" w="med"/>
+            <a:tailEnd type="triangle" w="med" len="med"/>
           </a:ln>
         </p:spPr>
         <p:style>
@@ -6900,6 +7157,7 @@
             <a:avLst/>
             <a:gdLst/>
             <a:ahLst/>
+            <a:cxnLst/>
             <a:rect l="l" t="t" r="r" b="b"/>
             <a:pathLst>
               <a:path w="21600" h="21600">
@@ -6917,7 +7175,7 @@
             <a:solidFill>
               <a:schemeClr val="tx1"/>
             </a:solidFill>
-            <a:tailEnd len="med" type="triangle" w="med"/>
+            <a:tailEnd type="triangle" w="med" len="med"/>
           </a:ln>
         </p:spPr>
         <p:style>
@@ -6948,6 +7206,7 @@
             <a:avLst/>
             <a:gdLst/>
             <a:ahLst/>
+            <a:cxnLst/>
             <a:rect l="l" t="t" r="r" b="b"/>
             <a:pathLst>
               <a:path w="21600" h="21600">
@@ -6963,7 +7222,7 @@
           <a:noFill/>
           <a:ln w="12600">
             <a:solidFill>
-              <a:srgbClr val="ff0000"/>
+              <a:srgbClr val="FF0000"/>
             </a:solidFill>
           </a:ln>
         </p:spPr>
@@ -6995,6 +7254,7 @@
             <a:avLst/>
             <a:gdLst/>
             <a:ahLst/>
+            <a:cxnLst/>
             <a:rect l="l" t="t" r="r" b="b"/>
             <a:pathLst>
               <a:path w="21600" h="21600">
@@ -7010,7 +7270,7 @@
           <a:noFill/>
           <a:ln w="12600">
             <a:solidFill>
-              <a:srgbClr val="ff0000"/>
+              <a:srgbClr val="FF0000"/>
             </a:solidFill>
           </a:ln>
         </p:spPr>
@@ -7042,6 +7302,7 @@
             <a:avLst/>
             <a:gdLst/>
             <a:ahLst/>
+            <a:cxnLst/>
             <a:rect l="l" t="t" r="r" b="b"/>
             <a:pathLst>
               <a:path w="21600" h="21600">
@@ -7057,7 +7318,7 @@
           <a:noFill/>
           <a:ln w="12600">
             <a:solidFill>
-              <a:srgbClr val="ff0000"/>
+              <a:srgbClr val="FF0000"/>
             </a:solidFill>
           </a:ln>
         </p:spPr>
@@ -7089,6 +7350,7 @@
             <a:avLst/>
             <a:gdLst/>
             <a:ahLst/>
+            <a:cxnLst/>
             <a:rect l="l" t="t" r="r" b="b"/>
             <a:pathLst>
               <a:path w="21600" h="21600">
@@ -7104,7 +7366,7 @@
           <a:noFill/>
           <a:ln w="12600">
             <a:solidFill>
-              <a:srgbClr val="ff0000"/>
+              <a:srgbClr val="FF0000"/>
             </a:solidFill>
           </a:ln>
         </p:spPr>
@@ -7136,6 +7398,7 @@
             <a:avLst/>
             <a:gdLst/>
             <a:ahLst/>
+            <a:cxnLst/>
             <a:rect l="l" t="t" r="r" b="b"/>
             <a:pathLst>
               <a:path w="21600" h="21600">
@@ -7151,7 +7414,7 @@
           <a:noFill/>
           <a:ln w="12600">
             <a:solidFill>
-              <a:srgbClr val="ff0000"/>
+              <a:srgbClr val="FF0000"/>
             </a:solidFill>
           </a:ln>
         </p:spPr>
@@ -7183,6 +7446,7 @@
             <a:avLst/>
             <a:gdLst/>
             <a:ahLst/>
+            <a:cxnLst/>
             <a:rect l="l" t="t" r="r" b="b"/>
             <a:pathLst>
               <a:path w="21600" h="21600">
@@ -7198,7 +7462,7 @@
           <a:noFill/>
           <a:ln w="12600">
             <a:solidFill>
-              <a:srgbClr val="ff0000"/>
+              <a:srgbClr val="FF0000"/>
             </a:solidFill>
           </a:ln>
         </p:spPr>
@@ -7230,6 +7494,7 @@
             <a:avLst/>
             <a:gdLst/>
             <a:ahLst/>
+            <a:cxnLst/>
             <a:rect l="l" t="t" r="r" b="b"/>
             <a:pathLst>
               <a:path w="21600" h="21600">
@@ -7245,7 +7510,7 @@
           <a:noFill/>
           <a:ln w="12600">
             <a:solidFill>
-              <a:srgbClr val="ff0000"/>
+              <a:srgbClr val="FF0000"/>
             </a:solidFill>
           </a:ln>
         </p:spPr>
@@ -7277,6 +7542,7 @@
             <a:avLst/>
             <a:gdLst/>
             <a:ahLst/>
+            <a:cxnLst/>
             <a:rect l="l" t="t" r="r" b="b"/>
             <a:pathLst>
               <a:path w="21600" h="21600">
@@ -7292,7 +7558,7 @@
           <a:noFill/>
           <a:ln w="12600">
             <a:solidFill>
-              <a:srgbClr val="ff0000"/>
+              <a:srgbClr val="FF0000"/>
             </a:solidFill>
           </a:ln>
         </p:spPr>
@@ -7324,6 +7590,7 @@
             <a:avLst/>
             <a:gdLst/>
             <a:ahLst/>
+            <a:cxnLst/>
             <a:rect l="l" t="t" r="r" b="b"/>
             <a:pathLst>
               <a:path w="21600" h="21600">
@@ -7339,7 +7606,7 @@
           <a:noFill/>
           <a:ln w="12600">
             <a:solidFill>
-              <a:srgbClr val="ff0000"/>
+              <a:srgbClr val="FF0000"/>
             </a:solidFill>
           </a:ln>
         </p:spPr>
@@ -7371,6 +7638,7 @@
             <a:avLst/>
             <a:gdLst/>
             <a:ahLst/>
+            <a:cxnLst/>
             <a:rect l="l" t="t" r="r" b="b"/>
             <a:pathLst>
               <a:path w="21600" h="21600">
@@ -7386,7 +7654,7 @@
           <a:noFill/>
           <a:ln w="44280">
             <a:solidFill>
-              <a:srgbClr val="ff0000"/>
+              <a:srgbClr val="FF0000"/>
             </a:solidFill>
             <a:custDash>
               <a:ds d="100000" sp="100000"/>
@@ -7421,6 +7689,7 @@
             <a:avLst/>
             <a:gdLst/>
             <a:ahLst/>
+            <a:cxnLst/>
             <a:rect l="l" t="t" r="r" b="b"/>
             <a:pathLst>
               <a:path w="21600" h="21600">
@@ -7436,7 +7705,7 @@
           <a:noFill/>
           <a:ln w="44280">
             <a:solidFill>
-              <a:srgbClr val="ff0000"/>
+              <a:srgbClr val="FF0000"/>
             </a:solidFill>
             <a:custDash>
               <a:ds d="100000" sp="100000"/>
@@ -7476,13 +7745,20 @@
           </a:ln>
         </p:spPr>
         <p:style>
-          <a:lnRef idx="0"/>
-          <a:fillRef idx="0"/>
-          <a:effectRef idx="0"/>
+          <a:lnRef idx="0">
+            <a:scrgbClr r="0" g="0" b="0"/>
+          </a:lnRef>
+          <a:fillRef idx="0">
+            <a:scrgbClr r="0" g="0" b="0"/>
+          </a:fillRef>
+          <a:effectRef idx="0">
+            <a:scrgbClr r="0" g="0" b="0"/>
+          </a:effectRef>
           <a:fontRef idx="minor"/>
         </p:style>
         <p:txBody>
-          <a:bodyPr lIns="90000" rIns="90000" tIns="45000" bIns="45000" anchor="ctr"/>
+          <a:bodyPr lIns="90000" tIns="45000" rIns="90000" bIns="45000" anchor="ctr"/>
+          <a:lstStyle/>
           <a:p>
             <a:pPr algn="ctr">
               <a:lnSpc>
@@ -7490,26 +7766,26 @@
               </a:lnSpc>
             </a:pPr>
             <a:r>
-              <a:rPr b="1" lang="de-DE" sz="1000" spc="-1" strike="noStrike">
+              <a:rPr lang="de-DE" sz="1000" b="1" strike="noStrike" spc="-1">
                 <a:solidFill>
                   <a:srgbClr val="000000"/>
                 </a:solidFill>
                 <a:uFill>
                   <a:solidFill>
-                    <a:srgbClr val="ffffff"/>
+                    <a:srgbClr val="FFFFFF"/>
                   </a:solidFill>
                 </a:uFill>
                 <a:latin typeface="Calibri"/>
               </a:rPr>
               <a:t>Counter</a:t>
             </a:r>
-            <a:endParaRPr b="0" lang="de-DE" sz="1800" spc="-1" strike="noStrike">
+            <a:endParaRPr lang="de-DE" sz="1800" b="0" strike="noStrike" spc="-1">
               <a:solidFill>
                 <a:srgbClr val="000000"/>
               </a:solidFill>
               <a:uFill>
                 <a:solidFill>
-                  <a:srgbClr val="ffffff"/>
+                  <a:srgbClr val="FFFFFF"/>
                 </a:solidFill>
               </a:uFill>
               <a:latin typeface="Arial"/>
@@ -7537,13 +7813,20 @@
           </a:ln>
         </p:spPr>
         <p:style>
-          <a:lnRef idx="0"/>
-          <a:fillRef idx="0"/>
-          <a:effectRef idx="0"/>
+          <a:lnRef idx="0">
+            <a:scrgbClr r="0" g="0" b="0"/>
+          </a:lnRef>
+          <a:fillRef idx="0">
+            <a:scrgbClr r="0" g="0" b="0"/>
+          </a:fillRef>
+          <a:effectRef idx="0">
+            <a:scrgbClr r="0" g="0" b="0"/>
+          </a:effectRef>
           <a:fontRef idx="minor"/>
         </p:style>
         <p:txBody>
-          <a:bodyPr lIns="90000" rIns="90000" tIns="45000" bIns="45000" anchor="ctr"/>
+          <a:bodyPr lIns="90000" tIns="45000" rIns="90000" bIns="45000" anchor="ctr"/>
+          <a:lstStyle/>
           <a:p>
             <a:pPr algn="ctr">
               <a:lnSpc>
@@ -7551,26 +7834,26 @@
               </a:lnSpc>
             </a:pPr>
             <a:r>
-              <a:rPr b="1" lang="de-DE" sz="1000" spc="-1" strike="noStrike">
+              <a:rPr lang="de-DE" sz="1000" b="1" strike="noStrike" spc="-1">
                 <a:solidFill>
                   <a:srgbClr val="000000"/>
                 </a:solidFill>
                 <a:uFill>
                   <a:solidFill>
-                    <a:srgbClr val="ffffff"/>
+                    <a:srgbClr val="FFFFFF"/>
                   </a:solidFill>
                 </a:uFill>
                 <a:latin typeface="Calibri"/>
               </a:rPr>
               <a:t>Ausgang</a:t>
             </a:r>
-            <a:endParaRPr b="0" lang="de-DE" sz="1800" spc="-1" strike="noStrike">
+            <a:endParaRPr lang="de-DE" sz="1800" b="0" strike="noStrike" spc="-1">
               <a:solidFill>
                 <a:srgbClr val="000000"/>
               </a:solidFill>
               <a:uFill>
                 <a:solidFill>
-                  <a:srgbClr val="ffffff"/>
+                  <a:srgbClr val="FFFFFF"/>
                 </a:solidFill>
               </a:uFill>
               <a:latin typeface="Arial"/>
@@ -7598,13 +7881,20 @@
           </a:ln>
         </p:spPr>
         <p:style>
-          <a:lnRef idx="0"/>
-          <a:fillRef idx="0"/>
-          <a:effectRef idx="0"/>
+          <a:lnRef idx="0">
+            <a:scrgbClr r="0" g="0" b="0"/>
+          </a:lnRef>
+          <a:fillRef idx="0">
+            <a:scrgbClr r="0" g="0" b="0"/>
+          </a:fillRef>
+          <a:effectRef idx="0">
+            <a:scrgbClr r="0" g="0" b="0"/>
+          </a:effectRef>
           <a:fontRef idx="minor"/>
         </p:style>
         <p:txBody>
-          <a:bodyPr lIns="90000" rIns="90000" tIns="45000" bIns="45000" anchor="ctr"/>
+          <a:bodyPr lIns="90000" tIns="45000" rIns="90000" bIns="45000" anchor="ctr"/>
+          <a:lstStyle/>
           <a:p>
             <a:pPr algn="ctr">
               <a:lnSpc>
@@ -7612,26 +7902,26 @@
               </a:lnSpc>
             </a:pPr>
             <a:r>
-              <a:rPr b="0" lang="de-DE" sz="1000" spc="-1" strike="noStrike">
+              <a:rPr lang="de-DE" sz="1000" b="0" strike="noStrike" spc="-1">
                 <a:solidFill>
                   <a:srgbClr val="000000"/>
                 </a:solidFill>
                 <a:uFill>
                   <a:solidFill>
-                    <a:srgbClr val="ffffff"/>
+                    <a:srgbClr val="FFFFFF"/>
                   </a:solidFill>
                 </a:uFill>
                 <a:latin typeface="Calibri"/>
               </a:rPr>
               <a:t>High</a:t>
             </a:r>
-            <a:endParaRPr b="0" lang="de-DE" sz="1800" spc="-1" strike="noStrike">
+            <a:endParaRPr lang="de-DE" sz="1800" b="0" strike="noStrike" spc="-1">
               <a:solidFill>
                 <a:srgbClr val="000000"/>
               </a:solidFill>
               <a:uFill>
                 <a:solidFill>
-                  <a:srgbClr val="ffffff"/>
+                  <a:srgbClr val="FFFFFF"/>
                 </a:solidFill>
               </a:uFill>
               <a:latin typeface="Arial"/>
@@ -7659,13 +7949,20 @@
           </a:ln>
         </p:spPr>
         <p:style>
-          <a:lnRef idx="0"/>
-          <a:fillRef idx="0"/>
-          <a:effectRef idx="0"/>
+          <a:lnRef idx="0">
+            <a:scrgbClr r="0" g="0" b="0"/>
+          </a:lnRef>
+          <a:fillRef idx="0">
+            <a:scrgbClr r="0" g="0" b="0"/>
+          </a:fillRef>
+          <a:effectRef idx="0">
+            <a:scrgbClr r="0" g="0" b="0"/>
+          </a:effectRef>
           <a:fontRef idx="minor"/>
         </p:style>
         <p:txBody>
-          <a:bodyPr lIns="90000" rIns="90000" tIns="45000" bIns="45000" anchor="ctr"/>
+          <a:bodyPr lIns="90000" tIns="45000" rIns="90000" bIns="45000" anchor="ctr"/>
+          <a:lstStyle/>
           <a:p>
             <a:pPr algn="ctr">
               <a:lnSpc>
@@ -7673,26 +7970,26 @@
               </a:lnSpc>
             </a:pPr>
             <a:r>
-              <a:rPr b="0" lang="de-DE" sz="1000" spc="-1" strike="noStrike">
+              <a:rPr lang="de-DE" sz="1000" b="0" strike="noStrike" spc="-1">
                 <a:solidFill>
                   <a:srgbClr val="000000"/>
                 </a:solidFill>
                 <a:uFill>
                   <a:solidFill>
-                    <a:srgbClr val="ffffff"/>
+                    <a:srgbClr val="FFFFFF"/>
                   </a:solidFill>
                 </a:uFill>
                 <a:latin typeface="Calibri"/>
               </a:rPr>
               <a:t>Low</a:t>
             </a:r>
-            <a:endParaRPr b="0" lang="de-DE" sz="1800" spc="-1" strike="noStrike">
+            <a:endParaRPr lang="de-DE" sz="1800" b="0" strike="noStrike" spc="-1">
               <a:solidFill>
                 <a:srgbClr val="000000"/>
               </a:solidFill>
               <a:uFill>
                 <a:solidFill>
-                  <a:srgbClr val="ffffff"/>
+                  <a:srgbClr val="FFFFFF"/>
                 </a:solidFill>
               </a:uFill>
               <a:latin typeface="Arial"/>
@@ -7756,13 +8053,20 @@
           </a:ln>
         </p:spPr>
         <p:style>
-          <a:lnRef idx="0"/>
-          <a:fillRef idx="0"/>
-          <a:effectRef idx="0"/>
+          <a:lnRef idx="0">
+            <a:scrgbClr r="0" g="0" b="0"/>
+          </a:lnRef>
+          <a:fillRef idx="0">
+            <a:scrgbClr r="0" g="0" b="0"/>
+          </a:fillRef>
+          <a:effectRef idx="0">
+            <a:scrgbClr r="0" g="0" b="0"/>
+          </a:effectRef>
           <a:fontRef idx="minor"/>
         </p:style>
         <p:txBody>
-          <a:bodyPr lIns="90000" rIns="90000" tIns="45000" bIns="45000" anchor="ctr"/>
+          <a:bodyPr lIns="90000" tIns="45000" rIns="90000" bIns="45000" anchor="ctr"/>
+          <a:lstStyle/>
           <a:p>
             <a:pPr algn="ctr">
               <a:lnSpc>
@@ -7770,26 +8074,26 @@
               </a:lnSpc>
             </a:pPr>
             <a:r>
-              <a:rPr b="0" lang="de-DE" sz="1000" spc="-1" strike="noStrike">
+              <a:rPr lang="de-DE" sz="1000" b="0" strike="noStrike" spc="-1">
                 <a:solidFill>
                   <a:srgbClr val="000000"/>
                 </a:solidFill>
                 <a:uFill>
                   <a:solidFill>
-                    <a:srgbClr val="ffffff"/>
+                    <a:srgbClr val="FFFFFF"/>
                   </a:solidFill>
                 </a:uFill>
                 <a:latin typeface="Calibri"/>
               </a:rPr>
               <a:t>0</a:t>
             </a:r>
-            <a:endParaRPr b="0" lang="de-DE" sz="1800" spc="-1" strike="noStrike">
+            <a:endParaRPr lang="de-DE" sz="1800" b="0" strike="noStrike" spc="-1">
               <a:solidFill>
                 <a:srgbClr val="000000"/>
               </a:solidFill>
               <a:uFill>
                 <a:solidFill>
-                  <a:srgbClr val="ffffff"/>
+                  <a:srgbClr val="FFFFFF"/>
                 </a:solidFill>
               </a:uFill>
               <a:latin typeface="Arial"/>
@@ -7817,13 +8121,20 @@
           </a:ln>
         </p:spPr>
         <p:style>
-          <a:lnRef idx="0"/>
-          <a:fillRef idx="0"/>
-          <a:effectRef idx="0"/>
+          <a:lnRef idx="0">
+            <a:scrgbClr r="0" g="0" b="0"/>
+          </a:lnRef>
+          <a:fillRef idx="0">
+            <a:scrgbClr r="0" g="0" b="0"/>
+          </a:fillRef>
+          <a:effectRef idx="0">
+            <a:scrgbClr r="0" g="0" b="0"/>
+          </a:effectRef>
           <a:fontRef idx="minor"/>
         </p:style>
         <p:txBody>
-          <a:bodyPr lIns="90000" rIns="90000" tIns="45000" bIns="45000" anchor="ctr"/>
+          <a:bodyPr lIns="90000" tIns="45000" rIns="90000" bIns="45000" anchor="ctr"/>
+          <a:lstStyle/>
           <a:p>
             <a:pPr algn="ctr">
               <a:lnSpc>
@@ -7831,26 +8142,26 @@
               </a:lnSpc>
             </a:pPr>
             <a:r>
-              <a:rPr b="0" lang="de-DE" sz="1000" spc="-1" strike="noStrike">
+              <a:rPr lang="de-DE" sz="1000" b="0" strike="noStrike" spc="-1">
                 <a:solidFill>
                   <a:srgbClr val="000000"/>
                 </a:solidFill>
                 <a:uFill>
                   <a:solidFill>
-                    <a:srgbClr val="ffffff"/>
+                    <a:srgbClr val="FFFFFF"/>
                   </a:solidFill>
                 </a:uFill>
                 <a:latin typeface="Calibri"/>
               </a:rPr>
               <a:t>255</a:t>
             </a:r>
-            <a:endParaRPr b="0" lang="de-DE" sz="1800" spc="-1" strike="noStrike">
+            <a:endParaRPr lang="de-DE" sz="1800" b="0" strike="noStrike" spc="-1">
               <a:solidFill>
                 <a:srgbClr val="000000"/>
               </a:solidFill>
               <a:uFill>
                 <a:solidFill>
-                  <a:srgbClr val="ffffff"/>
+                  <a:srgbClr val="FFFFFF"/>
                 </a:solidFill>
               </a:uFill>
               <a:latin typeface="Arial"/>
@@ -7878,13 +8189,20 @@
           </a:ln>
         </p:spPr>
         <p:style>
-          <a:lnRef idx="0"/>
-          <a:fillRef idx="0"/>
-          <a:effectRef idx="0"/>
+          <a:lnRef idx="0">
+            <a:scrgbClr r="0" g="0" b="0"/>
+          </a:lnRef>
+          <a:fillRef idx="0">
+            <a:scrgbClr r="0" g="0" b="0"/>
+          </a:fillRef>
+          <a:effectRef idx="0">
+            <a:scrgbClr r="0" g="0" b="0"/>
+          </a:effectRef>
           <a:fontRef idx="minor"/>
         </p:style>
         <p:txBody>
-          <a:bodyPr lIns="90000" rIns="90000" tIns="45000" bIns="45000" anchor="ctr"/>
+          <a:bodyPr lIns="90000" tIns="45000" rIns="90000" bIns="45000" anchor="ctr"/>
+          <a:lstStyle/>
           <a:p>
             <a:pPr algn="ctr">
               <a:lnSpc>
@@ -7892,26 +8210,26 @@
               </a:lnSpc>
             </a:pPr>
             <a:r>
-              <a:rPr b="0" lang="de-DE" sz="1000" spc="-1" strike="noStrike">
+              <a:rPr lang="de-DE" sz="1000" b="0" strike="noStrike" spc="-1">
                 <a:solidFill>
                   <a:srgbClr val="000000"/>
                 </a:solidFill>
                 <a:uFill>
                   <a:solidFill>
-                    <a:srgbClr val="ffffff"/>
+                    <a:srgbClr val="FFFFFF"/>
                   </a:solidFill>
                 </a:uFill>
                 <a:latin typeface="Calibri"/>
               </a:rPr>
               <a:t>OCR0</a:t>
             </a:r>
-            <a:endParaRPr b="0" lang="de-DE" sz="1800" spc="-1" strike="noStrike">
+            <a:endParaRPr lang="de-DE" sz="1800" b="0" strike="noStrike" spc="-1">
               <a:solidFill>
                 <a:srgbClr val="000000"/>
               </a:solidFill>
               <a:uFill>
                 <a:solidFill>
-                  <a:srgbClr val="ffffff"/>
+                  <a:srgbClr val="FFFFFF"/>
                 </a:solidFill>
               </a:uFill>
               <a:latin typeface="Arial"/>
@@ -7939,13 +8257,20 @@
           </a:ln>
         </p:spPr>
         <p:style>
-          <a:lnRef idx="0"/>
-          <a:fillRef idx="0"/>
-          <a:effectRef idx="0"/>
+          <a:lnRef idx="0">
+            <a:scrgbClr r="0" g="0" b="0"/>
+          </a:lnRef>
+          <a:fillRef idx="0">
+            <a:scrgbClr r="0" g="0" b="0"/>
+          </a:fillRef>
+          <a:effectRef idx="0">
+            <a:scrgbClr r="0" g="0" b="0"/>
+          </a:effectRef>
           <a:fontRef idx="minor"/>
         </p:style>
         <p:txBody>
-          <a:bodyPr lIns="90000" rIns="90000" tIns="45000" bIns="45000" anchor="ctr"/>
+          <a:bodyPr lIns="90000" tIns="45000" rIns="90000" bIns="45000" anchor="ctr"/>
+          <a:lstStyle/>
           <a:p>
             <a:pPr algn="ctr">
               <a:lnSpc>
@@ -7953,26 +8278,26 @@
               </a:lnSpc>
             </a:pPr>
             <a:r>
-              <a:rPr b="0" lang="de-DE" sz="1000" spc="-1" strike="noStrike">
+              <a:rPr lang="de-DE" sz="1000" b="0" strike="noStrike" spc="-1">
                 <a:solidFill>
                   <a:srgbClr val="000000"/>
                 </a:solidFill>
                 <a:uFill>
                   <a:solidFill>
-                    <a:srgbClr val="ffffff"/>
+                    <a:srgbClr val="FFFFFF"/>
                   </a:solidFill>
                 </a:uFill>
                 <a:latin typeface="Calibri"/>
               </a:rPr>
               <a:t>0</a:t>
             </a:r>
-            <a:endParaRPr b="0" lang="de-DE" sz="1800" spc="-1" strike="noStrike">
+            <a:endParaRPr lang="de-DE" sz="1800" b="0" strike="noStrike" spc="-1">
               <a:solidFill>
                 <a:srgbClr val="000000"/>
               </a:solidFill>
               <a:uFill>
                 <a:solidFill>
-                  <a:srgbClr val="ffffff"/>
+                  <a:srgbClr val="FFFFFF"/>
                 </a:solidFill>
               </a:uFill>
               <a:latin typeface="Arial"/>
@@ -8000,13 +8325,20 @@
           </a:ln>
         </p:spPr>
         <p:style>
-          <a:lnRef idx="0"/>
-          <a:fillRef idx="0"/>
-          <a:effectRef idx="0"/>
+          <a:lnRef idx="0">
+            <a:scrgbClr r="0" g="0" b="0"/>
+          </a:lnRef>
+          <a:fillRef idx="0">
+            <a:scrgbClr r="0" g="0" b="0"/>
+          </a:fillRef>
+          <a:effectRef idx="0">
+            <a:scrgbClr r="0" g="0" b="0"/>
+          </a:effectRef>
           <a:fontRef idx="minor"/>
         </p:style>
         <p:txBody>
-          <a:bodyPr lIns="90000" rIns="90000" tIns="45000" bIns="45000" anchor="ctr"/>
+          <a:bodyPr lIns="90000" tIns="45000" rIns="90000" bIns="45000" anchor="ctr"/>
+          <a:lstStyle/>
           <a:p>
             <a:pPr algn="ctr">
               <a:lnSpc>
@@ -8014,26 +8346,26 @@
               </a:lnSpc>
             </a:pPr>
             <a:r>
-              <a:rPr b="0" lang="de-DE" sz="1000" spc="-1" strike="noStrike">
+              <a:rPr lang="de-DE" sz="1000" b="0" strike="noStrike" spc="-1">
                 <a:solidFill>
                   <a:srgbClr val="000000"/>
                 </a:solidFill>
                 <a:uFill>
                   <a:solidFill>
-                    <a:srgbClr val="ffffff"/>
+                    <a:srgbClr val="FFFFFF"/>
                   </a:solidFill>
                 </a:uFill>
                 <a:latin typeface="Calibri"/>
               </a:rPr>
               <a:t>255</a:t>
             </a:r>
-            <a:endParaRPr b="0" lang="de-DE" sz="1800" spc="-1" strike="noStrike">
+            <a:endParaRPr lang="de-DE" sz="1800" b="0" strike="noStrike" spc="-1">
               <a:solidFill>
                 <a:srgbClr val="000000"/>
               </a:solidFill>
               <a:uFill>
                 <a:solidFill>
-                  <a:srgbClr val="ffffff"/>
+                  <a:srgbClr val="FFFFFF"/>
                 </a:solidFill>
               </a:uFill>
               <a:latin typeface="Arial"/>
@@ -8061,13 +8393,20 @@
           </a:ln>
         </p:spPr>
         <p:style>
-          <a:lnRef idx="0"/>
-          <a:fillRef idx="0"/>
-          <a:effectRef idx="0"/>
+          <a:lnRef idx="0">
+            <a:scrgbClr r="0" g="0" b="0"/>
+          </a:lnRef>
+          <a:fillRef idx="0">
+            <a:scrgbClr r="0" g="0" b="0"/>
+          </a:fillRef>
+          <a:effectRef idx="0">
+            <a:scrgbClr r="0" g="0" b="0"/>
+          </a:effectRef>
           <a:fontRef idx="minor"/>
         </p:style>
         <p:txBody>
-          <a:bodyPr lIns="90000" rIns="90000" tIns="45000" bIns="45000" anchor="ctr"/>
+          <a:bodyPr lIns="90000" tIns="45000" rIns="90000" bIns="45000" anchor="ctr"/>
+          <a:lstStyle/>
           <a:p>
             <a:pPr algn="ctr">
               <a:lnSpc>
@@ -8075,26 +8414,26 @@
               </a:lnSpc>
             </a:pPr>
             <a:r>
-              <a:rPr b="0" lang="de-DE" sz="1000" spc="-1" strike="noStrike">
+              <a:rPr lang="de-DE" sz="1000" b="0" strike="noStrike" spc="-1">
                 <a:solidFill>
                   <a:srgbClr val="000000"/>
                 </a:solidFill>
                 <a:uFill>
                   <a:solidFill>
-                    <a:srgbClr val="ffffff"/>
+                    <a:srgbClr val="FFFFFF"/>
                   </a:solidFill>
                 </a:uFill>
                 <a:latin typeface="Calibri"/>
               </a:rPr>
               <a:t>OCR0</a:t>
             </a:r>
-            <a:endParaRPr b="0" lang="de-DE" sz="1800" spc="-1" strike="noStrike">
+            <a:endParaRPr lang="de-DE" sz="1800" b="0" strike="noStrike" spc="-1">
               <a:solidFill>
                 <a:srgbClr val="000000"/>
               </a:solidFill>
               <a:uFill>
                 <a:solidFill>
-                  <a:srgbClr val="ffffff"/>
+                  <a:srgbClr val="FFFFFF"/>
                 </a:solidFill>
               </a:uFill>
               <a:latin typeface="Arial"/>
@@ -8122,13 +8461,20 @@
           </a:ln>
         </p:spPr>
         <p:style>
-          <a:lnRef idx="0"/>
-          <a:fillRef idx="0"/>
-          <a:effectRef idx="0"/>
+          <a:lnRef idx="0">
+            <a:scrgbClr r="0" g="0" b="0"/>
+          </a:lnRef>
+          <a:fillRef idx="0">
+            <a:scrgbClr r="0" g="0" b="0"/>
+          </a:fillRef>
+          <a:effectRef idx="0">
+            <a:scrgbClr r="0" g="0" b="0"/>
+          </a:effectRef>
           <a:fontRef idx="minor"/>
         </p:style>
         <p:txBody>
-          <a:bodyPr lIns="90000" rIns="90000" tIns="45000" bIns="45000" anchor="ctr"/>
+          <a:bodyPr lIns="90000" tIns="45000" rIns="90000" bIns="45000" anchor="ctr"/>
+          <a:lstStyle/>
           <a:p>
             <a:pPr algn="ctr">
               <a:lnSpc>
@@ -8136,26 +8482,26 @@
               </a:lnSpc>
             </a:pPr>
             <a:r>
-              <a:rPr b="0" lang="de-DE" sz="1000" spc="-1" strike="noStrike">
+              <a:rPr lang="de-DE" sz="1000" b="0" strike="noStrike" spc="-1">
                 <a:solidFill>
                   <a:srgbClr val="000000"/>
                 </a:solidFill>
                 <a:uFill>
                   <a:solidFill>
-                    <a:srgbClr val="ffffff"/>
+                    <a:srgbClr val="FFFFFF"/>
                   </a:solidFill>
                 </a:uFill>
                 <a:latin typeface="Calibri"/>
               </a:rPr>
               <a:t>Counter == 0</a:t>
             </a:r>
-            <a:endParaRPr b="0" lang="de-DE" sz="1800" spc="-1" strike="noStrike">
+            <a:endParaRPr lang="de-DE" sz="1800" b="0" strike="noStrike" spc="-1">
               <a:solidFill>
                 <a:srgbClr val="000000"/>
               </a:solidFill>
               <a:uFill>
                 <a:solidFill>
-                  <a:srgbClr val="ffffff"/>
+                  <a:srgbClr val="FFFFFF"/>
                 </a:solidFill>
               </a:uFill>
               <a:latin typeface="Arial"/>
@@ -8165,22 +8511,25 @@
       </p:sp>
     </p:spTree>
   </p:cSld>
+  <p:clrMapOvr>
+    <a:masterClrMapping/>
+  </p:clrMapOvr>
   <p:timing>
     <p:tnLst>
       <p:par>
-        <p:cTn id="3" dur="indefinite" restart="never" nodeType="tmRoot">
+        <p:cTn id="1" dur="indefinite" restart="never" nodeType="tmRoot">
           <p:childTnLst>
             <p:seq>
-              <p:cTn id="4" nodeType="mainSeq"/>
+              <p:cTn id="2" nodeType="mainSeq"/>
               <p:prevCondLst>
-                <p:cond delay="0" evt="onPrev">
+                <p:cond evt="onPrev" delay="0">
                   <p:tgtEl>
                     <p:sldTgt/>
                   </p:tgtEl>
                 </p:cond>
               </p:prevCondLst>
               <p:nextCondLst>
-                <p:cond delay="0" evt="onNext">
+                <p:cond evt="onNext" delay="0">
                   <p:tgtEl>
                     <p:sldTgt/>
                   </p:tgtEl>
@@ -8192,6 +8541,2143 @@
       </p:par>
     </p:tnLst>
   </p:timing>
+</p:sld>
+</file>
+
+<file path=ppt/slides/slide3.xml><?xml version="1.0" encoding="utf-8"?>
+<p:sld xmlns:a="http://schemas.openxmlformats.org/drawingml/2006/main" xmlns:r="http://schemas.openxmlformats.org/officeDocument/2006/relationships" xmlns:p="http://schemas.openxmlformats.org/presentationml/2006/main">
+  <p:cSld>
+    <p:spTree>
+      <p:nvGrpSpPr>
+        <p:cNvPr id="1" name=""/>
+        <p:cNvGrpSpPr/>
+        <p:nvPr/>
+      </p:nvGrpSpPr>
+      <p:grpSpPr>
+        <a:xfrm>
+          <a:off x="0" y="0"/>
+          <a:ext cx="0" cy="0"/>
+          <a:chOff x="0" y="0"/>
+          <a:chExt cx="0" cy="0"/>
+        </a:xfrm>
+      </p:grpSpPr>
+      <p:sp>
+        <p:nvSpPr>
+          <p:cNvPr id="30" name="Textfeld 29">
+            <a:extLst>
+              <a:ext uri="{FF2B5EF4-FFF2-40B4-BE49-F238E27FC236}">
+                <a16:creationId xmlns:a16="http://schemas.microsoft.com/office/drawing/2014/main" id="{D061356C-FD88-45F3-8710-FFF64E005877}"/>
+              </a:ext>
+            </a:extLst>
+          </p:cNvPr>
+          <p:cNvSpPr txBox="1"/>
+          <p:nvPr/>
+        </p:nvSpPr>
+        <p:spPr>
+          <a:xfrm>
+            <a:off x="3539828" y="8109754"/>
+            <a:ext cx="725953" cy="323976"/>
+          </a:xfrm>
+          <a:prstGeom prst="rect">
+            <a:avLst/>
+          </a:prstGeom>
+          <a:noFill/>
+          <a:ln w="25400">
+            <a:solidFill>
+              <a:schemeClr val="tx1"/>
+            </a:solidFill>
+            <a:prstDash val="solid"/>
+          </a:ln>
+        </p:spPr>
+        <p:txBody>
+          <a:bodyPr wrap="square" rtlCol="0">
+            <a:spAutoFit/>
+          </a:bodyPr>
+          <a:lstStyle/>
+          <a:p>
+            <a:endParaRPr lang="de-DE" dirty="0"/>
+          </a:p>
+        </p:txBody>
+      </p:sp>
+      <p:sp>
+        <p:nvSpPr>
+          <p:cNvPr id="31" name="Textfeld 30">
+            <a:extLst>
+              <a:ext uri="{FF2B5EF4-FFF2-40B4-BE49-F238E27FC236}">
+                <a16:creationId xmlns:a16="http://schemas.microsoft.com/office/drawing/2014/main" id="{A96EC961-96D9-44CB-A1EF-0A9AE8E32FF2}"/>
+              </a:ext>
+            </a:extLst>
+          </p:cNvPr>
+          <p:cNvSpPr txBox="1"/>
+          <p:nvPr/>
+        </p:nvSpPr>
+        <p:spPr>
+          <a:xfrm>
+            <a:off x="3369503" y="8071687"/>
+            <a:ext cx="1067371" cy="400110"/>
+          </a:xfrm>
+          <a:prstGeom prst="rect">
+            <a:avLst/>
+          </a:prstGeom>
+          <a:noFill/>
+        </p:spPr>
+        <p:txBody>
+          <a:bodyPr wrap="square" rtlCol="0" anchor="ctr">
+            <a:spAutoFit/>
+          </a:bodyPr>
+          <a:lstStyle/>
+          <a:p>
+            <a:pPr algn="ctr"/>
+            <a:r>
+              <a:rPr lang="de-DE" sz="1000" dirty="0"/>
+              <a:t>Regelkreis</a:t>
+            </a:r>
+          </a:p>
+          <a:p>
+            <a:pPr algn="ctr"/>
+            <a:r>
+              <a:rPr lang="de-DE" sz="1000" dirty="0"/>
+              <a:t>Spannung</a:t>
+            </a:r>
+          </a:p>
+        </p:txBody>
+      </p:sp>
+      <p:sp>
+        <p:nvSpPr>
+          <p:cNvPr id="4" name="Textfeld 3">
+            <a:extLst>
+              <a:ext uri="{FF2B5EF4-FFF2-40B4-BE49-F238E27FC236}">
+                <a16:creationId xmlns:a16="http://schemas.microsoft.com/office/drawing/2014/main" id="{9634ACEC-2BD5-4421-BD52-9B8A50ED45ED}"/>
+              </a:ext>
+            </a:extLst>
+          </p:cNvPr>
+          <p:cNvSpPr txBox="1"/>
+          <p:nvPr/>
+        </p:nvSpPr>
+        <p:spPr>
+          <a:xfrm>
+            <a:off x="2380697" y="8111460"/>
+            <a:ext cx="612008" cy="323976"/>
+          </a:xfrm>
+          <a:prstGeom prst="rect">
+            <a:avLst/>
+          </a:prstGeom>
+          <a:noFill/>
+          <a:ln w="25400">
+            <a:solidFill>
+              <a:schemeClr val="tx1"/>
+            </a:solidFill>
+            <a:prstDash val="solid"/>
+          </a:ln>
+        </p:spPr>
+        <p:txBody>
+          <a:bodyPr wrap="square" rtlCol="0">
+            <a:spAutoFit/>
+          </a:bodyPr>
+          <a:lstStyle/>
+          <a:p>
+            <a:endParaRPr lang="de-DE" dirty="0"/>
+          </a:p>
+        </p:txBody>
+      </p:sp>
+      <p:sp>
+        <p:nvSpPr>
+          <p:cNvPr id="5" name="Textfeld 4">
+            <a:extLst>
+              <a:ext uri="{FF2B5EF4-FFF2-40B4-BE49-F238E27FC236}">
+                <a16:creationId xmlns:a16="http://schemas.microsoft.com/office/drawing/2014/main" id="{52E66F50-44DD-44A5-802D-193F3E12E138}"/>
+              </a:ext>
+            </a:extLst>
+          </p:cNvPr>
+          <p:cNvSpPr txBox="1"/>
+          <p:nvPr/>
+        </p:nvSpPr>
+        <p:spPr>
+          <a:xfrm>
+            <a:off x="2186880" y="8141628"/>
+            <a:ext cx="1008112" cy="246221"/>
+          </a:xfrm>
+          <a:prstGeom prst="rect">
+            <a:avLst/>
+          </a:prstGeom>
+          <a:noFill/>
+        </p:spPr>
+        <p:txBody>
+          <a:bodyPr wrap="square" rtlCol="0" anchor="ctr">
+            <a:spAutoFit/>
+          </a:bodyPr>
+          <a:lstStyle/>
+          <a:p>
+            <a:pPr algn="ctr"/>
+            <a:r>
+              <a:rPr lang="de-DE" sz="1000" dirty="0"/>
+              <a:t>PI-Regler</a:t>
+            </a:r>
+          </a:p>
+        </p:txBody>
+      </p:sp>
+      <p:sp>
+        <p:nvSpPr>
+          <p:cNvPr id="6" name="Textfeld 5">
+            <a:extLst>
+              <a:ext uri="{FF2B5EF4-FFF2-40B4-BE49-F238E27FC236}">
+                <a16:creationId xmlns:a16="http://schemas.microsoft.com/office/drawing/2014/main" id="{DCF9480F-06B7-4511-92A2-F6903B97E92A}"/>
+              </a:ext>
+            </a:extLst>
+          </p:cNvPr>
+          <p:cNvSpPr txBox="1"/>
+          <p:nvPr/>
+        </p:nvSpPr>
+        <p:spPr>
+          <a:xfrm>
+            <a:off x="2738261" y="8033634"/>
+            <a:ext cx="1008112" cy="246221"/>
+          </a:xfrm>
+          <a:prstGeom prst="rect">
+            <a:avLst/>
+          </a:prstGeom>
+          <a:noFill/>
+        </p:spPr>
+        <p:txBody>
+          <a:bodyPr wrap="square" rtlCol="0" anchor="ctr">
+            <a:spAutoFit/>
+          </a:bodyPr>
+          <a:lstStyle/>
+          <a:p>
+            <a:pPr algn="ctr"/>
+            <a:r>
+              <a:rPr lang="de-DE" sz="1000" dirty="0" err="1"/>
+              <a:t>U</a:t>
+            </a:r>
+            <a:r>
+              <a:rPr lang="de-DE" sz="1000" baseline="-25000" dirty="0" err="1"/>
+              <a:t>Soll</a:t>
+            </a:r>
+            <a:endParaRPr lang="de-DE" sz="1000" dirty="0"/>
+          </a:p>
+        </p:txBody>
+      </p:sp>
+      <p:sp>
+        <p:nvSpPr>
+          <p:cNvPr id="7" name="Textfeld 6">
+            <a:extLst>
+              <a:ext uri="{FF2B5EF4-FFF2-40B4-BE49-F238E27FC236}">
+                <a16:creationId xmlns:a16="http://schemas.microsoft.com/office/drawing/2014/main" id="{96132D07-28E1-478F-8F41-B2CAB3589AEE}"/>
+              </a:ext>
+            </a:extLst>
+          </p:cNvPr>
+          <p:cNvSpPr txBox="1"/>
+          <p:nvPr/>
+        </p:nvSpPr>
+        <p:spPr>
+          <a:xfrm>
+            <a:off x="1579300" y="8109754"/>
+            <a:ext cx="612008" cy="323976"/>
+          </a:xfrm>
+          <a:prstGeom prst="rect">
+            <a:avLst/>
+          </a:prstGeom>
+          <a:noFill/>
+          <a:ln w="25400">
+            <a:solidFill>
+              <a:schemeClr val="tx1"/>
+            </a:solidFill>
+            <a:prstDash val="solid"/>
+          </a:ln>
+        </p:spPr>
+        <p:txBody>
+          <a:bodyPr wrap="square" rtlCol="0">
+            <a:spAutoFit/>
+          </a:bodyPr>
+          <a:lstStyle/>
+          <a:p>
+            <a:endParaRPr lang="de-DE" dirty="0"/>
+          </a:p>
+        </p:txBody>
+      </p:sp>
+      <p:sp>
+        <p:nvSpPr>
+          <p:cNvPr id="8" name="Textfeld 7">
+            <a:extLst>
+              <a:ext uri="{FF2B5EF4-FFF2-40B4-BE49-F238E27FC236}">
+                <a16:creationId xmlns:a16="http://schemas.microsoft.com/office/drawing/2014/main" id="{8A523AF1-44B1-4F03-9437-FEE028110546}"/>
+              </a:ext>
+            </a:extLst>
+          </p:cNvPr>
+          <p:cNvSpPr txBox="1"/>
+          <p:nvPr/>
+        </p:nvSpPr>
+        <p:spPr>
+          <a:xfrm>
+            <a:off x="1372585" y="8156745"/>
+            <a:ext cx="1008112" cy="246221"/>
+          </a:xfrm>
+          <a:prstGeom prst="rect">
+            <a:avLst/>
+          </a:prstGeom>
+          <a:noFill/>
+        </p:spPr>
+        <p:txBody>
+          <a:bodyPr wrap="square" rtlCol="0" anchor="ctr">
+            <a:spAutoFit/>
+          </a:bodyPr>
+          <a:lstStyle/>
+          <a:p>
+            <a:pPr algn="ctr"/>
+            <a:r>
+              <a:rPr lang="de-DE" sz="1000" dirty="0" err="1"/>
+              <a:t>K</a:t>
+            </a:r>
+            <a:r>
+              <a:rPr lang="de-DE" sz="1000" baseline="-25000" dirty="0" err="1"/>
+              <a:t>Automatik</a:t>
+            </a:r>
+            <a:endParaRPr lang="de-DE" sz="1000" dirty="0"/>
+          </a:p>
+        </p:txBody>
+      </p:sp>
+      <p:sp>
+        <p:nvSpPr>
+          <p:cNvPr id="9" name="Textfeld 8">
+            <a:extLst>
+              <a:ext uri="{FF2B5EF4-FFF2-40B4-BE49-F238E27FC236}">
+                <a16:creationId xmlns:a16="http://schemas.microsoft.com/office/drawing/2014/main" id="{EC0A0C11-1898-4BDD-A40B-A9D60ED87C5A}"/>
+              </a:ext>
+            </a:extLst>
+          </p:cNvPr>
+          <p:cNvSpPr txBox="1"/>
+          <p:nvPr/>
+        </p:nvSpPr>
+        <p:spPr>
+          <a:xfrm>
+            <a:off x="4716216" y="8102750"/>
+            <a:ext cx="612008" cy="323976"/>
+          </a:xfrm>
+          <a:prstGeom prst="rect">
+            <a:avLst/>
+          </a:prstGeom>
+          <a:noFill/>
+          <a:ln w="25400">
+            <a:solidFill>
+              <a:schemeClr val="tx1"/>
+            </a:solidFill>
+            <a:prstDash val="solid"/>
+          </a:ln>
+        </p:spPr>
+        <p:txBody>
+          <a:bodyPr wrap="square" rtlCol="0">
+            <a:spAutoFit/>
+          </a:bodyPr>
+          <a:lstStyle/>
+          <a:p>
+            <a:endParaRPr lang="de-DE" dirty="0"/>
+          </a:p>
+        </p:txBody>
+      </p:sp>
+      <p:sp>
+        <p:nvSpPr>
+          <p:cNvPr id="10" name="Textfeld 9">
+            <a:extLst>
+              <a:ext uri="{FF2B5EF4-FFF2-40B4-BE49-F238E27FC236}">
+                <a16:creationId xmlns:a16="http://schemas.microsoft.com/office/drawing/2014/main" id="{33A82023-A4E2-409E-9977-C57FDDFC275F}"/>
+              </a:ext>
+            </a:extLst>
+          </p:cNvPr>
+          <p:cNvSpPr txBox="1"/>
+          <p:nvPr/>
+        </p:nvSpPr>
+        <p:spPr>
+          <a:xfrm>
+            <a:off x="3148962" y="8787860"/>
+            <a:ext cx="612008" cy="323976"/>
+          </a:xfrm>
+          <a:prstGeom prst="rect">
+            <a:avLst/>
+          </a:prstGeom>
+          <a:noFill/>
+          <a:ln w="25400">
+            <a:solidFill>
+              <a:schemeClr val="tx1"/>
+            </a:solidFill>
+            <a:prstDash val="solid"/>
+          </a:ln>
+        </p:spPr>
+        <p:txBody>
+          <a:bodyPr wrap="square" rtlCol="0">
+            <a:spAutoFit/>
+          </a:bodyPr>
+          <a:lstStyle/>
+          <a:p>
+            <a:endParaRPr lang="de-DE" dirty="0"/>
+          </a:p>
+        </p:txBody>
+      </p:sp>
+      <p:cxnSp>
+        <p:nvCxnSpPr>
+          <p:cNvPr id="11" name="Gerade Verbindung mit Pfeil 10">
+            <a:extLst>
+              <a:ext uri="{FF2B5EF4-FFF2-40B4-BE49-F238E27FC236}">
+                <a16:creationId xmlns:a16="http://schemas.microsoft.com/office/drawing/2014/main" id="{94FC5F07-B6BD-4F9F-A982-07482921D1A3}"/>
+              </a:ext>
+            </a:extLst>
+          </p:cNvPr>
+          <p:cNvCxnSpPr>
+            <a:cxnSpLocks/>
+          </p:cNvCxnSpPr>
+          <p:nvPr/>
+        </p:nvCxnSpPr>
+        <p:spPr>
+          <a:xfrm>
+            <a:off x="4265781" y="8269464"/>
+            <a:ext cx="449418" cy="0"/>
+          </a:xfrm>
+          <a:prstGeom prst="straightConnector1">
+            <a:avLst/>
+          </a:prstGeom>
+          <a:ln w="25400">
+            <a:solidFill>
+              <a:schemeClr val="tx1"/>
+            </a:solidFill>
+            <a:tailEnd type="triangle"/>
+          </a:ln>
+        </p:spPr>
+        <p:style>
+          <a:lnRef idx="1">
+            <a:schemeClr val="accent1"/>
+          </a:lnRef>
+          <a:fillRef idx="0">
+            <a:schemeClr val="accent1"/>
+          </a:fillRef>
+          <a:effectRef idx="0">
+            <a:schemeClr val="accent1"/>
+          </a:effectRef>
+          <a:fontRef idx="minor">
+            <a:schemeClr val="tx1"/>
+          </a:fontRef>
+        </p:style>
+      </p:cxnSp>
+      <p:cxnSp>
+        <p:nvCxnSpPr>
+          <p:cNvPr id="12" name="Gerade Verbindung mit Pfeil 11">
+            <a:extLst>
+              <a:ext uri="{FF2B5EF4-FFF2-40B4-BE49-F238E27FC236}">
+                <a16:creationId xmlns:a16="http://schemas.microsoft.com/office/drawing/2014/main" id="{46605B35-4870-4A2F-A0B9-950D14890260}"/>
+              </a:ext>
+            </a:extLst>
+          </p:cNvPr>
+          <p:cNvCxnSpPr>
+            <a:cxnSpLocks/>
+            <a:stCxn id="4" idx="3"/>
+          </p:cNvCxnSpPr>
+          <p:nvPr/>
+        </p:nvCxnSpPr>
+        <p:spPr>
+          <a:xfrm>
+            <a:off x="2992705" y="8273448"/>
+            <a:ext cx="547194" cy="0"/>
+          </a:xfrm>
+          <a:prstGeom prst="straightConnector1">
+            <a:avLst/>
+          </a:prstGeom>
+          <a:ln w="25400" cmpd="sng">
+            <a:solidFill>
+              <a:schemeClr val="tx1"/>
+            </a:solidFill>
+            <a:prstDash val="solid"/>
+            <a:tailEnd type="triangle"/>
+          </a:ln>
+        </p:spPr>
+        <p:style>
+          <a:lnRef idx="1">
+            <a:schemeClr val="accent1"/>
+          </a:lnRef>
+          <a:fillRef idx="0">
+            <a:schemeClr val="accent1"/>
+          </a:fillRef>
+          <a:effectRef idx="0">
+            <a:schemeClr val="accent1"/>
+          </a:effectRef>
+          <a:fontRef idx="minor">
+            <a:schemeClr val="tx1"/>
+          </a:fontRef>
+        </p:style>
+      </p:cxnSp>
+      <p:cxnSp>
+        <p:nvCxnSpPr>
+          <p:cNvPr id="13" name="Gerade Verbindung mit Pfeil 12">
+            <a:extLst>
+              <a:ext uri="{FF2B5EF4-FFF2-40B4-BE49-F238E27FC236}">
+                <a16:creationId xmlns:a16="http://schemas.microsoft.com/office/drawing/2014/main" id="{A6AED666-7D3E-421E-904D-6DEF990A42A1}"/>
+              </a:ext>
+            </a:extLst>
+          </p:cNvPr>
+          <p:cNvCxnSpPr>
+            <a:endCxn id="4" idx="1"/>
+          </p:cNvCxnSpPr>
+          <p:nvPr/>
+        </p:nvCxnSpPr>
+        <p:spPr>
+          <a:xfrm>
+            <a:off x="2194548" y="8271744"/>
+            <a:ext cx="186149" cy="1704"/>
+          </a:xfrm>
+          <a:prstGeom prst="straightConnector1">
+            <a:avLst/>
+          </a:prstGeom>
+          <a:ln w="25400">
+            <a:solidFill>
+              <a:schemeClr val="tx1"/>
+            </a:solidFill>
+            <a:tailEnd type="triangle"/>
+          </a:ln>
+        </p:spPr>
+        <p:style>
+          <a:lnRef idx="1">
+            <a:schemeClr val="accent1"/>
+          </a:lnRef>
+          <a:fillRef idx="0">
+            <a:schemeClr val="accent1"/>
+          </a:fillRef>
+          <a:effectRef idx="0">
+            <a:schemeClr val="accent1"/>
+          </a:effectRef>
+          <a:fontRef idx="minor">
+            <a:schemeClr val="tx1"/>
+          </a:fontRef>
+        </p:style>
+      </p:cxnSp>
+      <p:cxnSp>
+        <p:nvCxnSpPr>
+          <p:cNvPr id="14" name="Gerade Verbindung mit Pfeil 13">
+            <a:extLst>
+              <a:ext uri="{FF2B5EF4-FFF2-40B4-BE49-F238E27FC236}">
+                <a16:creationId xmlns:a16="http://schemas.microsoft.com/office/drawing/2014/main" id="{1B775D3A-0C50-46AA-A3DD-10F44488B999}"/>
+              </a:ext>
+            </a:extLst>
+          </p:cNvPr>
+          <p:cNvCxnSpPr>
+            <a:stCxn id="15" idx="6"/>
+          </p:cNvCxnSpPr>
+          <p:nvPr/>
+        </p:nvCxnSpPr>
+        <p:spPr>
+          <a:xfrm>
+            <a:off x="1404789" y="8271744"/>
+            <a:ext cx="179600" cy="0"/>
+          </a:xfrm>
+          <a:prstGeom prst="straightConnector1">
+            <a:avLst/>
+          </a:prstGeom>
+          <a:ln w="25400">
+            <a:solidFill>
+              <a:schemeClr val="tx1"/>
+            </a:solidFill>
+            <a:tailEnd type="triangle"/>
+          </a:ln>
+        </p:spPr>
+        <p:style>
+          <a:lnRef idx="1">
+            <a:schemeClr val="accent1"/>
+          </a:lnRef>
+          <a:fillRef idx="0">
+            <a:schemeClr val="accent1"/>
+          </a:fillRef>
+          <a:effectRef idx="0">
+            <a:schemeClr val="accent1"/>
+          </a:effectRef>
+          <a:fontRef idx="minor">
+            <a:schemeClr val="tx1"/>
+          </a:fontRef>
+        </p:style>
+      </p:cxnSp>
+      <p:sp>
+        <p:nvSpPr>
+          <p:cNvPr id="15" name="Ellipse 14">
+            <a:extLst>
+              <a:ext uri="{FF2B5EF4-FFF2-40B4-BE49-F238E27FC236}">
+                <a16:creationId xmlns:a16="http://schemas.microsoft.com/office/drawing/2014/main" id="{4374459D-D1B3-4F20-9BB0-102C2987E2E2}"/>
+              </a:ext>
+            </a:extLst>
+          </p:cNvPr>
+          <p:cNvSpPr/>
+          <p:nvPr/>
+        </p:nvSpPr>
+        <p:spPr>
+          <a:xfrm>
+            <a:off x="1256553" y="8199736"/>
+            <a:ext cx="148236" cy="144016"/>
+          </a:xfrm>
+          <a:prstGeom prst="ellipse">
+            <a:avLst/>
+          </a:prstGeom>
+          <a:noFill/>
+          <a:ln>
+            <a:solidFill>
+              <a:schemeClr val="tx1"/>
+            </a:solidFill>
+          </a:ln>
+        </p:spPr>
+        <p:style>
+          <a:lnRef idx="2">
+            <a:schemeClr val="accent1">
+              <a:shade val="50000"/>
+            </a:schemeClr>
+          </a:lnRef>
+          <a:fillRef idx="1">
+            <a:schemeClr val="accent1"/>
+          </a:fillRef>
+          <a:effectRef idx="0">
+            <a:schemeClr val="accent1"/>
+          </a:effectRef>
+          <a:fontRef idx="minor">
+            <a:schemeClr val="lt1"/>
+          </a:fontRef>
+        </p:style>
+        <p:txBody>
+          <a:bodyPr rtlCol="0" anchor="ctr"/>
+          <a:lstStyle/>
+          <a:p>
+            <a:pPr algn="ctr"/>
+            <a:endParaRPr lang="de-DE"/>
+          </a:p>
+        </p:txBody>
+      </p:sp>
+      <p:sp>
+        <p:nvSpPr>
+          <p:cNvPr id="16" name="Textfeld 15">
+            <a:extLst>
+              <a:ext uri="{FF2B5EF4-FFF2-40B4-BE49-F238E27FC236}">
+                <a16:creationId xmlns:a16="http://schemas.microsoft.com/office/drawing/2014/main" id="{AED5EB44-80AA-4332-ACC4-513C9F3CEFD4}"/>
+              </a:ext>
+            </a:extLst>
+          </p:cNvPr>
+          <p:cNvSpPr txBox="1"/>
+          <p:nvPr/>
+        </p:nvSpPr>
+        <p:spPr>
+          <a:xfrm>
+            <a:off x="821204" y="8142446"/>
+            <a:ext cx="1008112" cy="246221"/>
+          </a:xfrm>
+          <a:prstGeom prst="rect">
+            <a:avLst/>
+          </a:prstGeom>
+          <a:noFill/>
+        </p:spPr>
+        <p:txBody>
+          <a:bodyPr wrap="square" rtlCol="0">
+            <a:spAutoFit/>
+          </a:bodyPr>
+          <a:lstStyle/>
+          <a:p>
+            <a:pPr algn="ctr"/>
+            <a:r>
+              <a:rPr lang="de-DE" sz="1000" dirty="0"/>
+              <a:t>+</a:t>
+            </a:r>
+          </a:p>
+        </p:txBody>
+      </p:sp>
+      <p:cxnSp>
+        <p:nvCxnSpPr>
+          <p:cNvPr id="17" name="Gerade Verbindung mit Pfeil 16">
+            <a:extLst>
+              <a:ext uri="{FF2B5EF4-FFF2-40B4-BE49-F238E27FC236}">
+                <a16:creationId xmlns:a16="http://schemas.microsoft.com/office/drawing/2014/main" id="{6DC3FDCD-B687-452A-8412-130DBF60AF6F}"/>
+              </a:ext>
+            </a:extLst>
+          </p:cNvPr>
+          <p:cNvCxnSpPr/>
+          <p:nvPr/>
+        </p:nvCxnSpPr>
+        <p:spPr>
+          <a:xfrm>
+            <a:off x="939787" y="8268418"/>
+            <a:ext cx="316766" cy="3325"/>
+          </a:xfrm>
+          <a:prstGeom prst="straightConnector1">
+            <a:avLst/>
+          </a:prstGeom>
+          <a:ln w="25400">
+            <a:solidFill>
+              <a:schemeClr val="tx1"/>
+            </a:solidFill>
+            <a:tailEnd type="triangle"/>
+          </a:ln>
+        </p:spPr>
+        <p:style>
+          <a:lnRef idx="1">
+            <a:schemeClr val="accent1"/>
+          </a:lnRef>
+          <a:fillRef idx="0">
+            <a:schemeClr val="accent1"/>
+          </a:fillRef>
+          <a:effectRef idx="0">
+            <a:schemeClr val="accent1"/>
+          </a:effectRef>
+          <a:fontRef idx="minor">
+            <a:schemeClr val="tx1"/>
+          </a:fontRef>
+        </p:style>
+      </p:cxnSp>
+      <p:cxnSp>
+        <p:nvCxnSpPr>
+          <p:cNvPr id="18" name="Gerade Verbindung mit Pfeil 17">
+            <a:extLst>
+              <a:ext uri="{FF2B5EF4-FFF2-40B4-BE49-F238E27FC236}">
+                <a16:creationId xmlns:a16="http://schemas.microsoft.com/office/drawing/2014/main" id="{C6DB4E15-4350-4F19-8525-F57761DC29D9}"/>
+              </a:ext>
+            </a:extLst>
+          </p:cNvPr>
+          <p:cNvCxnSpPr/>
+          <p:nvPr/>
+        </p:nvCxnSpPr>
+        <p:spPr>
+          <a:xfrm>
+            <a:off x="5323812" y="8271071"/>
+            <a:ext cx="646374" cy="3324"/>
+          </a:xfrm>
+          <a:prstGeom prst="straightConnector1">
+            <a:avLst/>
+          </a:prstGeom>
+          <a:ln w="25400">
+            <a:solidFill>
+              <a:schemeClr val="tx1"/>
+            </a:solidFill>
+            <a:tailEnd type="triangle"/>
+          </a:ln>
+        </p:spPr>
+        <p:style>
+          <a:lnRef idx="1">
+            <a:schemeClr val="accent1"/>
+          </a:lnRef>
+          <a:fillRef idx="0">
+            <a:schemeClr val="accent1"/>
+          </a:fillRef>
+          <a:effectRef idx="0">
+            <a:schemeClr val="accent1"/>
+          </a:effectRef>
+          <a:fontRef idx="minor">
+            <a:schemeClr val="tx1"/>
+          </a:fontRef>
+        </p:style>
+      </p:cxnSp>
+      <p:cxnSp>
+        <p:nvCxnSpPr>
+          <p:cNvPr id="19" name="Gerade Verbindung mit Pfeil 18">
+            <a:extLst>
+              <a:ext uri="{FF2B5EF4-FFF2-40B4-BE49-F238E27FC236}">
+                <a16:creationId xmlns:a16="http://schemas.microsoft.com/office/drawing/2014/main" id="{44BF8FB6-C7A3-4106-999D-37568FE5F6B9}"/>
+              </a:ext>
+            </a:extLst>
+          </p:cNvPr>
+          <p:cNvCxnSpPr>
+            <a:cxnSpLocks/>
+          </p:cNvCxnSpPr>
+          <p:nvPr/>
+        </p:nvCxnSpPr>
+        <p:spPr>
+          <a:xfrm>
+            <a:off x="5546993" y="8270862"/>
+            <a:ext cx="0" cy="688313"/>
+          </a:xfrm>
+          <a:prstGeom prst="straightConnector1">
+            <a:avLst/>
+          </a:prstGeom>
+          <a:ln w="25400">
+            <a:solidFill>
+              <a:schemeClr val="tx1"/>
+            </a:solidFill>
+            <a:headEnd type="oval"/>
+            <a:tailEnd type="none"/>
+          </a:ln>
+        </p:spPr>
+        <p:style>
+          <a:lnRef idx="1">
+            <a:schemeClr val="accent1"/>
+          </a:lnRef>
+          <a:fillRef idx="0">
+            <a:schemeClr val="accent1"/>
+          </a:fillRef>
+          <a:effectRef idx="0">
+            <a:schemeClr val="accent1"/>
+          </a:effectRef>
+          <a:fontRef idx="minor">
+            <a:schemeClr val="tx1"/>
+          </a:fontRef>
+        </p:style>
+      </p:cxnSp>
+      <p:cxnSp>
+        <p:nvCxnSpPr>
+          <p:cNvPr id="20" name="Gerade Verbindung mit Pfeil 19">
+            <a:extLst>
+              <a:ext uri="{FF2B5EF4-FFF2-40B4-BE49-F238E27FC236}">
+                <a16:creationId xmlns:a16="http://schemas.microsoft.com/office/drawing/2014/main" id="{11CA6C16-2320-41D5-9572-C91573F773FB}"/>
+              </a:ext>
+            </a:extLst>
+          </p:cNvPr>
+          <p:cNvCxnSpPr>
+            <a:cxnSpLocks/>
+          </p:cNvCxnSpPr>
+          <p:nvPr/>
+        </p:nvCxnSpPr>
+        <p:spPr>
+          <a:xfrm flipH="1">
+            <a:off x="3760970" y="8949848"/>
+            <a:ext cx="1786023" cy="0"/>
+          </a:xfrm>
+          <a:prstGeom prst="straightConnector1">
+            <a:avLst/>
+          </a:prstGeom>
+          <a:ln w="25400">
+            <a:solidFill>
+              <a:schemeClr val="tx1"/>
+            </a:solidFill>
+            <a:tailEnd type="triangle"/>
+          </a:ln>
+        </p:spPr>
+        <p:style>
+          <a:lnRef idx="1">
+            <a:schemeClr val="accent1"/>
+          </a:lnRef>
+          <a:fillRef idx="0">
+            <a:schemeClr val="accent1"/>
+          </a:fillRef>
+          <a:effectRef idx="0">
+            <a:schemeClr val="accent1"/>
+          </a:effectRef>
+          <a:fontRef idx="minor">
+            <a:schemeClr val="tx1"/>
+          </a:fontRef>
+        </p:style>
+      </p:cxnSp>
+      <p:cxnSp>
+        <p:nvCxnSpPr>
+          <p:cNvPr id="21" name="Gerade Verbindung mit Pfeil 20">
+            <a:extLst>
+              <a:ext uri="{FF2B5EF4-FFF2-40B4-BE49-F238E27FC236}">
+                <a16:creationId xmlns:a16="http://schemas.microsoft.com/office/drawing/2014/main" id="{C326ED54-CEDE-4D38-AC94-396FE4ED85B9}"/>
+              </a:ext>
+            </a:extLst>
+          </p:cNvPr>
+          <p:cNvCxnSpPr>
+            <a:cxnSpLocks/>
+          </p:cNvCxnSpPr>
+          <p:nvPr/>
+        </p:nvCxnSpPr>
+        <p:spPr>
+          <a:xfrm flipV="1">
+            <a:off x="1325258" y="8343754"/>
+            <a:ext cx="0" cy="615421"/>
+          </a:xfrm>
+          <a:prstGeom prst="straightConnector1">
+            <a:avLst/>
+          </a:prstGeom>
+          <a:ln w="25400">
+            <a:solidFill>
+              <a:schemeClr val="tx1"/>
+            </a:solidFill>
+            <a:tailEnd type="triangle"/>
+          </a:ln>
+        </p:spPr>
+        <p:style>
+          <a:lnRef idx="1">
+            <a:schemeClr val="accent1"/>
+          </a:lnRef>
+          <a:fillRef idx="0">
+            <a:schemeClr val="accent1"/>
+          </a:fillRef>
+          <a:effectRef idx="0">
+            <a:schemeClr val="accent1"/>
+          </a:effectRef>
+          <a:fontRef idx="minor">
+            <a:schemeClr val="tx1"/>
+          </a:fontRef>
+        </p:style>
+      </p:cxnSp>
+      <p:cxnSp>
+        <p:nvCxnSpPr>
+          <p:cNvPr id="22" name="Gerade Verbindung mit Pfeil 21">
+            <a:extLst>
+              <a:ext uri="{FF2B5EF4-FFF2-40B4-BE49-F238E27FC236}">
+                <a16:creationId xmlns:a16="http://schemas.microsoft.com/office/drawing/2014/main" id="{00F77401-1C5E-4D67-A497-5C25688902CA}"/>
+              </a:ext>
+            </a:extLst>
+          </p:cNvPr>
+          <p:cNvCxnSpPr>
+            <a:cxnSpLocks/>
+          </p:cNvCxnSpPr>
+          <p:nvPr/>
+        </p:nvCxnSpPr>
+        <p:spPr>
+          <a:xfrm flipH="1">
+            <a:off x="1325258" y="8947264"/>
+            <a:ext cx="1823704" cy="0"/>
+          </a:xfrm>
+          <a:prstGeom prst="straightConnector1">
+            <a:avLst/>
+          </a:prstGeom>
+          <a:ln w="25400">
+            <a:solidFill>
+              <a:schemeClr val="tx1"/>
+            </a:solidFill>
+            <a:headEnd type="none"/>
+            <a:tailEnd type="none"/>
+          </a:ln>
+        </p:spPr>
+        <p:style>
+          <a:lnRef idx="1">
+            <a:schemeClr val="accent1"/>
+          </a:lnRef>
+          <a:fillRef idx="0">
+            <a:schemeClr val="accent1"/>
+          </a:fillRef>
+          <a:effectRef idx="0">
+            <a:schemeClr val="accent1"/>
+          </a:effectRef>
+          <a:fontRef idx="minor">
+            <a:schemeClr val="tx1"/>
+          </a:fontRef>
+        </p:style>
+      </p:cxnSp>
+      <p:sp>
+        <p:nvSpPr>
+          <p:cNvPr id="23" name="Textfeld 22">
+            <a:extLst>
+              <a:ext uri="{FF2B5EF4-FFF2-40B4-BE49-F238E27FC236}">
+                <a16:creationId xmlns:a16="http://schemas.microsoft.com/office/drawing/2014/main" id="{5B1C85C1-DD4A-428B-B376-6723A0EBA95D}"/>
+              </a:ext>
+            </a:extLst>
+          </p:cNvPr>
+          <p:cNvSpPr txBox="1"/>
+          <p:nvPr/>
+        </p:nvSpPr>
+        <p:spPr>
+          <a:xfrm>
+            <a:off x="4708622" y="8139033"/>
+            <a:ext cx="627195" cy="246221"/>
+          </a:xfrm>
+          <a:prstGeom prst="rect">
+            <a:avLst/>
+          </a:prstGeom>
+          <a:noFill/>
+        </p:spPr>
+        <p:txBody>
+          <a:bodyPr wrap="square" rtlCol="0" anchor="ctr">
+            <a:spAutoFit/>
+          </a:bodyPr>
+          <a:lstStyle/>
+          <a:p>
+            <a:pPr algn="ctr"/>
+            <a:r>
+              <a:rPr lang="de-DE" sz="1000" dirty="0"/>
+              <a:t>Auto</a:t>
+            </a:r>
+          </a:p>
+        </p:txBody>
+      </p:sp>
+      <p:sp>
+        <p:nvSpPr>
+          <p:cNvPr id="24" name="Textfeld 23">
+            <a:extLst>
+              <a:ext uri="{FF2B5EF4-FFF2-40B4-BE49-F238E27FC236}">
+                <a16:creationId xmlns:a16="http://schemas.microsoft.com/office/drawing/2014/main" id="{C0A66156-5A2B-4BFF-807B-7CBD84055600}"/>
+              </a:ext>
+            </a:extLst>
+          </p:cNvPr>
+          <p:cNvSpPr txBox="1"/>
+          <p:nvPr/>
+        </p:nvSpPr>
+        <p:spPr>
+          <a:xfrm>
+            <a:off x="2950910" y="8826738"/>
+            <a:ext cx="1008112" cy="246221"/>
+          </a:xfrm>
+          <a:prstGeom prst="rect">
+            <a:avLst/>
+          </a:prstGeom>
+          <a:noFill/>
+        </p:spPr>
+        <p:txBody>
+          <a:bodyPr wrap="square" rtlCol="0" anchor="ctr">
+            <a:spAutoFit/>
+          </a:bodyPr>
+          <a:lstStyle/>
+          <a:p>
+            <a:pPr algn="ctr"/>
+            <a:r>
+              <a:rPr lang="de-DE" sz="1000" dirty="0" err="1"/>
+              <a:t>Timer</a:t>
+            </a:r>
+            <a:endParaRPr lang="de-DE" sz="1000" dirty="0"/>
+          </a:p>
+        </p:txBody>
+      </p:sp>
+      <p:sp>
+        <p:nvSpPr>
+          <p:cNvPr id="25" name="Textfeld 24">
+            <a:extLst>
+              <a:ext uri="{FF2B5EF4-FFF2-40B4-BE49-F238E27FC236}">
+                <a16:creationId xmlns:a16="http://schemas.microsoft.com/office/drawing/2014/main" id="{B472865E-0283-40A4-9AAD-05D52528062C}"/>
+              </a:ext>
+            </a:extLst>
+          </p:cNvPr>
+          <p:cNvSpPr txBox="1"/>
+          <p:nvPr/>
+        </p:nvSpPr>
+        <p:spPr>
+          <a:xfrm>
+            <a:off x="4033775" y="8673404"/>
+            <a:ext cx="1008112" cy="246221"/>
+          </a:xfrm>
+          <a:prstGeom prst="rect">
+            <a:avLst/>
+          </a:prstGeom>
+          <a:noFill/>
+        </p:spPr>
+        <p:txBody>
+          <a:bodyPr wrap="square" rtlCol="0" anchor="ctr">
+            <a:spAutoFit/>
+          </a:bodyPr>
+          <a:lstStyle/>
+          <a:p>
+            <a:pPr algn="ctr"/>
+            <a:r>
+              <a:rPr lang="de-DE" sz="1000" dirty="0" err="1"/>
+              <a:t>T</a:t>
+            </a:r>
+            <a:r>
+              <a:rPr lang="de-DE" sz="1000" baseline="-25000" dirty="0" err="1"/>
+              <a:t>Abschnitt</a:t>
+            </a:r>
+            <a:r>
+              <a:rPr lang="de-DE" sz="1000" baseline="-25000" dirty="0"/>
+              <a:t> 3</a:t>
+            </a:r>
+            <a:endParaRPr lang="de-DE" sz="1000" dirty="0"/>
+          </a:p>
+        </p:txBody>
+      </p:sp>
+      <p:sp>
+        <p:nvSpPr>
+          <p:cNvPr id="26" name="Textfeld 25">
+            <a:extLst>
+              <a:ext uri="{FF2B5EF4-FFF2-40B4-BE49-F238E27FC236}">
+                <a16:creationId xmlns:a16="http://schemas.microsoft.com/office/drawing/2014/main" id="{CEC57710-A351-4061-A42E-8C0C81D68D48}"/>
+              </a:ext>
+            </a:extLst>
+          </p:cNvPr>
+          <p:cNvSpPr txBox="1"/>
+          <p:nvPr/>
+        </p:nvSpPr>
+        <p:spPr>
+          <a:xfrm>
+            <a:off x="5181597" y="7998738"/>
+            <a:ext cx="1008112" cy="246221"/>
+          </a:xfrm>
+          <a:prstGeom prst="rect">
+            <a:avLst/>
+          </a:prstGeom>
+          <a:noFill/>
+        </p:spPr>
+        <p:txBody>
+          <a:bodyPr wrap="square" rtlCol="0" anchor="ctr">
+            <a:spAutoFit/>
+          </a:bodyPr>
+          <a:lstStyle/>
+          <a:p>
+            <a:pPr algn="ctr"/>
+            <a:r>
+              <a:rPr lang="de-DE" sz="1000" dirty="0" err="1"/>
+              <a:t>T</a:t>
+            </a:r>
+            <a:r>
+              <a:rPr lang="de-DE" sz="1000" baseline="-25000" dirty="0" err="1"/>
+              <a:t>Abschnitt</a:t>
+            </a:r>
+            <a:r>
+              <a:rPr lang="de-DE" sz="1000" baseline="-25000" dirty="0"/>
+              <a:t> 3</a:t>
+            </a:r>
+            <a:endParaRPr lang="de-DE" sz="1000" dirty="0"/>
+          </a:p>
+        </p:txBody>
+      </p:sp>
+      <p:sp>
+        <p:nvSpPr>
+          <p:cNvPr id="27" name="Textfeld 26">
+            <a:extLst>
+              <a:ext uri="{FF2B5EF4-FFF2-40B4-BE49-F238E27FC236}">
+                <a16:creationId xmlns:a16="http://schemas.microsoft.com/office/drawing/2014/main" id="{5DD75A66-7AB5-48DC-92BC-0900D3F4E20E}"/>
+              </a:ext>
+            </a:extLst>
+          </p:cNvPr>
+          <p:cNvSpPr txBox="1"/>
+          <p:nvPr/>
+        </p:nvSpPr>
+        <p:spPr>
+          <a:xfrm>
+            <a:off x="4157981" y="8018517"/>
+            <a:ext cx="612008" cy="246221"/>
+          </a:xfrm>
+          <a:prstGeom prst="rect">
+            <a:avLst/>
+          </a:prstGeom>
+          <a:noFill/>
+        </p:spPr>
+        <p:txBody>
+          <a:bodyPr wrap="square" rtlCol="0" anchor="ctr">
+            <a:spAutoFit/>
+          </a:bodyPr>
+          <a:lstStyle/>
+          <a:p>
+            <a:pPr algn="ctr"/>
+            <a:r>
+              <a:rPr lang="de-DE" sz="1000" dirty="0" err="1"/>
+              <a:t>U</a:t>
+            </a:r>
+            <a:r>
+              <a:rPr lang="de-DE" sz="1000" baseline="-25000" dirty="0" err="1"/>
+              <a:t>Bahn</a:t>
+            </a:r>
+            <a:endParaRPr lang="de-DE" sz="1000" dirty="0"/>
+          </a:p>
+        </p:txBody>
+      </p:sp>
+      <p:sp>
+        <p:nvSpPr>
+          <p:cNvPr id="28" name="Textfeld 27">
+            <a:extLst>
+              <a:ext uri="{FF2B5EF4-FFF2-40B4-BE49-F238E27FC236}">
+                <a16:creationId xmlns:a16="http://schemas.microsoft.com/office/drawing/2014/main" id="{5987692A-204D-483E-A06D-63BF401C07BE}"/>
+              </a:ext>
+            </a:extLst>
+          </p:cNvPr>
+          <p:cNvSpPr txBox="1"/>
+          <p:nvPr/>
+        </p:nvSpPr>
+        <p:spPr>
+          <a:xfrm>
+            <a:off x="477251" y="7989802"/>
+            <a:ext cx="1008112" cy="246221"/>
+          </a:xfrm>
+          <a:prstGeom prst="rect">
+            <a:avLst/>
+          </a:prstGeom>
+          <a:noFill/>
+        </p:spPr>
+        <p:txBody>
+          <a:bodyPr wrap="square" rtlCol="0" anchor="ctr">
+            <a:spAutoFit/>
+          </a:bodyPr>
+          <a:lstStyle/>
+          <a:p>
+            <a:pPr algn="ctr"/>
+            <a:r>
+              <a:rPr lang="de-DE" sz="1000" dirty="0" err="1"/>
+              <a:t>T</a:t>
+            </a:r>
+            <a:r>
+              <a:rPr lang="de-DE" sz="1000" baseline="-25000" dirty="0" err="1"/>
+              <a:t>Soll</a:t>
+            </a:r>
+            <a:endParaRPr lang="de-DE" sz="1000" dirty="0"/>
+          </a:p>
+        </p:txBody>
+      </p:sp>
+      <p:sp>
+        <p:nvSpPr>
+          <p:cNvPr id="29" name="Textfeld 28">
+            <a:extLst>
+              <a:ext uri="{FF2B5EF4-FFF2-40B4-BE49-F238E27FC236}">
+                <a16:creationId xmlns:a16="http://schemas.microsoft.com/office/drawing/2014/main" id="{E0F89E45-9247-416A-BABC-8F8C343C3A43}"/>
+              </a:ext>
+            </a:extLst>
+          </p:cNvPr>
+          <p:cNvSpPr txBox="1"/>
+          <p:nvPr/>
+        </p:nvSpPr>
+        <p:spPr>
+          <a:xfrm>
+            <a:off x="1349041" y="8250322"/>
+            <a:ext cx="124447" cy="246221"/>
+          </a:xfrm>
+          <a:prstGeom prst="rect">
+            <a:avLst/>
+          </a:prstGeom>
+          <a:noFill/>
+        </p:spPr>
+        <p:txBody>
+          <a:bodyPr wrap="square" rtlCol="0">
+            <a:spAutoFit/>
+          </a:bodyPr>
+          <a:lstStyle/>
+          <a:p>
+            <a:pPr algn="ctr"/>
+            <a:r>
+              <a:rPr lang="de-DE" sz="1000" b="1" dirty="0"/>
+              <a:t>-</a:t>
+            </a:r>
+          </a:p>
+        </p:txBody>
+      </p:sp>
+      <p:sp>
+        <p:nvSpPr>
+          <p:cNvPr id="43" name="Textfeld 42">
+            <a:extLst>
+              <a:ext uri="{FF2B5EF4-FFF2-40B4-BE49-F238E27FC236}">
+                <a16:creationId xmlns:a16="http://schemas.microsoft.com/office/drawing/2014/main" id="{9A19CB46-F30A-4C00-89F6-4DCE9078479D}"/>
+              </a:ext>
+            </a:extLst>
+          </p:cNvPr>
+          <p:cNvSpPr txBox="1"/>
+          <p:nvPr/>
+        </p:nvSpPr>
+        <p:spPr>
+          <a:xfrm>
+            <a:off x="1216797" y="4992275"/>
+            <a:ext cx="1008112" cy="246221"/>
+          </a:xfrm>
+          <a:prstGeom prst="rect">
+            <a:avLst/>
+          </a:prstGeom>
+          <a:noFill/>
+          <a:ln>
+            <a:noFill/>
+          </a:ln>
+        </p:spPr>
+        <p:txBody>
+          <a:bodyPr wrap="square" rtlCol="0" anchor="ctr">
+            <a:spAutoFit/>
+          </a:bodyPr>
+          <a:lstStyle/>
+          <a:p>
+            <a:pPr algn="ctr"/>
+            <a:r>
+              <a:rPr lang="de-DE" sz="1000" dirty="0" err="1"/>
+              <a:t>U</a:t>
+            </a:r>
+            <a:r>
+              <a:rPr lang="de-DE" sz="1000" baseline="-25000" dirty="0" err="1"/>
+              <a:t>Soll</a:t>
+            </a:r>
+            <a:endParaRPr lang="de-DE" sz="1000" dirty="0"/>
+          </a:p>
+        </p:txBody>
+      </p:sp>
+      <p:sp>
+        <p:nvSpPr>
+          <p:cNvPr id="44" name="Textfeld 43">
+            <a:extLst>
+              <a:ext uri="{FF2B5EF4-FFF2-40B4-BE49-F238E27FC236}">
+                <a16:creationId xmlns:a16="http://schemas.microsoft.com/office/drawing/2014/main" id="{214254B4-E48B-4DF5-B369-A73B9C1C41BD}"/>
+              </a:ext>
+            </a:extLst>
+          </p:cNvPr>
+          <p:cNvSpPr txBox="1"/>
+          <p:nvPr/>
+        </p:nvSpPr>
+        <p:spPr>
+          <a:xfrm>
+            <a:off x="2337014" y="5045672"/>
+            <a:ext cx="612008" cy="323976"/>
+          </a:xfrm>
+          <a:prstGeom prst="rect">
+            <a:avLst/>
+          </a:prstGeom>
+          <a:noFill/>
+          <a:ln w="25400">
+            <a:solidFill>
+              <a:schemeClr val="tx1"/>
+            </a:solidFill>
+            <a:prstDash val="solid"/>
+          </a:ln>
+        </p:spPr>
+        <p:txBody>
+          <a:bodyPr wrap="square" rtlCol="0">
+            <a:spAutoFit/>
+          </a:bodyPr>
+          <a:lstStyle/>
+          <a:p>
+            <a:endParaRPr lang="de-DE" dirty="0"/>
+          </a:p>
+        </p:txBody>
+      </p:sp>
+      <p:sp>
+        <p:nvSpPr>
+          <p:cNvPr id="45" name="Textfeld 44">
+            <a:extLst>
+              <a:ext uri="{FF2B5EF4-FFF2-40B4-BE49-F238E27FC236}">
+                <a16:creationId xmlns:a16="http://schemas.microsoft.com/office/drawing/2014/main" id="{39AA167B-CB9F-426B-987A-F248596715D0}"/>
+              </a:ext>
+            </a:extLst>
+          </p:cNvPr>
+          <p:cNvSpPr txBox="1"/>
+          <p:nvPr/>
+        </p:nvSpPr>
+        <p:spPr>
+          <a:xfrm>
+            <a:off x="3147074" y="5044745"/>
+            <a:ext cx="612008" cy="323976"/>
+          </a:xfrm>
+          <a:prstGeom prst="rect">
+            <a:avLst/>
+          </a:prstGeom>
+          <a:noFill/>
+          <a:ln w="25400">
+            <a:solidFill>
+              <a:schemeClr val="tx1"/>
+            </a:solidFill>
+            <a:prstDash val="solid"/>
+          </a:ln>
+        </p:spPr>
+        <p:txBody>
+          <a:bodyPr wrap="square" rtlCol="0">
+            <a:spAutoFit/>
+          </a:bodyPr>
+          <a:lstStyle/>
+          <a:p>
+            <a:endParaRPr lang="de-DE" dirty="0"/>
+          </a:p>
+        </p:txBody>
+      </p:sp>
+      <p:sp>
+        <p:nvSpPr>
+          <p:cNvPr id="46" name="Textfeld 45">
+            <a:extLst>
+              <a:ext uri="{FF2B5EF4-FFF2-40B4-BE49-F238E27FC236}">
+                <a16:creationId xmlns:a16="http://schemas.microsoft.com/office/drawing/2014/main" id="{136F51DC-C0FB-4531-A644-03F9A50EF72D}"/>
+              </a:ext>
+            </a:extLst>
+          </p:cNvPr>
+          <p:cNvSpPr txBox="1"/>
+          <p:nvPr/>
+        </p:nvSpPr>
+        <p:spPr>
+          <a:xfrm>
+            <a:off x="3957134" y="5044745"/>
+            <a:ext cx="612008" cy="323976"/>
+          </a:xfrm>
+          <a:prstGeom prst="rect">
+            <a:avLst/>
+          </a:prstGeom>
+          <a:noFill/>
+          <a:ln w="25400">
+            <a:solidFill>
+              <a:schemeClr val="tx1"/>
+            </a:solidFill>
+            <a:prstDash val="solid"/>
+          </a:ln>
+        </p:spPr>
+        <p:txBody>
+          <a:bodyPr wrap="square" rtlCol="0">
+            <a:spAutoFit/>
+          </a:bodyPr>
+          <a:lstStyle/>
+          <a:p>
+            <a:endParaRPr lang="de-DE" dirty="0"/>
+          </a:p>
+        </p:txBody>
+      </p:sp>
+      <p:sp>
+        <p:nvSpPr>
+          <p:cNvPr id="47" name="Ellipse 46">
+            <a:extLst>
+              <a:ext uri="{FF2B5EF4-FFF2-40B4-BE49-F238E27FC236}">
+                <a16:creationId xmlns:a16="http://schemas.microsoft.com/office/drawing/2014/main" id="{7F1BB2DF-2493-4BB6-91F7-9BDA2580A91A}"/>
+              </a:ext>
+            </a:extLst>
+          </p:cNvPr>
+          <p:cNvSpPr/>
+          <p:nvPr/>
+        </p:nvSpPr>
+        <p:spPr>
+          <a:xfrm>
+            <a:off x="2008176" y="5142836"/>
+            <a:ext cx="148236" cy="144016"/>
+          </a:xfrm>
+          <a:prstGeom prst="ellipse">
+            <a:avLst/>
+          </a:prstGeom>
+          <a:noFill/>
+          <a:ln>
+            <a:solidFill>
+              <a:schemeClr val="tx1"/>
+            </a:solidFill>
+          </a:ln>
+        </p:spPr>
+        <p:style>
+          <a:lnRef idx="2">
+            <a:schemeClr val="accent1">
+              <a:shade val="50000"/>
+            </a:schemeClr>
+          </a:lnRef>
+          <a:fillRef idx="1">
+            <a:schemeClr val="accent1"/>
+          </a:fillRef>
+          <a:effectRef idx="0">
+            <a:schemeClr val="accent1"/>
+          </a:effectRef>
+          <a:fontRef idx="minor">
+            <a:schemeClr val="lt1"/>
+          </a:fontRef>
+        </p:style>
+        <p:txBody>
+          <a:bodyPr rtlCol="0" anchor="ctr"/>
+          <a:lstStyle/>
+          <a:p>
+            <a:pPr algn="ctr"/>
+            <a:endParaRPr lang="de-DE"/>
+          </a:p>
+        </p:txBody>
+      </p:sp>
+      <p:sp>
+        <p:nvSpPr>
+          <p:cNvPr id="48" name="Textfeld 47">
+            <a:extLst>
+              <a:ext uri="{FF2B5EF4-FFF2-40B4-BE49-F238E27FC236}">
+                <a16:creationId xmlns:a16="http://schemas.microsoft.com/office/drawing/2014/main" id="{6F81BCD6-F1FC-44F5-93FC-0610C1946930}"/>
+              </a:ext>
+            </a:extLst>
+          </p:cNvPr>
+          <p:cNvSpPr txBox="1"/>
+          <p:nvPr/>
+        </p:nvSpPr>
+        <p:spPr>
+          <a:xfrm>
+            <a:off x="3147074" y="5736990"/>
+            <a:ext cx="612008" cy="323976"/>
+          </a:xfrm>
+          <a:prstGeom prst="rect">
+            <a:avLst/>
+          </a:prstGeom>
+          <a:noFill/>
+          <a:ln w="25400">
+            <a:solidFill>
+              <a:schemeClr val="tx1"/>
+            </a:solidFill>
+            <a:prstDash val="solid"/>
+          </a:ln>
+        </p:spPr>
+        <p:txBody>
+          <a:bodyPr wrap="square" rtlCol="0">
+            <a:spAutoFit/>
+          </a:bodyPr>
+          <a:lstStyle/>
+          <a:p>
+            <a:endParaRPr lang="de-DE" dirty="0"/>
+          </a:p>
+        </p:txBody>
+      </p:sp>
+      <p:sp>
+        <p:nvSpPr>
+          <p:cNvPr id="49" name="Textfeld 48">
+            <a:extLst>
+              <a:ext uri="{FF2B5EF4-FFF2-40B4-BE49-F238E27FC236}">
+                <a16:creationId xmlns:a16="http://schemas.microsoft.com/office/drawing/2014/main" id="{F5449226-9217-43B5-8784-F91390CCF61C}"/>
+              </a:ext>
+            </a:extLst>
+          </p:cNvPr>
+          <p:cNvSpPr txBox="1"/>
+          <p:nvPr/>
+        </p:nvSpPr>
+        <p:spPr>
+          <a:xfrm>
+            <a:off x="1579300" y="5085364"/>
+            <a:ext cx="1008112" cy="246221"/>
+          </a:xfrm>
+          <a:prstGeom prst="rect">
+            <a:avLst/>
+          </a:prstGeom>
+          <a:noFill/>
+        </p:spPr>
+        <p:txBody>
+          <a:bodyPr wrap="square" rtlCol="0">
+            <a:spAutoFit/>
+          </a:bodyPr>
+          <a:lstStyle/>
+          <a:p>
+            <a:pPr algn="ctr"/>
+            <a:r>
+              <a:rPr lang="de-DE" sz="1000" dirty="0"/>
+              <a:t>+</a:t>
+            </a:r>
+          </a:p>
+        </p:txBody>
+      </p:sp>
+      <p:cxnSp>
+        <p:nvCxnSpPr>
+          <p:cNvPr id="50" name="Gerade Verbindung mit Pfeil 49">
+            <a:extLst>
+              <a:ext uri="{FF2B5EF4-FFF2-40B4-BE49-F238E27FC236}">
+                <a16:creationId xmlns:a16="http://schemas.microsoft.com/office/drawing/2014/main" id="{4A5741FB-AB7D-4A2D-82BA-9CD536B49440}"/>
+              </a:ext>
+            </a:extLst>
+          </p:cNvPr>
+          <p:cNvCxnSpPr/>
+          <p:nvPr/>
+        </p:nvCxnSpPr>
+        <p:spPr>
+          <a:xfrm>
+            <a:off x="2156412" y="5207660"/>
+            <a:ext cx="180602" cy="0"/>
+          </a:xfrm>
+          <a:prstGeom prst="straightConnector1">
+            <a:avLst/>
+          </a:prstGeom>
+          <a:ln w="25400">
+            <a:solidFill>
+              <a:schemeClr val="tx1"/>
+            </a:solidFill>
+            <a:tailEnd type="triangle"/>
+          </a:ln>
+        </p:spPr>
+        <p:style>
+          <a:lnRef idx="1">
+            <a:schemeClr val="accent1"/>
+          </a:lnRef>
+          <a:fillRef idx="0">
+            <a:schemeClr val="accent1"/>
+          </a:fillRef>
+          <a:effectRef idx="0">
+            <a:schemeClr val="accent1"/>
+          </a:effectRef>
+          <a:fontRef idx="minor">
+            <a:schemeClr val="tx1"/>
+          </a:fontRef>
+        </p:style>
+      </p:cxnSp>
+      <p:cxnSp>
+        <p:nvCxnSpPr>
+          <p:cNvPr id="51" name="Gerade Verbindung mit Pfeil 50">
+            <a:extLst>
+              <a:ext uri="{FF2B5EF4-FFF2-40B4-BE49-F238E27FC236}">
+                <a16:creationId xmlns:a16="http://schemas.microsoft.com/office/drawing/2014/main" id="{1CBCB9C7-93C9-455E-8B09-81264E8ADF84}"/>
+              </a:ext>
+            </a:extLst>
+          </p:cNvPr>
+          <p:cNvCxnSpPr>
+            <a:stCxn id="44" idx="3"/>
+            <a:endCxn id="45" idx="1"/>
+          </p:cNvCxnSpPr>
+          <p:nvPr/>
+        </p:nvCxnSpPr>
+        <p:spPr>
+          <a:xfrm flipV="1">
+            <a:off x="2949022" y="5206733"/>
+            <a:ext cx="198052" cy="927"/>
+          </a:xfrm>
+          <a:prstGeom prst="straightConnector1">
+            <a:avLst/>
+          </a:prstGeom>
+          <a:ln w="25400">
+            <a:solidFill>
+              <a:schemeClr val="tx1"/>
+            </a:solidFill>
+            <a:tailEnd type="triangle"/>
+          </a:ln>
+        </p:spPr>
+        <p:style>
+          <a:lnRef idx="1">
+            <a:schemeClr val="accent1"/>
+          </a:lnRef>
+          <a:fillRef idx="0">
+            <a:schemeClr val="accent1"/>
+          </a:fillRef>
+          <a:effectRef idx="0">
+            <a:schemeClr val="accent1"/>
+          </a:effectRef>
+          <a:fontRef idx="minor">
+            <a:schemeClr val="tx1"/>
+          </a:fontRef>
+        </p:style>
+      </p:cxnSp>
+      <p:cxnSp>
+        <p:nvCxnSpPr>
+          <p:cNvPr id="52" name="Gerade Verbindung mit Pfeil 51">
+            <a:extLst>
+              <a:ext uri="{FF2B5EF4-FFF2-40B4-BE49-F238E27FC236}">
+                <a16:creationId xmlns:a16="http://schemas.microsoft.com/office/drawing/2014/main" id="{462171B6-BE25-4D7D-A7EB-453CBE220F74}"/>
+              </a:ext>
+            </a:extLst>
+          </p:cNvPr>
+          <p:cNvCxnSpPr>
+            <a:stCxn id="45" idx="3"/>
+            <a:endCxn id="46" idx="1"/>
+          </p:cNvCxnSpPr>
+          <p:nvPr/>
+        </p:nvCxnSpPr>
+        <p:spPr>
+          <a:xfrm>
+            <a:off x="3759082" y="5206733"/>
+            <a:ext cx="198052" cy="0"/>
+          </a:xfrm>
+          <a:prstGeom prst="straightConnector1">
+            <a:avLst/>
+          </a:prstGeom>
+          <a:ln w="25400">
+            <a:solidFill>
+              <a:schemeClr val="tx1"/>
+            </a:solidFill>
+            <a:tailEnd type="triangle"/>
+          </a:ln>
+        </p:spPr>
+        <p:style>
+          <a:lnRef idx="1">
+            <a:schemeClr val="accent1"/>
+          </a:lnRef>
+          <a:fillRef idx="0">
+            <a:schemeClr val="accent1"/>
+          </a:fillRef>
+          <a:effectRef idx="0">
+            <a:schemeClr val="accent1"/>
+          </a:effectRef>
+          <a:fontRef idx="minor">
+            <a:schemeClr val="tx1"/>
+          </a:fontRef>
+        </p:style>
+      </p:cxnSp>
+      <p:cxnSp>
+        <p:nvCxnSpPr>
+          <p:cNvPr id="53" name="Gerade Verbindung mit Pfeil 52">
+            <a:extLst>
+              <a:ext uri="{FF2B5EF4-FFF2-40B4-BE49-F238E27FC236}">
+                <a16:creationId xmlns:a16="http://schemas.microsoft.com/office/drawing/2014/main" id="{5C63DC9D-84B2-4358-9D5B-337F5E12E94F}"/>
+              </a:ext>
+            </a:extLst>
+          </p:cNvPr>
+          <p:cNvCxnSpPr>
+            <a:cxnSpLocks/>
+            <a:stCxn id="46" idx="3"/>
+          </p:cNvCxnSpPr>
+          <p:nvPr/>
+        </p:nvCxnSpPr>
+        <p:spPr>
+          <a:xfrm>
+            <a:off x="4569142" y="5206733"/>
+            <a:ext cx="397922" cy="0"/>
+          </a:xfrm>
+          <a:prstGeom prst="straightConnector1">
+            <a:avLst/>
+          </a:prstGeom>
+          <a:ln w="25400">
+            <a:solidFill>
+              <a:schemeClr val="tx1"/>
+            </a:solidFill>
+            <a:tailEnd type="triangle"/>
+          </a:ln>
+        </p:spPr>
+        <p:style>
+          <a:lnRef idx="1">
+            <a:schemeClr val="accent1"/>
+          </a:lnRef>
+          <a:fillRef idx="0">
+            <a:schemeClr val="accent1"/>
+          </a:fillRef>
+          <a:effectRef idx="0">
+            <a:schemeClr val="accent1"/>
+          </a:effectRef>
+          <a:fontRef idx="minor">
+            <a:schemeClr val="tx1"/>
+          </a:fontRef>
+        </p:style>
+      </p:cxnSp>
+      <p:cxnSp>
+        <p:nvCxnSpPr>
+          <p:cNvPr id="54" name="Gerade Verbindung mit Pfeil 53">
+            <a:extLst>
+              <a:ext uri="{FF2B5EF4-FFF2-40B4-BE49-F238E27FC236}">
+                <a16:creationId xmlns:a16="http://schemas.microsoft.com/office/drawing/2014/main" id="{6826294A-03EE-4E23-8DA4-B81CE4CE518E}"/>
+              </a:ext>
+            </a:extLst>
+          </p:cNvPr>
+          <p:cNvCxnSpPr>
+            <a:cxnSpLocks/>
+          </p:cNvCxnSpPr>
+          <p:nvPr/>
+        </p:nvCxnSpPr>
+        <p:spPr>
+          <a:xfrm flipV="1">
+            <a:off x="1593458" y="5205028"/>
+            <a:ext cx="408838" cy="3409"/>
+          </a:xfrm>
+          <a:prstGeom prst="straightConnector1">
+            <a:avLst/>
+          </a:prstGeom>
+          <a:ln w="25400">
+            <a:solidFill>
+              <a:schemeClr val="tx1"/>
+            </a:solidFill>
+            <a:prstDash val="solid"/>
+            <a:tailEnd type="triangle"/>
+          </a:ln>
+        </p:spPr>
+        <p:style>
+          <a:lnRef idx="1">
+            <a:schemeClr val="accent1"/>
+          </a:lnRef>
+          <a:fillRef idx="0">
+            <a:schemeClr val="accent1"/>
+          </a:fillRef>
+          <a:effectRef idx="0">
+            <a:schemeClr val="accent1"/>
+          </a:effectRef>
+          <a:fontRef idx="minor">
+            <a:schemeClr val="tx1"/>
+          </a:fontRef>
+        </p:style>
+      </p:cxnSp>
+      <p:cxnSp>
+        <p:nvCxnSpPr>
+          <p:cNvPr id="55" name="Gerade Verbindung mit Pfeil 54">
+            <a:extLst>
+              <a:ext uri="{FF2B5EF4-FFF2-40B4-BE49-F238E27FC236}">
+                <a16:creationId xmlns:a16="http://schemas.microsoft.com/office/drawing/2014/main" id="{F0352A5E-025D-4F4C-94F3-EC8C518639CE}"/>
+              </a:ext>
+            </a:extLst>
+          </p:cNvPr>
+          <p:cNvCxnSpPr/>
+          <p:nvPr/>
+        </p:nvCxnSpPr>
+        <p:spPr>
+          <a:xfrm flipH="1">
+            <a:off x="4775453" y="5203408"/>
+            <a:ext cx="1" cy="706360"/>
+          </a:xfrm>
+          <a:prstGeom prst="straightConnector1">
+            <a:avLst/>
+          </a:prstGeom>
+          <a:ln w="25400">
+            <a:solidFill>
+              <a:schemeClr val="tx1"/>
+            </a:solidFill>
+            <a:headEnd type="oval"/>
+            <a:tailEnd type="none"/>
+          </a:ln>
+        </p:spPr>
+        <p:style>
+          <a:lnRef idx="1">
+            <a:schemeClr val="accent1"/>
+          </a:lnRef>
+          <a:fillRef idx="0">
+            <a:schemeClr val="accent1"/>
+          </a:fillRef>
+          <a:effectRef idx="0">
+            <a:schemeClr val="accent1"/>
+          </a:effectRef>
+          <a:fontRef idx="minor">
+            <a:schemeClr val="tx1"/>
+          </a:fontRef>
+        </p:style>
+      </p:cxnSp>
+      <p:cxnSp>
+        <p:nvCxnSpPr>
+          <p:cNvPr id="56" name="Gerade Verbindung mit Pfeil 55">
+            <a:extLst>
+              <a:ext uri="{FF2B5EF4-FFF2-40B4-BE49-F238E27FC236}">
+                <a16:creationId xmlns:a16="http://schemas.microsoft.com/office/drawing/2014/main" id="{CD2CD81C-3EAA-482D-B559-5B980BCCB8D4}"/>
+              </a:ext>
+            </a:extLst>
+          </p:cNvPr>
+          <p:cNvCxnSpPr>
+            <a:endCxn id="48" idx="3"/>
+          </p:cNvCxnSpPr>
+          <p:nvPr/>
+        </p:nvCxnSpPr>
+        <p:spPr>
+          <a:xfrm flipH="1">
+            <a:off x="3759082" y="5898978"/>
+            <a:ext cx="1026204" cy="0"/>
+          </a:xfrm>
+          <a:prstGeom prst="straightConnector1">
+            <a:avLst/>
+          </a:prstGeom>
+          <a:ln w="25400">
+            <a:solidFill>
+              <a:schemeClr val="tx1"/>
+            </a:solidFill>
+            <a:tailEnd type="triangle"/>
+          </a:ln>
+        </p:spPr>
+        <p:style>
+          <a:lnRef idx="1">
+            <a:schemeClr val="accent1"/>
+          </a:lnRef>
+          <a:fillRef idx="0">
+            <a:schemeClr val="accent1"/>
+          </a:fillRef>
+          <a:effectRef idx="0">
+            <a:schemeClr val="accent1"/>
+          </a:effectRef>
+          <a:fontRef idx="minor">
+            <a:schemeClr val="tx1"/>
+          </a:fontRef>
+        </p:style>
+      </p:cxnSp>
+      <p:cxnSp>
+        <p:nvCxnSpPr>
+          <p:cNvPr id="57" name="Gerade Verbindung mit Pfeil 56">
+            <a:extLst>
+              <a:ext uri="{FF2B5EF4-FFF2-40B4-BE49-F238E27FC236}">
+                <a16:creationId xmlns:a16="http://schemas.microsoft.com/office/drawing/2014/main" id="{86A3B10B-3096-4E3E-85E7-F7466C66BA9F}"/>
+              </a:ext>
+            </a:extLst>
+          </p:cNvPr>
+          <p:cNvCxnSpPr/>
+          <p:nvPr/>
+        </p:nvCxnSpPr>
+        <p:spPr>
+          <a:xfrm flipH="1" flipV="1">
+            <a:off x="2078863" y="5286083"/>
+            <a:ext cx="918" cy="622916"/>
+          </a:xfrm>
+          <a:prstGeom prst="straightConnector1">
+            <a:avLst/>
+          </a:prstGeom>
+          <a:ln w="25400">
+            <a:solidFill>
+              <a:schemeClr val="tx1"/>
+            </a:solidFill>
+            <a:tailEnd type="triangle"/>
+          </a:ln>
+        </p:spPr>
+        <p:style>
+          <a:lnRef idx="1">
+            <a:schemeClr val="accent1"/>
+          </a:lnRef>
+          <a:fillRef idx="0">
+            <a:schemeClr val="accent1"/>
+          </a:fillRef>
+          <a:effectRef idx="0">
+            <a:schemeClr val="accent1"/>
+          </a:effectRef>
+          <a:fontRef idx="minor">
+            <a:schemeClr val="tx1"/>
+          </a:fontRef>
+        </p:style>
+      </p:cxnSp>
+      <p:cxnSp>
+        <p:nvCxnSpPr>
+          <p:cNvPr id="58" name="Gerade Verbindung mit Pfeil 57">
+            <a:extLst>
+              <a:ext uri="{FF2B5EF4-FFF2-40B4-BE49-F238E27FC236}">
+                <a16:creationId xmlns:a16="http://schemas.microsoft.com/office/drawing/2014/main" id="{E7603A47-6F65-493D-96EE-05CA3F3080DA}"/>
+              </a:ext>
+            </a:extLst>
+          </p:cNvPr>
+          <p:cNvCxnSpPr>
+            <a:stCxn id="48" idx="1"/>
+          </p:cNvCxnSpPr>
+          <p:nvPr/>
+        </p:nvCxnSpPr>
+        <p:spPr>
+          <a:xfrm flipH="1">
+            <a:off x="2087128" y="5898978"/>
+            <a:ext cx="1059946" cy="0"/>
+          </a:xfrm>
+          <a:prstGeom prst="straightConnector1">
+            <a:avLst/>
+          </a:prstGeom>
+          <a:ln w="25400">
+            <a:solidFill>
+              <a:schemeClr val="tx1"/>
+            </a:solidFill>
+            <a:headEnd type="none"/>
+            <a:tailEnd type="none"/>
+          </a:ln>
+        </p:spPr>
+        <p:style>
+          <a:lnRef idx="1">
+            <a:schemeClr val="accent1"/>
+          </a:lnRef>
+          <a:fillRef idx="0">
+            <a:schemeClr val="accent1"/>
+          </a:fillRef>
+          <a:effectRef idx="0">
+            <a:schemeClr val="accent1"/>
+          </a:effectRef>
+          <a:fontRef idx="minor">
+            <a:schemeClr val="tx1"/>
+          </a:fontRef>
+        </p:style>
+      </p:cxnSp>
+      <p:sp>
+        <p:nvSpPr>
+          <p:cNvPr id="59" name="Textfeld 58">
+            <a:extLst>
+              <a:ext uri="{FF2B5EF4-FFF2-40B4-BE49-F238E27FC236}">
+                <a16:creationId xmlns:a16="http://schemas.microsoft.com/office/drawing/2014/main" id="{15DF6479-3C80-4B8B-A138-756DB5580CC7}"/>
+              </a:ext>
+            </a:extLst>
+          </p:cNvPr>
+          <p:cNvSpPr txBox="1"/>
+          <p:nvPr/>
+        </p:nvSpPr>
+        <p:spPr>
+          <a:xfrm>
+            <a:off x="2129172" y="5080297"/>
+            <a:ext cx="1008112" cy="246221"/>
+          </a:xfrm>
+          <a:prstGeom prst="rect">
+            <a:avLst/>
+          </a:prstGeom>
+          <a:noFill/>
+        </p:spPr>
+        <p:txBody>
+          <a:bodyPr wrap="square" rtlCol="0" anchor="ctr">
+            <a:spAutoFit/>
+          </a:bodyPr>
+          <a:lstStyle/>
+          <a:p>
+            <a:pPr algn="ctr"/>
+            <a:r>
+              <a:rPr lang="de-DE" sz="1000" dirty="0" err="1"/>
+              <a:t>K</a:t>
+            </a:r>
+            <a:r>
+              <a:rPr lang="de-DE" sz="1000" baseline="-25000" dirty="0" err="1"/>
+              <a:t>Spannung</a:t>
+            </a:r>
+            <a:endParaRPr lang="de-DE" sz="1000" dirty="0"/>
+          </a:p>
+        </p:txBody>
+      </p:sp>
+      <p:sp>
+        <p:nvSpPr>
+          <p:cNvPr id="60" name="Textfeld 59">
+            <a:extLst>
+              <a:ext uri="{FF2B5EF4-FFF2-40B4-BE49-F238E27FC236}">
+                <a16:creationId xmlns:a16="http://schemas.microsoft.com/office/drawing/2014/main" id="{9B6ABCAB-3925-44AF-84D4-E568C268D506}"/>
+              </a:ext>
+            </a:extLst>
+          </p:cNvPr>
+          <p:cNvSpPr txBox="1"/>
+          <p:nvPr/>
+        </p:nvSpPr>
+        <p:spPr>
+          <a:xfrm>
+            <a:off x="2932527" y="5091734"/>
+            <a:ext cx="1008112" cy="246221"/>
+          </a:xfrm>
+          <a:prstGeom prst="rect">
+            <a:avLst/>
+          </a:prstGeom>
+          <a:noFill/>
+        </p:spPr>
+        <p:txBody>
+          <a:bodyPr wrap="square" rtlCol="0" anchor="ctr">
+            <a:spAutoFit/>
+          </a:bodyPr>
+          <a:lstStyle/>
+          <a:p>
+            <a:pPr algn="ctr"/>
+            <a:r>
+              <a:rPr lang="de-DE" sz="1000" dirty="0"/>
+              <a:t>PI-Regler</a:t>
+            </a:r>
+          </a:p>
+        </p:txBody>
+      </p:sp>
+      <p:sp>
+        <p:nvSpPr>
+          <p:cNvPr id="61" name="Textfeld 60">
+            <a:extLst>
+              <a:ext uri="{FF2B5EF4-FFF2-40B4-BE49-F238E27FC236}">
+                <a16:creationId xmlns:a16="http://schemas.microsoft.com/office/drawing/2014/main" id="{13A2899E-7808-4A65-A80A-D3196F5691C2}"/>
+              </a:ext>
+            </a:extLst>
+          </p:cNvPr>
+          <p:cNvSpPr txBox="1"/>
+          <p:nvPr/>
+        </p:nvSpPr>
+        <p:spPr>
+          <a:xfrm>
+            <a:off x="3768128" y="5082165"/>
+            <a:ext cx="1008112" cy="246221"/>
+          </a:xfrm>
+          <a:prstGeom prst="rect">
+            <a:avLst/>
+          </a:prstGeom>
+          <a:noFill/>
+        </p:spPr>
+        <p:txBody>
+          <a:bodyPr wrap="square" rtlCol="0" anchor="ctr">
+            <a:spAutoFit/>
+          </a:bodyPr>
+          <a:lstStyle/>
+          <a:p>
+            <a:pPr algn="ctr"/>
+            <a:r>
+              <a:rPr lang="de-DE" sz="1000" dirty="0"/>
+              <a:t>TSS</a:t>
+            </a:r>
+          </a:p>
+        </p:txBody>
+      </p:sp>
+      <p:sp>
+        <p:nvSpPr>
+          <p:cNvPr id="62" name="Textfeld 61">
+            <a:extLst>
+              <a:ext uri="{FF2B5EF4-FFF2-40B4-BE49-F238E27FC236}">
+                <a16:creationId xmlns:a16="http://schemas.microsoft.com/office/drawing/2014/main" id="{EB93B0BA-BE73-450A-8757-8B616F126C0E}"/>
+              </a:ext>
+            </a:extLst>
+          </p:cNvPr>
+          <p:cNvSpPr txBox="1"/>
+          <p:nvPr/>
+        </p:nvSpPr>
+        <p:spPr>
+          <a:xfrm>
+            <a:off x="2949901" y="5773331"/>
+            <a:ext cx="1008112" cy="246221"/>
+          </a:xfrm>
+          <a:prstGeom prst="rect">
+            <a:avLst/>
+          </a:prstGeom>
+          <a:noFill/>
+        </p:spPr>
+        <p:txBody>
+          <a:bodyPr wrap="square" rtlCol="0" anchor="ctr">
+            <a:spAutoFit/>
+          </a:bodyPr>
+          <a:lstStyle/>
+          <a:p>
+            <a:pPr algn="ctr"/>
+            <a:r>
+              <a:rPr lang="de-DE" sz="1000" dirty="0"/>
+              <a:t>ADC</a:t>
+            </a:r>
+          </a:p>
+        </p:txBody>
+      </p:sp>
+      <p:sp>
+        <p:nvSpPr>
+          <p:cNvPr id="63" name="Textfeld 62">
+            <a:extLst>
+              <a:ext uri="{FF2B5EF4-FFF2-40B4-BE49-F238E27FC236}">
+                <a16:creationId xmlns:a16="http://schemas.microsoft.com/office/drawing/2014/main" id="{3306286C-0386-483D-9F8A-6ECB52473930}"/>
+              </a:ext>
+            </a:extLst>
+          </p:cNvPr>
+          <p:cNvSpPr txBox="1"/>
+          <p:nvPr/>
+        </p:nvSpPr>
+        <p:spPr>
+          <a:xfrm>
+            <a:off x="3940639" y="5658152"/>
+            <a:ext cx="1008112" cy="246221"/>
+          </a:xfrm>
+          <a:prstGeom prst="rect">
+            <a:avLst/>
+          </a:prstGeom>
+          <a:noFill/>
+        </p:spPr>
+        <p:txBody>
+          <a:bodyPr wrap="square" rtlCol="0" anchor="ctr">
+            <a:spAutoFit/>
+          </a:bodyPr>
+          <a:lstStyle/>
+          <a:p>
+            <a:pPr algn="ctr"/>
+            <a:r>
+              <a:rPr lang="de-DE" sz="1000" dirty="0" err="1"/>
+              <a:t>U</a:t>
+            </a:r>
+            <a:r>
+              <a:rPr lang="de-DE" sz="1000" baseline="-25000" dirty="0" err="1"/>
+              <a:t>Bahn</a:t>
+            </a:r>
+            <a:endParaRPr lang="de-DE" sz="1000" dirty="0"/>
+          </a:p>
+        </p:txBody>
+      </p:sp>
+      <p:sp>
+        <p:nvSpPr>
+          <p:cNvPr id="64" name="Textfeld 63">
+            <a:extLst>
+              <a:ext uri="{FF2B5EF4-FFF2-40B4-BE49-F238E27FC236}">
+                <a16:creationId xmlns:a16="http://schemas.microsoft.com/office/drawing/2014/main" id="{604E703C-6865-4F96-92EF-7CCDE7ADA3CA}"/>
+              </a:ext>
+            </a:extLst>
+          </p:cNvPr>
+          <p:cNvSpPr txBox="1"/>
+          <p:nvPr/>
+        </p:nvSpPr>
+        <p:spPr>
+          <a:xfrm>
+            <a:off x="2111393" y="5207754"/>
+            <a:ext cx="111884" cy="246221"/>
+          </a:xfrm>
+          <a:prstGeom prst="rect">
+            <a:avLst/>
+          </a:prstGeom>
+          <a:noFill/>
+        </p:spPr>
+        <p:txBody>
+          <a:bodyPr wrap="square" rtlCol="0">
+            <a:spAutoFit/>
+          </a:bodyPr>
+          <a:lstStyle/>
+          <a:p>
+            <a:pPr algn="ctr"/>
+            <a:r>
+              <a:rPr lang="de-DE" sz="1000" b="1" dirty="0"/>
+              <a:t>-</a:t>
+            </a:r>
+          </a:p>
+        </p:txBody>
+      </p:sp>
+      <p:sp>
+        <p:nvSpPr>
+          <p:cNvPr id="65" name="Textfeld 64">
+            <a:extLst>
+              <a:ext uri="{FF2B5EF4-FFF2-40B4-BE49-F238E27FC236}">
+                <a16:creationId xmlns:a16="http://schemas.microsoft.com/office/drawing/2014/main" id="{45ED596A-D4D8-4FAF-BBFD-C3C21A293BAF}"/>
+              </a:ext>
+            </a:extLst>
+          </p:cNvPr>
+          <p:cNvSpPr txBox="1"/>
+          <p:nvPr/>
+        </p:nvSpPr>
+        <p:spPr>
+          <a:xfrm>
+            <a:off x="4536152" y="4953000"/>
+            <a:ext cx="1008112" cy="246221"/>
+          </a:xfrm>
+          <a:prstGeom prst="rect">
+            <a:avLst/>
+          </a:prstGeom>
+          <a:noFill/>
+        </p:spPr>
+        <p:txBody>
+          <a:bodyPr wrap="square" rtlCol="0" anchor="ctr">
+            <a:spAutoFit/>
+          </a:bodyPr>
+          <a:lstStyle/>
+          <a:p>
+            <a:pPr algn="ctr"/>
+            <a:r>
+              <a:rPr lang="de-DE" sz="1000" dirty="0" err="1"/>
+              <a:t>U</a:t>
+            </a:r>
+            <a:r>
+              <a:rPr lang="de-DE" sz="1000" baseline="-25000" dirty="0" err="1"/>
+              <a:t>Bahn</a:t>
+            </a:r>
+            <a:endParaRPr lang="de-DE" sz="1000" dirty="0"/>
+          </a:p>
+        </p:txBody>
+      </p:sp>
+    </p:spTree>
+    <p:extLst>
+      <p:ext uri="{BB962C8B-B14F-4D97-AF65-F5344CB8AC3E}">
+        <p14:creationId xmlns:p14="http://schemas.microsoft.com/office/powerpoint/2010/main" val="4135899180"/>
+      </p:ext>
+    </p:extLst>
+  </p:cSld>
+  <p:clrMapOvr>
+    <a:masterClrMapping/>
+  </p:clrMapOvr>
 </p:sld>
 </file>
 
@@ -8415,6 +10901,8 @@
       </a:bgFillStyleLst>
     </a:fmtScheme>
   </a:themeElements>
+  <a:objectDefaults/>
+  <a:extraClrSchemeLst/>
 </a:theme>
 </file>
 
@@ -8638,5 +11126,7 @@
       </a:bgFillStyleLst>
     </a:fmtScheme>
   </a:themeElements>
+  <a:objectDefaults/>
+  <a:extraClrSchemeLst/>
 </a:theme>
 </file>
--- a/rec/bilder a4.pptx
+++ b/rec/bilder a4.pptx
@@ -107,6 +107,11 @@
       </a:defRPr>
     </a:lvl9pPr>
   </p:defaultTextStyle>
+  <p:extLst>
+    <p:ext uri="{EFAFB233-063F-42B5-8137-9DF3F51BA10A}">
+      <p15:sldGuideLst xmlns:p15="http://schemas.microsoft.com/office/powerpoint/2012/main"/>
+    </p:ext>
+  </p:extLst>
 </p:presentation>
 </file>
 
@@ -8711,7 +8716,7 @@
             <a:pPr algn="ctr"/>
             <a:r>
               <a:rPr lang="de-DE" sz="1000" dirty="0"/>
-              <a:t>PI-Regler</a:t>
+              <a:t>I-Regler</a:t>
             </a:r>
           </a:p>
         </p:txBody>
@@ -9735,7 +9740,7 @@
         </p:nvSpPr>
         <p:spPr>
           <a:xfrm>
-            <a:off x="1216797" y="4992275"/>
+            <a:off x="469354" y="4970896"/>
             <a:ext cx="1008112" cy="246221"/>
           </a:xfrm>
           <a:prstGeom prst="rect">
@@ -9779,7 +9784,7 @@
         </p:nvSpPr>
         <p:spPr>
           <a:xfrm>
-            <a:off x="2337014" y="5045672"/>
+            <a:off x="1675518" y="5037765"/>
             <a:ext cx="612008" cy="323976"/>
           </a:xfrm>
           <a:prstGeom prst="rect">
@@ -9817,7 +9822,7 @@
         </p:nvSpPr>
         <p:spPr>
           <a:xfrm>
-            <a:off x="3147074" y="5044745"/>
+            <a:off x="2586645" y="5036067"/>
             <a:ext cx="612008" cy="323976"/>
           </a:xfrm>
           <a:prstGeom prst="rect">
@@ -9855,7 +9860,7 @@
         </p:nvSpPr>
         <p:spPr>
           <a:xfrm>
-            <a:off x="3957134" y="5044745"/>
+            <a:off x="3952782" y="5039476"/>
             <a:ext cx="612008" cy="323976"/>
           </a:xfrm>
           <a:prstGeom prst="rect">
@@ -9893,7 +9898,7 @@
         </p:nvSpPr>
         <p:spPr>
           <a:xfrm>
-            <a:off x="2008176" y="5142836"/>
+            <a:off x="1238556" y="5135863"/>
             <a:ext cx="148236" cy="144016"/>
           </a:xfrm>
           <a:prstGeom prst="ellipse">
@@ -9945,7 +9950,7 @@
         </p:nvSpPr>
         <p:spPr>
           <a:xfrm>
-            <a:off x="3147074" y="5736990"/>
+            <a:off x="2586645" y="5700456"/>
             <a:ext cx="612008" cy="323976"/>
           </a:xfrm>
           <a:prstGeom prst="rect">
@@ -9983,7 +9988,7 @@
         </p:nvSpPr>
         <p:spPr>
           <a:xfrm>
-            <a:off x="1579300" y="5085364"/>
+            <a:off x="808153" y="5077672"/>
             <a:ext cx="1008112" cy="246221"/>
           </a:xfrm>
           <a:prstGeom prst="rect">
@@ -10014,13 +10019,15 @@
               </a:ext>
             </a:extLst>
           </p:cNvPr>
-          <p:cNvCxnSpPr/>
+          <p:cNvCxnSpPr>
+            <a:cxnSpLocks/>
+          </p:cNvCxnSpPr>
           <p:nvPr/>
         </p:nvCxnSpPr>
         <p:spPr>
           <a:xfrm>
-            <a:off x="2156412" y="5207660"/>
-            <a:ext cx="180602" cy="0"/>
+            <a:off x="1386792" y="5200687"/>
+            <a:ext cx="288726" cy="0"/>
           </a:xfrm>
           <a:prstGeom prst="straightConnector1">
             <a:avLst/>
@@ -10057,6 +10064,7 @@
             </a:extLst>
           </p:cNvPr>
           <p:cNvCxnSpPr>
+            <a:cxnSpLocks/>
             <a:stCxn id="44" idx="3"/>
             <a:endCxn id="45" idx="1"/>
           </p:cNvCxnSpPr>
@@ -10064,8 +10072,8 @@
         </p:nvCxnSpPr>
         <p:spPr>
           <a:xfrm flipV="1">
-            <a:off x="2949022" y="5206733"/>
-            <a:ext cx="198052" cy="927"/>
+            <a:off x="2287526" y="5198055"/>
+            <a:ext cx="299119" cy="1698"/>
           </a:xfrm>
           <a:prstGeom prst="straightConnector1">
             <a:avLst/>
@@ -10102,6 +10110,7 @@
             </a:extLst>
           </p:cNvPr>
           <p:cNvCxnSpPr>
+            <a:cxnSpLocks/>
             <a:stCxn id="45" idx="3"/>
             <a:endCxn id="46" idx="1"/>
           </p:cNvCxnSpPr>
@@ -10109,8 +10118,8 @@
         </p:nvCxnSpPr>
         <p:spPr>
           <a:xfrm>
-            <a:off x="3759082" y="5206733"/>
-            <a:ext cx="198052" cy="0"/>
+            <a:off x="3198653" y="5198055"/>
+            <a:ext cx="754129" cy="3409"/>
           </a:xfrm>
           <a:prstGeom prst="straightConnector1">
             <a:avLst/>
@@ -10154,7 +10163,7 @@
         </p:nvCxnSpPr>
         <p:spPr>
           <a:xfrm>
-            <a:off x="4569142" y="5206733"/>
+            <a:off x="4564790" y="5201464"/>
             <a:ext cx="397922" cy="0"/>
           </a:xfrm>
           <a:prstGeom prst="straightConnector1">
@@ -10198,7 +10207,7 @@
         </p:nvCxnSpPr>
         <p:spPr>
           <a:xfrm flipV="1">
-            <a:off x="1593458" y="5205028"/>
+            <a:off x="823838" y="5198055"/>
             <a:ext cx="408838" cy="3409"/>
           </a:xfrm>
           <a:prstGeom prst="straightConnector1">
@@ -10236,13 +10245,15 @@
               </a:ext>
             </a:extLst>
           </p:cNvPr>
-          <p:cNvCxnSpPr/>
+          <p:cNvCxnSpPr>
+            <a:cxnSpLocks/>
+          </p:cNvCxnSpPr>
           <p:nvPr/>
         </p:nvCxnSpPr>
         <p:spPr>
           <a:xfrm flipH="1">
-            <a:off x="4775453" y="5203408"/>
-            <a:ext cx="1" cy="706360"/>
+            <a:off x="4775454" y="5203408"/>
+            <a:ext cx="1" cy="671266"/>
           </a:xfrm>
           <a:prstGeom prst="straightConnector1">
             <a:avLst/>
@@ -10280,14 +10291,15 @@
             </a:extLst>
           </p:cNvPr>
           <p:cNvCxnSpPr>
+            <a:cxnSpLocks/>
             <a:endCxn id="48" idx="3"/>
           </p:cNvCxnSpPr>
           <p:nvPr/>
         </p:nvCxnSpPr>
         <p:spPr>
           <a:xfrm flipH="1">
-            <a:off x="3759082" y="5898978"/>
-            <a:ext cx="1026204" cy="0"/>
+            <a:off x="3198653" y="5862443"/>
+            <a:ext cx="1576800" cy="1"/>
           </a:xfrm>
           <a:prstGeom prst="straightConnector1">
             <a:avLst/>
@@ -10323,13 +10335,15 @@
               </a:ext>
             </a:extLst>
           </p:cNvPr>
-          <p:cNvCxnSpPr/>
+          <p:cNvCxnSpPr>
+            <a:cxnSpLocks/>
+          </p:cNvCxnSpPr>
           <p:nvPr/>
         </p:nvCxnSpPr>
         <p:spPr>
-          <a:xfrm flipH="1" flipV="1">
-            <a:off x="2078863" y="5286083"/>
-            <a:ext cx="918" cy="622916"/>
+          <a:xfrm flipV="1">
+            <a:off x="1309243" y="5279110"/>
+            <a:ext cx="0" cy="583333"/>
           </a:xfrm>
           <a:prstGeom prst="straightConnector1">
             <a:avLst/>
@@ -10366,14 +10380,15 @@
             </a:extLst>
           </p:cNvPr>
           <p:cNvCxnSpPr>
+            <a:cxnSpLocks/>
             <a:stCxn id="48" idx="1"/>
           </p:cNvCxnSpPr>
           <p:nvPr/>
         </p:nvCxnSpPr>
         <p:spPr>
           <a:xfrm flipH="1">
-            <a:off x="2087128" y="5898978"/>
-            <a:ext cx="1059946" cy="0"/>
+            <a:off x="1303025" y="5862444"/>
+            <a:ext cx="1283620" cy="0"/>
           </a:xfrm>
           <a:prstGeom prst="straightConnector1">
             <a:avLst/>
@@ -10415,7 +10430,7 @@
         </p:nvSpPr>
         <p:spPr>
           <a:xfrm>
-            <a:off x="2129172" y="5080297"/>
+            <a:off x="1501215" y="5042843"/>
             <a:ext cx="1008112" cy="246221"/>
           </a:xfrm>
           <a:prstGeom prst="rect">
@@ -10456,7 +10471,7 @@
         </p:nvSpPr>
         <p:spPr>
           <a:xfrm>
-            <a:off x="2932527" y="5091734"/>
+            <a:off x="2386472" y="5071925"/>
             <a:ext cx="1008112" cy="246221"/>
           </a:xfrm>
           <a:prstGeom prst="rect">
@@ -10473,7 +10488,7 @@
             <a:pPr algn="ctr"/>
             <a:r>
               <a:rPr lang="de-DE" sz="1000" dirty="0"/>
-              <a:t>PI-Regler</a:t>
+              <a:t>I-Regler</a:t>
             </a:r>
           </a:p>
         </p:txBody>
@@ -10492,7 +10507,7 @@
         </p:nvSpPr>
         <p:spPr>
           <a:xfrm>
-            <a:off x="3768128" y="5082165"/>
+            <a:off x="3768128" y="5073516"/>
             <a:ext cx="1008112" cy="246221"/>
           </a:xfrm>
           <a:prstGeom prst="rect">
@@ -10528,7 +10543,7 @@
         </p:nvSpPr>
         <p:spPr>
           <a:xfrm>
-            <a:off x="2949901" y="5773331"/>
+            <a:off x="2382905" y="5739333"/>
             <a:ext cx="1008112" cy="246221"/>
           </a:xfrm>
           <a:prstGeom prst="rect">
@@ -10564,7 +10579,7 @@
         </p:nvSpPr>
         <p:spPr>
           <a:xfrm>
-            <a:off x="3940639" y="5658152"/>
+            <a:off x="3194992" y="5643630"/>
             <a:ext cx="1008112" cy="246221"/>
           </a:xfrm>
           <a:prstGeom prst="rect">
@@ -10605,7 +10620,7 @@
         </p:nvSpPr>
         <p:spPr>
           <a:xfrm>
-            <a:off x="2111393" y="5207754"/>
+            <a:off x="1341773" y="5200781"/>
             <a:ext cx="111884" cy="246221"/>
           </a:xfrm>
           <a:prstGeom prst="rect">
@@ -10663,6 +10678,43 @@
             <a:r>
               <a:rPr lang="de-DE" sz="1000" baseline="-25000" dirty="0" err="1"/>
               <a:t>Bahn</a:t>
+            </a:r>
+            <a:endParaRPr lang="de-DE" sz="1000" dirty="0"/>
+          </a:p>
+        </p:txBody>
+      </p:sp>
+      <p:sp>
+        <p:nvSpPr>
+          <p:cNvPr id="66" name="Textfeld 65">
+            <a:extLst>
+              <a:ext uri="{FF2B5EF4-FFF2-40B4-BE49-F238E27FC236}">
+                <a16:creationId xmlns:a16="http://schemas.microsoft.com/office/drawing/2014/main" id="{39ABA09F-ED3E-42D5-81AA-1744AFB475F0}"/>
+              </a:ext>
+            </a:extLst>
+          </p:cNvPr>
+          <p:cNvSpPr txBox="1"/>
+          <p:nvPr/>
+        </p:nvSpPr>
+        <p:spPr>
+          <a:xfrm>
+            <a:off x="3042523" y="4982764"/>
+            <a:ext cx="1008112" cy="246221"/>
+          </a:xfrm>
+          <a:prstGeom prst="rect">
+            <a:avLst/>
+          </a:prstGeom>
+          <a:noFill/>
+        </p:spPr>
+        <p:txBody>
+          <a:bodyPr wrap="square" rtlCol="0" anchor="ctr">
+            <a:spAutoFit/>
+          </a:bodyPr>
+          <a:lstStyle/>
+          <a:p>
+            <a:pPr algn="ctr"/>
+            <a:r>
+              <a:rPr lang="de-DE" sz="1000" dirty="0" err="1"/>
+              <a:t>Dutycycle</a:t>
             </a:r>
             <a:endParaRPr lang="de-DE" sz="1000" dirty="0"/>
           </a:p>

--- a/rec/bilder a4.pptx
+++ b/rec/bilder a4.pptx
@@ -9,6 +9,7 @@
     <p:sldId id="256" r:id="rId3"/>
     <p:sldId id="257" r:id="rId4"/>
     <p:sldId id="258" r:id="rId5"/>
+    <p:sldId id="259" r:id="rId6"/>
   </p:sldIdLst>
   <p:sldSz cx="6858000" cy="9906000" type="A4"/>
   <p:notesSz cx="7559675" cy="10691813"/>
@@ -10724,6 +10725,676 @@
     <p:extLst>
       <p:ext uri="{BB962C8B-B14F-4D97-AF65-F5344CB8AC3E}">
         <p14:creationId xmlns:p14="http://schemas.microsoft.com/office/powerpoint/2010/main" val="4135899180"/>
+      </p:ext>
+    </p:extLst>
+  </p:cSld>
+  <p:clrMapOvr>
+    <a:masterClrMapping/>
+  </p:clrMapOvr>
+</p:sld>
+</file>
+
+<file path=ppt/slides/slide4.xml><?xml version="1.0" encoding="utf-8"?>
+<p:sld xmlns:a="http://schemas.openxmlformats.org/drawingml/2006/main" xmlns:r="http://schemas.openxmlformats.org/officeDocument/2006/relationships" xmlns:p="http://schemas.openxmlformats.org/presentationml/2006/main">
+  <p:cSld>
+    <p:spTree>
+      <p:nvGrpSpPr>
+        <p:cNvPr id="1" name=""/>
+        <p:cNvGrpSpPr/>
+        <p:nvPr/>
+      </p:nvGrpSpPr>
+      <p:grpSpPr>
+        <a:xfrm>
+          <a:off x="0" y="0"/>
+          <a:ext cx="0" cy="0"/>
+          <a:chOff x="0" y="0"/>
+          <a:chExt cx="0" cy="0"/>
+        </a:xfrm>
+      </p:grpSpPr>
+      <p:sp>
+        <p:nvSpPr>
+          <p:cNvPr id="18" name="Textfeld 17">
+            <a:extLst>
+              <a:ext uri="{FF2B5EF4-FFF2-40B4-BE49-F238E27FC236}">
+                <a16:creationId xmlns:a16="http://schemas.microsoft.com/office/drawing/2014/main" id="{0D093BAF-FF84-4CE3-9408-52AF71FCA154}"/>
+              </a:ext>
+            </a:extLst>
+          </p:cNvPr>
+          <p:cNvSpPr txBox="1"/>
+          <p:nvPr/>
+        </p:nvSpPr>
+        <p:spPr>
+          <a:xfrm>
+            <a:off x="956759" y="204215"/>
+            <a:ext cx="949415" cy="1501345"/>
+          </a:xfrm>
+          <a:prstGeom prst="rect">
+            <a:avLst/>
+          </a:prstGeom>
+          <a:noFill/>
+          <a:ln w="25400">
+            <a:solidFill>
+              <a:schemeClr val="tx1"/>
+            </a:solidFill>
+            <a:prstDash val="sysDash"/>
+          </a:ln>
+        </p:spPr>
+        <p:txBody>
+          <a:bodyPr wrap="square" rtlCol="0">
+            <a:spAutoFit/>
+          </a:bodyPr>
+          <a:lstStyle/>
+          <a:p>
+            <a:endParaRPr lang="de-DE" dirty="0"/>
+          </a:p>
+        </p:txBody>
+      </p:sp>
+      <p:cxnSp>
+        <p:nvCxnSpPr>
+          <p:cNvPr id="15" name="Gerade Verbindung mit Pfeil 14">
+            <a:extLst>
+              <a:ext uri="{FF2B5EF4-FFF2-40B4-BE49-F238E27FC236}">
+                <a16:creationId xmlns:a16="http://schemas.microsoft.com/office/drawing/2014/main" id="{74F4F1BF-DC59-429A-82A1-1FC3A43C7116}"/>
+              </a:ext>
+            </a:extLst>
+          </p:cNvPr>
+          <p:cNvCxnSpPr>
+            <a:cxnSpLocks/>
+          </p:cNvCxnSpPr>
+          <p:nvPr/>
+        </p:nvCxnSpPr>
+        <p:spPr>
+          <a:xfrm>
+            <a:off x="1060123" y="314746"/>
+            <a:ext cx="588159" cy="616014"/>
+          </a:xfrm>
+          <a:prstGeom prst="straightConnector1">
+            <a:avLst/>
+          </a:prstGeom>
+          <a:ln w="25400">
+            <a:solidFill>
+              <a:schemeClr val="tx1"/>
+            </a:solidFill>
+            <a:prstDash val="solid"/>
+            <a:tailEnd type="none"/>
+          </a:ln>
+        </p:spPr>
+        <p:style>
+          <a:lnRef idx="1">
+            <a:schemeClr val="accent1"/>
+          </a:lnRef>
+          <a:fillRef idx="0">
+            <a:schemeClr val="accent1"/>
+          </a:fillRef>
+          <a:effectRef idx="0">
+            <a:schemeClr val="accent1"/>
+          </a:effectRef>
+          <a:fontRef idx="minor">
+            <a:schemeClr val="tx1"/>
+          </a:fontRef>
+        </p:style>
+      </p:cxnSp>
+      <p:cxnSp>
+        <p:nvCxnSpPr>
+          <p:cNvPr id="19" name="Gerade Verbindung mit Pfeil 18">
+            <a:extLst>
+              <a:ext uri="{FF2B5EF4-FFF2-40B4-BE49-F238E27FC236}">
+                <a16:creationId xmlns:a16="http://schemas.microsoft.com/office/drawing/2014/main" id="{3E3F9A35-B692-43CC-A9B9-500AD31B159C}"/>
+              </a:ext>
+            </a:extLst>
+          </p:cNvPr>
+          <p:cNvCxnSpPr>
+            <a:cxnSpLocks/>
+          </p:cNvCxnSpPr>
+          <p:nvPr/>
+        </p:nvCxnSpPr>
+        <p:spPr>
+          <a:xfrm flipH="1" flipV="1">
+            <a:off x="2726520" y="926841"/>
+            <a:ext cx="562453" cy="900"/>
+          </a:xfrm>
+          <a:prstGeom prst="straightConnector1">
+            <a:avLst/>
+          </a:prstGeom>
+          <a:ln w="25400">
+            <a:solidFill>
+              <a:schemeClr val="tx1"/>
+            </a:solidFill>
+            <a:headEnd type="triangle"/>
+            <a:tailEnd type="none"/>
+          </a:ln>
+        </p:spPr>
+        <p:style>
+          <a:lnRef idx="1">
+            <a:schemeClr val="accent1"/>
+          </a:lnRef>
+          <a:fillRef idx="0">
+            <a:schemeClr val="accent1"/>
+          </a:fillRef>
+          <a:effectRef idx="0">
+            <a:schemeClr val="accent1"/>
+          </a:effectRef>
+          <a:fontRef idx="minor">
+            <a:schemeClr val="tx1"/>
+          </a:fontRef>
+        </p:style>
+      </p:cxnSp>
+      <p:sp>
+        <p:nvSpPr>
+          <p:cNvPr id="28" name="Textfeld 27">
+            <a:extLst>
+              <a:ext uri="{FF2B5EF4-FFF2-40B4-BE49-F238E27FC236}">
+                <a16:creationId xmlns:a16="http://schemas.microsoft.com/office/drawing/2014/main" id="{A291452F-F6AB-4EB7-AA0B-80A0B211594E}"/>
+              </a:ext>
+            </a:extLst>
+          </p:cNvPr>
+          <p:cNvSpPr txBox="1"/>
+          <p:nvPr/>
+        </p:nvSpPr>
+        <p:spPr>
+          <a:xfrm>
+            <a:off x="200173" y="155962"/>
+            <a:ext cx="612008" cy="323976"/>
+          </a:xfrm>
+          <a:prstGeom prst="rect">
+            <a:avLst/>
+          </a:prstGeom>
+          <a:noFill/>
+          <a:ln w="25400">
+            <a:solidFill>
+              <a:schemeClr val="tx1"/>
+            </a:solidFill>
+            <a:prstDash val="solid"/>
+          </a:ln>
+        </p:spPr>
+        <p:txBody>
+          <a:bodyPr wrap="square" rtlCol="0">
+            <a:spAutoFit/>
+          </a:bodyPr>
+          <a:lstStyle/>
+          <a:p>
+            <a:endParaRPr lang="de-DE" dirty="0"/>
+          </a:p>
+        </p:txBody>
+      </p:sp>
+      <p:sp>
+        <p:nvSpPr>
+          <p:cNvPr id="29" name="Textfeld 28">
+            <a:extLst>
+              <a:ext uri="{FF2B5EF4-FFF2-40B4-BE49-F238E27FC236}">
+                <a16:creationId xmlns:a16="http://schemas.microsoft.com/office/drawing/2014/main" id="{971F1123-0533-4C21-A9A1-B90BC93F5F37}"/>
+              </a:ext>
+            </a:extLst>
+          </p:cNvPr>
+          <p:cNvSpPr txBox="1"/>
+          <p:nvPr/>
+        </p:nvSpPr>
+        <p:spPr>
+          <a:xfrm>
+            <a:off x="0" y="191820"/>
+            <a:ext cx="1008112" cy="246221"/>
+          </a:xfrm>
+          <a:prstGeom prst="rect">
+            <a:avLst/>
+          </a:prstGeom>
+          <a:noFill/>
+        </p:spPr>
+        <p:txBody>
+          <a:bodyPr wrap="square" rtlCol="0" anchor="ctr">
+            <a:spAutoFit/>
+          </a:bodyPr>
+          <a:lstStyle/>
+          <a:p>
+            <a:pPr algn="ctr"/>
+            <a:r>
+              <a:rPr lang="de-DE" sz="1000" dirty="0"/>
+              <a:t>PV</a:t>
+            </a:r>
+          </a:p>
+        </p:txBody>
+      </p:sp>
+      <p:sp>
+        <p:nvSpPr>
+          <p:cNvPr id="32" name="Textfeld 31">
+            <a:extLst>
+              <a:ext uri="{FF2B5EF4-FFF2-40B4-BE49-F238E27FC236}">
+                <a16:creationId xmlns:a16="http://schemas.microsoft.com/office/drawing/2014/main" id="{1A7E74C2-0932-4793-B68F-24E92BFB0E3D}"/>
+              </a:ext>
+            </a:extLst>
+          </p:cNvPr>
+          <p:cNvSpPr txBox="1"/>
+          <p:nvPr/>
+        </p:nvSpPr>
+        <p:spPr>
+          <a:xfrm>
+            <a:off x="2114512" y="768773"/>
+            <a:ext cx="612008" cy="323976"/>
+          </a:xfrm>
+          <a:prstGeom prst="rect">
+            <a:avLst/>
+          </a:prstGeom>
+          <a:noFill/>
+          <a:ln w="25400">
+            <a:solidFill>
+              <a:schemeClr val="tx1"/>
+            </a:solidFill>
+            <a:prstDash val="solid"/>
+          </a:ln>
+        </p:spPr>
+        <p:txBody>
+          <a:bodyPr wrap="square" rtlCol="0">
+            <a:spAutoFit/>
+          </a:bodyPr>
+          <a:lstStyle/>
+          <a:p>
+            <a:endParaRPr lang="de-DE" dirty="0"/>
+          </a:p>
+        </p:txBody>
+      </p:sp>
+      <p:sp>
+        <p:nvSpPr>
+          <p:cNvPr id="33" name="Textfeld 32">
+            <a:extLst>
+              <a:ext uri="{FF2B5EF4-FFF2-40B4-BE49-F238E27FC236}">
+                <a16:creationId xmlns:a16="http://schemas.microsoft.com/office/drawing/2014/main" id="{3E10058F-8173-4874-8890-EBE96A671408}"/>
+              </a:ext>
+            </a:extLst>
+          </p:cNvPr>
+          <p:cNvSpPr txBox="1"/>
+          <p:nvPr/>
+        </p:nvSpPr>
+        <p:spPr>
+          <a:xfrm>
+            <a:off x="1899464" y="807650"/>
+            <a:ext cx="1008112" cy="246221"/>
+          </a:xfrm>
+          <a:prstGeom prst="rect">
+            <a:avLst/>
+          </a:prstGeom>
+          <a:noFill/>
+        </p:spPr>
+        <p:txBody>
+          <a:bodyPr wrap="square" rtlCol="0" anchor="ctr">
+            <a:spAutoFit/>
+          </a:bodyPr>
+          <a:lstStyle/>
+          <a:p>
+            <a:pPr algn="ctr"/>
+            <a:r>
+              <a:rPr lang="de-DE" sz="1000" dirty="0"/>
+              <a:t>TSS</a:t>
+            </a:r>
+          </a:p>
+        </p:txBody>
+      </p:sp>
+      <p:cxnSp>
+        <p:nvCxnSpPr>
+          <p:cNvPr id="34" name="Gerade Verbindung mit Pfeil 33">
+            <a:extLst>
+              <a:ext uri="{FF2B5EF4-FFF2-40B4-BE49-F238E27FC236}">
+                <a16:creationId xmlns:a16="http://schemas.microsoft.com/office/drawing/2014/main" id="{418A7DE2-896B-4A68-BCCE-5CD425DB5F81}"/>
+              </a:ext>
+            </a:extLst>
+          </p:cNvPr>
+          <p:cNvCxnSpPr>
+            <a:cxnSpLocks/>
+          </p:cNvCxnSpPr>
+          <p:nvPr/>
+        </p:nvCxnSpPr>
+        <p:spPr>
+          <a:xfrm flipH="1">
+            <a:off x="812181" y="311540"/>
+            <a:ext cx="247942" cy="0"/>
+          </a:xfrm>
+          <a:prstGeom prst="straightConnector1">
+            <a:avLst/>
+          </a:prstGeom>
+          <a:ln w="25400">
+            <a:solidFill>
+              <a:schemeClr val="tx1"/>
+            </a:solidFill>
+            <a:headEnd type="none"/>
+            <a:tailEnd type="none"/>
+          </a:ln>
+        </p:spPr>
+        <p:style>
+          <a:lnRef idx="1">
+            <a:schemeClr val="accent1"/>
+          </a:lnRef>
+          <a:fillRef idx="0">
+            <a:schemeClr val="accent1"/>
+          </a:fillRef>
+          <a:effectRef idx="0">
+            <a:schemeClr val="accent1"/>
+          </a:effectRef>
+          <a:fontRef idx="minor">
+            <a:schemeClr val="tx1"/>
+          </a:fontRef>
+        </p:style>
+      </p:cxnSp>
+      <p:cxnSp>
+        <p:nvCxnSpPr>
+          <p:cNvPr id="36" name="Gerade Verbindung mit Pfeil 35">
+            <a:extLst>
+              <a:ext uri="{FF2B5EF4-FFF2-40B4-BE49-F238E27FC236}">
+                <a16:creationId xmlns:a16="http://schemas.microsoft.com/office/drawing/2014/main" id="{1661E1FE-07CA-411D-8469-B1EB6870A74F}"/>
+              </a:ext>
+            </a:extLst>
+          </p:cNvPr>
+          <p:cNvCxnSpPr>
+            <a:cxnSpLocks/>
+          </p:cNvCxnSpPr>
+          <p:nvPr/>
+        </p:nvCxnSpPr>
+        <p:spPr>
+          <a:xfrm flipH="1">
+            <a:off x="961294" y="935268"/>
+            <a:ext cx="136079" cy="0"/>
+          </a:xfrm>
+          <a:prstGeom prst="straightConnector1">
+            <a:avLst/>
+          </a:prstGeom>
+          <a:ln w="25400">
+            <a:solidFill>
+              <a:schemeClr val="tx1"/>
+            </a:solidFill>
+            <a:headEnd type="none"/>
+            <a:tailEnd type="none"/>
+          </a:ln>
+        </p:spPr>
+        <p:style>
+          <a:lnRef idx="1">
+            <a:schemeClr val="accent1"/>
+          </a:lnRef>
+          <a:fillRef idx="0">
+            <a:schemeClr val="accent1"/>
+          </a:fillRef>
+          <a:effectRef idx="0">
+            <a:schemeClr val="accent1"/>
+          </a:effectRef>
+          <a:fontRef idx="minor">
+            <a:schemeClr val="tx1"/>
+          </a:fontRef>
+        </p:style>
+      </p:cxnSp>
+      <p:cxnSp>
+        <p:nvCxnSpPr>
+          <p:cNvPr id="37" name="Gerade Verbindung mit Pfeil 36">
+            <a:extLst>
+              <a:ext uri="{FF2B5EF4-FFF2-40B4-BE49-F238E27FC236}">
+                <a16:creationId xmlns:a16="http://schemas.microsoft.com/office/drawing/2014/main" id="{A5087349-E044-41B8-BC83-E1806EB7621D}"/>
+              </a:ext>
+            </a:extLst>
+          </p:cNvPr>
+          <p:cNvCxnSpPr>
+            <a:cxnSpLocks/>
+          </p:cNvCxnSpPr>
+          <p:nvPr/>
+        </p:nvCxnSpPr>
+        <p:spPr>
+          <a:xfrm>
+            <a:off x="1648282" y="935268"/>
+            <a:ext cx="466230" cy="0"/>
+          </a:xfrm>
+          <a:prstGeom prst="straightConnector1">
+            <a:avLst/>
+          </a:prstGeom>
+          <a:ln w="25400">
+            <a:solidFill>
+              <a:schemeClr val="tx1"/>
+            </a:solidFill>
+            <a:headEnd type="none"/>
+            <a:tailEnd type="triangle"/>
+          </a:ln>
+        </p:spPr>
+        <p:style>
+          <a:lnRef idx="1">
+            <a:schemeClr val="accent1"/>
+          </a:lnRef>
+          <a:fillRef idx="0">
+            <a:schemeClr val="accent1"/>
+          </a:fillRef>
+          <a:effectRef idx="0">
+            <a:schemeClr val="accent1"/>
+          </a:effectRef>
+          <a:fontRef idx="minor">
+            <a:schemeClr val="tx1"/>
+          </a:fontRef>
+        </p:style>
+      </p:cxnSp>
+      <p:sp>
+        <p:nvSpPr>
+          <p:cNvPr id="41" name="Textfeld 40">
+            <a:extLst>
+              <a:ext uri="{FF2B5EF4-FFF2-40B4-BE49-F238E27FC236}">
+                <a16:creationId xmlns:a16="http://schemas.microsoft.com/office/drawing/2014/main" id="{70BDBC08-6DA2-42B0-91A8-1F1CBBA3AEE6}"/>
+              </a:ext>
+            </a:extLst>
+          </p:cNvPr>
+          <p:cNvSpPr txBox="1"/>
+          <p:nvPr/>
+        </p:nvSpPr>
+        <p:spPr>
+          <a:xfrm>
+            <a:off x="200173" y="1381584"/>
+            <a:ext cx="612008" cy="323976"/>
+          </a:xfrm>
+          <a:prstGeom prst="rect">
+            <a:avLst/>
+          </a:prstGeom>
+          <a:noFill/>
+          <a:ln w="25400">
+            <a:solidFill>
+              <a:schemeClr val="tx1"/>
+            </a:solidFill>
+            <a:prstDash val="solid"/>
+          </a:ln>
+        </p:spPr>
+        <p:txBody>
+          <a:bodyPr wrap="square" rtlCol="0">
+            <a:spAutoFit/>
+          </a:bodyPr>
+          <a:lstStyle/>
+          <a:p>
+            <a:endParaRPr lang="de-DE" dirty="0"/>
+          </a:p>
+        </p:txBody>
+      </p:sp>
+      <p:sp>
+        <p:nvSpPr>
+          <p:cNvPr id="42" name="Textfeld 41">
+            <a:extLst>
+              <a:ext uri="{FF2B5EF4-FFF2-40B4-BE49-F238E27FC236}">
+                <a16:creationId xmlns:a16="http://schemas.microsoft.com/office/drawing/2014/main" id="{185A02B6-DAB5-4BF1-A8F2-4D2ACB01CA93}"/>
+              </a:ext>
+            </a:extLst>
+          </p:cNvPr>
+          <p:cNvSpPr txBox="1"/>
+          <p:nvPr/>
+        </p:nvSpPr>
+        <p:spPr>
+          <a:xfrm>
+            <a:off x="0" y="1417442"/>
+            <a:ext cx="1008112" cy="246221"/>
+          </a:xfrm>
+          <a:prstGeom prst="rect">
+            <a:avLst/>
+          </a:prstGeom>
+          <a:noFill/>
+        </p:spPr>
+        <p:txBody>
+          <a:bodyPr wrap="square" rtlCol="0" anchor="ctr">
+            <a:spAutoFit/>
+          </a:bodyPr>
+          <a:lstStyle/>
+          <a:p>
+            <a:pPr algn="ctr"/>
+            <a:r>
+              <a:rPr lang="de-DE" sz="1000" dirty="0"/>
+              <a:t>Netz</a:t>
+            </a:r>
+          </a:p>
+        </p:txBody>
+      </p:sp>
+      <p:cxnSp>
+        <p:nvCxnSpPr>
+          <p:cNvPr id="43" name="Gerade Verbindung mit Pfeil 42">
+            <a:extLst>
+              <a:ext uri="{FF2B5EF4-FFF2-40B4-BE49-F238E27FC236}">
+                <a16:creationId xmlns:a16="http://schemas.microsoft.com/office/drawing/2014/main" id="{BF1322CA-8D7B-4D9A-B686-D5A3F9CD87FD}"/>
+              </a:ext>
+            </a:extLst>
+          </p:cNvPr>
+          <p:cNvCxnSpPr>
+            <a:cxnSpLocks/>
+          </p:cNvCxnSpPr>
+          <p:nvPr/>
+        </p:nvCxnSpPr>
+        <p:spPr>
+          <a:xfrm flipH="1">
+            <a:off x="812181" y="1548079"/>
+            <a:ext cx="247942" cy="0"/>
+          </a:xfrm>
+          <a:prstGeom prst="straightConnector1">
+            <a:avLst/>
+          </a:prstGeom>
+          <a:ln w="25400">
+            <a:solidFill>
+              <a:schemeClr val="tx1"/>
+            </a:solidFill>
+            <a:headEnd type="none"/>
+            <a:tailEnd type="none"/>
+          </a:ln>
+        </p:spPr>
+        <p:style>
+          <a:lnRef idx="1">
+            <a:schemeClr val="accent1"/>
+          </a:lnRef>
+          <a:fillRef idx="0">
+            <a:schemeClr val="accent1"/>
+          </a:fillRef>
+          <a:effectRef idx="0">
+            <a:schemeClr val="accent1"/>
+          </a:effectRef>
+          <a:fontRef idx="minor">
+            <a:schemeClr val="tx1"/>
+          </a:fontRef>
+        </p:style>
+      </p:cxnSp>
+      <p:sp>
+        <p:nvSpPr>
+          <p:cNvPr id="49" name="Textfeld 48">
+            <a:extLst>
+              <a:ext uri="{FF2B5EF4-FFF2-40B4-BE49-F238E27FC236}">
+                <a16:creationId xmlns:a16="http://schemas.microsoft.com/office/drawing/2014/main" id="{089527AA-9915-4709-BBD1-32F94D2D31B8}"/>
+              </a:ext>
+            </a:extLst>
+          </p:cNvPr>
+          <p:cNvSpPr txBox="1"/>
+          <p:nvPr/>
+        </p:nvSpPr>
+        <p:spPr>
+          <a:xfrm>
+            <a:off x="3288973" y="764756"/>
+            <a:ext cx="612008" cy="323976"/>
+          </a:xfrm>
+          <a:prstGeom prst="rect">
+            <a:avLst/>
+          </a:prstGeom>
+          <a:noFill/>
+          <a:ln w="25400">
+            <a:solidFill>
+              <a:schemeClr val="tx1"/>
+            </a:solidFill>
+            <a:prstDash val="solid"/>
+          </a:ln>
+        </p:spPr>
+        <p:txBody>
+          <a:bodyPr wrap="square" rtlCol="0">
+            <a:spAutoFit/>
+          </a:bodyPr>
+          <a:lstStyle/>
+          <a:p>
+            <a:endParaRPr lang="de-DE" dirty="0"/>
+          </a:p>
+        </p:txBody>
+      </p:sp>
+      <p:sp>
+        <p:nvSpPr>
+          <p:cNvPr id="50" name="Textfeld 49">
+            <a:extLst>
+              <a:ext uri="{FF2B5EF4-FFF2-40B4-BE49-F238E27FC236}">
+                <a16:creationId xmlns:a16="http://schemas.microsoft.com/office/drawing/2014/main" id="{3AA8CE60-BE8D-40D2-8D61-BCFC9A213056}"/>
+              </a:ext>
+            </a:extLst>
+          </p:cNvPr>
+          <p:cNvSpPr txBox="1"/>
+          <p:nvPr/>
+        </p:nvSpPr>
+        <p:spPr>
+          <a:xfrm>
+            <a:off x="3073925" y="803633"/>
+            <a:ext cx="1008112" cy="246221"/>
+          </a:xfrm>
+          <a:prstGeom prst="rect">
+            <a:avLst/>
+          </a:prstGeom>
+          <a:noFill/>
+        </p:spPr>
+        <p:txBody>
+          <a:bodyPr wrap="square" rtlCol="0" anchor="ctr">
+            <a:spAutoFit/>
+          </a:bodyPr>
+          <a:lstStyle/>
+          <a:p>
+            <a:pPr algn="ctr"/>
+            <a:r>
+              <a:rPr lang="de-DE" sz="1000" dirty="0"/>
+              <a:t>Auto</a:t>
+            </a:r>
+          </a:p>
+        </p:txBody>
+      </p:sp>
+      <p:sp>
+        <p:nvSpPr>
+          <p:cNvPr id="20" name="Textfeld 19">
+            <a:extLst>
+              <a:ext uri="{FF2B5EF4-FFF2-40B4-BE49-F238E27FC236}">
+                <a16:creationId xmlns:a16="http://schemas.microsoft.com/office/drawing/2014/main" id="{85D83572-E30D-4F1B-87AB-E42A3C232A75}"/>
+              </a:ext>
+            </a:extLst>
+          </p:cNvPr>
+          <p:cNvSpPr txBox="1"/>
+          <p:nvPr/>
+        </p:nvSpPr>
+        <p:spPr>
+          <a:xfrm>
+            <a:off x="859160" y="0"/>
+            <a:ext cx="1135142" cy="246221"/>
+          </a:xfrm>
+          <a:prstGeom prst="rect">
+            <a:avLst/>
+          </a:prstGeom>
+          <a:noFill/>
+        </p:spPr>
+        <p:txBody>
+          <a:bodyPr wrap="square" rtlCol="0" anchor="ctr">
+            <a:spAutoFit/>
+          </a:bodyPr>
+          <a:lstStyle/>
+          <a:p>
+            <a:pPr algn="ctr"/>
+            <a:r>
+              <a:rPr lang="de-DE" sz="1000" dirty="0"/>
+              <a:t>Wechselschalter</a:t>
+            </a:r>
+          </a:p>
+        </p:txBody>
+      </p:sp>
+    </p:spTree>
+    <p:extLst>
+      <p:ext uri="{BB962C8B-B14F-4D97-AF65-F5344CB8AC3E}">
+        <p14:creationId xmlns:p14="http://schemas.microsoft.com/office/powerpoint/2010/main" val="1812007573"/>
       </p:ext>
     </p:extLst>
   </p:cSld>

--- a/rec/bilder a4.pptx
+++ b/rec/bilder a4.pptx
@@ -8569,6 +8569,90 @@
       </p:grpSpPr>
       <p:sp>
         <p:nvSpPr>
+          <p:cNvPr id="27" name="Textfeld 26">
+            <a:extLst>
+              <a:ext uri="{FF2B5EF4-FFF2-40B4-BE49-F238E27FC236}">
+                <a16:creationId xmlns:a16="http://schemas.microsoft.com/office/drawing/2014/main" id="{5DD75A66-7AB5-48DC-92BC-0900D3F4E20E}"/>
+              </a:ext>
+            </a:extLst>
+          </p:cNvPr>
+          <p:cNvSpPr txBox="1"/>
+          <p:nvPr/>
+        </p:nvSpPr>
+        <p:spPr>
+          <a:xfrm>
+            <a:off x="4176660" y="8018292"/>
+            <a:ext cx="612008" cy="246221"/>
+          </a:xfrm>
+          <a:prstGeom prst="rect">
+            <a:avLst/>
+          </a:prstGeom>
+          <a:noFill/>
+        </p:spPr>
+        <p:txBody>
+          <a:bodyPr wrap="square" rtlCol="0" anchor="ctr">
+            <a:spAutoFit/>
+          </a:bodyPr>
+          <a:lstStyle/>
+          <a:p>
+            <a:pPr algn="ctr"/>
+            <a:r>
+              <a:rPr lang="de-DE" sz="1000" dirty="0" err="1"/>
+              <a:t>U</a:t>
+            </a:r>
+            <a:r>
+              <a:rPr lang="de-DE" sz="1000" baseline="-25000" dirty="0" err="1"/>
+              <a:t>Bahn</a:t>
+            </a:r>
+            <a:endParaRPr lang="de-DE" sz="1000" dirty="0"/>
+          </a:p>
+        </p:txBody>
+      </p:sp>
+      <p:sp>
+        <p:nvSpPr>
+          <p:cNvPr id="31" name="Textfeld 30">
+            <a:extLst>
+              <a:ext uri="{FF2B5EF4-FFF2-40B4-BE49-F238E27FC236}">
+                <a16:creationId xmlns:a16="http://schemas.microsoft.com/office/drawing/2014/main" id="{A96EC961-96D9-44CB-A1EF-0A9AE8E32FF2}"/>
+              </a:ext>
+            </a:extLst>
+          </p:cNvPr>
+          <p:cNvSpPr txBox="1"/>
+          <p:nvPr/>
+        </p:nvSpPr>
+        <p:spPr>
+          <a:xfrm>
+            <a:off x="3406115" y="8062088"/>
+            <a:ext cx="1067371" cy="400110"/>
+          </a:xfrm>
+          <a:prstGeom prst="rect">
+            <a:avLst/>
+          </a:prstGeom>
+          <a:noFill/>
+        </p:spPr>
+        <p:txBody>
+          <a:bodyPr wrap="square" rtlCol="0" anchor="ctr">
+            <a:spAutoFit/>
+          </a:bodyPr>
+          <a:lstStyle/>
+          <a:p>
+            <a:pPr algn="ctr"/>
+            <a:r>
+              <a:rPr lang="de-DE" sz="1000" dirty="0"/>
+              <a:t>Regelkreis</a:t>
+            </a:r>
+          </a:p>
+          <a:p>
+            <a:pPr algn="ctr"/>
+            <a:r>
+              <a:rPr lang="de-DE" sz="1000" dirty="0"/>
+              <a:t>Spannung</a:t>
+            </a:r>
+          </a:p>
+        </p:txBody>
+      </p:sp>
+      <p:sp>
+        <p:nvSpPr>
           <p:cNvPr id="30" name="Textfeld 29">
             <a:extLst>
               <a:ext uri="{FF2B5EF4-FFF2-40B4-BE49-F238E27FC236}">
@@ -8581,7 +8665,7 @@
         </p:nvSpPr>
         <p:spPr>
           <a:xfrm>
-            <a:off x="3539828" y="8109754"/>
+            <a:off x="3559254" y="8109754"/>
             <a:ext cx="725953" cy="323976"/>
           </a:xfrm>
           <a:prstGeom prst="rect">
@@ -8602,49 +8686,6 @@
           <a:lstStyle/>
           <a:p>
             <a:endParaRPr lang="de-DE" dirty="0"/>
-          </a:p>
-        </p:txBody>
-      </p:sp>
-      <p:sp>
-        <p:nvSpPr>
-          <p:cNvPr id="31" name="Textfeld 30">
-            <a:extLst>
-              <a:ext uri="{FF2B5EF4-FFF2-40B4-BE49-F238E27FC236}">
-                <a16:creationId xmlns:a16="http://schemas.microsoft.com/office/drawing/2014/main" id="{A96EC961-96D9-44CB-A1EF-0A9AE8E32FF2}"/>
-              </a:ext>
-            </a:extLst>
-          </p:cNvPr>
-          <p:cNvSpPr txBox="1"/>
-          <p:nvPr/>
-        </p:nvSpPr>
-        <p:spPr>
-          <a:xfrm>
-            <a:off x="3369503" y="8071687"/>
-            <a:ext cx="1067371" cy="400110"/>
-          </a:xfrm>
-          <a:prstGeom prst="rect">
-            <a:avLst/>
-          </a:prstGeom>
-          <a:noFill/>
-        </p:spPr>
-        <p:txBody>
-          <a:bodyPr wrap="square" rtlCol="0" anchor="ctr">
-            <a:spAutoFit/>
-          </a:bodyPr>
-          <a:lstStyle/>
-          <a:p>
-            <a:pPr algn="ctr"/>
-            <a:r>
-              <a:rPr lang="de-DE" sz="1000" dirty="0"/>
-              <a:t>Regelkreis</a:t>
-            </a:r>
-          </a:p>
-          <a:p>
-            <a:pPr algn="ctr"/>
-            <a:r>
-              <a:rPr lang="de-DE" sz="1000" dirty="0"/>
-              <a:t>Spannung</a:t>
-            </a:r>
           </a:p>
         </p:txBody>
       </p:sp>
@@ -8662,7 +8703,7 @@
         </p:nvSpPr>
         <p:spPr>
           <a:xfrm>
-            <a:off x="2380697" y="8111460"/>
+            <a:off x="2599455" y="8109755"/>
             <a:ext cx="612008" cy="323976"/>
           </a:xfrm>
           <a:prstGeom prst="rect">
@@ -8700,7 +8741,7 @@
         </p:nvSpPr>
         <p:spPr>
           <a:xfrm>
-            <a:off x="2186880" y="8141628"/>
+            <a:off x="2405638" y="8139923"/>
             <a:ext cx="1008112" cy="246221"/>
           </a:xfrm>
           <a:prstGeom prst="rect">
@@ -8736,7 +8777,7 @@
         </p:nvSpPr>
         <p:spPr>
           <a:xfrm>
-            <a:off x="2738261" y="8033634"/>
+            <a:off x="2853469" y="8033634"/>
             <a:ext cx="1008112" cy="246221"/>
           </a:xfrm>
           <a:prstGeom prst="rect">
@@ -8777,8 +8818,8 @@
         </p:nvSpPr>
         <p:spPr>
           <a:xfrm>
-            <a:off x="1579300" y="8109754"/>
-            <a:ext cx="612008" cy="323976"/>
+            <a:off x="1579299" y="8109754"/>
+            <a:ext cx="808979" cy="323976"/>
           </a:xfrm>
           <a:prstGeom prst="rect">
             <a:avLst/>
@@ -8815,7 +8856,7 @@
         </p:nvSpPr>
         <p:spPr>
           <a:xfrm>
-            <a:off x="1372585" y="8156745"/>
+            <a:off x="1497195" y="8148401"/>
             <a:ext cx="1008112" cy="246221"/>
           </a:xfrm>
           <a:prstGeom prst="rect">
@@ -8836,7 +8877,7 @@
             </a:r>
             <a:r>
               <a:rPr lang="de-DE" sz="1000" baseline="-25000" dirty="0" err="1"/>
-              <a:t>Automatik</a:t>
+              <a:t>Geschwindigkeit</a:t>
             </a:r>
             <a:endParaRPr lang="de-DE" sz="1000" dirty="0"/>
           </a:p>
@@ -8856,7 +8897,7 @@
         </p:nvSpPr>
         <p:spPr>
           <a:xfrm>
-            <a:off x="4716216" y="8102750"/>
+            <a:off x="4711804" y="8112912"/>
             <a:ext cx="612008" cy="323976"/>
           </a:xfrm>
           <a:prstGeom prst="rect">
@@ -8929,13 +8970,15 @@
           </p:cNvPr>
           <p:cNvCxnSpPr>
             <a:cxnSpLocks/>
+            <a:stCxn id="30" idx="3"/>
+            <a:endCxn id="23" idx="1"/>
           </p:cNvCxnSpPr>
           <p:nvPr/>
         </p:nvCxnSpPr>
         <p:spPr>
-          <a:xfrm>
-            <a:off x="4265781" y="8269464"/>
-            <a:ext cx="449418" cy="0"/>
+          <a:xfrm flipV="1">
+            <a:off x="4285207" y="8268418"/>
+            <a:ext cx="426597" cy="3324"/>
           </a:xfrm>
           <a:prstGeom prst="straightConnector1">
             <a:avLst/>
@@ -8979,8 +9022,8 @@
         </p:nvCxnSpPr>
         <p:spPr>
           <a:xfrm>
-            <a:off x="2992705" y="8273448"/>
-            <a:ext cx="547194" cy="0"/>
+            <a:off x="3211463" y="8271743"/>
+            <a:ext cx="353189" cy="0"/>
           </a:xfrm>
           <a:prstGeom prst="straightConnector1">
             <a:avLst/>
@@ -9018,14 +9061,15 @@
             </a:extLst>
           </p:cNvPr>
           <p:cNvCxnSpPr>
+            <a:cxnSpLocks/>
             <a:endCxn id="4" idx="1"/>
           </p:cNvCxnSpPr>
           <p:nvPr/>
         </p:nvCxnSpPr>
         <p:spPr>
           <a:xfrm>
-            <a:off x="2194548" y="8271744"/>
-            <a:ext cx="186149" cy="1704"/>
+            <a:off x="2381962" y="8269464"/>
+            <a:ext cx="217493" cy="2279"/>
           </a:xfrm>
           <a:prstGeom prst="straightConnector1">
             <a:avLst/>
@@ -9460,7 +9504,7 @@
         </p:nvSpPr>
         <p:spPr>
           <a:xfrm>
-            <a:off x="4708622" y="8139033"/>
+            <a:off x="4711804" y="8145307"/>
             <a:ext cx="627195" cy="246221"/>
           </a:xfrm>
           <a:prstGeom prst="rect">
@@ -9611,47 +9655,6 @@
       </p:sp>
       <p:sp>
         <p:nvSpPr>
-          <p:cNvPr id="27" name="Textfeld 26">
-            <a:extLst>
-              <a:ext uri="{FF2B5EF4-FFF2-40B4-BE49-F238E27FC236}">
-                <a16:creationId xmlns:a16="http://schemas.microsoft.com/office/drawing/2014/main" id="{5DD75A66-7AB5-48DC-92BC-0900D3F4E20E}"/>
-              </a:ext>
-            </a:extLst>
-          </p:cNvPr>
-          <p:cNvSpPr txBox="1"/>
-          <p:nvPr/>
-        </p:nvSpPr>
-        <p:spPr>
-          <a:xfrm>
-            <a:off x="4157981" y="8018517"/>
-            <a:ext cx="612008" cy="246221"/>
-          </a:xfrm>
-          <a:prstGeom prst="rect">
-            <a:avLst/>
-          </a:prstGeom>
-          <a:noFill/>
-        </p:spPr>
-        <p:txBody>
-          <a:bodyPr wrap="square" rtlCol="0" anchor="ctr">
-            <a:spAutoFit/>
-          </a:bodyPr>
-          <a:lstStyle/>
-          <a:p>
-            <a:pPr algn="ctr"/>
-            <a:r>
-              <a:rPr lang="de-DE" sz="1000" dirty="0" err="1"/>
-              <a:t>U</a:t>
-            </a:r>
-            <a:r>
-              <a:rPr lang="de-DE" sz="1000" baseline="-25000" dirty="0" err="1"/>
-              <a:t>Bahn</a:t>
-            </a:r>
-            <a:endParaRPr lang="de-DE" sz="1000" dirty="0"/>
-          </a:p>
-        </p:txBody>
-      </p:sp>
-      <p:sp>
-        <p:nvSpPr>
           <p:cNvPr id="28" name="Textfeld 27">
             <a:extLst>
               <a:ext uri="{FF2B5EF4-FFF2-40B4-BE49-F238E27FC236}">
@@ -9785,7 +9788,7 @@
         </p:nvSpPr>
         <p:spPr>
           <a:xfrm>
-            <a:off x="1675518" y="5037765"/>
+            <a:off x="1675518" y="5036067"/>
             <a:ext cx="612008" cy="323976"/>
           </a:xfrm>
           <a:prstGeom prst="rect">
@@ -10072,9 +10075,9 @@
           <p:nvPr/>
         </p:nvCxnSpPr>
         <p:spPr>
-          <a:xfrm flipV="1">
+          <a:xfrm>
             <a:off x="2287526" y="5198055"/>
-            <a:ext cx="299119" cy="1698"/>
+            <a:ext cx="299119" cy="0"/>
           </a:xfrm>
           <a:prstGeom prst="straightConnector1">
             <a:avLst/>
@@ -10718,6 +10721,78 @@
               <a:t>Dutycycle</a:t>
             </a:r>
             <a:endParaRPr lang="de-DE" sz="1000" dirty="0"/>
+          </a:p>
+        </p:txBody>
+      </p:sp>
+      <p:sp>
+        <p:nvSpPr>
+          <p:cNvPr id="67" name="Textfeld 66">
+            <a:extLst>
+              <a:ext uri="{FF2B5EF4-FFF2-40B4-BE49-F238E27FC236}">
+                <a16:creationId xmlns:a16="http://schemas.microsoft.com/office/drawing/2014/main" id="{8F6642B7-7B71-444A-A97C-5A585FECEAD8}"/>
+              </a:ext>
+            </a:extLst>
+          </p:cNvPr>
+          <p:cNvSpPr txBox="1"/>
+          <p:nvPr/>
+        </p:nvSpPr>
+        <p:spPr>
+          <a:xfrm>
+            <a:off x="1424075" y="8080423"/>
+            <a:ext cx="92584" cy="246221"/>
+          </a:xfrm>
+          <a:prstGeom prst="rect">
+            <a:avLst/>
+          </a:prstGeom>
+          <a:noFill/>
+        </p:spPr>
+        <p:txBody>
+          <a:bodyPr wrap="square" rtlCol="0" anchor="ctr">
+            <a:spAutoFit/>
+          </a:bodyPr>
+          <a:lstStyle/>
+          <a:p>
+            <a:pPr algn="ctr"/>
+            <a:r>
+              <a:rPr lang="de-DE" sz="1000" dirty="0"/>
+              <a:t>e</a:t>
+            </a:r>
+          </a:p>
+        </p:txBody>
+      </p:sp>
+      <p:sp>
+        <p:nvSpPr>
+          <p:cNvPr id="68" name="Textfeld 67">
+            <a:extLst>
+              <a:ext uri="{FF2B5EF4-FFF2-40B4-BE49-F238E27FC236}">
+                <a16:creationId xmlns:a16="http://schemas.microsoft.com/office/drawing/2014/main" id="{4F38FA91-8415-449E-BF90-97A59CDE22F3}"/>
+              </a:ext>
+            </a:extLst>
+          </p:cNvPr>
+          <p:cNvSpPr txBox="1"/>
+          <p:nvPr/>
+        </p:nvSpPr>
+        <p:spPr>
+          <a:xfrm>
+            <a:off x="1469869" y="4981287"/>
+            <a:ext cx="92584" cy="246221"/>
+          </a:xfrm>
+          <a:prstGeom prst="rect">
+            <a:avLst/>
+          </a:prstGeom>
+          <a:noFill/>
+        </p:spPr>
+        <p:txBody>
+          <a:bodyPr wrap="square" rtlCol="0" anchor="ctr">
+            <a:spAutoFit/>
+          </a:bodyPr>
+          <a:lstStyle/>
+          <a:p>
+            <a:pPr algn="ctr"/>
+            <a:r>
+              <a:rPr lang="de-DE" sz="1000" dirty="0"/>
+              <a:t>e</a:t>
+            </a:r>
           </a:p>
         </p:txBody>
       </p:sp>
